--- a/idea/PLEDGE_TO_PROGRES_Microsoft_Sustainability.pptx
+++ b/idea/PLEDGE_TO_PROGRES_Microsoft_Sustainability.pptx
@@ -5,6 +5,9 @@
     <p:sldMasterId id="2147483648" r:id="rId1"/>
     <p:sldMasterId id="2147483661" r:id="rId2"/>
   </p:sldMasterIdLst>
+  <p:notesMasterIdLst>
+    <p:notesMasterId r:id="rId19"/>
+  </p:notesMasterIdLst>
   <p:sldIdLst>
     <p:sldId id="256" r:id="rId3"/>
     <p:sldId id="257" r:id="rId4"/>
@@ -14,11 +17,14 @@
     <p:sldId id="261" r:id="rId8"/>
     <p:sldId id="262" r:id="rId9"/>
     <p:sldId id="265" r:id="rId10"/>
-    <p:sldId id="268" r:id="rId11"/>
-    <p:sldId id="263" r:id="rId12"/>
-    <p:sldId id="267" r:id="rId13"/>
-    <p:sldId id="266" r:id="rId14"/>
-    <p:sldId id="264" r:id="rId15"/>
+    <p:sldId id="269" r:id="rId11"/>
+    <p:sldId id="270" r:id="rId12"/>
+    <p:sldId id="271" r:id="rId13"/>
+    <p:sldId id="272" r:id="rId14"/>
+    <p:sldId id="263" r:id="rId15"/>
+    <p:sldId id="267" r:id="rId16"/>
+    <p:sldId id="266" r:id="rId17"/>
+    <p:sldId id="264" r:id="rId18"/>
   </p:sldIdLst>
   <p:sldSz cx="9144000" cy="5143500" type="screen16x9"/>
   <p:notesSz cx="6858000" cy="9144000"/>
@@ -123,6 +129,771 @@
     </p:ext>
   </p:extLst>
 </p:presentation>
+</file>
+
+<file path=ppt/notesMasters/notesMaster1.xml><?xml version="1.0" encoding="utf-8"?>
+<p:notesMaster xmlns:a="http://schemas.openxmlformats.org/drawingml/2006/main" xmlns:r="http://schemas.openxmlformats.org/officeDocument/2006/relationships" xmlns:p="http://schemas.openxmlformats.org/presentationml/2006/main">
+  <p:cSld>
+    <p:bg>
+      <p:bgRef idx="1001">
+        <a:schemeClr val="bg1"/>
+      </p:bgRef>
+    </p:bg>
+    <p:spTree>
+      <p:nvGrpSpPr>
+        <p:cNvPr id="1" name=""/>
+        <p:cNvGrpSpPr/>
+        <p:nvPr/>
+      </p:nvGrpSpPr>
+      <p:grpSpPr>
+        <a:xfrm>
+          <a:off x="0" y="0"/>
+          <a:ext cx="0" cy="0"/>
+          <a:chOff x="0" y="0"/>
+          <a:chExt cx="0" cy="0"/>
+        </a:xfrm>
+      </p:grpSpPr>
+      <p:sp>
+        <p:nvSpPr>
+          <p:cNvPr id="2" name="Header Placeholder 1"/>
+          <p:cNvSpPr>
+            <a:spLocks noGrp="1"/>
+          </p:cNvSpPr>
+          <p:nvPr>
+            <p:ph type="hdr" sz="quarter"/>
+          </p:nvPr>
+        </p:nvSpPr>
+        <p:spPr>
+          <a:xfrm>
+            <a:off x="0" y="0"/>
+            <a:ext cx="2971800" cy="458788"/>
+          </a:xfrm>
+          <a:prstGeom prst="rect">
+            <a:avLst/>
+          </a:prstGeom>
+        </p:spPr>
+        <p:txBody>
+          <a:bodyPr vert="horz" lIns="91440" tIns="45720" rIns="91440" bIns="45720" rtlCol="0"/>
+          <a:lstStyle>
+            <a:lvl1pPr algn="l">
+              <a:defRPr sz="1200"/>
+            </a:lvl1pPr>
+          </a:lstStyle>
+          <a:p>
+            <a:endParaRPr lang="en-US"/>
+          </a:p>
+        </p:txBody>
+      </p:sp>
+      <p:sp>
+        <p:nvSpPr>
+          <p:cNvPr id="3" name="Date Placeholder 2"/>
+          <p:cNvSpPr>
+            <a:spLocks noGrp="1"/>
+          </p:cNvSpPr>
+          <p:nvPr>
+            <p:ph type="dt" idx="1"/>
+          </p:nvPr>
+        </p:nvSpPr>
+        <p:spPr>
+          <a:xfrm>
+            <a:off x="3884613" y="0"/>
+            <a:ext cx="2971800" cy="458788"/>
+          </a:xfrm>
+          <a:prstGeom prst="rect">
+            <a:avLst/>
+          </a:prstGeom>
+        </p:spPr>
+        <p:txBody>
+          <a:bodyPr vert="horz" lIns="91440" tIns="45720" rIns="91440" bIns="45720" rtlCol="0"/>
+          <a:lstStyle>
+            <a:lvl1pPr algn="r">
+              <a:defRPr sz="1200"/>
+            </a:lvl1pPr>
+          </a:lstStyle>
+          <a:p>
+            <a:fld id="{FBFD51B6-438E-4B49-BDFD-77DBC8044A30}" type="datetimeFigureOut">
+              <a:rPr lang="en-US" smtClean="0"/>
+              <a:t>4/21/2023</a:t>
+            </a:fld>
+            <a:endParaRPr lang="en-US"/>
+          </a:p>
+        </p:txBody>
+      </p:sp>
+      <p:sp>
+        <p:nvSpPr>
+          <p:cNvPr id="4" name="Slide Image Placeholder 3"/>
+          <p:cNvSpPr>
+            <a:spLocks noGrp="1" noRot="1" noChangeAspect="1"/>
+          </p:cNvSpPr>
+          <p:nvPr>
+            <p:ph type="sldImg" idx="2"/>
+          </p:nvPr>
+        </p:nvSpPr>
+        <p:spPr>
+          <a:xfrm>
+            <a:off x="685800" y="1143000"/>
+            <a:ext cx="5486400" cy="3086100"/>
+          </a:xfrm>
+          <a:prstGeom prst="rect">
+            <a:avLst/>
+          </a:prstGeom>
+          <a:noFill/>
+          <a:ln w="12700">
+            <a:solidFill>
+              <a:prstClr val="black"/>
+            </a:solidFill>
+          </a:ln>
+        </p:spPr>
+        <p:txBody>
+          <a:bodyPr vert="horz" lIns="91440" tIns="45720" rIns="91440" bIns="45720" rtlCol="0" anchor="ctr"/>
+          <a:lstStyle/>
+          <a:p>
+            <a:endParaRPr lang="en-US"/>
+          </a:p>
+        </p:txBody>
+      </p:sp>
+      <p:sp>
+        <p:nvSpPr>
+          <p:cNvPr id="5" name="Notes Placeholder 4"/>
+          <p:cNvSpPr>
+            <a:spLocks noGrp="1"/>
+          </p:cNvSpPr>
+          <p:nvPr>
+            <p:ph type="body" sz="quarter" idx="3"/>
+          </p:nvPr>
+        </p:nvSpPr>
+        <p:spPr>
+          <a:xfrm>
+            <a:off x="685800" y="4400550"/>
+            <a:ext cx="5486400" cy="3600450"/>
+          </a:xfrm>
+          <a:prstGeom prst="rect">
+            <a:avLst/>
+          </a:prstGeom>
+        </p:spPr>
+        <p:txBody>
+          <a:bodyPr vert="horz" lIns="91440" tIns="45720" rIns="91440" bIns="45720" rtlCol="0"/>
+          <a:lstStyle/>
+          <a:p>
+            <a:pPr lvl="0"/>
+            <a:r>
+              <a:rPr lang="en-US"/>
+              <a:t>Click to edit Master text styles</a:t>
+            </a:r>
+          </a:p>
+          <a:p>
+            <a:pPr lvl="1"/>
+            <a:r>
+              <a:rPr lang="en-US"/>
+              <a:t>Second level</a:t>
+            </a:r>
+          </a:p>
+          <a:p>
+            <a:pPr lvl="2"/>
+            <a:r>
+              <a:rPr lang="en-US"/>
+              <a:t>Third level</a:t>
+            </a:r>
+          </a:p>
+          <a:p>
+            <a:pPr lvl="3"/>
+            <a:r>
+              <a:rPr lang="en-US"/>
+              <a:t>Fourth level</a:t>
+            </a:r>
+          </a:p>
+          <a:p>
+            <a:pPr lvl="4"/>
+            <a:r>
+              <a:rPr lang="en-US"/>
+              <a:t>Fifth level</a:t>
+            </a:r>
+          </a:p>
+        </p:txBody>
+      </p:sp>
+      <p:sp>
+        <p:nvSpPr>
+          <p:cNvPr id="6" name="Footer Placeholder 5"/>
+          <p:cNvSpPr>
+            <a:spLocks noGrp="1"/>
+          </p:cNvSpPr>
+          <p:nvPr>
+            <p:ph type="ftr" sz="quarter" idx="4"/>
+          </p:nvPr>
+        </p:nvSpPr>
+        <p:spPr>
+          <a:xfrm>
+            <a:off x="0" y="8685213"/>
+            <a:ext cx="2971800" cy="458787"/>
+          </a:xfrm>
+          <a:prstGeom prst="rect">
+            <a:avLst/>
+          </a:prstGeom>
+        </p:spPr>
+        <p:txBody>
+          <a:bodyPr vert="horz" lIns="91440" tIns="45720" rIns="91440" bIns="45720" rtlCol="0" anchor="b"/>
+          <a:lstStyle>
+            <a:lvl1pPr algn="l">
+              <a:defRPr sz="1200"/>
+            </a:lvl1pPr>
+          </a:lstStyle>
+          <a:p>
+            <a:endParaRPr lang="en-US"/>
+          </a:p>
+        </p:txBody>
+      </p:sp>
+      <p:sp>
+        <p:nvSpPr>
+          <p:cNvPr id="7" name="Slide Number Placeholder 6"/>
+          <p:cNvSpPr>
+            <a:spLocks noGrp="1"/>
+          </p:cNvSpPr>
+          <p:nvPr>
+            <p:ph type="sldNum" sz="quarter" idx="5"/>
+          </p:nvPr>
+        </p:nvSpPr>
+        <p:spPr>
+          <a:xfrm>
+            <a:off x="3884613" y="8685213"/>
+            <a:ext cx="2971800" cy="458787"/>
+          </a:xfrm>
+          <a:prstGeom prst="rect">
+            <a:avLst/>
+          </a:prstGeom>
+        </p:spPr>
+        <p:txBody>
+          <a:bodyPr vert="horz" lIns="91440" tIns="45720" rIns="91440" bIns="45720" rtlCol="0" anchor="b"/>
+          <a:lstStyle>
+            <a:lvl1pPr algn="r">
+              <a:defRPr sz="1200"/>
+            </a:lvl1pPr>
+          </a:lstStyle>
+          <a:p>
+            <a:fld id="{8BB3C47D-3058-4F1D-BB61-062CDA001E78}" type="slidenum">
+              <a:rPr lang="en-US" smtClean="0"/>
+              <a:t>‹#›</a:t>
+            </a:fld>
+            <a:endParaRPr lang="en-US"/>
+          </a:p>
+        </p:txBody>
+      </p:sp>
+    </p:spTree>
+    <p:extLst>
+      <p:ext uri="{BB962C8B-B14F-4D97-AF65-F5344CB8AC3E}">
+        <p14:creationId xmlns:p14="http://schemas.microsoft.com/office/powerpoint/2010/main" val="2488823545"/>
+      </p:ext>
+    </p:extLst>
+  </p:cSld>
+  <p:clrMap bg1="lt1" tx1="dk1" bg2="lt2" tx2="dk2" accent1="accent1" accent2="accent2" accent3="accent3" accent4="accent4" accent5="accent5" accent6="accent6" hlink="hlink" folHlink="folHlink"/>
+  <p:notesStyle>
+    <a:lvl1pPr marL="0" algn="l" defTabSz="914400" rtl="0" eaLnBrk="1" latinLnBrk="0" hangingPunct="1">
+      <a:defRPr sz="1200" kern="1200">
+        <a:solidFill>
+          <a:schemeClr val="tx1"/>
+        </a:solidFill>
+        <a:latin typeface="+mn-lt"/>
+        <a:ea typeface="+mn-ea"/>
+        <a:cs typeface="+mn-cs"/>
+      </a:defRPr>
+    </a:lvl1pPr>
+    <a:lvl2pPr marL="457200" algn="l" defTabSz="914400" rtl="0" eaLnBrk="1" latinLnBrk="0" hangingPunct="1">
+      <a:defRPr sz="1200" kern="1200">
+        <a:solidFill>
+          <a:schemeClr val="tx1"/>
+        </a:solidFill>
+        <a:latin typeface="+mn-lt"/>
+        <a:ea typeface="+mn-ea"/>
+        <a:cs typeface="+mn-cs"/>
+      </a:defRPr>
+    </a:lvl2pPr>
+    <a:lvl3pPr marL="914400" algn="l" defTabSz="914400" rtl="0" eaLnBrk="1" latinLnBrk="0" hangingPunct="1">
+      <a:defRPr sz="1200" kern="1200">
+        <a:solidFill>
+          <a:schemeClr val="tx1"/>
+        </a:solidFill>
+        <a:latin typeface="+mn-lt"/>
+        <a:ea typeface="+mn-ea"/>
+        <a:cs typeface="+mn-cs"/>
+      </a:defRPr>
+    </a:lvl3pPr>
+    <a:lvl4pPr marL="1371600" algn="l" defTabSz="914400" rtl="0" eaLnBrk="1" latinLnBrk="0" hangingPunct="1">
+      <a:defRPr sz="1200" kern="1200">
+        <a:solidFill>
+          <a:schemeClr val="tx1"/>
+        </a:solidFill>
+        <a:latin typeface="+mn-lt"/>
+        <a:ea typeface="+mn-ea"/>
+        <a:cs typeface="+mn-cs"/>
+      </a:defRPr>
+    </a:lvl4pPr>
+    <a:lvl5pPr marL="1828800" algn="l" defTabSz="914400" rtl="0" eaLnBrk="1" latinLnBrk="0" hangingPunct="1">
+      <a:defRPr sz="1200" kern="1200">
+        <a:solidFill>
+          <a:schemeClr val="tx1"/>
+        </a:solidFill>
+        <a:latin typeface="+mn-lt"/>
+        <a:ea typeface="+mn-ea"/>
+        <a:cs typeface="+mn-cs"/>
+      </a:defRPr>
+    </a:lvl5pPr>
+    <a:lvl6pPr marL="2286000" algn="l" defTabSz="914400" rtl="0" eaLnBrk="1" latinLnBrk="0" hangingPunct="1">
+      <a:defRPr sz="1200" kern="1200">
+        <a:solidFill>
+          <a:schemeClr val="tx1"/>
+        </a:solidFill>
+        <a:latin typeface="+mn-lt"/>
+        <a:ea typeface="+mn-ea"/>
+        <a:cs typeface="+mn-cs"/>
+      </a:defRPr>
+    </a:lvl6pPr>
+    <a:lvl7pPr marL="2743200" algn="l" defTabSz="914400" rtl="0" eaLnBrk="1" latinLnBrk="0" hangingPunct="1">
+      <a:defRPr sz="1200" kern="1200">
+        <a:solidFill>
+          <a:schemeClr val="tx1"/>
+        </a:solidFill>
+        <a:latin typeface="+mn-lt"/>
+        <a:ea typeface="+mn-ea"/>
+        <a:cs typeface="+mn-cs"/>
+      </a:defRPr>
+    </a:lvl7pPr>
+    <a:lvl8pPr marL="3200400" algn="l" defTabSz="914400" rtl="0" eaLnBrk="1" latinLnBrk="0" hangingPunct="1">
+      <a:defRPr sz="1200" kern="1200">
+        <a:solidFill>
+          <a:schemeClr val="tx1"/>
+        </a:solidFill>
+        <a:latin typeface="+mn-lt"/>
+        <a:ea typeface="+mn-ea"/>
+        <a:cs typeface="+mn-cs"/>
+      </a:defRPr>
+    </a:lvl8pPr>
+    <a:lvl9pPr marL="3657600" algn="l" defTabSz="914400" rtl="0" eaLnBrk="1" latinLnBrk="0" hangingPunct="1">
+      <a:defRPr sz="1200" kern="1200">
+        <a:solidFill>
+          <a:schemeClr val="tx1"/>
+        </a:solidFill>
+        <a:latin typeface="+mn-lt"/>
+        <a:ea typeface="+mn-ea"/>
+        <a:cs typeface="+mn-cs"/>
+      </a:defRPr>
+    </a:lvl9pPr>
+  </p:notesStyle>
+</p:notesMaster>
+</file>
+
+<file path=ppt/notesSlides/notesSlide1.xml><?xml version="1.0" encoding="utf-8"?>
+<p:notes xmlns:a="http://schemas.openxmlformats.org/drawingml/2006/main" xmlns:r="http://schemas.openxmlformats.org/officeDocument/2006/relationships" xmlns:p="http://schemas.openxmlformats.org/presentationml/2006/main" showMasterSp="0" showMasterPhAnim="0">
+  <p:cSld>
+    <p:spTree>
+      <p:nvGrpSpPr>
+        <p:cNvPr id="1" name="Shape 169"/>
+        <p:cNvGrpSpPr/>
+        <p:nvPr/>
+      </p:nvGrpSpPr>
+      <p:grpSpPr>
+        <a:xfrm>
+          <a:off x="0" y="0"/>
+          <a:ext cx="0" cy="0"/>
+          <a:chOff x="0" y="0"/>
+          <a:chExt cx="0" cy="0"/>
+        </a:xfrm>
+      </p:grpSpPr>
+      <p:sp>
+        <p:nvSpPr>
+          <p:cNvPr id="170" name="Google Shape;170;p9:notes"/>
+          <p:cNvSpPr txBox="1">
+            <a:spLocks noGrp="1"/>
+          </p:cNvSpPr>
+          <p:nvPr>
+            <p:ph type="body" idx="1"/>
+          </p:nvPr>
+        </p:nvSpPr>
+        <p:spPr>
+          <a:xfrm>
+            <a:off x="685800" y="4343400"/>
+            <a:ext cx="5486400" cy="4114800"/>
+          </a:xfrm>
+          <a:prstGeom prst="rect">
+            <a:avLst/>
+          </a:prstGeom>
+        </p:spPr>
+        <p:txBody>
+          <a:bodyPr spcFirstLastPara="1" wrap="square" lIns="91425" tIns="91425" rIns="91425" bIns="91425" anchor="t" anchorCtr="0">
+            <a:noAutofit/>
+          </a:bodyPr>
+          <a:lstStyle/>
+          <a:p>
+            <a:pPr marL="0" lvl="0" indent="0" algn="l" rtl="0">
+              <a:spcBef>
+                <a:spcPts val="0"/>
+              </a:spcBef>
+              <a:spcAft>
+                <a:spcPts val="0"/>
+              </a:spcAft>
+              <a:buNone/>
+            </a:pPr>
+            <a:endParaRPr/>
+          </a:p>
+        </p:txBody>
+      </p:sp>
+      <p:sp>
+        <p:nvSpPr>
+          <p:cNvPr id="171" name="Google Shape;171;p9:notes"/>
+          <p:cNvSpPr>
+            <a:spLocks noGrp="1" noRot="1" noChangeAspect="1"/>
+          </p:cNvSpPr>
+          <p:nvPr>
+            <p:ph type="sldImg" idx="2"/>
+          </p:nvPr>
+        </p:nvSpPr>
+        <p:spPr>
+          <a:xfrm>
+            <a:off x="381000" y="685800"/>
+            <a:ext cx="6096000" cy="3429000"/>
+          </a:xfrm>
+          <a:custGeom>
+            <a:avLst/>
+            <a:gdLst/>
+            <a:ahLst/>
+            <a:cxnLst/>
+            <a:rect l="l" t="t" r="r" b="b"/>
+            <a:pathLst>
+              <a:path w="120000" h="120000" extrusionOk="0">
+                <a:moveTo>
+                  <a:pt x="0" y="0"/>
+                </a:moveTo>
+                <a:lnTo>
+                  <a:pt x="120000" y="0"/>
+                </a:lnTo>
+                <a:lnTo>
+                  <a:pt x="120000" y="120000"/>
+                </a:lnTo>
+                <a:lnTo>
+                  <a:pt x="0" y="120000"/>
+                </a:lnTo>
+                <a:close/>
+              </a:path>
+            </a:pathLst>
+          </a:custGeom>
+        </p:spPr>
+      </p:sp>
+    </p:spTree>
+  </p:cSld>
+  <p:clrMapOvr>
+    <a:masterClrMapping/>
+  </p:clrMapOvr>
+</p:notes>
+</file>
+
+<file path=ppt/notesSlides/notesSlide2.xml><?xml version="1.0" encoding="utf-8"?>
+<p:notes xmlns:a="http://schemas.openxmlformats.org/drawingml/2006/main" xmlns:r="http://schemas.openxmlformats.org/officeDocument/2006/relationships" xmlns:p="http://schemas.openxmlformats.org/presentationml/2006/main" showMasterSp="0" showMasterPhAnim="0">
+  <p:cSld>
+    <p:spTree>
+      <p:nvGrpSpPr>
+        <p:cNvPr id="1" name="Shape 176"/>
+        <p:cNvGrpSpPr/>
+        <p:nvPr/>
+      </p:nvGrpSpPr>
+      <p:grpSpPr>
+        <a:xfrm>
+          <a:off x="0" y="0"/>
+          <a:ext cx="0" cy="0"/>
+          <a:chOff x="0" y="0"/>
+          <a:chExt cx="0" cy="0"/>
+        </a:xfrm>
+      </p:grpSpPr>
+      <p:sp>
+        <p:nvSpPr>
+          <p:cNvPr id="177" name="Google Shape;177;g21a0632c2c5_0_0:notes"/>
+          <p:cNvSpPr>
+            <a:spLocks noGrp="1" noRot="1" noChangeAspect="1"/>
+          </p:cNvSpPr>
+          <p:nvPr>
+            <p:ph type="sldImg" idx="2"/>
+          </p:nvPr>
+        </p:nvSpPr>
+        <p:spPr>
+          <a:xfrm>
+            <a:off x="381000" y="685800"/>
+            <a:ext cx="6096000" cy="3429000"/>
+          </a:xfrm>
+          <a:custGeom>
+            <a:avLst/>
+            <a:gdLst/>
+            <a:ahLst/>
+            <a:cxnLst/>
+            <a:rect l="l" t="t" r="r" b="b"/>
+            <a:pathLst>
+              <a:path w="120000" h="120000" extrusionOk="0">
+                <a:moveTo>
+                  <a:pt x="0" y="0"/>
+                </a:moveTo>
+                <a:lnTo>
+                  <a:pt x="120000" y="0"/>
+                </a:lnTo>
+                <a:lnTo>
+                  <a:pt x="120000" y="120000"/>
+                </a:lnTo>
+                <a:lnTo>
+                  <a:pt x="0" y="120000"/>
+                </a:lnTo>
+                <a:close/>
+              </a:path>
+            </a:pathLst>
+          </a:custGeom>
+        </p:spPr>
+      </p:sp>
+      <p:sp>
+        <p:nvSpPr>
+          <p:cNvPr id="178" name="Google Shape;178;g21a0632c2c5_0_0:notes"/>
+          <p:cNvSpPr txBox="1">
+            <a:spLocks noGrp="1"/>
+          </p:cNvSpPr>
+          <p:nvPr>
+            <p:ph type="body" idx="1"/>
+          </p:nvPr>
+        </p:nvSpPr>
+        <p:spPr>
+          <a:xfrm>
+            <a:off x="685800" y="4343400"/>
+            <a:ext cx="5486400" cy="4114800"/>
+          </a:xfrm>
+          <a:prstGeom prst="rect">
+            <a:avLst/>
+          </a:prstGeom>
+        </p:spPr>
+        <p:txBody>
+          <a:bodyPr spcFirstLastPara="1" wrap="square" lIns="91425" tIns="91425" rIns="91425" bIns="91425" anchor="t" anchorCtr="0">
+            <a:noAutofit/>
+          </a:bodyPr>
+          <a:lstStyle/>
+          <a:p>
+            <a:pPr marL="0" lvl="0" indent="0" algn="l" rtl="0">
+              <a:spcBef>
+                <a:spcPts val="0"/>
+              </a:spcBef>
+              <a:spcAft>
+                <a:spcPts val="0"/>
+              </a:spcAft>
+              <a:buNone/>
+            </a:pPr>
+            <a:endParaRPr/>
+          </a:p>
+        </p:txBody>
+      </p:sp>
+    </p:spTree>
+  </p:cSld>
+  <p:clrMapOvr>
+    <a:masterClrMapping/>
+  </p:clrMapOvr>
+</p:notes>
+</file>
+
+<file path=ppt/notesSlides/notesSlide3.xml><?xml version="1.0" encoding="utf-8"?>
+<p:notes xmlns:a="http://schemas.openxmlformats.org/drawingml/2006/main" xmlns:r="http://schemas.openxmlformats.org/officeDocument/2006/relationships" xmlns:p="http://schemas.openxmlformats.org/presentationml/2006/main" showMasterSp="0" showMasterPhAnim="0">
+  <p:cSld>
+    <p:spTree>
+      <p:nvGrpSpPr>
+        <p:cNvPr id="1" name="Shape 182"/>
+        <p:cNvGrpSpPr/>
+        <p:nvPr/>
+      </p:nvGrpSpPr>
+      <p:grpSpPr>
+        <a:xfrm>
+          <a:off x="0" y="0"/>
+          <a:ext cx="0" cy="0"/>
+          <a:chOff x="0" y="0"/>
+          <a:chExt cx="0" cy="0"/>
+        </a:xfrm>
+      </p:grpSpPr>
+      <p:sp>
+        <p:nvSpPr>
+          <p:cNvPr id="183" name="Google Shape;183;g21a0632c2c5_0_6:notes"/>
+          <p:cNvSpPr>
+            <a:spLocks noGrp="1" noRot="1" noChangeAspect="1"/>
+          </p:cNvSpPr>
+          <p:nvPr>
+            <p:ph type="sldImg" idx="2"/>
+          </p:nvPr>
+        </p:nvSpPr>
+        <p:spPr>
+          <a:xfrm>
+            <a:off x="381000" y="685800"/>
+            <a:ext cx="6096000" cy="3429000"/>
+          </a:xfrm>
+          <a:custGeom>
+            <a:avLst/>
+            <a:gdLst/>
+            <a:ahLst/>
+            <a:cxnLst/>
+            <a:rect l="l" t="t" r="r" b="b"/>
+            <a:pathLst>
+              <a:path w="120000" h="120000" extrusionOk="0">
+                <a:moveTo>
+                  <a:pt x="0" y="0"/>
+                </a:moveTo>
+                <a:lnTo>
+                  <a:pt x="120000" y="0"/>
+                </a:lnTo>
+                <a:lnTo>
+                  <a:pt x="120000" y="120000"/>
+                </a:lnTo>
+                <a:lnTo>
+                  <a:pt x="0" y="120000"/>
+                </a:lnTo>
+                <a:close/>
+              </a:path>
+            </a:pathLst>
+          </a:custGeom>
+        </p:spPr>
+      </p:sp>
+      <p:sp>
+        <p:nvSpPr>
+          <p:cNvPr id="184" name="Google Shape;184;g21a0632c2c5_0_6:notes"/>
+          <p:cNvSpPr txBox="1">
+            <a:spLocks noGrp="1"/>
+          </p:cNvSpPr>
+          <p:nvPr>
+            <p:ph type="body" idx="1"/>
+          </p:nvPr>
+        </p:nvSpPr>
+        <p:spPr>
+          <a:xfrm>
+            <a:off x="685800" y="4343400"/>
+            <a:ext cx="5486400" cy="4114800"/>
+          </a:xfrm>
+          <a:prstGeom prst="rect">
+            <a:avLst/>
+          </a:prstGeom>
+        </p:spPr>
+        <p:txBody>
+          <a:bodyPr spcFirstLastPara="1" wrap="square" lIns="91425" tIns="91425" rIns="91425" bIns="91425" anchor="t" anchorCtr="0">
+            <a:noAutofit/>
+          </a:bodyPr>
+          <a:lstStyle/>
+          <a:p>
+            <a:pPr marL="0" lvl="0" indent="0" algn="l" rtl="0">
+              <a:spcBef>
+                <a:spcPts val="0"/>
+              </a:spcBef>
+              <a:spcAft>
+                <a:spcPts val="0"/>
+              </a:spcAft>
+              <a:buNone/>
+            </a:pPr>
+            <a:endParaRPr/>
+          </a:p>
+        </p:txBody>
+      </p:sp>
+    </p:spTree>
+  </p:cSld>
+  <p:clrMapOvr>
+    <a:masterClrMapping/>
+  </p:clrMapOvr>
+</p:notes>
+</file>
+
+<file path=ppt/notesSlides/notesSlide4.xml><?xml version="1.0" encoding="utf-8"?>
+<p:notes xmlns:a="http://schemas.openxmlformats.org/drawingml/2006/main" xmlns:r="http://schemas.openxmlformats.org/officeDocument/2006/relationships" xmlns:p="http://schemas.openxmlformats.org/presentationml/2006/main" showMasterSp="0" showMasterPhAnim="0">
+  <p:cSld>
+    <p:spTree>
+      <p:nvGrpSpPr>
+        <p:cNvPr id="1" name="Shape 188"/>
+        <p:cNvGrpSpPr/>
+        <p:nvPr/>
+      </p:nvGrpSpPr>
+      <p:grpSpPr>
+        <a:xfrm>
+          <a:off x="0" y="0"/>
+          <a:ext cx="0" cy="0"/>
+          <a:chOff x="0" y="0"/>
+          <a:chExt cx="0" cy="0"/>
+        </a:xfrm>
+      </p:grpSpPr>
+      <p:sp>
+        <p:nvSpPr>
+          <p:cNvPr id="189" name="Google Shape;189;g21a0632c2c5_0_17:notes"/>
+          <p:cNvSpPr>
+            <a:spLocks noGrp="1" noRot="1" noChangeAspect="1"/>
+          </p:cNvSpPr>
+          <p:nvPr>
+            <p:ph type="sldImg" idx="2"/>
+          </p:nvPr>
+        </p:nvSpPr>
+        <p:spPr>
+          <a:xfrm>
+            <a:off x="381000" y="685800"/>
+            <a:ext cx="6096000" cy="3429000"/>
+          </a:xfrm>
+          <a:custGeom>
+            <a:avLst/>
+            <a:gdLst/>
+            <a:ahLst/>
+            <a:cxnLst/>
+            <a:rect l="l" t="t" r="r" b="b"/>
+            <a:pathLst>
+              <a:path w="120000" h="120000" extrusionOk="0">
+                <a:moveTo>
+                  <a:pt x="0" y="0"/>
+                </a:moveTo>
+                <a:lnTo>
+                  <a:pt x="120000" y="0"/>
+                </a:lnTo>
+                <a:lnTo>
+                  <a:pt x="120000" y="120000"/>
+                </a:lnTo>
+                <a:lnTo>
+                  <a:pt x="0" y="120000"/>
+                </a:lnTo>
+                <a:close/>
+              </a:path>
+            </a:pathLst>
+          </a:custGeom>
+        </p:spPr>
+      </p:sp>
+      <p:sp>
+        <p:nvSpPr>
+          <p:cNvPr id="190" name="Google Shape;190;g21a0632c2c5_0_17:notes"/>
+          <p:cNvSpPr txBox="1">
+            <a:spLocks noGrp="1"/>
+          </p:cNvSpPr>
+          <p:nvPr>
+            <p:ph type="body" idx="1"/>
+          </p:nvPr>
+        </p:nvSpPr>
+        <p:spPr>
+          <a:xfrm>
+            <a:off x="685800" y="4343400"/>
+            <a:ext cx="5486400" cy="4114800"/>
+          </a:xfrm>
+          <a:prstGeom prst="rect">
+            <a:avLst/>
+          </a:prstGeom>
+        </p:spPr>
+        <p:txBody>
+          <a:bodyPr spcFirstLastPara="1" wrap="square" lIns="91425" tIns="91425" rIns="91425" bIns="91425" anchor="t" anchorCtr="0">
+            <a:noAutofit/>
+          </a:bodyPr>
+          <a:lstStyle/>
+          <a:p>
+            <a:pPr marL="0" lvl="0" indent="0" algn="l" rtl="0">
+              <a:spcBef>
+                <a:spcPts val="0"/>
+              </a:spcBef>
+              <a:spcAft>
+                <a:spcPts val="0"/>
+              </a:spcAft>
+              <a:buNone/>
+            </a:pPr>
+            <a:endParaRPr/>
+          </a:p>
+        </p:txBody>
+      </p:sp>
+    </p:spTree>
+  </p:cSld>
+  <p:clrMapOvr>
+    <a:masterClrMapping/>
+  </p:clrMapOvr>
+</p:notes>
 </file>
 
 <file path=ppt/slideLayouts/slideLayout1.xml><?xml version="1.0" encoding="utf-8"?>
@@ -4809,7 +5580,7 @@
   <p:cSld>
     <p:spTree>
       <p:nvGrpSpPr>
-        <p:cNvPr id="1" name=""/>
+        <p:cNvPr id="1" name="Shape 179"/>
         <p:cNvGrpSpPr/>
         <p:nvPr/>
       </p:nvGrpSpPr>
@@ -4823,14 +5594,71 @@
       </p:grpSpPr>
       <p:sp>
         <p:nvSpPr>
-          <p:cNvPr id="104" name="CustomShape 1"/>
-          <p:cNvSpPr/>
+          <p:cNvPr id="180" name="Google Shape;180;g21a0632c2c5_0_0"/>
+          <p:cNvSpPr txBox="1">
+            <a:spLocks noGrp="1"/>
+          </p:cNvSpPr>
+          <p:nvPr>
+            <p:ph type="title"/>
+          </p:nvPr>
+        </p:nvSpPr>
+        <p:spPr>
+          <a:xfrm>
+            <a:off x="199800" y="328750"/>
+            <a:ext cx="8649000" cy="561600"/>
+          </a:xfrm>
+          <a:prstGeom prst="rect">
+            <a:avLst/>
+          </a:prstGeom>
+        </p:spPr>
+        <p:txBody>
+          <a:bodyPr spcFirstLastPara="1" wrap="square" lIns="0" tIns="0" rIns="0" bIns="0" anchor="ctr" anchorCtr="0">
+            <a:noAutofit/>
+          </a:bodyPr>
+          <a:lstStyle/>
+          <a:p>
+            <a:pPr marL="0" lvl="0" indent="0" algn="l" rtl="0">
+              <a:lnSpc>
+                <a:spcPct val="100000"/>
+              </a:lnSpc>
+              <a:spcBef>
+                <a:spcPts val="0"/>
+              </a:spcBef>
+              <a:spcAft>
+                <a:spcPts val="0"/>
+              </a:spcAft>
+              <a:buClr>
+                <a:schemeClr val="dk1"/>
+              </a:buClr>
+              <a:buFont typeface="Arial"/>
+              <a:buNone/>
+            </a:pPr>
+            <a:r>
+              <a:rPr lang="en-US" sz="2000" b="1">
+                <a:solidFill>
+                  <a:srgbClr val="1F1F50"/>
+                </a:solidFill>
+                <a:latin typeface="Lato"/>
+                <a:ea typeface="Lato"/>
+                <a:cs typeface="Lato"/>
+                <a:sym typeface="Lato"/>
+              </a:rPr>
+              <a:t>Our USP - what differentiates us</a:t>
+            </a:r>
+            <a:endParaRPr/>
+          </a:p>
+        </p:txBody>
+      </p:sp>
+      <p:sp>
+        <p:nvSpPr>
+          <p:cNvPr id="181" name="Google Shape;181;g21a0632c2c5_0_0"/>
+          <p:cNvSpPr txBox="1"/>
           <p:nvPr/>
         </p:nvSpPr>
         <p:spPr>
           <a:xfrm>
-            <a:off x="0" y="0"/>
-            <a:ext cx="9209160" cy="492443"/>
+            <a:off x="280800" y="1047875"/>
+            <a:ext cx="8568000" cy="4063500"/>
           </a:xfrm>
           <a:prstGeom prst="rect">
             <a:avLst/>
@@ -4840,729 +5668,447 @@
             <a:noFill/>
           </a:ln>
         </p:spPr>
-        <p:style>
-          <a:lnRef idx="0">
-            <a:scrgbClr r="0" g="0" b="0"/>
-          </a:lnRef>
-          <a:fillRef idx="0">
-            <a:scrgbClr r="0" g="0" b="0"/>
-          </a:fillRef>
-          <a:effectRef idx="0">
-            <a:scrgbClr r="0" g="0" b="0"/>
-          </a:effectRef>
-          <a:fontRef idx="minor"/>
-        </p:style>
         <p:txBody>
-          <a:bodyPr tIns="91440" bIns="91440">
+          <a:bodyPr spcFirstLastPara="1" wrap="square" lIns="91425" tIns="91425" rIns="91425" bIns="91425" anchor="t" anchorCtr="0">
             <a:spAutoFit/>
           </a:bodyPr>
           <a:lstStyle/>
           <a:p>
-            <a:pPr>
-              <a:lnSpc>
-                <a:spcPct val="100000"/>
-              </a:lnSpc>
-              <a:tabLst>
-                <a:tab pos="0" algn="l"/>
-              </a:tabLst>
-            </a:pPr>
-            <a:r>
-              <a:rPr lang="en" sz="2000" b="1" strike="noStrike" spc="-1" dirty="0">
-                <a:solidFill>
-                  <a:srgbClr val="1F1F50"/>
-                </a:solidFill>
-                <a:latin typeface="Lato"/>
-                <a:ea typeface="Lato"/>
-              </a:rPr>
-              <a:t>Functional components</a:t>
-            </a:r>
-            <a:endParaRPr lang="en-IN" sz="2000" b="0" strike="noStrike" spc="-1" dirty="0">
-              <a:latin typeface="Arial"/>
-            </a:endParaRPr>
-          </a:p>
-        </p:txBody>
-      </p:sp>
-      <p:sp>
-        <p:nvSpPr>
-          <p:cNvPr id="105" name="CustomShape 2"/>
-          <p:cNvSpPr/>
-          <p:nvPr/>
-        </p:nvSpPr>
-        <p:spPr>
-          <a:xfrm>
-            <a:off x="330605" y="492443"/>
-            <a:ext cx="3857104" cy="4493538"/>
-          </a:xfrm>
-          <a:prstGeom prst="rect">
-            <a:avLst/>
-          </a:prstGeom>
-          <a:noFill/>
-          <a:ln>
-            <a:noFill/>
-          </a:ln>
-        </p:spPr>
-        <p:style>
-          <a:lnRef idx="0">
-            <a:scrgbClr r="0" g="0" b="0"/>
-          </a:lnRef>
-          <a:fillRef idx="0">
-            <a:scrgbClr r="0" g="0" b="0"/>
-          </a:fillRef>
-          <a:effectRef idx="0">
-            <a:scrgbClr r="0" g="0" b="0"/>
-          </a:effectRef>
-          <a:fontRef idx="minor"/>
-        </p:style>
-        <p:txBody>
-          <a:bodyPr wrap="square" tIns="91440" bIns="91440">
-            <a:spAutoFit/>
-          </a:bodyPr>
-          <a:lstStyle/>
-          <a:p>
-            <a:pPr>
-              <a:lnSpc>
-                <a:spcPct val="100000"/>
-              </a:lnSpc>
-              <a:tabLst>
-                <a:tab pos="0" algn="l"/>
-              </a:tabLst>
-            </a:pPr>
-            <a:r>
-              <a:rPr lang="en" sz="1200" b="1" strike="noStrike" spc="-1" dirty="0">
-                <a:solidFill>
-                  <a:srgbClr val="222222"/>
+            <a:pPr marL="0" lvl="0" indent="0" algn="l" rtl="0">
+              <a:spcBef>
+                <a:spcPts val="0"/>
+              </a:spcBef>
+              <a:spcAft>
+                <a:spcPts val="0"/>
+              </a:spcAft>
+              <a:buNone/>
+            </a:pPr>
+            <a:r>
+              <a:rPr lang="en-US" sz="1200">
+                <a:solidFill>
+                  <a:schemeClr val="dk1"/>
                 </a:solidFill>
                 <a:highlight>
-                  <a:srgbClr val="FFFFFF"/>
+                  <a:schemeClr val="lt1"/>
                 </a:highlight>
-                <a:latin typeface="Lato"/>
-                <a:ea typeface="Lato"/>
-              </a:rPr>
-              <a:t>Main Module</a:t>
-            </a:r>
-            <a:endParaRPr lang="en-IN" sz="1200" b="1" strike="noStrike" spc="-1" dirty="0">
-              <a:latin typeface="Arial"/>
-            </a:endParaRPr>
-          </a:p>
-          <a:p>
-            <a:pPr>
-              <a:lnSpc>
-                <a:spcPct val="100000"/>
-              </a:lnSpc>
-              <a:tabLst>
-                <a:tab pos="0" algn="l"/>
-              </a:tabLst>
-            </a:pPr>
-            <a:r>
-              <a:rPr lang="en-US" sz="1200" b="0" strike="noStrike" spc="-1" dirty="0">
-                <a:solidFill>
-                  <a:srgbClr val="000000"/>
-                </a:solidFill>
-                <a:highlight>
-                  <a:srgbClr val="FFFFFF"/>
-                </a:highlight>
-                <a:latin typeface="Arial"/>
-                <a:ea typeface="Arial"/>
-              </a:rPr>
-              <a:t>    Admin Portal</a:t>
-            </a:r>
-          </a:p>
-          <a:p>
-            <a:pPr>
-              <a:lnSpc>
-                <a:spcPct val="100000"/>
-              </a:lnSpc>
-              <a:tabLst>
-                <a:tab pos="0" algn="l"/>
-              </a:tabLst>
-            </a:pPr>
-            <a:r>
-              <a:rPr lang="en-US" sz="1200" spc="-1" dirty="0">
-                <a:solidFill>
-                  <a:srgbClr val="000000"/>
-                </a:solidFill>
-                <a:highlight>
-                  <a:srgbClr val="FFFFFF"/>
-                </a:highlight>
-                <a:latin typeface="Arial"/>
-              </a:rPr>
-              <a:t>		Master data UI</a:t>
-            </a:r>
-            <a:endParaRPr lang="en-IN" sz="1200" b="0" strike="noStrike" spc="-1" dirty="0">
-              <a:latin typeface="Arial"/>
-            </a:endParaRPr>
-          </a:p>
-          <a:p>
-            <a:pPr>
-              <a:lnSpc>
-                <a:spcPct val="100000"/>
-              </a:lnSpc>
-              <a:tabLst>
-                <a:tab pos="0" algn="l"/>
-              </a:tabLst>
-            </a:pPr>
-            <a:r>
-              <a:rPr lang="en-US" sz="1200" b="0" strike="noStrike" spc="-1" dirty="0">
-                <a:solidFill>
-                  <a:srgbClr val="000000"/>
-                </a:solidFill>
-                <a:highlight>
-                  <a:srgbClr val="FFFFFF"/>
-                </a:highlight>
-                <a:latin typeface="Arial"/>
-                <a:ea typeface="Arial"/>
-              </a:rPr>
-              <a:t>    Online Learner Portal</a:t>
-            </a:r>
-          </a:p>
-          <a:p>
-            <a:pPr>
-              <a:lnSpc>
-                <a:spcPct val="100000"/>
-              </a:lnSpc>
-              <a:tabLst>
-                <a:tab pos="0" algn="l"/>
-              </a:tabLst>
-            </a:pPr>
-            <a:r>
-              <a:rPr lang="en-US" sz="1200" spc="-1" dirty="0">
-                <a:solidFill>
-                  <a:srgbClr val="000000"/>
-                </a:solidFill>
-                <a:highlight>
-                  <a:srgbClr val="FFFFFF"/>
-                </a:highlight>
-                <a:latin typeface="Arial"/>
-              </a:rPr>
-              <a:t>		End User UI , </a:t>
-            </a:r>
-            <a:r>
-              <a:rPr lang="en-US" sz="1200" b="0" strike="noStrike" spc="-1" dirty="0">
-                <a:solidFill>
-                  <a:srgbClr val="000000"/>
-                </a:solidFill>
-                <a:highlight>
-                  <a:srgbClr val="FFFFFF"/>
-                </a:highlight>
-                <a:latin typeface="Arial"/>
-              </a:rPr>
-              <a:t>API </a:t>
-            </a:r>
-            <a:endParaRPr lang="en-IN" sz="1200" b="0" strike="noStrike" spc="-1" dirty="0">
-              <a:latin typeface="Arial"/>
-            </a:endParaRPr>
-          </a:p>
-          <a:p>
-            <a:pPr>
-              <a:lnSpc>
-                <a:spcPct val="100000"/>
-              </a:lnSpc>
-              <a:tabLst>
-                <a:tab pos="0" algn="l"/>
-              </a:tabLst>
-            </a:pPr>
-            <a:r>
-              <a:rPr lang="en-US" sz="1200" b="1" strike="noStrike" spc="-1" dirty="0">
-                <a:solidFill>
-                  <a:srgbClr val="000000"/>
-                </a:solidFill>
-                <a:highlight>
-                  <a:srgbClr val="FFFFFF"/>
-                </a:highlight>
-                <a:latin typeface="Arial"/>
-                <a:ea typeface="Arial"/>
-              </a:rPr>
-              <a:t>Sub Module</a:t>
-            </a:r>
-            <a:endParaRPr lang="en-IN" sz="1200" b="1" strike="noStrike" spc="-1" dirty="0">
-              <a:latin typeface="Arial"/>
-            </a:endParaRPr>
-          </a:p>
-          <a:p>
-            <a:pPr>
-              <a:lnSpc>
-                <a:spcPct val="100000"/>
-              </a:lnSpc>
-              <a:tabLst>
-                <a:tab pos="0" algn="l"/>
-              </a:tabLst>
-            </a:pPr>
-            <a:r>
-              <a:rPr lang="en-US" sz="1200" b="0" strike="noStrike" spc="-1" dirty="0">
-                <a:solidFill>
-                  <a:srgbClr val="000000"/>
-                </a:solidFill>
-                <a:highlight>
-                  <a:srgbClr val="FFFFFF"/>
-                </a:highlight>
-                <a:latin typeface="Arial"/>
-                <a:ea typeface="Arial"/>
-              </a:rPr>
-              <a:t>	</a:t>
-            </a:r>
-            <a:r>
-              <a:rPr lang="en-US" sz="1200" b="1" strike="noStrike" spc="-1" dirty="0">
-                <a:solidFill>
-                  <a:srgbClr val="000000"/>
-                </a:solidFill>
-                <a:highlight>
-                  <a:srgbClr val="FFFFFF"/>
-                </a:highlight>
-                <a:latin typeface="Arial"/>
-                <a:ea typeface="Arial"/>
-              </a:rPr>
-              <a:t>Learner</a:t>
-            </a:r>
-            <a:r>
-              <a:rPr lang="en-US" sz="1200" b="0" strike="noStrike" spc="-1" dirty="0">
-                <a:solidFill>
-                  <a:srgbClr val="000000"/>
-                </a:solidFill>
-                <a:highlight>
-                  <a:srgbClr val="FFFFFF"/>
-                </a:highlight>
-                <a:latin typeface="Arial"/>
-                <a:ea typeface="Arial"/>
-              </a:rPr>
-              <a:t> </a:t>
-            </a:r>
-          </a:p>
-          <a:p>
-            <a:pPr>
-              <a:lnSpc>
-                <a:spcPct val="100000"/>
-              </a:lnSpc>
-              <a:tabLst>
-                <a:tab pos="0" algn="l"/>
-              </a:tabLst>
-            </a:pPr>
-            <a:r>
-              <a:rPr lang="en-US" sz="1200" spc="-1" dirty="0">
-                <a:solidFill>
-                  <a:srgbClr val="000000"/>
-                </a:solidFill>
-                <a:highlight>
-                  <a:srgbClr val="FFFFFF"/>
-                </a:highlight>
-                <a:latin typeface="Arial"/>
-              </a:rPr>
-              <a:t>		Course, Module, Units, sections,  	             exercises , 	Forums, </a:t>
-            </a:r>
-            <a:endParaRPr lang="en-IN" sz="1200" b="0" strike="noStrike" spc="-1" dirty="0">
-              <a:latin typeface="Arial"/>
-            </a:endParaRPr>
-          </a:p>
-          <a:p>
-            <a:pPr>
-              <a:lnSpc>
-                <a:spcPct val="100000"/>
-              </a:lnSpc>
-              <a:tabLst>
-                <a:tab pos="0" algn="l"/>
-              </a:tabLst>
-            </a:pPr>
-            <a:r>
-              <a:rPr lang="en-US" sz="1200" b="0" strike="noStrike" spc="-1" dirty="0">
-                <a:solidFill>
-                  <a:srgbClr val="000000"/>
-                </a:solidFill>
-                <a:highlight>
-                  <a:srgbClr val="FFFFFF"/>
-                </a:highlight>
-                <a:latin typeface="Arial"/>
-                <a:ea typeface="Arial"/>
-              </a:rPr>
-              <a:t>	</a:t>
-            </a:r>
-            <a:r>
-              <a:rPr lang="en-US" sz="1200" b="1" strike="noStrike" spc="-1" dirty="0">
-                <a:solidFill>
-                  <a:srgbClr val="000000"/>
-                </a:solidFill>
-                <a:highlight>
-                  <a:srgbClr val="FFFFFF"/>
-                </a:highlight>
-                <a:latin typeface="Arial"/>
-                <a:ea typeface="Arial"/>
-              </a:rPr>
-              <a:t>Exam</a:t>
-            </a:r>
-          </a:p>
-          <a:p>
-            <a:pPr>
-              <a:lnSpc>
-                <a:spcPct val="100000"/>
-              </a:lnSpc>
-              <a:tabLst>
-                <a:tab pos="0" algn="l"/>
-              </a:tabLst>
-            </a:pPr>
-            <a:r>
-              <a:rPr lang="en-US" sz="1200" spc="-1" dirty="0">
-                <a:solidFill>
-                  <a:srgbClr val="000000"/>
-                </a:solidFill>
-                <a:highlight>
-                  <a:srgbClr val="FFFFFF"/>
-                </a:highlight>
-                <a:latin typeface="Arial"/>
-              </a:rPr>
-              <a:t>		Multiple choice, </a:t>
-            </a:r>
-            <a:r>
-              <a:rPr lang="en-US" sz="1200" b="0" strike="noStrike" spc="-1" dirty="0">
-                <a:solidFill>
-                  <a:srgbClr val="000000"/>
-                </a:solidFill>
-                <a:highlight>
-                  <a:srgbClr val="FFFFFF"/>
-                </a:highlight>
-                <a:latin typeface="Arial"/>
-              </a:rPr>
-              <a:t>Subjective,</a:t>
-            </a:r>
-          </a:p>
-          <a:p>
-            <a:pPr>
-              <a:lnSpc>
-                <a:spcPct val="100000"/>
-              </a:lnSpc>
-              <a:tabLst>
-                <a:tab pos="0" algn="l"/>
-              </a:tabLst>
-            </a:pPr>
-            <a:r>
-              <a:rPr lang="en-US" sz="1200" spc="-1" dirty="0">
-                <a:solidFill>
-                  <a:srgbClr val="000000"/>
-                </a:solidFill>
-                <a:highlight>
-                  <a:srgbClr val="FFFFFF"/>
-                </a:highlight>
-                <a:latin typeface="Arial"/>
-              </a:rPr>
-              <a:t>		Drag and drop, </a:t>
-            </a:r>
-            <a:r>
-              <a:rPr lang="en-US" sz="1200" spc="-1" dirty="0" err="1">
-                <a:solidFill>
-                  <a:srgbClr val="000000"/>
-                </a:solidFill>
-                <a:highlight>
-                  <a:srgbClr val="FFFFFF"/>
-                </a:highlight>
-                <a:latin typeface="Arial"/>
-              </a:rPr>
-              <a:t>timebased</a:t>
-            </a:r>
-            <a:r>
-              <a:rPr lang="en-US" sz="1200" spc="-1" dirty="0">
-                <a:solidFill>
-                  <a:srgbClr val="000000"/>
-                </a:solidFill>
-                <a:highlight>
-                  <a:srgbClr val="FFFFFF"/>
-                </a:highlight>
-                <a:latin typeface="Arial"/>
-              </a:rPr>
-              <a:t> exams</a:t>
-            </a:r>
-          </a:p>
-          <a:p>
-            <a:pPr>
-              <a:lnSpc>
-                <a:spcPct val="100000"/>
-              </a:lnSpc>
-              <a:tabLst>
-                <a:tab pos="0" algn="l"/>
-              </a:tabLst>
-            </a:pPr>
-            <a:r>
-              <a:rPr lang="en-US" sz="1200" b="0" strike="noStrike" spc="-1" dirty="0">
-                <a:solidFill>
-                  <a:srgbClr val="000000"/>
-                </a:solidFill>
-                <a:highlight>
-                  <a:srgbClr val="FFFFFF"/>
-                </a:highlight>
-                <a:latin typeface="Arial"/>
-              </a:rPr>
-              <a:t>		certificates, badges</a:t>
-            </a:r>
-            <a:endParaRPr lang="en-IN" sz="1200" b="0" strike="noStrike" spc="-1" dirty="0">
-              <a:latin typeface="Arial"/>
-            </a:endParaRPr>
-          </a:p>
-          <a:p>
-            <a:pPr>
-              <a:lnSpc>
-                <a:spcPct val="100000"/>
-              </a:lnSpc>
-              <a:tabLst>
-                <a:tab pos="0" algn="l"/>
-              </a:tabLst>
-            </a:pPr>
-            <a:r>
-              <a:rPr lang="en-US" sz="1200" b="0" strike="noStrike" spc="-1" dirty="0">
-                <a:solidFill>
-                  <a:srgbClr val="000000"/>
-                </a:solidFill>
-                <a:highlight>
-                  <a:srgbClr val="FFFFFF"/>
-                </a:highlight>
-                <a:latin typeface="Arial"/>
-                <a:ea typeface="Arial"/>
-              </a:rPr>
-              <a:t>	</a:t>
-            </a:r>
-            <a:r>
-              <a:rPr lang="en-US" sz="1200" b="1" strike="noStrike" spc="-1" dirty="0">
-                <a:solidFill>
-                  <a:srgbClr val="000000"/>
-                </a:solidFill>
-                <a:highlight>
-                  <a:srgbClr val="FFFFFF"/>
-                </a:highlight>
-                <a:latin typeface="Arial"/>
-                <a:ea typeface="Arial"/>
-              </a:rPr>
-              <a:t>Leaderboard</a:t>
-            </a:r>
-          </a:p>
-          <a:p>
-            <a:pPr>
-              <a:lnSpc>
-                <a:spcPct val="100000"/>
-              </a:lnSpc>
-              <a:tabLst>
-                <a:tab pos="0" algn="l"/>
-              </a:tabLst>
-            </a:pPr>
-            <a:r>
-              <a:rPr lang="en-US" sz="1200" spc="-1" dirty="0">
-                <a:solidFill>
-                  <a:srgbClr val="000000"/>
-                </a:solidFill>
-                <a:highlight>
-                  <a:srgbClr val="FFFFFF"/>
-                </a:highlight>
-                <a:latin typeface="Arial"/>
-                <a:ea typeface="Arial"/>
-              </a:rPr>
-              <a:t>		team wise board, class wise board, industry wise board</a:t>
-            </a:r>
-            <a:endParaRPr lang="en-US" sz="1200" b="0" strike="noStrike" spc="-1" dirty="0">
+              </a:rPr>
+              <a:t>We will use Microsoft ChatGPT API extensively within the application </a:t>
+            </a:r>
+            <a:endParaRPr sz="1200">
               <a:solidFill>
-                <a:srgbClr val="000000"/>
+                <a:schemeClr val="dk1"/>
               </a:solidFill>
               <a:highlight>
-                <a:srgbClr val="FFFFFF"/>
+                <a:schemeClr val="lt1"/>
               </a:highlight>
-              <a:latin typeface="Arial"/>
-              <a:ea typeface="Arial"/>
-            </a:endParaRPr>
-          </a:p>
-          <a:p>
-            <a:pPr>
-              <a:lnSpc>
-                <a:spcPct val="100000"/>
-              </a:lnSpc>
-              <a:tabLst>
-                <a:tab pos="0" algn="l"/>
-              </a:tabLst>
-            </a:pPr>
-            <a:r>
-              <a:rPr lang="en-US" sz="1200" b="1" spc="-1" dirty="0">
-                <a:solidFill>
-                  <a:srgbClr val="000000"/>
+            </a:endParaRPr>
+          </a:p>
+          <a:p>
+            <a:pPr marL="0" lvl="0" indent="0" algn="l" rtl="0">
+              <a:spcBef>
+                <a:spcPts val="0"/>
+              </a:spcBef>
+              <a:spcAft>
+                <a:spcPts val="0"/>
+              </a:spcAft>
+              <a:buNone/>
+            </a:pPr>
+            <a:endParaRPr sz="1200">
+              <a:solidFill>
+                <a:schemeClr val="dk1"/>
+              </a:solidFill>
+              <a:highlight>
+                <a:schemeClr val="lt1"/>
+              </a:highlight>
+            </a:endParaRPr>
+          </a:p>
+          <a:p>
+            <a:pPr marL="457200" lvl="0" indent="-304800" algn="l" rtl="0">
+              <a:spcBef>
+                <a:spcPts val="0"/>
+              </a:spcBef>
+              <a:spcAft>
+                <a:spcPts val="0"/>
+              </a:spcAft>
+              <a:buClr>
+                <a:schemeClr val="dk1"/>
+              </a:buClr>
+              <a:buSzPts val="1200"/>
+              <a:buAutoNum type="arabicPeriod"/>
+            </a:pPr>
+            <a:r>
+              <a:rPr lang="en-US" sz="1200">
+                <a:solidFill>
+                  <a:schemeClr val="dk1"/>
                 </a:solidFill>
                 <a:highlight>
-                  <a:srgbClr val="FFFFFF"/>
+                  <a:schemeClr val="lt1"/>
                 </a:highlight>
-                <a:latin typeface="Arial"/>
-              </a:rPr>
-              <a:t>Learner dashboard</a:t>
-            </a:r>
-          </a:p>
-          <a:p>
-            <a:pPr>
-              <a:lnSpc>
-                <a:spcPct val="100000"/>
-              </a:lnSpc>
-              <a:tabLst>
-                <a:tab pos="0" algn="l"/>
-              </a:tabLst>
-            </a:pPr>
-            <a:r>
-              <a:rPr lang="en-US" sz="1200" b="1" strike="noStrike" spc="-1" dirty="0">
-                <a:solidFill>
-                  <a:srgbClr val="000000"/>
+              </a:rPr>
+              <a:t>For helping course creation and Content summarization :</a:t>
+            </a:r>
+            <a:endParaRPr sz="1200">
+              <a:solidFill>
+                <a:schemeClr val="dk1"/>
+              </a:solidFill>
+              <a:highlight>
+                <a:schemeClr val="lt1"/>
+              </a:highlight>
+            </a:endParaRPr>
+          </a:p>
+          <a:p>
+            <a:pPr marL="457200" lvl="0" indent="0" algn="l" rtl="0">
+              <a:spcBef>
+                <a:spcPts val="0"/>
+              </a:spcBef>
+              <a:spcAft>
+                <a:spcPts val="0"/>
+              </a:spcAft>
+              <a:buNone/>
+            </a:pPr>
+            <a:endParaRPr sz="1200">
+              <a:solidFill>
+                <a:schemeClr val="dk1"/>
+              </a:solidFill>
+              <a:highlight>
+                <a:schemeClr val="lt1"/>
+              </a:highlight>
+            </a:endParaRPr>
+          </a:p>
+          <a:p>
+            <a:pPr marL="457200" lvl="0" indent="0" algn="l" rtl="0">
+              <a:spcBef>
+                <a:spcPts val="0"/>
+              </a:spcBef>
+              <a:spcAft>
+                <a:spcPts val="0"/>
+              </a:spcAft>
+              <a:buNone/>
+            </a:pPr>
+            <a:r>
+              <a:rPr lang="en-US" sz="1200">
+                <a:solidFill>
+                  <a:schemeClr val="dk1"/>
                 </a:solidFill>
                 <a:highlight>
-                  <a:srgbClr val="FFFFFF"/>
+                  <a:schemeClr val="lt1"/>
                 </a:highlight>
-                <a:latin typeface="Arial"/>
-              </a:rPr>
-              <a:t>		</a:t>
-            </a:r>
-            <a:r>
-              <a:rPr lang="en-US" sz="1200" strike="noStrike" spc="-1" dirty="0">
-                <a:solidFill>
-                  <a:srgbClr val="000000"/>
+              </a:rPr>
+              <a:t>For example a provision will be provided for the Content creator to upload his or curated content to Chat GPT get feedback, and then review it and also pass it via the configurable workflow to authorized reviewers. </a:t>
+            </a:r>
+            <a:endParaRPr sz="1200">
+              <a:solidFill>
+                <a:schemeClr val="dk1"/>
+              </a:solidFill>
+              <a:highlight>
+                <a:schemeClr val="lt1"/>
+              </a:highlight>
+            </a:endParaRPr>
+          </a:p>
+          <a:p>
+            <a:pPr marL="0" lvl="0" indent="0" algn="l" rtl="0">
+              <a:spcBef>
+                <a:spcPts val="0"/>
+              </a:spcBef>
+              <a:spcAft>
+                <a:spcPts val="0"/>
+              </a:spcAft>
+              <a:buNone/>
+            </a:pPr>
+            <a:endParaRPr sz="1200">
+              <a:solidFill>
+                <a:schemeClr val="dk1"/>
+              </a:solidFill>
+              <a:highlight>
+                <a:schemeClr val="lt1"/>
+              </a:highlight>
+            </a:endParaRPr>
+          </a:p>
+          <a:p>
+            <a:pPr marL="457200" lvl="0" indent="-304800" algn="l" rtl="0">
+              <a:spcBef>
+                <a:spcPts val="0"/>
+              </a:spcBef>
+              <a:spcAft>
+                <a:spcPts val="0"/>
+              </a:spcAft>
+              <a:buClr>
+                <a:schemeClr val="dk1"/>
+              </a:buClr>
+              <a:buSzPts val="1200"/>
+              <a:buAutoNum type="arabicPeriod"/>
+            </a:pPr>
+            <a:r>
+              <a:rPr lang="en-US" sz="1200">
+                <a:solidFill>
+                  <a:schemeClr val="dk1"/>
                 </a:solidFill>
                 <a:highlight>
-                  <a:srgbClr val="FFFFFF"/>
+                  <a:schemeClr val="lt1"/>
                 </a:highlight>
-                <a:latin typeface="Arial"/>
-              </a:rPr>
-              <a:t>course</a:t>
-            </a:r>
-            <a:r>
-              <a:rPr lang="en-US" sz="1200" spc="-1" dirty="0">
-                <a:solidFill>
-                  <a:srgbClr val="000000"/>
+              </a:rPr>
+              <a:t>Content translation to traditional languages etc. :</a:t>
+            </a:r>
+            <a:endParaRPr sz="1200">
+              <a:solidFill>
+                <a:schemeClr val="dk1"/>
+              </a:solidFill>
+              <a:highlight>
+                <a:schemeClr val="lt1"/>
+              </a:highlight>
+            </a:endParaRPr>
+          </a:p>
+          <a:p>
+            <a:pPr marL="457200" lvl="0" indent="0" algn="l" rtl="0">
+              <a:spcBef>
+                <a:spcPts val="0"/>
+              </a:spcBef>
+              <a:spcAft>
+                <a:spcPts val="0"/>
+              </a:spcAft>
+              <a:buNone/>
+            </a:pPr>
+            <a:endParaRPr sz="1200">
+              <a:solidFill>
+                <a:schemeClr val="dk1"/>
+              </a:solidFill>
+              <a:highlight>
+                <a:schemeClr val="lt1"/>
+              </a:highlight>
+            </a:endParaRPr>
+          </a:p>
+          <a:p>
+            <a:pPr marL="457200" lvl="0" indent="0" algn="l" rtl="0">
+              <a:spcBef>
+                <a:spcPts val="0"/>
+              </a:spcBef>
+              <a:spcAft>
+                <a:spcPts val="0"/>
+              </a:spcAft>
+              <a:buNone/>
+            </a:pPr>
+            <a:r>
+              <a:rPr lang="en-US" sz="1200">
+                <a:solidFill>
+                  <a:schemeClr val="dk1"/>
                 </a:solidFill>
                 <a:highlight>
-                  <a:srgbClr val="FFFFFF"/>
+                  <a:schemeClr val="lt1"/>
                 </a:highlight>
-                <a:latin typeface="Arial"/>
-              </a:rPr>
-              <a:t>s in progress, tests complete</a:t>
-            </a:r>
-            <a:endParaRPr lang="en-IN" sz="1200" strike="noStrike" spc="-1" dirty="0">
-              <a:latin typeface="Arial"/>
-            </a:endParaRPr>
-          </a:p>
-          <a:p>
-            <a:pPr>
-              <a:lnSpc>
-                <a:spcPct val="100000"/>
-              </a:lnSpc>
-              <a:tabLst>
-                <a:tab pos="0" algn="l"/>
-              </a:tabLst>
-            </a:pPr>
-            <a:r>
-              <a:rPr lang="en-US" sz="1200" b="0" strike="noStrike" spc="-1" dirty="0">
-                <a:solidFill>
-                  <a:srgbClr val="000000"/>
+              </a:rPr>
+              <a:t>Most of the best works of teaching would be in English therefore we would use Chat GPT for automatic translation services.</a:t>
+            </a:r>
+            <a:endParaRPr sz="1200">
+              <a:solidFill>
+                <a:schemeClr val="dk1"/>
+              </a:solidFill>
+              <a:highlight>
+                <a:schemeClr val="lt1"/>
+              </a:highlight>
+            </a:endParaRPr>
+          </a:p>
+          <a:p>
+            <a:pPr marL="457200" lvl="0" indent="0" algn="l" rtl="0">
+              <a:spcBef>
+                <a:spcPts val="0"/>
+              </a:spcBef>
+              <a:spcAft>
+                <a:spcPts val="0"/>
+              </a:spcAft>
+              <a:buNone/>
+            </a:pPr>
+            <a:endParaRPr sz="1200">
+              <a:solidFill>
+                <a:schemeClr val="dk1"/>
+              </a:solidFill>
+              <a:highlight>
+                <a:schemeClr val="lt1"/>
+              </a:highlight>
+            </a:endParaRPr>
+          </a:p>
+          <a:p>
+            <a:pPr marL="457200" lvl="0" indent="-304800" algn="l" rtl="0">
+              <a:spcBef>
+                <a:spcPts val="0"/>
+              </a:spcBef>
+              <a:spcAft>
+                <a:spcPts val="0"/>
+              </a:spcAft>
+              <a:buClr>
+                <a:schemeClr val="dk1"/>
+              </a:buClr>
+              <a:buSzPts val="1200"/>
+              <a:buAutoNum type="arabicPeriod"/>
+            </a:pPr>
+            <a:r>
+              <a:rPr lang="en-US" sz="1200">
+                <a:solidFill>
+                  <a:schemeClr val="dk1"/>
                 </a:solidFill>
                 <a:highlight>
-                  <a:srgbClr val="FFFFFF"/>
+                  <a:schemeClr val="lt1"/>
                 </a:highlight>
-                <a:latin typeface="Arial"/>
-                <a:ea typeface="Arial"/>
-              </a:rPr>
-              <a:t>	</a:t>
-            </a:r>
-            <a:r>
-              <a:rPr lang="en-US" sz="1200" b="1" strike="noStrike" spc="-1" dirty="0">
-                <a:solidFill>
-                  <a:srgbClr val="000000"/>
+              </a:rPr>
+              <a:t>Generate questions from Course Content provided:</a:t>
+            </a:r>
+            <a:endParaRPr sz="1200">
+              <a:solidFill>
+                <a:schemeClr val="dk1"/>
+              </a:solidFill>
+              <a:highlight>
+                <a:schemeClr val="lt1"/>
+              </a:highlight>
+            </a:endParaRPr>
+          </a:p>
+          <a:p>
+            <a:pPr marL="457200" lvl="0" indent="0" algn="l" rtl="0">
+              <a:spcBef>
+                <a:spcPts val="0"/>
+              </a:spcBef>
+              <a:spcAft>
+                <a:spcPts val="0"/>
+              </a:spcAft>
+              <a:buNone/>
+            </a:pPr>
+            <a:endParaRPr sz="1200">
+              <a:solidFill>
+                <a:schemeClr val="dk1"/>
+              </a:solidFill>
+              <a:highlight>
+                <a:schemeClr val="lt1"/>
+              </a:highlight>
+            </a:endParaRPr>
+          </a:p>
+          <a:p>
+            <a:pPr marL="457200" lvl="0" indent="0" algn="l" rtl="0">
+              <a:spcBef>
+                <a:spcPts val="0"/>
+              </a:spcBef>
+              <a:spcAft>
+                <a:spcPts val="0"/>
+              </a:spcAft>
+              <a:buNone/>
+            </a:pPr>
+            <a:r>
+              <a:rPr lang="en-US" sz="1200">
+                <a:solidFill>
+                  <a:schemeClr val="dk1"/>
                 </a:solidFill>
                 <a:highlight>
-                  <a:srgbClr val="FFFFFF"/>
+                  <a:schemeClr val="lt1"/>
                 </a:highlight>
-                <a:latin typeface="Arial"/>
-                <a:ea typeface="Arial"/>
-              </a:rPr>
-              <a:t>Reports</a:t>
-            </a:r>
-          </a:p>
-          <a:p>
-            <a:pPr>
-              <a:lnSpc>
-                <a:spcPct val="100000"/>
-              </a:lnSpc>
-              <a:tabLst>
-                <a:tab pos="0" algn="l"/>
-              </a:tabLst>
-            </a:pPr>
-            <a:r>
-              <a:rPr lang="en-US" sz="1200" spc="-1" dirty="0">
-                <a:solidFill>
-                  <a:srgbClr val="000000"/>
+              </a:rPr>
+              <a:t>We would provide Teachers a User Interface to provide content to ChatGPT and request ChatGPT to generate a set of questions and answers that they can then validate and then submit it for review.</a:t>
+            </a:r>
+            <a:endParaRPr sz="1200">
+              <a:solidFill>
+                <a:schemeClr val="dk1"/>
+              </a:solidFill>
+              <a:highlight>
+                <a:schemeClr val="lt1"/>
+              </a:highlight>
+            </a:endParaRPr>
+          </a:p>
+          <a:p>
+            <a:pPr marL="457200" lvl="0" indent="0" algn="l" rtl="0">
+              <a:spcBef>
+                <a:spcPts val="0"/>
+              </a:spcBef>
+              <a:spcAft>
+                <a:spcPts val="0"/>
+              </a:spcAft>
+              <a:buNone/>
+            </a:pPr>
+            <a:endParaRPr sz="1200">
+              <a:solidFill>
+                <a:schemeClr val="dk1"/>
+              </a:solidFill>
+              <a:highlight>
+                <a:schemeClr val="lt1"/>
+              </a:highlight>
+            </a:endParaRPr>
+          </a:p>
+          <a:p>
+            <a:pPr marL="457200" lvl="0" indent="0" algn="l" rtl="0">
+              <a:spcBef>
+                <a:spcPts val="0"/>
+              </a:spcBef>
+              <a:spcAft>
+                <a:spcPts val="0"/>
+              </a:spcAft>
+              <a:buNone/>
+            </a:pPr>
+            <a:endParaRPr sz="1200">
+              <a:solidFill>
+                <a:schemeClr val="dk1"/>
+              </a:solidFill>
+              <a:highlight>
+                <a:schemeClr val="lt1"/>
+              </a:highlight>
+            </a:endParaRPr>
+          </a:p>
+          <a:p>
+            <a:pPr marL="0" lvl="0" indent="0" algn="l" rtl="0">
+              <a:spcBef>
+                <a:spcPts val="0"/>
+              </a:spcBef>
+              <a:spcAft>
+                <a:spcPts val="0"/>
+              </a:spcAft>
+              <a:buNone/>
+            </a:pPr>
+            <a:r>
+              <a:rPr lang="en-US" sz="1200">
+                <a:solidFill>
+                  <a:schemeClr val="dk1"/>
                 </a:solidFill>
                 <a:highlight>
-                  <a:srgbClr val="FFFFFF"/>
+                  <a:schemeClr val="lt1"/>
                 </a:highlight>
-                <a:latin typeface="Arial"/>
-                <a:ea typeface="Arial"/>
-              </a:rPr>
-              <a:t>		Test marks</a:t>
-            </a:r>
-          </a:p>
-          <a:p>
-            <a:pPr>
-              <a:lnSpc>
-                <a:spcPct val="100000"/>
-              </a:lnSpc>
-              <a:tabLst>
-                <a:tab pos="0" algn="l"/>
-              </a:tabLst>
-            </a:pPr>
-            <a:r>
-              <a:rPr lang="en-US" sz="1200" b="0" strike="noStrike" spc="-1" dirty="0">
-                <a:solidFill>
-                  <a:srgbClr val="000000"/>
-                </a:solidFill>
-                <a:highlight>
-                  <a:srgbClr val="FFFFFF"/>
-                </a:highlight>
-                <a:latin typeface="Arial"/>
-                <a:ea typeface="Arial"/>
-              </a:rPr>
-              <a:t>		Reports on subject group wise</a:t>
-            </a:r>
-          </a:p>
-          <a:p>
-            <a:pPr>
-              <a:lnSpc>
-                <a:spcPct val="100000"/>
-              </a:lnSpc>
-              <a:tabLst>
-                <a:tab pos="0" algn="l"/>
-              </a:tabLst>
-            </a:pPr>
-            <a:r>
-              <a:rPr lang="en-US" sz="1400" spc="-1" dirty="0">
-                <a:solidFill>
-                  <a:srgbClr val="000000"/>
-                </a:solidFill>
-                <a:highlight>
-                  <a:srgbClr val="FFFFFF"/>
-                </a:highlight>
-                <a:latin typeface="Arial"/>
-              </a:rPr>
-              <a:t>		</a:t>
-            </a:r>
-            <a:endParaRPr lang="en-IN" sz="1400" b="0" strike="noStrike" spc="-1" dirty="0">
-              <a:latin typeface="Arial"/>
-            </a:endParaRPr>
-          </a:p>
-          <a:p>
-            <a:pPr>
-              <a:lnSpc>
-                <a:spcPct val="100000"/>
-              </a:lnSpc>
-              <a:tabLst>
-                <a:tab pos="0" algn="l"/>
-              </a:tabLst>
-            </a:pPr>
-            <a:endParaRPr lang="en-IN" sz="1400" b="0" strike="noStrike" spc="-1" dirty="0">
-              <a:latin typeface="Arial"/>
+              </a:rPr>
+              <a:t>ALL CONTENT generated by Chat GPT WILL go through a Review Workflow by authorized domain experts before it gets approved within the Teaching Application.</a:t>
+            </a:r>
+            <a:endParaRPr sz="1200">
+              <a:solidFill>
+                <a:schemeClr val="dk1"/>
+              </a:solidFill>
+              <a:highlight>
+                <a:schemeClr val="lt1"/>
+              </a:highlight>
+            </a:endParaRPr>
+          </a:p>
+          <a:p>
+            <a:pPr marL="457200" lvl="0" indent="0" algn="l" rtl="0">
+              <a:spcBef>
+                <a:spcPts val="0"/>
+              </a:spcBef>
+              <a:spcAft>
+                <a:spcPts val="0"/>
+              </a:spcAft>
+              <a:buNone/>
+            </a:pPr>
+            <a:endParaRPr sz="1200">
+              <a:solidFill>
+                <a:schemeClr val="dk1"/>
+              </a:solidFill>
             </a:endParaRPr>
           </a:p>
         </p:txBody>
       </p:sp>
       <p:pic>
         <p:nvPicPr>
-          <p:cNvPr id="106" name="Picture 4" descr="Icon&#10;&#10;Description automatically generated"/>
+          <p:cNvPr id="2" name="Picture 4" descr="Icon&#10;&#10;Description automatically generated">
+            <a:extLst>
+              <a:ext uri="{FF2B5EF4-FFF2-40B4-BE49-F238E27FC236}">
+                <a16:creationId xmlns:a16="http://schemas.microsoft.com/office/drawing/2014/main" id="{EF650C5B-33D8-5611-0E6A-D275ADF84DB9}"/>
+              </a:ext>
+            </a:extLst>
+          </p:cNvPr>
           <p:cNvPicPr/>
           <p:nvPr/>
         </p:nvPicPr>
         <p:blipFill>
-          <a:blip r:embed="rId2"/>
+          <a:blip r:embed="rId3"/>
           <a:stretch/>
         </p:blipFill>
         <p:spPr>
@@ -5578,199 +6124,6 @@
           </a:ln>
         </p:spPr>
       </p:pic>
-      <p:sp>
-        <p:nvSpPr>
-          <p:cNvPr id="7" name="TextBox 6">
-            <a:extLst>
-              <a:ext uri="{FF2B5EF4-FFF2-40B4-BE49-F238E27FC236}">
-                <a16:creationId xmlns:a16="http://schemas.microsoft.com/office/drawing/2014/main" id="{94228895-E197-6954-F8EE-429667C0217A}"/>
-              </a:ext>
-            </a:extLst>
-          </p:cNvPr>
-          <p:cNvSpPr txBox="1"/>
-          <p:nvPr/>
-        </p:nvSpPr>
-        <p:spPr>
-          <a:xfrm>
-            <a:off x="4397434" y="706582"/>
-            <a:ext cx="3857104" cy="2431435"/>
-          </a:xfrm>
-          <a:prstGeom prst="rect">
-            <a:avLst/>
-          </a:prstGeom>
-          <a:noFill/>
-        </p:spPr>
-        <p:txBody>
-          <a:bodyPr wrap="square">
-            <a:spAutoFit/>
-          </a:bodyPr>
-          <a:lstStyle/>
-          <a:p>
-            <a:pPr>
-              <a:lnSpc>
-                <a:spcPct val="100000"/>
-              </a:lnSpc>
-              <a:tabLst>
-                <a:tab pos="0" algn="l"/>
-              </a:tabLst>
-            </a:pPr>
-            <a:r>
-              <a:rPr lang="en-US" sz="1800" spc="-1" dirty="0">
-                <a:solidFill>
-                  <a:srgbClr val="000000"/>
-                </a:solidFill>
-                <a:highlight>
-                  <a:srgbClr val="FFFFFF"/>
-                </a:highlight>
-                <a:latin typeface="Arial"/>
-              </a:rPr>
-              <a:t>	</a:t>
-            </a:r>
-            <a:endParaRPr lang="en-IN" sz="1800" b="0" strike="noStrike" spc="-1" dirty="0">
-              <a:latin typeface="Arial"/>
-            </a:endParaRPr>
-          </a:p>
-          <a:p>
-            <a:pPr>
-              <a:lnSpc>
-                <a:spcPct val="100000"/>
-              </a:lnSpc>
-              <a:tabLst>
-                <a:tab pos="0" algn="l"/>
-              </a:tabLst>
-            </a:pPr>
-            <a:r>
-              <a:rPr lang="en-US" sz="1400" b="0" strike="noStrike" spc="-1" dirty="0">
-                <a:solidFill>
-                  <a:srgbClr val="000000"/>
-                </a:solidFill>
-                <a:highlight>
-                  <a:srgbClr val="FFFFFF"/>
-                </a:highlight>
-                <a:latin typeface="Arial"/>
-                <a:ea typeface="Arial"/>
-              </a:rPr>
-              <a:t>	</a:t>
-            </a:r>
-            <a:r>
-              <a:rPr lang="en-US" sz="1200" b="0" strike="noStrike" spc="-1" dirty="0">
-                <a:solidFill>
-                  <a:srgbClr val="000000"/>
-                </a:solidFill>
-                <a:highlight>
-                  <a:srgbClr val="FFFFFF"/>
-                </a:highlight>
-                <a:latin typeface="Arial"/>
-                <a:ea typeface="Arial"/>
-              </a:rPr>
-              <a:t>Admin &amp; Settings</a:t>
-            </a:r>
-          </a:p>
-          <a:p>
-            <a:pPr>
-              <a:lnSpc>
-                <a:spcPct val="100000"/>
-              </a:lnSpc>
-              <a:tabLst>
-                <a:tab pos="0" algn="l"/>
-              </a:tabLst>
-            </a:pPr>
-            <a:r>
-              <a:rPr lang="en-US" sz="1200" spc="-1" dirty="0">
-                <a:solidFill>
-                  <a:srgbClr val="000000"/>
-                </a:solidFill>
-                <a:highlight>
-                  <a:srgbClr val="FFFFFF"/>
-                </a:highlight>
-                <a:latin typeface="Arial"/>
-              </a:rPr>
-              <a:t>Content approval</a:t>
-            </a:r>
-            <a:endParaRPr lang="en-IN" sz="1200" b="0" strike="noStrike" spc="-1" dirty="0">
-              <a:latin typeface="Arial"/>
-            </a:endParaRPr>
-          </a:p>
-          <a:p>
-            <a:pPr>
-              <a:lnSpc>
-                <a:spcPct val="100000"/>
-              </a:lnSpc>
-              <a:tabLst>
-                <a:tab pos="0" algn="l"/>
-              </a:tabLst>
-            </a:pPr>
-            <a:r>
-              <a:rPr lang="en-US" sz="1200" b="0" strike="noStrike" spc="-1" dirty="0">
-                <a:solidFill>
-                  <a:srgbClr val="000000"/>
-                </a:solidFill>
-                <a:highlight>
-                  <a:srgbClr val="FFFFFF"/>
-                </a:highlight>
-                <a:latin typeface="Arial"/>
-                <a:ea typeface="Arial"/>
-              </a:rPr>
-              <a:t>Business Rules</a:t>
-            </a:r>
-            <a:endParaRPr lang="en-IN" sz="1200" b="0" strike="noStrike" spc="-1" dirty="0">
-              <a:latin typeface="Arial"/>
-            </a:endParaRPr>
-          </a:p>
-          <a:p>
-            <a:pPr>
-              <a:lnSpc>
-                <a:spcPct val="100000"/>
-              </a:lnSpc>
-              <a:tabLst>
-                <a:tab pos="0" algn="l"/>
-              </a:tabLst>
-            </a:pPr>
-            <a:r>
-              <a:rPr lang="en-US" sz="1200" b="0" strike="noStrike" spc="-1" dirty="0">
-                <a:solidFill>
-                  <a:srgbClr val="000000"/>
-                </a:solidFill>
-                <a:highlight>
-                  <a:srgbClr val="FFFFFF"/>
-                </a:highlight>
-                <a:latin typeface="Arial"/>
-                <a:ea typeface="Arial"/>
-              </a:rPr>
-              <a:t>Will use Microsoft </a:t>
-            </a:r>
-            <a:r>
-              <a:rPr lang="en-US" sz="1200" b="0" strike="noStrike" spc="-1" dirty="0" err="1">
-                <a:solidFill>
-                  <a:srgbClr val="000000"/>
-                </a:solidFill>
-                <a:highlight>
-                  <a:srgbClr val="FFFFFF"/>
-                </a:highlight>
-                <a:latin typeface="Arial"/>
-                <a:ea typeface="Arial"/>
-              </a:rPr>
-              <a:t>ChatGPT</a:t>
-            </a:r>
-            <a:r>
-              <a:rPr lang="en-US" sz="1200" b="0" strike="noStrike" spc="-1" dirty="0">
-                <a:solidFill>
-                  <a:srgbClr val="000000"/>
-                </a:solidFill>
-                <a:highlight>
-                  <a:srgbClr val="FFFFFF"/>
-                </a:highlight>
-                <a:latin typeface="Arial"/>
-                <a:ea typeface="Arial"/>
-              </a:rPr>
-              <a:t> API extensively within the application for helping course creation, content summarization, content translation to traditional languages etc. For example a provision will be provided for the Content creator to upload his or curated content to Chat GPT get feedback, and then review it and also pass it via the configurable workflow to authorized reviewers. </a:t>
-            </a:r>
-            <a:endParaRPr lang="en-IN" sz="1200" b="0" strike="noStrike" spc="-1" dirty="0">
-              <a:latin typeface="Arial"/>
-            </a:endParaRPr>
-          </a:p>
-        </p:txBody>
-      </p:sp>
     </p:spTree>
   </p:cSld>
   <p:clrMapOvr>
@@ -5784,7 +6137,7 @@
   <p:cSld>
     <p:spTree>
       <p:nvGrpSpPr>
-        <p:cNvPr id="1" name=""/>
+        <p:cNvPr id="1" name="Shape 185"/>
         <p:cNvGrpSpPr/>
         <p:nvPr/>
       </p:nvGrpSpPr>
@@ -5798,14 +6151,72 @@
       </p:grpSpPr>
       <p:sp>
         <p:nvSpPr>
-          <p:cNvPr id="98" name="TextShape 1"/>
+          <p:cNvPr id="186" name="Google Shape;186;g21a0632c2c5_0_6"/>
+          <p:cNvSpPr txBox="1">
+            <a:spLocks noGrp="1"/>
+          </p:cNvSpPr>
+          <p:nvPr>
+            <p:ph type="title"/>
+          </p:nvPr>
+        </p:nvSpPr>
+        <p:spPr>
+          <a:xfrm>
+            <a:off x="338400" y="280800"/>
+            <a:ext cx="8649000" cy="500100"/>
+          </a:xfrm>
+          <a:prstGeom prst="rect">
+            <a:avLst/>
+          </a:prstGeom>
+        </p:spPr>
+        <p:txBody>
+          <a:bodyPr spcFirstLastPara="1" wrap="square" lIns="0" tIns="0" rIns="0" bIns="0" anchor="ctr" anchorCtr="0">
+            <a:noAutofit/>
+          </a:bodyPr>
+          <a:lstStyle/>
+          <a:p>
+            <a:pPr marL="0" lvl="0" indent="0" algn="l" rtl="0">
+              <a:lnSpc>
+                <a:spcPct val="100000"/>
+              </a:lnSpc>
+              <a:spcBef>
+                <a:spcPts val="0"/>
+              </a:spcBef>
+              <a:spcAft>
+                <a:spcPts val="0"/>
+              </a:spcAft>
+              <a:buClr>
+                <a:schemeClr val="dk1"/>
+              </a:buClr>
+              <a:buSzPts val="1100"/>
+              <a:buFont typeface="Arial"/>
+              <a:buNone/>
+            </a:pPr>
+            <a:r>
+              <a:rPr lang="en-US" sz="1400" b="1">
+                <a:solidFill>
+                  <a:srgbClr val="1F1F50"/>
+                </a:solidFill>
+                <a:latin typeface="Lato"/>
+                <a:ea typeface="Lato"/>
+                <a:cs typeface="Lato"/>
+                <a:sym typeface="Lato"/>
+              </a:rPr>
+              <a:t>Architectural framework for an educational platform using Azure platform and ChatGPT API:</a:t>
+            </a:r>
+            <a:endParaRPr sz="3800"/>
+          </a:p>
+        </p:txBody>
+      </p:sp>
+      <p:sp>
+        <p:nvSpPr>
+          <p:cNvPr id="187" name="Google Shape;187;g21a0632c2c5_0_6"/>
           <p:cNvSpPr txBox="1"/>
           <p:nvPr/>
         </p:nvSpPr>
         <p:spPr>
           <a:xfrm>
-            <a:off x="470880" y="229680"/>
-            <a:ext cx="8279640" cy="575640"/>
+            <a:off x="0" y="862950"/>
+            <a:ext cx="9054300" cy="4134300"/>
           </a:xfrm>
           <a:prstGeom prst="rect">
             <a:avLst/>
@@ -5816,550 +6227,183 @@
           </a:ln>
         </p:spPr>
         <p:txBody>
-          <a:bodyPr tIns="91440" bIns="91440">
-            <a:noAutofit/>
+          <a:bodyPr spcFirstLastPara="1" wrap="square" lIns="91425" tIns="91425" rIns="91425" bIns="91425" anchor="t" anchorCtr="0">
+            <a:spAutoFit/>
           </a:bodyPr>
           <a:lstStyle/>
           <a:p>
-            <a:pPr>
-              <a:lnSpc>
-                <a:spcPct val="100000"/>
-              </a:lnSpc>
-              <a:tabLst>
-                <a:tab pos="0" algn="l"/>
-              </a:tabLst>
-            </a:pPr>
-            <a:r>
-              <a:rPr lang="en" sz="2000" b="1" strike="noStrike" spc="-1" dirty="0">
-                <a:solidFill>
-                  <a:srgbClr val="1F1F50"/>
-                </a:solidFill>
-                <a:latin typeface="Lato"/>
-                <a:ea typeface="Lato"/>
-              </a:rPr>
-              <a:t>Use cases Scenarios</a:t>
-            </a:r>
-            <a:endParaRPr lang="en-IN" sz="2000" b="0" strike="noStrike" spc="-1" dirty="0">
-              <a:solidFill>
-                <a:srgbClr val="000000"/>
-              </a:solidFill>
-              <a:latin typeface="Arial"/>
-            </a:endParaRPr>
-          </a:p>
-        </p:txBody>
-      </p:sp>
-      <p:sp>
-        <p:nvSpPr>
-          <p:cNvPr id="99" name="CustomShape 2"/>
-          <p:cNvSpPr/>
-          <p:nvPr/>
-        </p:nvSpPr>
-        <p:spPr>
-          <a:xfrm>
-            <a:off x="512280" y="1151280"/>
-            <a:ext cx="8238240" cy="3413880"/>
-          </a:xfrm>
-          <a:prstGeom prst="rect">
-            <a:avLst/>
-          </a:prstGeom>
-          <a:noFill/>
-          <a:ln>
-            <a:noFill/>
-          </a:ln>
-        </p:spPr>
-        <p:style>
-          <a:lnRef idx="0">
-            <a:scrgbClr r="0" g="0" b="0"/>
-          </a:lnRef>
-          <a:fillRef idx="0">
-            <a:scrgbClr r="0" g="0" b="0"/>
-          </a:fillRef>
-          <a:effectRef idx="0">
-            <a:scrgbClr r="0" g="0" b="0"/>
-          </a:effectRef>
-          <a:fontRef idx="minor"/>
-        </p:style>
-        <p:txBody>
-          <a:bodyPr tIns="91440" bIns="91440">
-            <a:noAutofit/>
-          </a:bodyPr>
-          <a:lstStyle/>
-          <a:p>
-            <a:pPr>
-              <a:lnSpc>
-                <a:spcPct val="100000"/>
-              </a:lnSpc>
-              <a:tabLst>
-                <a:tab pos="0" algn="l"/>
-              </a:tabLst>
-            </a:pPr>
-            <a:r>
-              <a:rPr lang="en-US" sz="1400" b="0" strike="noStrike" spc="-1" dirty="0">
-                <a:solidFill>
-                  <a:srgbClr val="222222"/>
-                </a:solidFill>
-                <a:highlight>
-                  <a:srgbClr val="FFFFFF"/>
-                </a:highlight>
-                <a:latin typeface="Lato"/>
-                <a:ea typeface="Lato"/>
-              </a:rPr>
-              <a:t>The following are use cases scenarios to consider in the Happy path flow of the Application flow. </a:t>
-            </a:r>
-            <a:endParaRPr lang="en-IN" sz="1400" b="0" strike="noStrike" spc="-1" dirty="0">
-              <a:latin typeface="Arial"/>
-            </a:endParaRPr>
-          </a:p>
-          <a:p>
-            <a:pPr>
-              <a:lnSpc>
-                <a:spcPct val="100000"/>
-              </a:lnSpc>
-              <a:tabLst>
-                <a:tab pos="0" algn="l"/>
-              </a:tabLst>
-            </a:pPr>
-            <a:endParaRPr lang="en-IN" sz="1400" b="0" strike="noStrike" spc="-1" dirty="0">
-              <a:latin typeface="Arial"/>
-            </a:endParaRPr>
-          </a:p>
-          <a:p>
-            <a:pPr marL="285840" indent="-285480">
-              <a:lnSpc>
-                <a:spcPct val="100000"/>
-              </a:lnSpc>
+            <a:pPr marL="457200" lvl="0" indent="-285750" algn="l" rtl="0">
+              <a:lnSpc>
+                <a:spcPct val="115000"/>
+              </a:lnSpc>
+              <a:spcBef>
+                <a:spcPts val="1200"/>
+              </a:spcBef>
+              <a:spcAft>
+                <a:spcPts val="0"/>
+              </a:spcAft>
               <a:buClr>
-                <a:srgbClr val="000000"/>
+                <a:schemeClr val="dk1"/>
               </a:buClr>
-              <a:buFont typeface="Arial"/>
-              <a:buChar char="•"/>
-              <a:tabLst>
-                <a:tab pos="0" algn="l"/>
-              </a:tabLst>
-            </a:pPr>
-            <a:r>
-              <a:rPr lang="en-US" sz="1400" b="0" strike="noStrike" spc="-1" dirty="0">
-                <a:solidFill>
-                  <a:srgbClr val="222222"/>
-                </a:solidFill>
-                <a:highlight>
-                  <a:srgbClr val="FFFFFF"/>
-                </a:highlight>
-                <a:latin typeface="Lato"/>
-                <a:ea typeface="Lato"/>
-              </a:rPr>
-              <a:t>As a Admin user, need to create course, exam, learner master data</a:t>
-            </a:r>
-            <a:endParaRPr lang="en-IN" sz="1400" b="0" strike="noStrike" spc="-1" dirty="0">
-              <a:latin typeface="Arial"/>
-            </a:endParaRPr>
-          </a:p>
-          <a:p>
-            <a:pPr marL="285840" indent="-285480">
-              <a:lnSpc>
-                <a:spcPct val="100000"/>
-              </a:lnSpc>
+              <a:buSzPts val="900"/>
+              <a:buAutoNum type="arabicPeriod"/>
+            </a:pPr>
+            <a:r>
+              <a:rPr lang="en-US" sz="1200"/>
+              <a:t>User Interface Layer: The user interface layer will be responsible for rendering the web pages and user interfaces for the educational platform. It will be built using Azure App Service, which is a fully managed platform for building, deploying, and scaling web apps.</a:t>
+            </a:r>
+            <a:endParaRPr sz="1200"/>
+          </a:p>
+          <a:p>
+            <a:pPr marL="457200" lvl="0" indent="-285750" algn="l" rtl="0">
+              <a:lnSpc>
+                <a:spcPct val="115000"/>
+              </a:lnSpc>
+              <a:spcBef>
+                <a:spcPts val="0"/>
+              </a:spcBef>
+              <a:spcAft>
+                <a:spcPts val="0"/>
+              </a:spcAft>
               <a:buClr>
-                <a:srgbClr val="000000"/>
+                <a:schemeClr val="dk1"/>
               </a:buClr>
-              <a:buFont typeface="Arial"/>
-              <a:buChar char="•"/>
-              <a:tabLst>
-                <a:tab pos="0" algn="l"/>
-              </a:tabLst>
-            </a:pPr>
-            <a:r>
-              <a:rPr lang="en-US" sz="1400" b="0" strike="noStrike" spc="-1" dirty="0">
-                <a:solidFill>
-                  <a:srgbClr val="222222"/>
-                </a:solidFill>
-                <a:highlight>
-                  <a:srgbClr val="FFFFFF"/>
-                </a:highlight>
-                <a:latin typeface="Lato"/>
-                <a:ea typeface="Lato"/>
-              </a:rPr>
-              <a:t>As a  faculty user, need to approve the content from the admin.</a:t>
-            </a:r>
-          </a:p>
-          <a:p>
-            <a:pPr marL="285840" indent="-285480">
-              <a:lnSpc>
-                <a:spcPct val="100000"/>
-              </a:lnSpc>
+              <a:buSzPts val="900"/>
+              <a:buAutoNum type="arabicPeriod"/>
+            </a:pPr>
+            <a:r>
+              <a:rPr lang="en-US" sz="1200"/>
+              <a:t>Authentication and Authorization: Azure Active Directory will be used to authenticate and authorize users of the educational platform. This provides a secure and reliable way to manage user identities and access to resources.</a:t>
+            </a:r>
+            <a:endParaRPr sz="1200"/>
+          </a:p>
+          <a:p>
+            <a:pPr marL="457200" lvl="0" indent="-285750" algn="l" rtl="0">
+              <a:lnSpc>
+                <a:spcPct val="115000"/>
+              </a:lnSpc>
+              <a:spcBef>
+                <a:spcPts val="0"/>
+              </a:spcBef>
+              <a:spcAft>
+                <a:spcPts val="0"/>
+              </a:spcAft>
               <a:buClr>
-                <a:srgbClr val="000000"/>
+                <a:schemeClr val="dk1"/>
               </a:buClr>
-              <a:buFont typeface="Arial"/>
-              <a:buChar char="•"/>
-              <a:tabLst>
-                <a:tab pos="0" algn="l"/>
-              </a:tabLst>
-            </a:pPr>
-            <a:r>
-              <a:rPr lang="en-US" sz="1400" spc="-1" dirty="0">
-                <a:solidFill>
-                  <a:srgbClr val="222222"/>
-                </a:solidFill>
-                <a:highlight>
-                  <a:srgbClr val="FFFFFF"/>
-                </a:highlight>
-                <a:latin typeface="Lato"/>
-                <a:ea typeface="Lato"/>
-              </a:rPr>
-              <a:t>As a learner, need to view the course , enroll the course and learn the modules</a:t>
-            </a:r>
-            <a:endParaRPr lang="en-IN" sz="1400" b="0" strike="noStrike" spc="-1" dirty="0">
-              <a:latin typeface="Arial"/>
-            </a:endParaRPr>
-          </a:p>
-          <a:p>
-            <a:pPr marL="285840" indent="-285480">
-              <a:lnSpc>
-                <a:spcPct val="100000"/>
-              </a:lnSpc>
+              <a:buSzPts val="900"/>
+              <a:buAutoNum type="arabicPeriod"/>
+            </a:pPr>
+            <a:r>
+              <a:rPr lang="en-US" sz="1200"/>
+              <a:t>Chat GPT Integration: ChatGPT API will be integrated with the platform to provide a conversational interface for students and teachers. This will allow users to ask questions, get help with assignments, and engage in natural language conversations.</a:t>
+            </a:r>
+            <a:endParaRPr sz="1200"/>
+          </a:p>
+          <a:p>
+            <a:pPr marL="457200" lvl="0" indent="-285750" algn="l" rtl="0">
+              <a:lnSpc>
+                <a:spcPct val="115000"/>
+              </a:lnSpc>
+              <a:spcBef>
+                <a:spcPts val="0"/>
+              </a:spcBef>
+              <a:spcAft>
+                <a:spcPts val="0"/>
+              </a:spcAft>
               <a:buClr>
-                <a:srgbClr val="000000"/>
+                <a:schemeClr val="dk1"/>
               </a:buClr>
-              <a:buFont typeface="Arial"/>
-              <a:buChar char="•"/>
-              <a:tabLst>
-                <a:tab pos="0" algn="l"/>
-              </a:tabLst>
-            </a:pPr>
-            <a:r>
-              <a:rPr lang="en" sz="1400" b="0" strike="noStrike" spc="-1" dirty="0">
-                <a:solidFill>
-                  <a:srgbClr val="222222"/>
-                </a:solidFill>
-                <a:highlight>
-                  <a:srgbClr val="FFFFFF"/>
-                </a:highlight>
-                <a:latin typeface="Lato"/>
-                <a:ea typeface="Lato"/>
-              </a:rPr>
-              <a:t>As a learner, need to view the exam and get assess in the exams.</a:t>
-            </a:r>
-          </a:p>
-          <a:p>
-            <a:pPr marL="285840" indent="-285480">
-              <a:lnSpc>
-                <a:spcPct val="100000"/>
-              </a:lnSpc>
+              <a:buSzPts val="900"/>
+              <a:buAutoNum type="arabicPeriod"/>
+            </a:pPr>
+            <a:r>
+              <a:rPr lang="en-US" sz="1200"/>
+              <a:t>Content Management and Delivery: Azure Blob Storage will be used to store educational content such as videos, documents, and images. This will provide a reliable and scalable way to manage and deliver content to users.</a:t>
+            </a:r>
+            <a:endParaRPr sz="1200"/>
+          </a:p>
+          <a:p>
+            <a:pPr marL="457200" lvl="0" indent="-285750" algn="l" rtl="0">
+              <a:lnSpc>
+                <a:spcPct val="115000"/>
+              </a:lnSpc>
+              <a:spcBef>
+                <a:spcPts val="0"/>
+              </a:spcBef>
+              <a:spcAft>
+                <a:spcPts val="0"/>
+              </a:spcAft>
               <a:buClr>
-                <a:srgbClr val="000000"/>
+                <a:schemeClr val="dk1"/>
               </a:buClr>
-              <a:buFont typeface="Arial"/>
-              <a:buChar char="•"/>
-              <a:tabLst>
-                <a:tab pos="0" algn="l"/>
-              </a:tabLst>
-            </a:pPr>
-            <a:r>
-              <a:rPr lang="en" sz="1400" spc="-1" dirty="0">
-                <a:solidFill>
-                  <a:srgbClr val="222222"/>
-                </a:solidFill>
-                <a:highlight>
-                  <a:srgbClr val="FFFFFF"/>
-                </a:highlight>
-                <a:latin typeface="Lato"/>
-                <a:ea typeface="Lato"/>
-              </a:rPr>
-              <a:t>As a learner, need to view the leaderboard.</a:t>
-            </a:r>
-          </a:p>
-          <a:p>
-            <a:pPr marL="285840" indent="-285480">
-              <a:lnSpc>
-                <a:spcPct val="100000"/>
-              </a:lnSpc>
+              <a:buSzPts val="900"/>
+              <a:buAutoNum type="arabicPeriod"/>
+            </a:pPr>
+            <a:r>
+              <a:rPr lang="en-US" sz="1200"/>
+              <a:t>Analytics and Reporting: Azure Stream Analytics will be used to collect and analyze data about user behavior and engagement with the platform. This data will be used to improve the platform and provide insights to teachers and administrators.</a:t>
+            </a:r>
+            <a:endParaRPr sz="1200"/>
+          </a:p>
+          <a:p>
+            <a:pPr marL="457200" lvl="0" indent="-285750" algn="l" rtl="0">
+              <a:lnSpc>
+                <a:spcPct val="115000"/>
+              </a:lnSpc>
+              <a:spcBef>
+                <a:spcPts val="0"/>
+              </a:spcBef>
+              <a:spcAft>
+                <a:spcPts val="0"/>
+              </a:spcAft>
               <a:buClr>
-                <a:srgbClr val="000000"/>
+                <a:schemeClr val="dk1"/>
               </a:buClr>
-              <a:buFont typeface="Arial"/>
-              <a:buChar char="•"/>
-              <a:tabLst>
-                <a:tab pos="0" algn="l"/>
-              </a:tabLst>
-            </a:pPr>
-            <a:r>
-              <a:rPr lang="en" sz="1400" b="0" strike="noStrike" spc="-1" dirty="0">
-                <a:solidFill>
-                  <a:srgbClr val="222222"/>
-                </a:solidFill>
-                <a:highlight>
-                  <a:srgbClr val="FFFFFF"/>
-                </a:highlight>
-                <a:latin typeface="Lato"/>
-                <a:ea typeface="Lato"/>
-              </a:rPr>
-              <a:t>As a learner, need to view the reports</a:t>
-            </a:r>
-          </a:p>
-          <a:p>
-            <a:pPr marL="285840" indent="-285480">
-              <a:lnSpc>
-                <a:spcPct val="100000"/>
-              </a:lnSpc>
-              <a:buClr>
-                <a:srgbClr val="000000"/>
-              </a:buClr>
-              <a:buFont typeface="Arial"/>
-              <a:buChar char="•"/>
-              <a:tabLst>
-                <a:tab pos="0" algn="l"/>
-              </a:tabLst>
-            </a:pPr>
-            <a:r>
-              <a:rPr lang="en" sz="1400" spc="-1" dirty="0">
-                <a:solidFill>
-                  <a:srgbClr val="222222"/>
-                </a:solidFill>
-                <a:highlight>
-                  <a:srgbClr val="FFFFFF"/>
-                </a:highlight>
-                <a:latin typeface="Lato"/>
-                <a:ea typeface="Lato"/>
-              </a:rPr>
-              <a:t>As a faculty, need to view the reports.</a:t>
-            </a:r>
-          </a:p>
-          <a:p>
-            <a:pPr marL="285840" indent="-285480">
-              <a:lnSpc>
-                <a:spcPct val="100000"/>
-              </a:lnSpc>
-              <a:buClr>
-                <a:srgbClr val="000000"/>
-              </a:buClr>
-              <a:buFont typeface="Arial"/>
-              <a:buChar char="•"/>
-              <a:tabLst>
-                <a:tab pos="0" algn="l"/>
-              </a:tabLst>
-            </a:pPr>
-            <a:r>
-              <a:rPr lang="en" sz="1400" b="0" strike="noStrike" spc="-1" dirty="0">
-                <a:solidFill>
-                  <a:srgbClr val="222222"/>
-                </a:solidFill>
-                <a:highlight>
-                  <a:srgbClr val="FFFFFF"/>
-                </a:highlight>
-                <a:latin typeface="Lato"/>
-                <a:ea typeface="Lato"/>
-              </a:rPr>
-              <a:t>As a admin user, need to view the admin setting for the client and </a:t>
-            </a:r>
-            <a:r>
-              <a:rPr lang="en" sz="1400" spc="-1" dirty="0">
-                <a:solidFill>
-                  <a:srgbClr val="222222"/>
-                </a:solidFill>
-                <a:highlight>
-                  <a:srgbClr val="FFFFFF"/>
-                </a:highlight>
-                <a:latin typeface="Lato"/>
-                <a:ea typeface="Lato"/>
-              </a:rPr>
-              <a:t>change it.</a:t>
-            </a:r>
-          </a:p>
-          <a:p>
-            <a:pPr marL="285840" indent="-285480">
-              <a:lnSpc>
-                <a:spcPct val="100000"/>
-              </a:lnSpc>
-              <a:buClr>
-                <a:srgbClr val="000000"/>
-              </a:buClr>
-              <a:buFont typeface="Arial"/>
-              <a:buChar char="•"/>
-              <a:tabLst>
-                <a:tab pos="0" algn="l"/>
-              </a:tabLst>
-            </a:pPr>
-            <a:r>
-              <a:rPr lang="en" sz="1400" b="0" strike="noStrike" spc="-1" dirty="0">
-                <a:solidFill>
-                  <a:srgbClr val="222222"/>
-                </a:solidFill>
-                <a:highlight>
-                  <a:srgbClr val="FFFFFF"/>
-                </a:highlight>
-                <a:latin typeface="Lato"/>
-                <a:ea typeface="Lato"/>
-              </a:rPr>
-              <a:t>As a learner , need to vie</a:t>
-            </a:r>
-            <a:r>
-              <a:rPr lang="en" sz="1400" spc="-1" dirty="0">
-                <a:solidFill>
-                  <a:srgbClr val="222222"/>
-                </a:solidFill>
-                <a:highlight>
-                  <a:srgbClr val="FFFFFF"/>
-                </a:highlight>
-                <a:latin typeface="Lato"/>
-                <a:ea typeface="Lato"/>
-              </a:rPr>
-              <a:t>w the content in the language of preference.</a:t>
-            </a:r>
-          </a:p>
-          <a:p>
-            <a:pPr marL="285840" indent="-285480">
-              <a:lnSpc>
-                <a:spcPct val="100000"/>
-              </a:lnSpc>
-              <a:buClr>
-                <a:srgbClr val="000000"/>
-              </a:buClr>
-              <a:buFont typeface="Arial"/>
-              <a:buChar char="•"/>
-              <a:tabLst>
-                <a:tab pos="0" algn="l"/>
-              </a:tabLst>
-            </a:pPr>
-            <a:r>
-              <a:rPr lang="en" sz="1400" b="0" strike="noStrike" spc="-1" dirty="0">
-                <a:solidFill>
-                  <a:srgbClr val="222222"/>
-                </a:solidFill>
-                <a:highlight>
-                  <a:srgbClr val="FFFFFF"/>
-                </a:highlight>
-                <a:latin typeface="Lato"/>
-                <a:ea typeface="Lato"/>
-              </a:rPr>
-              <a:t>As a learner, need to view </a:t>
-            </a:r>
-            <a:r>
-              <a:rPr lang="en" sz="1400" spc="-1" dirty="0">
-                <a:solidFill>
-                  <a:srgbClr val="222222"/>
-                </a:solidFill>
-                <a:highlight>
-                  <a:srgbClr val="FFFFFF"/>
-                </a:highlight>
-                <a:latin typeface="Lato"/>
-                <a:ea typeface="Lato"/>
-              </a:rPr>
-              <a:t>the exam in the language of preference.</a:t>
-            </a:r>
-          </a:p>
-          <a:p>
-            <a:pPr marL="285840" indent="-285480">
-              <a:lnSpc>
-                <a:spcPct val="100000"/>
-              </a:lnSpc>
-              <a:buClr>
-                <a:srgbClr val="000000"/>
-              </a:buClr>
-              <a:buFont typeface="Arial"/>
-              <a:buChar char="•"/>
-              <a:tabLst>
-                <a:tab pos="0" algn="l"/>
-              </a:tabLst>
-            </a:pPr>
-            <a:endParaRPr lang="en" sz="1400" b="0" strike="noStrike" spc="-1" dirty="0">
-              <a:solidFill>
-                <a:srgbClr val="222222"/>
-              </a:solidFill>
-              <a:highlight>
-                <a:srgbClr val="FFFFFF"/>
-              </a:highlight>
-              <a:latin typeface="Lato"/>
-              <a:ea typeface="Lato"/>
-            </a:endParaRPr>
-          </a:p>
-          <a:p>
-            <a:pPr marL="285840" indent="-285480">
-              <a:lnSpc>
-                <a:spcPct val="100000"/>
-              </a:lnSpc>
-              <a:buClr>
-                <a:srgbClr val="000000"/>
-              </a:buClr>
-              <a:buFont typeface="Arial"/>
-              <a:buChar char="•"/>
-              <a:tabLst>
-                <a:tab pos="0" algn="l"/>
-              </a:tabLst>
-            </a:pPr>
-            <a:r>
-              <a:rPr lang="en" sz="1400" spc="-1" dirty="0">
-                <a:solidFill>
-                  <a:srgbClr val="222222"/>
-                </a:solidFill>
-                <a:highlight>
-                  <a:srgbClr val="FFFFFF"/>
-                </a:highlight>
-                <a:latin typeface="Lato"/>
-                <a:ea typeface="Lato"/>
-              </a:rPr>
-              <a:t>Note: The intention will be to provide the minimum viable product features  in the initial phases.</a:t>
-            </a:r>
-            <a:endParaRPr lang="en" sz="1400" b="0" strike="noStrike" spc="-1" dirty="0">
-              <a:solidFill>
-                <a:srgbClr val="222222"/>
-              </a:solidFill>
-              <a:highlight>
-                <a:srgbClr val="FFFFFF"/>
-              </a:highlight>
-              <a:latin typeface="Lato"/>
-              <a:ea typeface="Lato"/>
-            </a:endParaRPr>
-          </a:p>
-          <a:p>
-            <a:pPr>
-              <a:lnSpc>
-                <a:spcPct val="100000"/>
-              </a:lnSpc>
-              <a:tabLst>
-                <a:tab pos="0" algn="l"/>
-              </a:tabLst>
-            </a:pPr>
-            <a:endParaRPr lang="en-IN" sz="1400" b="0" strike="noStrike" spc="-1" dirty="0">
-              <a:latin typeface="Arial"/>
-            </a:endParaRPr>
-          </a:p>
-          <a:p>
-            <a:pPr>
-              <a:lnSpc>
-                <a:spcPct val="100000"/>
-              </a:lnSpc>
-              <a:tabLst>
-                <a:tab pos="0" algn="l"/>
-              </a:tabLst>
-            </a:pPr>
-            <a:endParaRPr lang="en-IN" sz="1400" b="0" strike="noStrike" spc="-1" dirty="0">
-              <a:latin typeface="Arial"/>
-            </a:endParaRPr>
-          </a:p>
-          <a:p>
-            <a:pPr marL="914400">
-              <a:lnSpc>
-                <a:spcPct val="100000"/>
-              </a:lnSpc>
-              <a:tabLst>
-                <a:tab pos="0" algn="l"/>
-              </a:tabLst>
-            </a:pPr>
-            <a:endParaRPr lang="en-IN" sz="1400" b="0" strike="noStrike" spc="-1" dirty="0">
-              <a:latin typeface="Arial"/>
-            </a:endParaRPr>
+              <a:buSzPts val="900"/>
+              <a:buAutoNum type="arabicPeriod"/>
+            </a:pPr>
+            <a:r>
+              <a:rPr lang="en-US" sz="1200"/>
+              <a:t>Integration with Learning Management Systems: The educational platform will be integrated with popular learning management systems such as Moodle or Blackboard. This will allow teachers to easily import and export course materials and assignments.</a:t>
+            </a:r>
+            <a:endParaRPr sz="1200"/>
+          </a:p>
+          <a:p>
+            <a:pPr marL="0" lvl="0" indent="0" algn="l" rtl="0">
+              <a:lnSpc>
+                <a:spcPct val="115000"/>
+              </a:lnSpc>
+              <a:spcBef>
+                <a:spcPts val="1200"/>
+              </a:spcBef>
+              <a:spcAft>
+                <a:spcPts val="1200"/>
+              </a:spcAft>
+              <a:buNone/>
+            </a:pPr>
+            <a:r>
+              <a:rPr lang="en-US" sz="1200"/>
+              <a:t>Overall, this architecture provides a secure, scalable, and reliable platform for delivering educational content and engaging with students and teachers through natural language conversations using ChatGPT API.</a:t>
+            </a:r>
+            <a:endParaRPr sz="1200"/>
           </a:p>
         </p:txBody>
       </p:sp>
       <p:pic>
         <p:nvPicPr>
-          <p:cNvPr id="100" name="Picture 4" descr="Icon&#10;&#10;Description automatically generated"/>
+          <p:cNvPr id="2" name="Picture 4" descr="Icon&#10;&#10;Description automatically generated">
+            <a:extLst>
+              <a:ext uri="{FF2B5EF4-FFF2-40B4-BE49-F238E27FC236}">
+                <a16:creationId xmlns:a16="http://schemas.microsoft.com/office/drawing/2014/main" id="{ED7CDAA8-82BF-88B1-FA14-E0CEF75EE5D7}"/>
+              </a:ext>
+            </a:extLst>
+          </p:cNvPr>
           <p:cNvPicPr/>
           <p:nvPr/>
         </p:nvPicPr>
         <p:blipFill>
-          <a:blip r:embed="rId2"/>
+          <a:blip r:embed="rId3"/>
           <a:stretch/>
         </p:blipFill>
         <p:spPr>
@@ -6376,11 +6420,6 @@
         </p:spPr>
       </p:pic>
     </p:spTree>
-    <p:extLst>
-      <p:ext uri="{BB962C8B-B14F-4D97-AF65-F5344CB8AC3E}">
-        <p14:creationId xmlns:p14="http://schemas.microsoft.com/office/powerpoint/2010/main" val="1440216713"/>
-      </p:ext>
-    </p:extLst>
   </p:cSld>
   <p:clrMapOvr>
     <a:masterClrMapping/>
@@ -6393,7 +6432,7 @@
   <p:cSld>
     <p:spTree>
       <p:nvGrpSpPr>
-        <p:cNvPr id="1" name=""/>
+        <p:cNvPr id="1" name="Shape 191"/>
         <p:cNvGrpSpPr/>
         <p:nvPr/>
       </p:nvGrpSpPr>
@@ -6407,14 +6446,67 @@
       </p:grpSpPr>
       <p:sp>
         <p:nvSpPr>
-          <p:cNvPr id="104" name="CustomShape 1"/>
-          <p:cNvSpPr/>
+          <p:cNvPr id="192" name="Google Shape;192;g21a0632c2c5_0_17"/>
+          <p:cNvSpPr txBox="1">
+            <a:spLocks noGrp="1"/>
+          </p:cNvSpPr>
+          <p:nvPr>
+            <p:ph type="title"/>
+          </p:nvPr>
+        </p:nvSpPr>
+        <p:spPr>
+          <a:xfrm>
+            <a:off x="338400" y="280800"/>
+            <a:ext cx="8649000" cy="500100"/>
+          </a:xfrm>
+          <a:prstGeom prst="rect">
+            <a:avLst/>
+          </a:prstGeom>
+        </p:spPr>
+        <p:txBody>
+          <a:bodyPr spcFirstLastPara="1" wrap="square" lIns="0" tIns="0" rIns="0" bIns="0" anchor="ctr" anchorCtr="0">
+            <a:noAutofit/>
+          </a:bodyPr>
+          <a:lstStyle/>
+          <a:p>
+            <a:pPr marL="0" lvl="0" indent="0" algn="l" rtl="0">
+              <a:lnSpc>
+                <a:spcPct val="100000"/>
+              </a:lnSpc>
+              <a:spcBef>
+                <a:spcPts val="0"/>
+              </a:spcBef>
+              <a:spcAft>
+                <a:spcPts val="0"/>
+              </a:spcAft>
+              <a:buNone/>
+            </a:pPr>
+            <a:r>
+              <a:rPr lang="en-US" sz="1400" b="1">
+                <a:solidFill>
+                  <a:srgbClr val="1F1F50"/>
+                </a:solidFill>
+                <a:latin typeface="Lato"/>
+                <a:ea typeface="Lato"/>
+                <a:cs typeface="Lato"/>
+                <a:sym typeface="Lato"/>
+              </a:rPr>
+              <a:t>Use Cases of Current Rural Development Programmes that would definitely  benefit from a fully Online and Offline Platform</a:t>
+            </a:r>
+            <a:endParaRPr sz="3800"/>
+          </a:p>
+        </p:txBody>
+      </p:sp>
+      <p:sp>
+        <p:nvSpPr>
+          <p:cNvPr id="193" name="Google Shape;193;g21a0632c2c5_0_17"/>
+          <p:cNvSpPr txBox="1"/>
           <p:nvPr/>
         </p:nvSpPr>
         <p:spPr>
           <a:xfrm>
-            <a:off x="0" y="0"/>
-            <a:ext cx="9209160" cy="792360"/>
+            <a:off x="0" y="862950"/>
+            <a:ext cx="9054300" cy="3469500"/>
           </a:xfrm>
           <a:prstGeom prst="rect">
             <a:avLst/>
@@ -6424,279 +6516,142 @@
             <a:noFill/>
           </a:ln>
         </p:spPr>
-        <p:style>
-          <a:lnRef idx="0">
-            <a:scrgbClr r="0" g="0" b="0"/>
-          </a:lnRef>
-          <a:fillRef idx="0">
-            <a:scrgbClr r="0" g="0" b="0"/>
-          </a:fillRef>
-          <a:effectRef idx="0">
-            <a:scrgbClr r="0" g="0" b="0"/>
-          </a:effectRef>
-          <a:fontRef idx="minor"/>
-        </p:style>
         <p:txBody>
-          <a:bodyPr tIns="91440" bIns="91440">
+          <a:bodyPr spcFirstLastPara="1" wrap="square" lIns="91425" tIns="91425" rIns="91425" bIns="91425" anchor="t" anchorCtr="0">
             <a:spAutoFit/>
           </a:bodyPr>
           <a:lstStyle/>
           <a:p>
-            <a:pPr>
-              <a:lnSpc>
-                <a:spcPct val="100000"/>
-              </a:lnSpc>
-              <a:tabLst>
-                <a:tab pos="0" algn="l"/>
-              </a:tabLst>
-            </a:pPr>
-            <a:r>
-              <a:rPr lang="en" sz="2000" b="1" strike="noStrike" spc="-1" dirty="0">
-                <a:solidFill>
-                  <a:srgbClr val="1F1F50"/>
-                </a:solidFill>
-                <a:latin typeface="Lato"/>
-                <a:ea typeface="Lato"/>
-              </a:rPr>
-              <a:t>GitHub Repository Link &amp; </a:t>
-            </a:r>
-            <a:r>
-              <a:rPr lang="en" sz="2000" b="1" strike="noStrike" spc="-1" dirty="0">
-                <a:solidFill>
-                  <a:srgbClr val="4A4548"/>
-                </a:solidFill>
-                <a:highlight>
-                  <a:srgbClr val="FFFFFF"/>
-                </a:highlight>
-                <a:latin typeface="Lato"/>
-                <a:ea typeface="Lato"/>
-              </a:rPr>
-              <a:t>supporting diagrams, screenshots, if any</a:t>
-            </a:r>
-            <a:endParaRPr lang="en-IN" sz="2000" b="0" strike="noStrike" spc="-1" dirty="0">
-              <a:latin typeface="Arial"/>
-            </a:endParaRPr>
-          </a:p>
-        </p:txBody>
-      </p:sp>
-      <p:sp>
-        <p:nvSpPr>
-          <p:cNvPr id="105" name="CustomShape 2"/>
-          <p:cNvSpPr/>
-          <p:nvPr/>
-        </p:nvSpPr>
-        <p:spPr>
-          <a:xfrm>
-            <a:off x="540329" y="706582"/>
-            <a:ext cx="5419896" cy="1908215"/>
-          </a:xfrm>
-          <a:prstGeom prst="rect">
-            <a:avLst/>
-          </a:prstGeom>
-          <a:noFill/>
-          <a:ln>
-            <a:noFill/>
-          </a:ln>
-        </p:spPr>
-        <p:style>
-          <a:lnRef idx="0">
-            <a:scrgbClr r="0" g="0" b="0"/>
-          </a:lnRef>
-          <a:fillRef idx="0">
-            <a:scrgbClr r="0" g="0" b="0"/>
-          </a:fillRef>
-          <a:effectRef idx="0">
-            <a:scrgbClr r="0" g="0" b="0"/>
-          </a:effectRef>
-          <a:fontRef idx="minor"/>
-        </p:style>
-        <p:txBody>
-          <a:bodyPr wrap="square" tIns="91440" bIns="91440">
-            <a:spAutoFit/>
-          </a:bodyPr>
-          <a:lstStyle/>
-          <a:p>
-            <a:pPr>
-              <a:lnSpc>
-                <a:spcPct val="100000"/>
-              </a:lnSpc>
-              <a:tabLst>
-                <a:tab pos="0" algn="l"/>
-              </a:tabLst>
-            </a:pPr>
-            <a:r>
-              <a:rPr lang="en-US" sz="1400" spc="-1" dirty="0">
-                <a:solidFill>
-                  <a:srgbClr val="000000"/>
-                </a:solidFill>
-                <a:highlight>
-                  <a:srgbClr val="FFFFFF"/>
-                </a:highlight>
-                <a:latin typeface="Arial"/>
-              </a:rPr>
-              <a:t>	</a:t>
-            </a:r>
-            <a:r>
-              <a:rPr lang="en-US" sz="1400" spc="-1" dirty="0">
-                <a:solidFill>
-                  <a:srgbClr val="000000"/>
-                </a:solidFill>
-                <a:highlight>
-                  <a:srgbClr val="FFFFFF"/>
-                </a:highlight>
-                <a:latin typeface="Arial"/>
-                <a:hlinkClick r:id="rId2"/>
-              </a:rPr>
-              <a:t>https://github.com/rajmanic15/sustainability-hackathon</a:t>
-            </a:r>
-            <a:endParaRPr lang="en-US" sz="1400" spc="-1" dirty="0">
-              <a:solidFill>
-                <a:srgbClr val="000000"/>
-              </a:solidFill>
-              <a:highlight>
-                <a:srgbClr val="FFFFFF"/>
-              </a:highlight>
-              <a:latin typeface="Arial"/>
-            </a:endParaRPr>
-          </a:p>
-          <a:p>
-            <a:pPr>
-              <a:lnSpc>
-                <a:spcPct val="100000"/>
-              </a:lnSpc>
-              <a:tabLst>
-                <a:tab pos="0" algn="l"/>
-              </a:tabLst>
-            </a:pPr>
-            <a:r>
-              <a:rPr lang="en-US" sz="1400" spc="-1" dirty="0">
-                <a:solidFill>
-                  <a:srgbClr val="000000"/>
-                </a:solidFill>
-                <a:highlight>
-                  <a:srgbClr val="FFFFFF"/>
-                </a:highlight>
-                <a:latin typeface="Arial"/>
-                <a:hlinkClick r:id="rId3"/>
-              </a:rPr>
-              <a:t>https://salmon-glacier-0882e7810.3.azurestaticapps.net/</a:t>
-            </a:r>
-            <a:endParaRPr lang="en-US" sz="1400" spc="-1" dirty="0">
-              <a:solidFill>
-                <a:srgbClr val="000000"/>
-              </a:solidFill>
-              <a:highlight>
-                <a:srgbClr val="FFFFFF"/>
-              </a:highlight>
-              <a:latin typeface="Arial"/>
-            </a:endParaRPr>
-          </a:p>
-          <a:p>
-            <a:pPr>
-              <a:lnSpc>
-                <a:spcPct val="100000"/>
-              </a:lnSpc>
-              <a:tabLst>
-                <a:tab pos="0" algn="l"/>
-              </a:tabLst>
-            </a:pPr>
-            <a:r>
-              <a:rPr lang="en-US" sz="1400" spc="-1" dirty="0">
-                <a:solidFill>
-                  <a:srgbClr val="000000"/>
-                </a:solidFill>
-                <a:highlight>
-                  <a:srgbClr val="FFFFFF"/>
-                </a:highlight>
-                <a:latin typeface="Arial"/>
-                <a:hlinkClick r:id="rId4"/>
-              </a:rPr>
-              <a:t>https://docs.google.com/spreadsheets/d/17BUlSRZEn0qdPFxkfAm21QzkCruflNLISYLmYAmu9lY/edit#gid=0</a:t>
-            </a:r>
-            <a:endParaRPr lang="en-US" sz="1400" spc="-1" dirty="0">
-              <a:solidFill>
-                <a:srgbClr val="000000"/>
-              </a:solidFill>
-              <a:highlight>
-                <a:srgbClr val="FFFFFF"/>
-              </a:highlight>
-              <a:latin typeface="Arial"/>
-            </a:endParaRPr>
-          </a:p>
-          <a:p>
-            <a:pPr>
-              <a:lnSpc>
-                <a:spcPct val="100000"/>
-              </a:lnSpc>
-              <a:tabLst>
-                <a:tab pos="0" algn="l"/>
-              </a:tabLst>
-            </a:pPr>
-            <a:endParaRPr lang="en-US" sz="1400" spc="-1" dirty="0">
-              <a:solidFill>
-                <a:srgbClr val="000000"/>
-              </a:solidFill>
-              <a:highlight>
-                <a:srgbClr val="FFFFFF"/>
-              </a:highlight>
-              <a:latin typeface="Arial"/>
-            </a:endParaRPr>
-          </a:p>
-          <a:p>
-            <a:pPr>
-              <a:lnSpc>
-                <a:spcPct val="100000"/>
-              </a:lnSpc>
-              <a:tabLst>
-                <a:tab pos="0" algn="l"/>
-              </a:tabLst>
-            </a:pPr>
-            <a:endParaRPr lang="en-US" sz="1400" spc="-1" dirty="0">
-              <a:solidFill>
-                <a:srgbClr val="000000"/>
-              </a:solidFill>
-              <a:highlight>
-                <a:srgbClr val="FFFFFF"/>
-              </a:highlight>
-              <a:latin typeface="Arial"/>
-            </a:endParaRPr>
-          </a:p>
-          <a:p>
-            <a:pPr>
-              <a:lnSpc>
-                <a:spcPct val="100000"/>
-              </a:lnSpc>
-              <a:tabLst>
-                <a:tab pos="0" algn="l"/>
-              </a:tabLst>
-            </a:pPr>
-            <a:endParaRPr lang="en-IN" sz="1400" b="0" strike="noStrike" spc="-1" dirty="0">
-              <a:latin typeface="Arial"/>
-            </a:endParaRPr>
-          </a:p>
-          <a:p>
-            <a:pPr>
-              <a:lnSpc>
-                <a:spcPct val="100000"/>
-              </a:lnSpc>
-              <a:tabLst>
-                <a:tab pos="0" algn="l"/>
-              </a:tabLst>
-            </a:pPr>
-            <a:endParaRPr lang="en-IN" sz="1400" b="0" strike="noStrike" spc="-1" dirty="0">
-              <a:latin typeface="Arial"/>
-            </a:endParaRPr>
+            <a:pPr marL="457200" lvl="0" indent="-292100" algn="l" rtl="0">
+              <a:lnSpc>
+                <a:spcPct val="115000"/>
+              </a:lnSpc>
+              <a:spcBef>
+                <a:spcPts val="1200"/>
+              </a:spcBef>
+              <a:spcAft>
+                <a:spcPts val="0"/>
+              </a:spcAft>
+              <a:buClr>
+                <a:schemeClr val="dk1"/>
+              </a:buClr>
+              <a:buSzPts val="1000"/>
+              <a:buAutoNum type="arabicPeriod"/>
+            </a:pPr>
+            <a:r>
+              <a:rPr lang="en-US" sz="1100"/>
+              <a:t>A non-profit organization that focuses on providing education and training to rural communities, particularly women, in order to promote sustainable development. They can offer programs in areas such as solar engineering, water management, and healthcare, and students learn through a combination of classroom instruction and hands-on experience facilitated by the collaborative platform.</a:t>
+            </a:r>
+            <a:endParaRPr sz="1100"/>
+          </a:p>
+          <a:p>
+            <a:pPr marL="457200" lvl="0" indent="-292100" algn="l" rtl="0">
+              <a:lnSpc>
+                <a:spcPct val="115000"/>
+              </a:lnSpc>
+              <a:spcBef>
+                <a:spcPts val="0"/>
+              </a:spcBef>
+              <a:spcAft>
+                <a:spcPts val="0"/>
+              </a:spcAft>
+              <a:buClr>
+                <a:schemeClr val="dk1"/>
+              </a:buClr>
+              <a:buSzPts val="1000"/>
+              <a:buAutoNum type="arabicPeriod"/>
+            </a:pPr>
+            <a:r>
+              <a:rPr lang="en-US" sz="1100"/>
+              <a:t>Programs developed to help farmers in rural areas improve their agricultural practices and increase their yields. The program is based on a participatory learning approach, in which farmers work together to share knowledge and experience, and learn from each other and from expert trainers. The program has been successful in improving crop yields and income for participating farmers.</a:t>
+            </a:r>
+            <a:endParaRPr sz="1100"/>
+          </a:p>
+          <a:p>
+            <a:pPr marL="457200" lvl="0" indent="-292100" algn="l" rtl="0">
+              <a:lnSpc>
+                <a:spcPct val="115000"/>
+              </a:lnSpc>
+              <a:spcBef>
+                <a:spcPts val="0"/>
+              </a:spcBef>
+              <a:spcAft>
+                <a:spcPts val="0"/>
+              </a:spcAft>
+              <a:buClr>
+                <a:schemeClr val="dk1"/>
+              </a:buClr>
+              <a:buSzPts val="1000"/>
+              <a:buAutoNum type="arabicPeriod"/>
+            </a:pPr>
+            <a:r>
+              <a:rPr lang="en-US" sz="1100"/>
+              <a:t>Programs that bring science education to rural communities by providing a mobile laboratory that travels from village to village. The laboratory is equipped with basic science equipment and materials, and trained facilitators conduct hands-on experiments and activities with students. The online platform would assist teachers.  </a:t>
+            </a:r>
+            <a:endParaRPr sz="1100"/>
+          </a:p>
+          <a:p>
+            <a:pPr marL="457200" lvl="0" indent="-292100" algn="l" rtl="0">
+              <a:lnSpc>
+                <a:spcPct val="115000"/>
+              </a:lnSpc>
+              <a:spcBef>
+                <a:spcPts val="0"/>
+              </a:spcBef>
+              <a:spcAft>
+                <a:spcPts val="0"/>
+              </a:spcAft>
+              <a:buClr>
+                <a:schemeClr val="dk1"/>
+              </a:buClr>
+              <a:buSzPts val="1000"/>
+              <a:buAutoNum type="arabicPeriod"/>
+            </a:pPr>
+            <a:r>
+              <a:rPr lang="en-US" sz="1100"/>
+              <a:t>A Rural Livelihoods and Climate Change Adaptation program: This program focuses on building the resilience of rural communities to the impacts of climate change. The program provides training in sustainable agriculture, natural resource management, and climate-resilient livelihoods, and also helps communities develop adaptation plans and strategies. The program has been successful in improving food security and livelihoods for participating communities. Again the online platform would assist greatly in this endeavour.</a:t>
+            </a:r>
+            <a:endParaRPr sz="1100"/>
+          </a:p>
+          <a:p>
+            <a:pPr marL="457200" lvl="0" indent="-292100" algn="l" rtl="0">
+              <a:lnSpc>
+                <a:spcPct val="115000"/>
+              </a:lnSpc>
+              <a:spcBef>
+                <a:spcPts val="0"/>
+              </a:spcBef>
+              <a:spcAft>
+                <a:spcPts val="0"/>
+              </a:spcAft>
+              <a:buClr>
+                <a:schemeClr val="dk1"/>
+              </a:buClr>
+              <a:buSzPts val="1000"/>
+              <a:buAutoNum type="arabicPeriod"/>
+            </a:pPr>
+            <a:r>
+              <a:rPr lang="en-US" sz="1100"/>
+              <a:t>A  program that aims to improve access to healthcare in rural communities by training community health workers and providing them with basic medical equipment and supplies. The program also focuses on promoting preventive healthcare and behavior change, and has been successful in reducing child mortality and improving health outcomes for participating communities. Mobile and easy accessible teaching program would really help in rural health care awareness.</a:t>
+            </a:r>
+            <a:endParaRPr sz="1100"/>
           </a:p>
         </p:txBody>
       </p:sp>
       <p:pic>
         <p:nvPicPr>
-          <p:cNvPr id="106" name="Picture 4" descr="Icon&#10;&#10;Description automatically generated"/>
+          <p:cNvPr id="2" name="Picture 4" descr="Icon&#10;&#10;Description automatically generated">
+            <a:extLst>
+              <a:ext uri="{FF2B5EF4-FFF2-40B4-BE49-F238E27FC236}">
+                <a16:creationId xmlns:a16="http://schemas.microsoft.com/office/drawing/2014/main" id="{8DF765B9-53D2-6C02-4EB2-2299F5E19B7F}"/>
+              </a:ext>
+            </a:extLst>
+          </p:cNvPr>
           <p:cNvPicPr/>
           <p:nvPr/>
         </p:nvPicPr>
         <p:blipFill>
-          <a:blip r:embed="rId5"/>
+          <a:blip r:embed="rId3"/>
           <a:stretch/>
         </p:blipFill>
         <p:spPr>
@@ -6713,11 +6668,6 @@
         </p:spPr>
       </p:pic>
     </p:spTree>
-    <p:extLst>
-      <p:ext uri="{BB962C8B-B14F-4D97-AF65-F5344CB8AC3E}">
-        <p14:creationId xmlns:p14="http://schemas.microsoft.com/office/powerpoint/2010/main" val="637777351"/>
-      </p:ext>
-    </p:extLst>
   </p:cSld>
   <p:clrMapOvr>
     <a:masterClrMapping/>
@@ -6744,6 +6694,1927 @@
       </p:grpSpPr>
       <p:sp>
         <p:nvSpPr>
+          <p:cNvPr id="104" name="CustomShape 1"/>
+          <p:cNvSpPr/>
+          <p:nvPr/>
+        </p:nvSpPr>
+        <p:spPr>
+          <a:xfrm>
+            <a:off x="0" y="0"/>
+            <a:ext cx="9209160" cy="492443"/>
+          </a:xfrm>
+          <a:prstGeom prst="rect">
+            <a:avLst/>
+          </a:prstGeom>
+          <a:noFill/>
+          <a:ln>
+            <a:noFill/>
+          </a:ln>
+        </p:spPr>
+        <p:style>
+          <a:lnRef idx="0">
+            <a:scrgbClr r="0" g="0" b="0"/>
+          </a:lnRef>
+          <a:fillRef idx="0">
+            <a:scrgbClr r="0" g="0" b="0"/>
+          </a:fillRef>
+          <a:effectRef idx="0">
+            <a:scrgbClr r="0" g="0" b="0"/>
+          </a:effectRef>
+          <a:fontRef idx="minor"/>
+        </p:style>
+        <p:txBody>
+          <a:bodyPr tIns="91440" bIns="91440">
+            <a:spAutoFit/>
+          </a:bodyPr>
+          <a:lstStyle/>
+          <a:p>
+            <a:pPr>
+              <a:lnSpc>
+                <a:spcPct val="100000"/>
+              </a:lnSpc>
+              <a:tabLst>
+                <a:tab pos="0" algn="l"/>
+              </a:tabLst>
+            </a:pPr>
+            <a:r>
+              <a:rPr lang="en" sz="2000" b="1" strike="noStrike" spc="-1" dirty="0">
+                <a:solidFill>
+                  <a:srgbClr val="1F1F50"/>
+                </a:solidFill>
+                <a:latin typeface="Lato"/>
+                <a:ea typeface="Lato"/>
+              </a:rPr>
+              <a:t>Functional components</a:t>
+            </a:r>
+            <a:endParaRPr lang="en-IN" sz="2000" b="0" strike="noStrike" spc="-1" dirty="0">
+              <a:latin typeface="Arial"/>
+            </a:endParaRPr>
+          </a:p>
+        </p:txBody>
+      </p:sp>
+      <p:sp>
+        <p:nvSpPr>
+          <p:cNvPr id="105" name="CustomShape 2"/>
+          <p:cNvSpPr/>
+          <p:nvPr/>
+        </p:nvSpPr>
+        <p:spPr>
+          <a:xfrm>
+            <a:off x="330605" y="492443"/>
+            <a:ext cx="3857104" cy="4493538"/>
+          </a:xfrm>
+          <a:prstGeom prst="rect">
+            <a:avLst/>
+          </a:prstGeom>
+          <a:noFill/>
+          <a:ln>
+            <a:noFill/>
+          </a:ln>
+        </p:spPr>
+        <p:style>
+          <a:lnRef idx="0">
+            <a:scrgbClr r="0" g="0" b="0"/>
+          </a:lnRef>
+          <a:fillRef idx="0">
+            <a:scrgbClr r="0" g="0" b="0"/>
+          </a:fillRef>
+          <a:effectRef idx="0">
+            <a:scrgbClr r="0" g="0" b="0"/>
+          </a:effectRef>
+          <a:fontRef idx="minor"/>
+        </p:style>
+        <p:txBody>
+          <a:bodyPr wrap="square" tIns="91440" bIns="91440">
+            <a:spAutoFit/>
+          </a:bodyPr>
+          <a:lstStyle/>
+          <a:p>
+            <a:pPr>
+              <a:lnSpc>
+                <a:spcPct val="100000"/>
+              </a:lnSpc>
+              <a:tabLst>
+                <a:tab pos="0" algn="l"/>
+              </a:tabLst>
+            </a:pPr>
+            <a:r>
+              <a:rPr lang="en" sz="1200" b="1" strike="noStrike" spc="-1" dirty="0">
+                <a:solidFill>
+                  <a:srgbClr val="222222"/>
+                </a:solidFill>
+                <a:highlight>
+                  <a:srgbClr val="FFFFFF"/>
+                </a:highlight>
+                <a:latin typeface="Lato"/>
+                <a:ea typeface="Lato"/>
+              </a:rPr>
+              <a:t>Main Module</a:t>
+            </a:r>
+            <a:endParaRPr lang="en-IN" sz="1200" b="1" strike="noStrike" spc="-1" dirty="0">
+              <a:latin typeface="Arial"/>
+            </a:endParaRPr>
+          </a:p>
+          <a:p>
+            <a:pPr>
+              <a:lnSpc>
+                <a:spcPct val="100000"/>
+              </a:lnSpc>
+              <a:tabLst>
+                <a:tab pos="0" algn="l"/>
+              </a:tabLst>
+            </a:pPr>
+            <a:r>
+              <a:rPr lang="en-US" sz="1200" b="0" strike="noStrike" spc="-1" dirty="0">
+                <a:solidFill>
+                  <a:srgbClr val="000000"/>
+                </a:solidFill>
+                <a:highlight>
+                  <a:srgbClr val="FFFFFF"/>
+                </a:highlight>
+                <a:latin typeface="Arial"/>
+                <a:ea typeface="Arial"/>
+              </a:rPr>
+              <a:t>    Admin Portal</a:t>
+            </a:r>
+          </a:p>
+          <a:p>
+            <a:pPr>
+              <a:lnSpc>
+                <a:spcPct val="100000"/>
+              </a:lnSpc>
+              <a:tabLst>
+                <a:tab pos="0" algn="l"/>
+              </a:tabLst>
+            </a:pPr>
+            <a:r>
+              <a:rPr lang="en-US" sz="1200" spc="-1" dirty="0">
+                <a:solidFill>
+                  <a:srgbClr val="000000"/>
+                </a:solidFill>
+                <a:highlight>
+                  <a:srgbClr val="FFFFFF"/>
+                </a:highlight>
+                <a:latin typeface="Arial"/>
+              </a:rPr>
+              <a:t>		Master data UI</a:t>
+            </a:r>
+            <a:endParaRPr lang="en-IN" sz="1200" b="0" strike="noStrike" spc="-1" dirty="0">
+              <a:latin typeface="Arial"/>
+            </a:endParaRPr>
+          </a:p>
+          <a:p>
+            <a:pPr>
+              <a:lnSpc>
+                <a:spcPct val="100000"/>
+              </a:lnSpc>
+              <a:tabLst>
+                <a:tab pos="0" algn="l"/>
+              </a:tabLst>
+            </a:pPr>
+            <a:r>
+              <a:rPr lang="en-US" sz="1200" b="0" strike="noStrike" spc="-1" dirty="0">
+                <a:solidFill>
+                  <a:srgbClr val="000000"/>
+                </a:solidFill>
+                <a:highlight>
+                  <a:srgbClr val="FFFFFF"/>
+                </a:highlight>
+                <a:latin typeface="Arial"/>
+                <a:ea typeface="Arial"/>
+              </a:rPr>
+              <a:t>    Online Learner Portal</a:t>
+            </a:r>
+          </a:p>
+          <a:p>
+            <a:pPr>
+              <a:lnSpc>
+                <a:spcPct val="100000"/>
+              </a:lnSpc>
+              <a:tabLst>
+                <a:tab pos="0" algn="l"/>
+              </a:tabLst>
+            </a:pPr>
+            <a:r>
+              <a:rPr lang="en-US" sz="1200" spc="-1" dirty="0">
+                <a:solidFill>
+                  <a:srgbClr val="000000"/>
+                </a:solidFill>
+                <a:highlight>
+                  <a:srgbClr val="FFFFFF"/>
+                </a:highlight>
+                <a:latin typeface="Arial"/>
+              </a:rPr>
+              <a:t>		End User UI , </a:t>
+            </a:r>
+            <a:r>
+              <a:rPr lang="en-US" sz="1200" b="0" strike="noStrike" spc="-1" dirty="0">
+                <a:solidFill>
+                  <a:srgbClr val="000000"/>
+                </a:solidFill>
+                <a:highlight>
+                  <a:srgbClr val="FFFFFF"/>
+                </a:highlight>
+                <a:latin typeface="Arial"/>
+              </a:rPr>
+              <a:t>API </a:t>
+            </a:r>
+            <a:endParaRPr lang="en-IN" sz="1200" b="0" strike="noStrike" spc="-1" dirty="0">
+              <a:latin typeface="Arial"/>
+            </a:endParaRPr>
+          </a:p>
+          <a:p>
+            <a:pPr>
+              <a:lnSpc>
+                <a:spcPct val="100000"/>
+              </a:lnSpc>
+              <a:tabLst>
+                <a:tab pos="0" algn="l"/>
+              </a:tabLst>
+            </a:pPr>
+            <a:r>
+              <a:rPr lang="en-US" sz="1200" b="1" strike="noStrike" spc="-1" dirty="0">
+                <a:solidFill>
+                  <a:srgbClr val="000000"/>
+                </a:solidFill>
+                <a:highlight>
+                  <a:srgbClr val="FFFFFF"/>
+                </a:highlight>
+                <a:latin typeface="Arial"/>
+                <a:ea typeface="Arial"/>
+              </a:rPr>
+              <a:t>Sub Module</a:t>
+            </a:r>
+            <a:endParaRPr lang="en-IN" sz="1200" b="1" strike="noStrike" spc="-1" dirty="0">
+              <a:latin typeface="Arial"/>
+            </a:endParaRPr>
+          </a:p>
+          <a:p>
+            <a:pPr>
+              <a:lnSpc>
+                <a:spcPct val="100000"/>
+              </a:lnSpc>
+              <a:tabLst>
+                <a:tab pos="0" algn="l"/>
+              </a:tabLst>
+            </a:pPr>
+            <a:r>
+              <a:rPr lang="en-US" sz="1200" b="0" strike="noStrike" spc="-1" dirty="0">
+                <a:solidFill>
+                  <a:srgbClr val="000000"/>
+                </a:solidFill>
+                <a:highlight>
+                  <a:srgbClr val="FFFFFF"/>
+                </a:highlight>
+                <a:latin typeface="Arial"/>
+                <a:ea typeface="Arial"/>
+              </a:rPr>
+              <a:t>	</a:t>
+            </a:r>
+            <a:r>
+              <a:rPr lang="en-US" sz="1200" b="1" strike="noStrike" spc="-1" dirty="0">
+                <a:solidFill>
+                  <a:srgbClr val="000000"/>
+                </a:solidFill>
+                <a:highlight>
+                  <a:srgbClr val="FFFFFF"/>
+                </a:highlight>
+                <a:latin typeface="Arial"/>
+                <a:ea typeface="Arial"/>
+              </a:rPr>
+              <a:t>Learner</a:t>
+            </a:r>
+            <a:r>
+              <a:rPr lang="en-US" sz="1200" b="0" strike="noStrike" spc="-1" dirty="0">
+                <a:solidFill>
+                  <a:srgbClr val="000000"/>
+                </a:solidFill>
+                <a:highlight>
+                  <a:srgbClr val="FFFFFF"/>
+                </a:highlight>
+                <a:latin typeface="Arial"/>
+                <a:ea typeface="Arial"/>
+              </a:rPr>
+              <a:t> </a:t>
+            </a:r>
+          </a:p>
+          <a:p>
+            <a:pPr>
+              <a:lnSpc>
+                <a:spcPct val="100000"/>
+              </a:lnSpc>
+              <a:tabLst>
+                <a:tab pos="0" algn="l"/>
+              </a:tabLst>
+            </a:pPr>
+            <a:r>
+              <a:rPr lang="en-US" sz="1200" spc="-1" dirty="0">
+                <a:solidFill>
+                  <a:srgbClr val="000000"/>
+                </a:solidFill>
+                <a:highlight>
+                  <a:srgbClr val="FFFFFF"/>
+                </a:highlight>
+                <a:latin typeface="Arial"/>
+              </a:rPr>
+              <a:t>		Course, Module, Units, sections,  	             exercises , 	Forums, </a:t>
+            </a:r>
+            <a:endParaRPr lang="en-IN" sz="1200" b="0" strike="noStrike" spc="-1" dirty="0">
+              <a:latin typeface="Arial"/>
+            </a:endParaRPr>
+          </a:p>
+          <a:p>
+            <a:pPr>
+              <a:lnSpc>
+                <a:spcPct val="100000"/>
+              </a:lnSpc>
+              <a:tabLst>
+                <a:tab pos="0" algn="l"/>
+              </a:tabLst>
+            </a:pPr>
+            <a:r>
+              <a:rPr lang="en-US" sz="1200" b="0" strike="noStrike" spc="-1" dirty="0">
+                <a:solidFill>
+                  <a:srgbClr val="000000"/>
+                </a:solidFill>
+                <a:highlight>
+                  <a:srgbClr val="FFFFFF"/>
+                </a:highlight>
+                <a:latin typeface="Arial"/>
+                <a:ea typeface="Arial"/>
+              </a:rPr>
+              <a:t>	</a:t>
+            </a:r>
+            <a:r>
+              <a:rPr lang="en-US" sz="1200" b="1" strike="noStrike" spc="-1" dirty="0">
+                <a:solidFill>
+                  <a:srgbClr val="000000"/>
+                </a:solidFill>
+                <a:highlight>
+                  <a:srgbClr val="FFFFFF"/>
+                </a:highlight>
+                <a:latin typeface="Arial"/>
+                <a:ea typeface="Arial"/>
+              </a:rPr>
+              <a:t>Exam</a:t>
+            </a:r>
+          </a:p>
+          <a:p>
+            <a:pPr>
+              <a:lnSpc>
+                <a:spcPct val="100000"/>
+              </a:lnSpc>
+              <a:tabLst>
+                <a:tab pos="0" algn="l"/>
+              </a:tabLst>
+            </a:pPr>
+            <a:r>
+              <a:rPr lang="en-US" sz="1200" spc="-1" dirty="0">
+                <a:solidFill>
+                  <a:srgbClr val="000000"/>
+                </a:solidFill>
+                <a:highlight>
+                  <a:srgbClr val="FFFFFF"/>
+                </a:highlight>
+                <a:latin typeface="Arial"/>
+              </a:rPr>
+              <a:t>		Multiple choice, </a:t>
+            </a:r>
+            <a:r>
+              <a:rPr lang="en-US" sz="1200" b="0" strike="noStrike" spc="-1" dirty="0">
+                <a:solidFill>
+                  <a:srgbClr val="000000"/>
+                </a:solidFill>
+                <a:highlight>
+                  <a:srgbClr val="FFFFFF"/>
+                </a:highlight>
+                <a:latin typeface="Arial"/>
+              </a:rPr>
+              <a:t>Subjective,</a:t>
+            </a:r>
+          </a:p>
+          <a:p>
+            <a:pPr>
+              <a:lnSpc>
+                <a:spcPct val="100000"/>
+              </a:lnSpc>
+              <a:tabLst>
+                <a:tab pos="0" algn="l"/>
+              </a:tabLst>
+            </a:pPr>
+            <a:r>
+              <a:rPr lang="en-US" sz="1200" spc="-1" dirty="0">
+                <a:solidFill>
+                  <a:srgbClr val="000000"/>
+                </a:solidFill>
+                <a:highlight>
+                  <a:srgbClr val="FFFFFF"/>
+                </a:highlight>
+                <a:latin typeface="Arial"/>
+              </a:rPr>
+              <a:t>		Drag and drop, </a:t>
+            </a:r>
+            <a:r>
+              <a:rPr lang="en-US" sz="1200" spc="-1" dirty="0" err="1">
+                <a:solidFill>
+                  <a:srgbClr val="000000"/>
+                </a:solidFill>
+                <a:highlight>
+                  <a:srgbClr val="FFFFFF"/>
+                </a:highlight>
+                <a:latin typeface="Arial"/>
+              </a:rPr>
+              <a:t>timebased</a:t>
+            </a:r>
+            <a:r>
+              <a:rPr lang="en-US" sz="1200" spc="-1" dirty="0">
+                <a:solidFill>
+                  <a:srgbClr val="000000"/>
+                </a:solidFill>
+                <a:highlight>
+                  <a:srgbClr val="FFFFFF"/>
+                </a:highlight>
+                <a:latin typeface="Arial"/>
+              </a:rPr>
+              <a:t> exams</a:t>
+            </a:r>
+          </a:p>
+          <a:p>
+            <a:pPr>
+              <a:lnSpc>
+                <a:spcPct val="100000"/>
+              </a:lnSpc>
+              <a:tabLst>
+                <a:tab pos="0" algn="l"/>
+              </a:tabLst>
+            </a:pPr>
+            <a:r>
+              <a:rPr lang="en-US" sz="1200" b="0" strike="noStrike" spc="-1" dirty="0">
+                <a:solidFill>
+                  <a:srgbClr val="000000"/>
+                </a:solidFill>
+                <a:highlight>
+                  <a:srgbClr val="FFFFFF"/>
+                </a:highlight>
+                <a:latin typeface="Arial"/>
+              </a:rPr>
+              <a:t>		certificates, badges</a:t>
+            </a:r>
+            <a:endParaRPr lang="en-IN" sz="1200" b="0" strike="noStrike" spc="-1" dirty="0">
+              <a:latin typeface="Arial"/>
+            </a:endParaRPr>
+          </a:p>
+          <a:p>
+            <a:pPr>
+              <a:lnSpc>
+                <a:spcPct val="100000"/>
+              </a:lnSpc>
+              <a:tabLst>
+                <a:tab pos="0" algn="l"/>
+              </a:tabLst>
+            </a:pPr>
+            <a:r>
+              <a:rPr lang="en-US" sz="1200" b="0" strike="noStrike" spc="-1" dirty="0">
+                <a:solidFill>
+                  <a:srgbClr val="000000"/>
+                </a:solidFill>
+                <a:highlight>
+                  <a:srgbClr val="FFFFFF"/>
+                </a:highlight>
+                <a:latin typeface="Arial"/>
+                <a:ea typeface="Arial"/>
+              </a:rPr>
+              <a:t>	</a:t>
+            </a:r>
+            <a:r>
+              <a:rPr lang="en-US" sz="1200" b="1" strike="noStrike" spc="-1" dirty="0">
+                <a:solidFill>
+                  <a:srgbClr val="000000"/>
+                </a:solidFill>
+                <a:highlight>
+                  <a:srgbClr val="FFFFFF"/>
+                </a:highlight>
+                <a:latin typeface="Arial"/>
+                <a:ea typeface="Arial"/>
+              </a:rPr>
+              <a:t>Leaderboard</a:t>
+            </a:r>
+          </a:p>
+          <a:p>
+            <a:pPr>
+              <a:lnSpc>
+                <a:spcPct val="100000"/>
+              </a:lnSpc>
+              <a:tabLst>
+                <a:tab pos="0" algn="l"/>
+              </a:tabLst>
+            </a:pPr>
+            <a:r>
+              <a:rPr lang="en-US" sz="1200" spc="-1" dirty="0">
+                <a:solidFill>
+                  <a:srgbClr val="000000"/>
+                </a:solidFill>
+                <a:highlight>
+                  <a:srgbClr val="FFFFFF"/>
+                </a:highlight>
+                <a:latin typeface="Arial"/>
+                <a:ea typeface="Arial"/>
+              </a:rPr>
+              <a:t>		team wise board, class wise board, industry wise board</a:t>
+            </a:r>
+            <a:endParaRPr lang="en-US" sz="1200" b="0" strike="noStrike" spc="-1" dirty="0">
+              <a:solidFill>
+                <a:srgbClr val="000000"/>
+              </a:solidFill>
+              <a:highlight>
+                <a:srgbClr val="FFFFFF"/>
+              </a:highlight>
+              <a:latin typeface="Arial"/>
+              <a:ea typeface="Arial"/>
+            </a:endParaRPr>
+          </a:p>
+          <a:p>
+            <a:pPr>
+              <a:lnSpc>
+                <a:spcPct val="100000"/>
+              </a:lnSpc>
+              <a:tabLst>
+                <a:tab pos="0" algn="l"/>
+              </a:tabLst>
+            </a:pPr>
+            <a:r>
+              <a:rPr lang="en-US" sz="1200" b="1" spc="-1" dirty="0">
+                <a:solidFill>
+                  <a:srgbClr val="000000"/>
+                </a:solidFill>
+                <a:highlight>
+                  <a:srgbClr val="FFFFFF"/>
+                </a:highlight>
+                <a:latin typeface="Arial"/>
+              </a:rPr>
+              <a:t>Learner dashboard</a:t>
+            </a:r>
+          </a:p>
+          <a:p>
+            <a:pPr>
+              <a:lnSpc>
+                <a:spcPct val="100000"/>
+              </a:lnSpc>
+              <a:tabLst>
+                <a:tab pos="0" algn="l"/>
+              </a:tabLst>
+            </a:pPr>
+            <a:r>
+              <a:rPr lang="en-US" sz="1200" b="1" strike="noStrike" spc="-1" dirty="0">
+                <a:solidFill>
+                  <a:srgbClr val="000000"/>
+                </a:solidFill>
+                <a:highlight>
+                  <a:srgbClr val="FFFFFF"/>
+                </a:highlight>
+                <a:latin typeface="Arial"/>
+              </a:rPr>
+              <a:t>		</a:t>
+            </a:r>
+            <a:r>
+              <a:rPr lang="en-US" sz="1200" strike="noStrike" spc="-1" dirty="0">
+                <a:solidFill>
+                  <a:srgbClr val="000000"/>
+                </a:solidFill>
+                <a:highlight>
+                  <a:srgbClr val="FFFFFF"/>
+                </a:highlight>
+                <a:latin typeface="Arial"/>
+              </a:rPr>
+              <a:t>course</a:t>
+            </a:r>
+            <a:r>
+              <a:rPr lang="en-US" sz="1200" spc="-1" dirty="0">
+                <a:solidFill>
+                  <a:srgbClr val="000000"/>
+                </a:solidFill>
+                <a:highlight>
+                  <a:srgbClr val="FFFFFF"/>
+                </a:highlight>
+                <a:latin typeface="Arial"/>
+              </a:rPr>
+              <a:t>s in progress, tests complete</a:t>
+            </a:r>
+            <a:endParaRPr lang="en-IN" sz="1200" strike="noStrike" spc="-1" dirty="0">
+              <a:latin typeface="Arial"/>
+            </a:endParaRPr>
+          </a:p>
+          <a:p>
+            <a:pPr>
+              <a:lnSpc>
+                <a:spcPct val="100000"/>
+              </a:lnSpc>
+              <a:tabLst>
+                <a:tab pos="0" algn="l"/>
+              </a:tabLst>
+            </a:pPr>
+            <a:r>
+              <a:rPr lang="en-US" sz="1200" b="0" strike="noStrike" spc="-1" dirty="0">
+                <a:solidFill>
+                  <a:srgbClr val="000000"/>
+                </a:solidFill>
+                <a:highlight>
+                  <a:srgbClr val="FFFFFF"/>
+                </a:highlight>
+                <a:latin typeface="Arial"/>
+                <a:ea typeface="Arial"/>
+              </a:rPr>
+              <a:t>	</a:t>
+            </a:r>
+            <a:r>
+              <a:rPr lang="en-US" sz="1200" b="1" strike="noStrike" spc="-1" dirty="0">
+                <a:solidFill>
+                  <a:srgbClr val="000000"/>
+                </a:solidFill>
+                <a:highlight>
+                  <a:srgbClr val="FFFFFF"/>
+                </a:highlight>
+                <a:latin typeface="Arial"/>
+                <a:ea typeface="Arial"/>
+              </a:rPr>
+              <a:t>Reports</a:t>
+            </a:r>
+          </a:p>
+          <a:p>
+            <a:pPr>
+              <a:lnSpc>
+                <a:spcPct val="100000"/>
+              </a:lnSpc>
+              <a:tabLst>
+                <a:tab pos="0" algn="l"/>
+              </a:tabLst>
+            </a:pPr>
+            <a:r>
+              <a:rPr lang="en-US" sz="1200" spc="-1" dirty="0">
+                <a:solidFill>
+                  <a:srgbClr val="000000"/>
+                </a:solidFill>
+                <a:highlight>
+                  <a:srgbClr val="FFFFFF"/>
+                </a:highlight>
+                <a:latin typeface="Arial"/>
+                <a:ea typeface="Arial"/>
+              </a:rPr>
+              <a:t>		Test marks</a:t>
+            </a:r>
+          </a:p>
+          <a:p>
+            <a:pPr>
+              <a:lnSpc>
+                <a:spcPct val="100000"/>
+              </a:lnSpc>
+              <a:tabLst>
+                <a:tab pos="0" algn="l"/>
+              </a:tabLst>
+            </a:pPr>
+            <a:r>
+              <a:rPr lang="en-US" sz="1200" b="0" strike="noStrike" spc="-1" dirty="0">
+                <a:solidFill>
+                  <a:srgbClr val="000000"/>
+                </a:solidFill>
+                <a:highlight>
+                  <a:srgbClr val="FFFFFF"/>
+                </a:highlight>
+                <a:latin typeface="Arial"/>
+                <a:ea typeface="Arial"/>
+              </a:rPr>
+              <a:t>		Reports on subject group wise</a:t>
+            </a:r>
+          </a:p>
+          <a:p>
+            <a:pPr>
+              <a:lnSpc>
+                <a:spcPct val="100000"/>
+              </a:lnSpc>
+              <a:tabLst>
+                <a:tab pos="0" algn="l"/>
+              </a:tabLst>
+            </a:pPr>
+            <a:r>
+              <a:rPr lang="en-US" sz="1400" spc="-1" dirty="0">
+                <a:solidFill>
+                  <a:srgbClr val="000000"/>
+                </a:solidFill>
+                <a:highlight>
+                  <a:srgbClr val="FFFFFF"/>
+                </a:highlight>
+                <a:latin typeface="Arial"/>
+              </a:rPr>
+              <a:t>		</a:t>
+            </a:r>
+            <a:endParaRPr lang="en-IN" sz="1400" b="0" strike="noStrike" spc="-1" dirty="0">
+              <a:latin typeface="Arial"/>
+            </a:endParaRPr>
+          </a:p>
+          <a:p>
+            <a:pPr>
+              <a:lnSpc>
+                <a:spcPct val="100000"/>
+              </a:lnSpc>
+              <a:tabLst>
+                <a:tab pos="0" algn="l"/>
+              </a:tabLst>
+            </a:pPr>
+            <a:endParaRPr lang="en-IN" sz="1400" b="0" strike="noStrike" spc="-1" dirty="0">
+              <a:latin typeface="Arial"/>
+            </a:endParaRPr>
+          </a:p>
+        </p:txBody>
+      </p:sp>
+      <p:pic>
+        <p:nvPicPr>
+          <p:cNvPr id="106" name="Picture 4" descr="Icon&#10;&#10;Description automatically generated"/>
+          <p:cNvPicPr/>
+          <p:nvPr/>
+        </p:nvPicPr>
+        <p:blipFill>
+          <a:blip r:embed="rId2"/>
+          <a:stretch/>
+        </p:blipFill>
+        <p:spPr>
+          <a:xfrm>
+            <a:off x="7789320" y="4744080"/>
+            <a:ext cx="1274760" cy="302040"/>
+          </a:xfrm>
+          <a:prstGeom prst="rect">
+            <a:avLst/>
+          </a:prstGeom>
+          <a:ln>
+            <a:noFill/>
+          </a:ln>
+        </p:spPr>
+      </p:pic>
+      <p:sp>
+        <p:nvSpPr>
+          <p:cNvPr id="7" name="TextBox 6">
+            <a:extLst>
+              <a:ext uri="{FF2B5EF4-FFF2-40B4-BE49-F238E27FC236}">
+                <a16:creationId xmlns:a16="http://schemas.microsoft.com/office/drawing/2014/main" id="{94228895-E197-6954-F8EE-429667C0217A}"/>
+              </a:ext>
+            </a:extLst>
+          </p:cNvPr>
+          <p:cNvSpPr txBox="1"/>
+          <p:nvPr/>
+        </p:nvSpPr>
+        <p:spPr>
+          <a:xfrm>
+            <a:off x="4397434" y="706582"/>
+            <a:ext cx="3857104" cy="2431435"/>
+          </a:xfrm>
+          <a:prstGeom prst="rect">
+            <a:avLst/>
+          </a:prstGeom>
+          <a:noFill/>
+        </p:spPr>
+        <p:txBody>
+          <a:bodyPr wrap="square">
+            <a:spAutoFit/>
+          </a:bodyPr>
+          <a:lstStyle/>
+          <a:p>
+            <a:pPr>
+              <a:lnSpc>
+                <a:spcPct val="100000"/>
+              </a:lnSpc>
+              <a:tabLst>
+                <a:tab pos="0" algn="l"/>
+              </a:tabLst>
+            </a:pPr>
+            <a:r>
+              <a:rPr lang="en-US" sz="1800" spc="-1" dirty="0">
+                <a:solidFill>
+                  <a:srgbClr val="000000"/>
+                </a:solidFill>
+                <a:highlight>
+                  <a:srgbClr val="FFFFFF"/>
+                </a:highlight>
+                <a:latin typeface="Arial"/>
+              </a:rPr>
+              <a:t>	</a:t>
+            </a:r>
+            <a:endParaRPr lang="en-IN" sz="1800" b="0" strike="noStrike" spc="-1" dirty="0">
+              <a:latin typeface="Arial"/>
+            </a:endParaRPr>
+          </a:p>
+          <a:p>
+            <a:pPr>
+              <a:lnSpc>
+                <a:spcPct val="100000"/>
+              </a:lnSpc>
+              <a:tabLst>
+                <a:tab pos="0" algn="l"/>
+              </a:tabLst>
+            </a:pPr>
+            <a:r>
+              <a:rPr lang="en-US" sz="1400" b="0" strike="noStrike" spc="-1" dirty="0">
+                <a:solidFill>
+                  <a:srgbClr val="000000"/>
+                </a:solidFill>
+                <a:highlight>
+                  <a:srgbClr val="FFFFFF"/>
+                </a:highlight>
+                <a:latin typeface="Arial"/>
+                <a:ea typeface="Arial"/>
+              </a:rPr>
+              <a:t>	</a:t>
+            </a:r>
+            <a:r>
+              <a:rPr lang="en-US" sz="1200" b="0" strike="noStrike" spc="-1" dirty="0">
+                <a:solidFill>
+                  <a:srgbClr val="000000"/>
+                </a:solidFill>
+                <a:highlight>
+                  <a:srgbClr val="FFFFFF"/>
+                </a:highlight>
+                <a:latin typeface="Arial"/>
+                <a:ea typeface="Arial"/>
+              </a:rPr>
+              <a:t>Admin &amp; Settings</a:t>
+            </a:r>
+          </a:p>
+          <a:p>
+            <a:pPr>
+              <a:lnSpc>
+                <a:spcPct val="100000"/>
+              </a:lnSpc>
+              <a:tabLst>
+                <a:tab pos="0" algn="l"/>
+              </a:tabLst>
+            </a:pPr>
+            <a:r>
+              <a:rPr lang="en-US" sz="1200" spc="-1" dirty="0">
+                <a:solidFill>
+                  <a:srgbClr val="000000"/>
+                </a:solidFill>
+                <a:highlight>
+                  <a:srgbClr val="FFFFFF"/>
+                </a:highlight>
+                <a:latin typeface="Arial"/>
+              </a:rPr>
+              <a:t>Content approval</a:t>
+            </a:r>
+            <a:endParaRPr lang="en-IN" sz="1200" b="0" strike="noStrike" spc="-1" dirty="0">
+              <a:latin typeface="Arial"/>
+            </a:endParaRPr>
+          </a:p>
+          <a:p>
+            <a:pPr>
+              <a:lnSpc>
+                <a:spcPct val="100000"/>
+              </a:lnSpc>
+              <a:tabLst>
+                <a:tab pos="0" algn="l"/>
+              </a:tabLst>
+            </a:pPr>
+            <a:r>
+              <a:rPr lang="en-US" sz="1200" b="0" strike="noStrike" spc="-1" dirty="0">
+                <a:solidFill>
+                  <a:srgbClr val="000000"/>
+                </a:solidFill>
+                <a:highlight>
+                  <a:srgbClr val="FFFFFF"/>
+                </a:highlight>
+                <a:latin typeface="Arial"/>
+                <a:ea typeface="Arial"/>
+              </a:rPr>
+              <a:t>Business Rules</a:t>
+            </a:r>
+            <a:endParaRPr lang="en-IN" sz="1200" b="0" strike="noStrike" spc="-1" dirty="0">
+              <a:latin typeface="Arial"/>
+            </a:endParaRPr>
+          </a:p>
+          <a:p>
+            <a:pPr>
+              <a:lnSpc>
+                <a:spcPct val="100000"/>
+              </a:lnSpc>
+              <a:tabLst>
+                <a:tab pos="0" algn="l"/>
+              </a:tabLst>
+            </a:pPr>
+            <a:r>
+              <a:rPr lang="en-US" sz="1200" b="0" strike="noStrike" spc="-1" dirty="0">
+                <a:solidFill>
+                  <a:srgbClr val="000000"/>
+                </a:solidFill>
+                <a:highlight>
+                  <a:srgbClr val="FFFFFF"/>
+                </a:highlight>
+                <a:latin typeface="Arial"/>
+                <a:ea typeface="Arial"/>
+              </a:rPr>
+              <a:t>Will use Microsoft </a:t>
+            </a:r>
+            <a:r>
+              <a:rPr lang="en-US" sz="1200" b="0" strike="noStrike" spc="-1" dirty="0" err="1">
+                <a:solidFill>
+                  <a:srgbClr val="000000"/>
+                </a:solidFill>
+                <a:highlight>
+                  <a:srgbClr val="FFFFFF"/>
+                </a:highlight>
+                <a:latin typeface="Arial"/>
+                <a:ea typeface="Arial"/>
+              </a:rPr>
+              <a:t>ChatGPT</a:t>
+            </a:r>
+            <a:r>
+              <a:rPr lang="en-US" sz="1200" b="0" strike="noStrike" spc="-1" dirty="0">
+                <a:solidFill>
+                  <a:srgbClr val="000000"/>
+                </a:solidFill>
+                <a:highlight>
+                  <a:srgbClr val="FFFFFF"/>
+                </a:highlight>
+                <a:latin typeface="Arial"/>
+                <a:ea typeface="Arial"/>
+              </a:rPr>
+              <a:t> API extensively within the application for helping course creation, content summarization, content translation to traditional languages etc. For example a provision will be provided for the Content creator to upload his or curated content to Chat GPT get feedback, and then review it and also pass it via the configurable workflow to authorized reviewers. </a:t>
+            </a:r>
+            <a:endParaRPr lang="en-IN" sz="1200" b="0" strike="noStrike" spc="-1" dirty="0">
+              <a:latin typeface="Arial"/>
+            </a:endParaRPr>
+          </a:p>
+        </p:txBody>
+      </p:sp>
+    </p:spTree>
+  </p:cSld>
+  <p:clrMapOvr>
+    <a:masterClrMapping/>
+  </p:clrMapOvr>
+</p:sld>
+</file>
+
+<file path=ppt/slides/slide14.xml><?xml version="1.0" encoding="utf-8"?>
+<p:sld xmlns:a="http://schemas.openxmlformats.org/drawingml/2006/main" xmlns:r="http://schemas.openxmlformats.org/officeDocument/2006/relationships" xmlns:p="http://schemas.openxmlformats.org/presentationml/2006/main">
+  <p:cSld>
+    <p:spTree>
+      <p:nvGrpSpPr>
+        <p:cNvPr id="1" name=""/>
+        <p:cNvGrpSpPr/>
+        <p:nvPr/>
+      </p:nvGrpSpPr>
+      <p:grpSpPr>
+        <a:xfrm>
+          <a:off x="0" y="0"/>
+          <a:ext cx="0" cy="0"/>
+          <a:chOff x="0" y="0"/>
+          <a:chExt cx="0" cy="0"/>
+        </a:xfrm>
+      </p:grpSpPr>
+      <p:sp>
+        <p:nvSpPr>
+          <p:cNvPr id="98" name="TextShape 1"/>
+          <p:cNvSpPr txBox="1"/>
+          <p:nvPr/>
+        </p:nvSpPr>
+        <p:spPr>
+          <a:xfrm>
+            <a:off x="470880" y="229680"/>
+            <a:ext cx="8279640" cy="575640"/>
+          </a:xfrm>
+          <a:prstGeom prst="rect">
+            <a:avLst/>
+          </a:prstGeom>
+          <a:noFill/>
+          <a:ln>
+            <a:noFill/>
+          </a:ln>
+        </p:spPr>
+        <p:txBody>
+          <a:bodyPr tIns="91440" bIns="91440">
+            <a:noAutofit/>
+          </a:bodyPr>
+          <a:lstStyle/>
+          <a:p>
+            <a:pPr>
+              <a:lnSpc>
+                <a:spcPct val="100000"/>
+              </a:lnSpc>
+              <a:tabLst>
+                <a:tab pos="0" algn="l"/>
+              </a:tabLst>
+            </a:pPr>
+            <a:r>
+              <a:rPr lang="en" sz="2000" b="1" strike="noStrike" spc="-1" dirty="0">
+                <a:solidFill>
+                  <a:srgbClr val="1F1F50"/>
+                </a:solidFill>
+                <a:latin typeface="Lato"/>
+                <a:ea typeface="Lato"/>
+              </a:rPr>
+              <a:t>Use cases Scenarios</a:t>
+            </a:r>
+            <a:endParaRPr lang="en-IN" sz="2000" b="0" strike="noStrike" spc="-1" dirty="0">
+              <a:solidFill>
+                <a:srgbClr val="000000"/>
+              </a:solidFill>
+              <a:latin typeface="Arial"/>
+            </a:endParaRPr>
+          </a:p>
+        </p:txBody>
+      </p:sp>
+      <p:sp>
+        <p:nvSpPr>
+          <p:cNvPr id="99" name="CustomShape 2"/>
+          <p:cNvSpPr/>
+          <p:nvPr/>
+        </p:nvSpPr>
+        <p:spPr>
+          <a:xfrm>
+            <a:off x="512280" y="1151280"/>
+            <a:ext cx="8238240" cy="3413880"/>
+          </a:xfrm>
+          <a:prstGeom prst="rect">
+            <a:avLst/>
+          </a:prstGeom>
+          <a:noFill/>
+          <a:ln>
+            <a:noFill/>
+          </a:ln>
+        </p:spPr>
+        <p:style>
+          <a:lnRef idx="0">
+            <a:scrgbClr r="0" g="0" b="0"/>
+          </a:lnRef>
+          <a:fillRef idx="0">
+            <a:scrgbClr r="0" g="0" b="0"/>
+          </a:fillRef>
+          <a:effectRef idx="0">
+            <a:scrgbClr r="0" g="0" b="0"/>
+          </a:effectRef>
+          <a:fontRef idx="minor"/>
+        </p:style>
+        <p:txBody>
+          <a:bodyPr tIns="91440" bIns="91440">
+            <a:noAutofit/>
+          </a:bodyPr>
+          <a:lstStyle/>
+          <a:p>
+            <a:pPr>
+              <a:lnSpc>
+                <a:spcPct val="100000"/>
+              </a:lnSpc>
+              <a:tabLst>
+                <a:tab pos="0" algn="l"/>
+              </a:tabLst>
+            </a:pPr>
+            <a:r>
+              <a:rPr lang="en-US" sz="1400" b="0" strike="noStrike" spc="-1" dirty="0">
+                <a:solidFill>
+                  <a:srgbClr val="222222"/>
+                </a:solidFill>
+                <a:highlight>
+                  <a:srgbClr val="FFFFFF"/>
+                </a:highlight>
+                <a:latin typeface="Lato"/>
+                <a:ea typeface="Lato"/>
+              </a:rPr>
+              <a:t>The following are use cases scenarios to consider in the Happy path flow of the Application flow. </a:t>
+            </a:r>
+            <a:endParaRPr lang="en-IN" sz="1400" b="0" strike="noStrike" spc="-1" dirty="0">
+              <a:latin typeface="Arial"/>
+            </a:endParaRPr>
+          </a:p>
+          <a:p>
+            <a:pPr>
+              <a:lnSpc>
+                <a:spcPct val="100000"/>
+              </a:lnSpc>
+              <a:tabLst>
+                <a:tab pos="0" algn="l"/>
+              </a:tabLst>
+            </a:pPr>
+            <a:endParaRPr lang="en-IN" sz="1400" b="0" strike="noStrike" spc="-1" dirty="0">
+              <a:latin typeface="Arial"/>
+            </a:endParaRPr>
+          </a:p>
+          <a:p>
+            <a:pPr marL="285840" indent="-285480">
+              <a:lnSpc>
+                <a:spcPct val="100000"/>
+              </a:lnSpc>
+              <a:buClr>
+                <a:srgbClr val="000000"/>
+              </a:buClr>
+              <a:buFont typeface="Arial"/>
+              <a:buChar char="•"/>
+              <a:tabLst>
+                <a:tab pos="0" algn="l"/>
+              </a:tabLst>
+            </a:pPr>
+            <a:r>
+              <a:rPr lang="en-US" sz="1400" b="0" strike="noStrike" spc="-1" dirty="0">
+                <a:solidFill>
+                  <a:srgbClr val="222222"/>
+                </a:solidFill>
+                <a:highlight>
+                  <a:srgbClr val="FFFFFF"/>
+                </a:highlight>
+                <a:latin typeface="Lato"/>
+                <a:ea typeface="Lato"/>
+              </a:rPr>
+              <a:t>As a Admin user, need to create course, exam, learner master data</a:t>
+            </a:r>
+            <a:endParaRPr lang="en-IN" sz="1400" b="0" strike="noStrike" spc="-1" dirty="0">
+              <a:latin typeface="Arial"/>
+            </a:endParaRPr>
+          </a:p>
+          <a:p>
+            <a:pPr marL="285840" indent="-285480">
+              <a:lnSpc>
+                <a:spcPct val="100000"/>
+              </a:lnSpc>
+              <a:buClr>
+                <a:srgbClr val="000000"/>
+              </a:buClr>
+              <a:buFont typeface="Arial"/>
+              <a:buChar char="•"/>
+              <a:tabLst>
+                <a:tab pos="0" algn="l"/>
+              </a:tabLst>
+            </a:pPr>
+            <a:r>
+              <a:rPr lang="en-US" sz="1400" b="0" strike="noStrike" spc="-1" dirty="0">
+                <a:solidFill>
+                  <a:srgbClr val="222222"/>
+                </a:solidFill>
+                <a:highlight>
+                  <a:srgbClr val="FFFFFF"/>
+                </a:highlight>
+                <a:latin typeface="Lato"/>
+                <a:ea typeface="Lato"/>
+              </a:rPr>
+              <a:t>As a  faculty user, need to approve the content from the admin.</a:t>
+            </a:r>
+          </a:p>
+          <a:p>
+            <a:pPr marL="285840" indent="-285480">
+              <a:lnSpc>
+                <a:spcPct val="100000"/>
+              </a:lnSpc>
+              <a:buClr>
+                <a:srgbClr val="000000"/>
+              </a:buClr>
+              <a:buFont typeface="Arial"/>
+              <a:buChar char="•"/>
+              <a:tabLst>
+                <a:tab pos="0" algn="l"/>
+              </a:tabLst>
+            </a:pPr>
+            <a:r>
+              <a:rPr lang="en-US" sz="1400" spc="-1" dirty="0">
+                <a:solidFill>
+                  <a:srgbClr val="222222"/>
+                </a:solidFill>
+                <a:highlight>
+                  <a:srgbClr val="FFFFFF"/>
+                </a:highlight>
+                <a:latin typeface="Lato"/>
+                <a:ea typeface="Lato"/>
+              </a:rPr>
+              <a:t>As a learner, need to view the course , enroll the course and learn the modules</a:t>
+            </a:r>
+            <a:endParaRPr lang="en-IN" sz="1400" b="0" strike="noStrike" spc="-1" dirty="0">
+              <a:latin typeface="Arial"/>
+            </a:endParaRPr>
+          </a:p>
+          <a:p>
+            <a:pPr marL="285840" indent="-285480">
+              <a:lnSpc>
+                <a:spcPct val="100000"/>
+              </a:lnSpc>
+              <a:buClr>
+                <a:srgbClr val="000000"/>
+              </a:buClr>
+              <a:buFont typeface="Arial"/>
+              <a:buChar char="•"/>
+              <a:tabLst>
+                <a:tab pos="0" algn="l"/>
+              </a:tabLst>
+            </a:pPr>
+            <a:r>
+              <a:rPr lang="en" sz="1400" b="0" strike="noStrike" spc="-1" dirty="0">
+                <a:solidFill>
+                  <a:srgbClr val="222222"/>
+                </a:solidFill>
+                <a:highlight>
+                  <a:srgbClr val="FFFFFF"/>
+                </a:highlight>
+                <a:latin typeface="Lato"/>
+                <a:ea typeface="Lato"/>
+              </a:rPr>
+              <a:t>As a learner, need to view the exam and get assess in the exams.</a:t>
+            </a:r>
+          </a:p>
+          <a:p>
+            <a:pPr marL="285840" indent="-285480">
+              <a:lnSpc>
+                <a:spcPct val="100000"/>
+              </a:lnSpc>
+              <a:buClr>
+                <a:srgbClr val="000000"/>
+              </a:buClr>
+              <a:buFont typeface="Arial"/>
+              <a:buChar char="•"/>
+              <a:tabLst>
+                <a:tab pos="0" algn="l"/>
+              </a:tabLst>
+            </a:pPr>
+            <a:r>
+              <a:rPr lang="en" sz="1400" spc="-1" dirty="0">
+                <a:solidFill>
+                  <a:srgbClr val="222222"/>
+                </a:solidFill>
+                <a:highlight>
+                  <a:srgbClr val="FFFFFF"/>
+                </a:highlight>
+                <a:latin typeface="Lato"/>
+                <a:ea typeface="Lato"/>
+              </a:rPr>
+              <a:t>As a learner, need to view the leaderboard.</a:t>
+            </a:r>
+          </a:p>
+          <a:p>
+            <a:pPr marL="285840" indent="-285480">
+              <a:lnSpc>
+                <a:spcPct val="100000"/>
+              </a:lnSpc>
+              <a:buClr>
+                <a:srgbClr val="000000"/>
+              </a:buClr>
+              <a:buFont typeface="Arial"/>
+              <a:buChar char="•"/>
+              <a:tabLst>
+                <a:tab pos="0" algn="l"/>
+              </a:tabLst>
+            </a:pPr>
+            <a:r>
+              <a:rPr lang="en" sz="1400" b="0" strike="noStrike" spc="-1" dirty="0">
+                <a:solidFill>
+                  <a:srgbClr val="222222"/>
+                </a:solidFill>
+                <a:highlight>
+                  <a:srgbClr val="FFFFFF"/>
+                </a:highlight>
+                <a:latin typeface="Lato"/>
+                <a:ea typeface="Lato"/>
+              </a:rPr>
+              <a:t>As a learner, need to view the reports</a:t>
+            </a:r>
+          </a:p>
+          <a:p>
+            <a:pPr marL="285840" indent="-285480">
+              <a:lnSpc>
+                <a:spcPct val="100000"/>
+              </a:lnSpc>
+              <a:buClr>
+                <a:srgbClr val="000000"/>
+              </a:buClr>
+              <a:buFont typeface="Arial"/>
+              <a:buChar char="•"/>
+              <a:tabLst>
+                <a:tab pos="0" algn="l"/>
+              </a:tabLst>
+            </a:pPr>
+            <a:r>
+              <a:rPr lang="en" sz="1400" spc="-1" dirty="0">
+                <a:solidFill>
+                  <a:srgbClr val="222222"/>
+                </a:solidFill>
+                <a:highlight>
+                  <a:srgbClr val="FFFFFF"/>
+                </a:highlight>
+                <a:latin typeface="Lato"/>
+                <a:ea typeface="Lato"/>
+              </a:rPr>
+              <a:t>As a faculty, need to view the reports.</a:t>
+            </a:r>
+          </a:p>
+          <a:p>
+            <a:pPr marL="285840" indent="-285480">
+              <a:lnSpc>
+                <a:spcPct val="100000"/>
+              </a:lnSpc>
+              <a:buClr>
+                <a:srgbClr val="000000"/>
+              </a:buClr>
+              <a:buFont typeface="Arial"/>
+              <a:buChar char="•"/>
+              <a:tabLst>
+                <a:tab pos="0" algn="l"/>
+              </a:tabLst>
+            </a:pPr>
+            <a:r>
+              <a:rPr lang="en" sz="1400" b="0" strike="noStrike" spc="-1" dirty="0">
+                <a:solidFill>
+                  <a:srgbClr val="222222"/>
+                </a:solidFill>
+                <a:highlight>
+                  <a:srgbClr val="FFFFFF"/>
+                </a:highlight>
+                <a:latin typeface="Lato"/>
+                <a:ea typeface="Lato"/>
+              </a:rPr>
+              <a:t>As a admin user, need to view the admin setting for the client and </a:t>
+            </a:r>
+            <a:r>
+              <a:rPr lang="en" sz="1400" spc="-1" dirty="0">
+                <a:solidFill>
+                  <a:srgbClr val="222222"/>
+                </a:solidFill>
+                <a:highlight>
+                  <a:srgbClr val="FFFFFF"/>
+                </a:highlight>
+                <a:latin typeface="Lato"/>
+                <a:ea typeface="Lato"/>
+              </a:rPr>
+              <a:t>change it.</a:t>
+            </a:r>
+          </a:p>
+          <a:p>
+            <a:pPr marL="285840" indent="-285480">
+              <a:lnSpc>
+                <a:spcPct val="100000"/>
+              </a:lnSpc>
+              <a:buClr>
+                <a:srgbClr val="000000"/>
+              </a:buClr>
+              <a:buFont typeface="Arial"/>
+              <a:buChar char="•"/>
+              <a:tabLst>
+                <a:tab pos="0" algn="l"/>
+              </a:tabLst>
+            </a:pPr>
+            <a:r>
+              <a:rPr lang="en" sz="1400" b="0" strike="noStrike" spc="-1" dirty="0">
+                <a:solidFill>
+                  <a:srgbClr val="222222"/>
+                </a:solidFill>
+                <a:highlight>
+                  <a:srgbClr val="FFFFFF"/>
+                </a:highlight>
+                <a:latin typeface="Lato"/>
+                <a:ea typeface="Lato"/>
+              </a:rPr>
+              <a:t>As a learner , need to vie</a:t>
+            </a:r>
+            <a:r>
+              <a:rPr lang="en" sz="1400" spc="-1" dirty="0">
+                <a:solidFill>
+                  <a:srgbClr val="222222"/>
+                </a:solidFill>
+                <a:highlight>
+                  <a:srgbClr val="FFFFFF"/>
+                </a:highlight>
+                <a:latin typeface="Lato"/>
+                <a:ea typeface="Lato"/>
+              </a:rPr>
+              <a:t>w the content in the language of preference.</a:t>
+            </a:r>
+          </a:p>
+          <a:p>
+            <a:pPr marL="285840" indent="-285480">
+              <a:lnSpc>
+                <a:spcPct val="100000"/>
+              </a:lnSpc>
+              <a:buClr>
+                <a:srgbClr val="000000"/>
+              </a:buClr>
+              <a:buFont typeface="Arial"/>
+              <a:buChar char="•"/>
+              <a:tabLst>
+                <a:tab pos="0" algn="l"/>
+              </a:tabLst>
+            </a:pPr>
+            <a:r>
+              <a:rPr lang="en" sz="1400" b="0" strike="noStrike" spc="-1" dirty="0">
+                <a:solidFill>
+                  <a:srgbClr val="222222"/>
+                </a:solidFill>
+                <a:highlight>
+                  <a:srgbClr val="FFFFFF"/>
+                </a:highlight>
+                <a:latin typeface="Lato"/>
+                <a:ea typeface="Lato"/>
+              </a:rPr>
+              <a:t>As a learner, need to view </a:t>
+            </a:r>
+            <a:r>
+              <a:rPr lang="en" sz="1400" spc="-1" dirty="0">
+                <a:solidFill>
+                  <a:srgbClr val="222222"/>
+                </a:solidFill>
+                <a:highlight>
+                  <a:srgbClr val="FFFFFF"/>
+                </a:highlight>
+                <a:latin typeface="Lato"/>
+                <a:ea typeface="Lato"/>
+              </a:rPr>
+              <a:t>the exam in the language of preference.</a:t>
+            </a:r>
+          </a:p>
+          <a:p>
+            <a:pPr marL="285840" indent="-285480">
+              <a:lnSpc>
+                <a:spcPct val="100000"/>
+              </a:lnSpc>
+              <a:buClr>
+                <a:srgbClr val="000000"/>
+              </a:buClr>
+              <a:buFont typeface="Arial"/>
+              <a:buChar char="•"/>
+              <a:tabLst>
+                <a:tab pos="0" algn="l"/>
+              </a:tabLst>
+            </a:pPr>
+            <a:endParaRPr lang="en" sz="1400" b="0" strike="noStrike" spc="-1" dirty="0">
+              <a:solidFill>
+                <a:srgbClr val="222222"/>
+              </a:solidFill>
+              <a:highlight>
+                <a:srgbClr val="FFFFFF"/>
+              </a:highlight>
+              <a:latin typeface="Lato"/>
+              <a:ea typeface="Lato"/>
+            </a:endParaRPr>
+          </a:p>
+          <a:p>
+            <a:pPr marL="285840" indent="-285480">
+              <a:lnSpc>
+                <a:spcPct val="100000"/>
+              </a:lnSpc>
+              <a:buClr>
+                <a:srgbClr val="000000"/>
+              </a:buClr>
+              <a:buFont typeface="Arial"/>
+              <a:buChar char="•"/>
+              <a:tabLst>
+                <a:tab pos="0" algn="l"/>
+              </a:tabLst>
+            </a:pPr>
+            <a:r>
+              <a:rPr lang="en" sz="1400" spc="-1" dirty="0">
+                <a:solidFill>
+                  <a:srgbClr val="222222"/>
+                </a:solidFill>
+                <a:highlight>
+                  <a:srgbClr val="FFFFFF"/>
+                </a:highlight>
+                <a:latin typeface="Lato"/>
+                <a:ea typeface="Lato"/>
+              </a:rPr>
+              <a:t>Note: The intention will be to provide the minimum viable product features  in the initial phases.</a:t>
+            </a:r>
+            <a:endParaRPr lang="en" sz="1400" b="0" strike="noStrike" spc="-1" dirty="0">
+              <a:solidFill>
+                <a:srgbClr val="222222"/>
+              </a:solidFill>
+              <a:highlight>
+                <a:srgbClr val="FFFFFF"/>
+              </a:highlight>
+              <a:latin typeface="Lato"/>
+              <a:ea typeface="Lato"/>
+            </a:endParaRPr>
+          </a:p>
+          <a:p>
+            <a:pPr>
+              <a:lnSpc>
+                <a:spcPct val="100000"/>
+              </a:lnSpc>
+              <a:tabLst>
+                <a:tab pos="0" algn="l"/>
+              </a:tabLst>
+            </a:pPr>
+            <a:endParaRPr lang="en-IN" sz="1400" b="0" strike="noStrike" spc="-1" dirty="0">
+              <a:latin typeface="Arial"/>
+            </a:endParaRPr>
+          </a:p>
+          <a:p>
+            <a:pPr>
+              <a:lnSpc>
+                <a:spcPct val="100000"/>
+              </a:lnSpc>
+              <a:tabLst>
+                <a:tab pos="0" algn="l"/>
+              </a:tabLst>
+            </a:pPr>
+            <a:endParaRPr lang="en-IN" sz="1400" b="0" strike="noStrike" spc="-1" dirty="0">
+              <a:latin typeface="Arial"/>
+            </a:endParaRPr>
+          </a:p>
+          <a:p>
+            <a:pPr marL="914400">
+              <a:lnSpc>
+                <a:spcPct val="100000"/>
+              </a:lnSpc>
+              <a:tabLst>
+                <a:tab pos="0" algn="l"/>
+              </a:tabLst>
+            </a:pPr>
+            <a:endParaRPr lang="en-IN" sz="1400" b="0" strike="noStrike" spc="-1" dirty="0">
+              <a:latin typeface="Arial"/>
+            </a:endParaRPr>
+          </a:p>
+        </p:txBody>
+      </p:sp>
+      <p:pic>
+        <p:nvPicPr>
+          <p:cNvPr id="100" name="Picture 4" descr="Icon&#10;&#10;Description automatically generated"/>
+          <p:cNvPicPr/>
+          <p:nvPr/>
+        </p:nvPicPr>
+        <p:blipFill>
+          <a:blip r:embed="rId2"/>
+          <a:stretch/>
+        </p:blipFill>
+        <p:spPr>
+          <a:xfrm>
+            <a:off x="7789320" y="4744080"/>
+            <a:ext cx="1274760" cy="302040"/>
+          </a:xfrm>
+          <a:prstGeom prst="rect">
+            <a:avLst/>
+          </a:prstGeom>
+          <a:ln>
+            <a:noFill/>
+          </a:ln>
+        </p:spPr>
+      </p:pic>
+    </p:spTree>
+    <p:extLst>
+      <p:ext uri="{BB962C8B-B14F-4D97-AF65-F5344CB8AC3E}">
+        <p14:creationId xmlns:p14="http://schemas.microsoft.com/office/powerpoint/2010/main" val="1440216713"/>
+      </p:ext>
+    </p:extLst>
+  </p:cSld>
+  <p:clrMapOvr>
+    <a:masterClrMapping/>
+  </p:clrMapOvr>
+</p:sld>
+</file>
+
+<file path=ppt/slides/slide15.xml><?xml version="1.0" encoding="utf-8"?>
+<p:sld xmlns:a="http://schemas.openxmlformats.org/drawingml/2006/main" xmlns:r="http://schemas.openxmlformats.org/officeDocument/2006/relationships" xmlns:p="http://schemas.openxmlformats.org/presentationml/2006/main">
+  <p:cSld>
+    <p:spTree>
+      <p:nvGrpSpPr>
+        <p:cNvPr id="1" name=""/>
+        <p:cNvGrpSpPr/>
+        <p:nvPr/>
+      </p:nvGrpSpPr>
+      <p:grpSpPr>
+        <a:xfrm>
+          <a:off x="0" y="0"/>
+          <a:ext cx="0" cy="0"/>
+          <a:chOff x="0" y="0"/>
+          <a:chExt cx="0" cy="0"/>
+        </a:xfrm>
+      </p:grpSpPr>
+      <p:sp>
+        <p:nvSpPr>
+          <p:cNvPr id="104" name="CustomShape 1"/>
+          <p:cNvSpPr/>
+          <p:nvPr/>
+        </p:nvSpPr>
+        <p:spPr>
+          <a:xfrm>
+            <a:off x="0" y="0"/>
+            <a:ext cx="9209160" cy="792360"/>
+          </a:xfrm>
+          <a:prstGeom prst="rect">
+            <a:avLst/>
+          </a:prstGeom>
+          <a:noFill/>
+          <a:ln>
+            <a:noFill/>
+          </a:ln>
+        </p:spPr>
+        <p:style>
+          <a:lnRef idx="0">
+            <a:scrgbClr r="0" g="0" b="0"/>
+          </a:lnRef>
+          <a:fillRef idx="0">
+            <a:scrgbClr r="0" g="0" b="0"/>
+          </a:fillRef>
+          <a:effectRef idx="0">
+            <a:scrgbClr r="0" g="0" b="0"/>
+          </a:effectRef>
+          <a:fontRef idx="minor"/>
+        </p:style>
+        <p:txBody>
+          <a:bodyPr tIns="91440" bIns="91440">
+            <a:spAutoFit/>
+          </a:bodyPr>
+          <a:lstStyle/>
+          <a:p>
+            <a:pPr>
+              <a:lnSpc>
+                <a:spcPct val="100000"/>
+              </a:lnSpc>
+              <a:tabLst>
+                <a:tab pos="0" algn="l"/>
+              </a:tabLst>
+            </a:pPr>
+            <a:r>
+              <a:rPr lang="en" sz="2000" b="1" strike="noStrike" spc="-1" dirty="0">
+                <a:solidFill>
+                  <a:srgbClr val="1F1F50"/>
+                </a:solidFill>
+                <a:latin typeface="Lato"/>
+                <a:ea typeface="Lato"/>
+              </a:rPr>
+              <a:t>GitHub Repository Link &amp; </a:t>
+            </a:r>
+            <a:r>
+              <a:rPr lang="en" sz="2000" b="1" strike="noStrike" spc="-1" dirty="0">
+                <a:solidFill>
+                  <a:srgbClr val="4A4548"/>
+                </a:solidFill>
+                <a:highlight>
+                  <a:srgbClr val="FFFFFF"/>
+                </a:highlight>
+                <a:latin typeface="Lato"/>
+                <a:ea typeface="Lato"/>
+              </a:rPr>
+              <a:t>supporting diagrams, screenshots, if any</a:t>
+            </a:r>
+            <a:endParaRPr lang="en-IN" sz="2000" b="0" strike="noStrike" spc="-1" dirty="0">
+              <a:latin typeface="Arial"/>
+            </a:endParaRPr>
+          </a:p>
+        </p:txBody>
+      </p:sp>
+      <p:sp>
+        <p:nvSpPr>
+          <p:cNvPr id="105" name="CustomShape 2"/>
+          <p:cNvSpPr/>
+          <p:nvPr/>
+        </p:nvSpPr>
+        <p:spPr>
+          <a:xfrm>
+            <a:off x="540329" y="706582"/>
+            <a:ext cx="5419896" cy="1908215"/>
+          </a:xfrm>
+          <a:prstGeom prst="rect">
+            <a:avLst/>
+          </a:prstGeom>
+          <a:noFill/>
+          <a:ln>
+            <a:noFill/>
+          </a:ln>
+        </p:spPr>
+        <p:style>
+          <a:lnRef idx="0">
+            <a:scrgbClr r="0" g="0" b="0"/>
+          </a:lnRef>
+          <a:fillRef idx="0">
+            <a:scrgbClr r="0" g="0" b="0"/>
+          </a:fillRef>
+          <a:effectRef idx="0">
+            <a:scrgbClr r="0" g="0" b="0"/>
+          </a:effectRef>
+          <a:fontRef idx="minor"/>
+        </p:style>
+        <p:txBody>
+          <a:bodyPr wrap="square" tIns="91440" bIns="91440">
+            <a:spAutoFit/>
+          </a:bodyPr>
+          <a:lstStyle/>
+          <a:p>
+            <a:pPr>
+              <a:lnSpc>
+                <a:spcPct val="100000"/>
+              </a:lnSpc>
+              <a:tabLst>
+                <a:tab pos="0" algn="l"/>
+              </a:tabLst>
+            </a:pPr>
+            <a:r>
+              <a:rPr lang="en-US" sz="1400" spc="-1" dirty="0">
+                <a:solidFill>
+                  <a:srgbClr val="000000"/>
+                </a:solidFill>
+                <a:highlight>
+                  <a:srgbClr val="FFFFFF"/>
+                </a:highlight>
+                <a:latin typeface="Arial"/>
+              </a:rPr>
+              <a:t>	</a:t>
+            </a:r>
+            <a:r>
+              <a:rPr lang="en-US" sz="1400" spc="-1" dirty="0">
+                <a:solidFill>
+                  <a:srgbClr val="000000"/>
+                </a:solidFill>
+                <a:highlight>
+                  <a:srgbClr val="FFFFFF"/>
+                </a:highlight>
+                <a:latin typeface="Arial"/>
+                <a:hlinkClick r:id="rId2"/>
+              </a:rPr>
+              <a:t>https://github.com/rajmanic15/sustainability-hackathon</a:t>
+            </a:r>
+            <a:endParaRPr lang="en-US" sz="1400" spc="-1" dirty="0">
+              <a:solidFill>
+                <a:srgbClr val="000000"/>
+              </a:solidFill>
+              <a:highlight>
+                <a:srgbClr val="FFFFFF"/>
+              </a:highlight>
+              <a:latin typeface="Arial"/>
+            </a:endParaRPr>
+          </a:p>
+          <a:p>
+            <a:pPr>
+              <a:lnSpc>
+                <a:spcPct val="100000"/>
+              </a:lnSpc>
+              <a:tabLst>
+                <a:tab pos="0" algn="l"/>
+              </a:tabLst>
+            </a:pPr>
+            <a:r>
+              <a:rPr lang="en-US" sz="1400" spc="-1" dirty="0">
+                <a:solidFill>
+                  <a:srgbClr val="000000"/>
+                </a:solidFill>
+                <a:highlight>
+                  <a:srgbClr val="FFFFFF"/>
+                </a:highlight>
+                <a:latin typeface="Arial"/>
+                <a:hlinkClick r:id="rId3"/>
+              </a:rPr>
+              <a:t>https://salmon-glacier-0882e7810.3.azurestaticapps.net/</a:t>
+            </a:r>
+            <a:endParaRPr lang="en-US" sz="1400" spc="-1" dirty="0">
+              <a:solidFill>
+                <a:srgbClr val="000000"/>
+              </a:solidFill>
+              <a:highlight>
+                <a:srgbClr val="FFFFFF"/>
+              </a:highlight>
+              <a:latin typeface="Arial"/>
+            </a:endParaRPr>
+          </a:p>
+          <a:p>
+            <a:pPr>
+              <a:lnSpc>
+                <a:spcPct val="100000"/>
+              </a:lnSpc>
+              <a:tabLst>
+                <a:tab pos="0" algn="l"/>
+              </a:tabLst>
+            </a:pPr>
+            <a:r>
+              <a:rPr lang="en-US" sz="1400" spc="-1" dirty="0">
+                <a:solidFill>
+                  <a:srgbClr val="000000"/>
+                </a:solidFill>
+                <a:highlight>
+                  <a:srgbClr val="FFFFFF"/>
+                </a:highlight>
+                <a:latin typeface="Arial"/>
+                <a:hlinkClick r:id="rId4"/>
+              </a:rPr>
+              <a:t>https://docs.google.com/spreadsheets/d/17BUlSRZEn0qdPFxkfAm21QzkCruflNLISYLmYAmu9lY/edit#gid=0</a:t>
+            </a:r>
+            <a:endParaRPr lang="en-US" sz="1400" spc="-1" dirty="0">
+              <a:solidFill>
+                <a:srgbClr val="000000"/>
+              </a:solidFill>
+              <a:highlight>
+                <a:srgbClr val="FFFFFF"/>
+              </a:highlight>
+              <a:latin typeface="Arial"/>
+            </a:endParaRPr>
+          </a:p>
+          <a:p>
+            <a:pPr>
+              <a:lnSpc>
+                <a:spcPct val="100000"/>
+              </a:lnSpc>
+              <a:tabLst>
+                <a:tab pos="0" algn="l"/>
+              </a:tabLst>
+            </a:pPr>
+            <a:endParaRPr lang="en-US" sz="1400" spc="-1" dirty="0">
+              <a:solidFill>
+                <a:srgbClr val="000000"/>
+              </a:solidFill>
+              <a:highlight>
+                <a:srgbClr val="FFFFFF"/>
+              </a:highlight>
+              <a:latin typeface="Arial"/>
+            </a:endParaRPr>
+          </a:p>
+          <a:p>
+            <a:pPr>
+              <a:lnSpc>
+                <a:spcPct val="100000"/>
+              </a:lnSpc>
+              <a:tabLst>
+                <a:tab pos="0" algn="l"/>
+              </a:tabLst>
+            </a:pPr>
+            <a:endParaRPr lang="en-US" sz="1400" spc="-1" dirty="0">
+              <a:solidFill>
+                <a:srgbClr val="000000"/>
+              </a:solidFill>
+              <a:highlight>
+                <a:srgbClr val="FFFFFF"/>
+              </a:highlight>
+              <a:latin typeface="Arial"/>
+            </a:endParaRPr>
+          </a:p>
+          <a:p>
+            <a:pPr>
+              <a:lnSpc>
+                <a:spcPct val="100000"/>
+              </a:lnSpc>
+              <a:tabLst>
+                <a:tab pos="0" algn="l"/>
+              </a:tabLst>
+            </a:pPr>
+            <a:endParaRPr lang="en-IN" sz="1400" b="0" strike="noStrike" spc="-1" dirty="0">
+              <a:latin typeface="Arial"/>
+            </a:endParaRPr>
+          </a:p>
+          <a:p>
+            <a:pPr>
+              <a:lnSpc>
+                <a:spcPct val="100000"/>
+              </a:lnSpc>
+              <a:tabLst>
+                <a:tab pos="0" algn="l"/>
+              </a:tabLst>
+            </a:pPr>
+            <a:endParaRPr lang="en-IN" sz="1400" b="0" strike="noStrike" spc="-1" dirty="0">
+              <a:latin typeface="Arial"/>
+            </a:endParaRPr>
+          </a:p>
+        </p:txBody>
+      </p:sp>
+      <p:pic>
+        <p:nvPicPr>
+          <p:cNvPr id="106" name="Picture 4" descr="Icon&#10;&#10;Description automatically generated"/>
+          <p:cNvPicPr/>
+          <p:nvPr/>
+        </p:nvPicPr>
+        <p:blipFill>
+          <a:blip r:embed="rId5"/>
+          <a:stretch/>
+        </p:blipFill>
+        <p:spPr>
+          <a:xfrm>
+            <a:off x="7789320" y="4744080"/>
+            <a:ext cx="1274760" cy="302040"/>
+          </a:xfrm>
+          <a:prstGeom prst="rect">
+            <a:avLst/>
+          </a:prstGeom>
+          <a:ln>
+            <a:noFill/>
+          </a:ln>
+        </p:spPr>
+      </p:pic>
+    </p:spTree>
+    <p:extLst>
+      <p:ext uri="{BB962C8B-B14F-4D97-AF65-F5344CB8AC3E}">
+        <p14:creationId xmlns:p14="http://schemas.microsoft.com/office/powerpoint/2010/main" val="637777351"/>
+      </p:ext>
+    </p:extLst>
+  </p:cSld>
+  <p:clrMapOvr>
+    <a:masterClrMapping/>
+  </p:clrMapOvr>
+</p:sld>
+</file>
+
+<file path=ppt/slides/slide16.xml><?xml version="1.0" encoding="utf-8"?>
+<p:sld xmlns:a="http://schemas.openxmlformats.org/drawingml/2006/main" xmlns:r="http://schemas.openxmlformats.org/officeDocument/2006/relationships" xmlns:p="http://schemas.openxmlformats.org/presentationml/2006/main">
+  <p:cSld>
+    <p:spTree>
+      <p:nvGrpSpPr>
+        <p:cNvPr id="1" name=""/>
+        <p:cNvGrpSpPr/>
+        <p:nvPr/>
+      </p:nvGrpSpPr>
+      <p:grpSpPr>
+        <a:xfrm>
+          <a:off x="0" y="0"/>
+          <a:ext cx="0" cy="0"/>
+          <a:chOff x="0" y="0"/>
+          <a:chExt cx="0" cy="0"/>
+        </a:xfrm>
+      </p:grpSpPr>
+      <p:sp>
+        <p:nvSpPr>
           <p:cNvPr id="107" name="TextShape 1"/>
           <p:cNvSpPr txBox="1"/>
           <p:nvPr/>
@@ -6991,39 +8862,6 @@
               <a:highlight>
                 <a:srgbClr val="008080"/>
               </a:highlight>
-              <a:latin typeface="Arial"/>
-            </a:endParaRPr>
-          </a:p>
-          <a:p>
-            <a:pPr marL="457200" indent="-342720">
-              <a:lnSpc>
-                <a:spcPct val="150000"/>
-              </a:lnSpc>
-              <a:tabLst>
-                <a:tab pos="0" algn="l"/>
-              </a:tabLst>
-            </a:pPr>
-            <a:r>
-              <a:rPr lang="en-US" sz="1600" b="0" strike="noStrike" spc="-1" dirty="0" err="1">
-                <a:solidFill>
-                  <a:srgbClr val="FFFFFF"/>
-                </a:solidFill>
-                <a:latin typeface="Lato"/>
-                <a:ea typeface="Lato"/>
-              </a:rPr>
-              <a:t>Souvik</a:t>
-            </a:r>
-            <a:r>
-              <a:rPr lang="en-US" sz="1600" b="0" strike="noStrike" spc="-1" dirty="0">
-                <a:solidFill>
-                  <a:srgbClr val="FFFFFF"/>
-                </a:solidFill>
-                <a:latin typeface="Lato"/>
-                <a:ea typeface="Lato"/>
-              </a:rPr>
-              <a:t> Samantha  </a:t>
-            </a:r>
-            <a:endParaRPr lang="en-IN" sz="1600" b="0" strike="noStrike" spc="-1" dirty="0">
               <a:latin typeface="Arial"/>
             </a:endParaRPr>
           </a:p>
@@ -9043,7 +10881,7 @@
   <p:cSld>
     <p:spTree>
       <p:nvGrpSpPr>
-        <p:cNvPr id="1" name=""/>
+        <p:cNvPr id="1" name="Shape 172"/>
         <p:cNvGrpSpPr/>
         <p:nvPr/>
       </p:nvGrpSpPr>
@@ -9057,73 +10895,655 @@
       </p:grpSpPr>
       <p:sp>
         <p:nvSpPr>
-          <p:cNvPr id="2" name="Title 1">
-            <a:extLst>
-              <a:ext uri="{FF2B5EF4-FFF2-40B4-BE49-F238E27FC236}">
-                <a16:creationId xmlns:a16="http://schemas.microsoft.com/office/drawing/2014/main" id="{369C4F72-E256-4676-1A8B-3470A8B740BB}"/>
-              </a:ext>
-            </a:extLst>
-          </p:cNvPr>
-          <p:cNvSpPr>
-            <a:spLocks noGrp="1"/>
-          </p:cNvSpPr>
-          <p:nvPr>
-            <p:ph type="title"/>
-          </p:nvPr>
-        </p:nvSpPr>
-        <p:spPr/>
+          <p:cNvPr id="173" name="Google Shape;173;p9"/>
+          <p:cNvSpPr/>
+          <p:nvPr/>
+        </p:nvSpPr>
+        <p:spPr>
+          <a:xfrm>
+            <a:off x="275800" y="178075"/>
+            <a:ext cx="8627700" cy="4780500"/>
+          </a:xfrm>
+          <a:prstGeom prst="rect">
+            <a:avLst/>
+          </a:prstGeom>
+          <a:noFill/>
+          <a:ln>
+            <a:noFill/>
+          </a:ln>
+        </p:spPr>
         <p:txBody>
-          <a:bodyPr/>
-          <a:lstStyle/>
-          <a:p>
-            <a:endParaRPr lang="en-US"/>
-          </a:p>
-        </p:txBody>
-      </p:sp>
-      <p:sp>
-        <p:nvSpPr>
-          <p:cNvPr id="4" name="TextBox 3">
-            <a:extLst>
-              <a:ext uri="{FF2B5EF4-FFF2-40B4-BE49-F238E27FC236}">
-                <a16:creationId xmlns:a16="http://schemas.microsoft.com/office/drawing/2014/main" id="{E5CC2FE2-5018-68FF-58FC-E8BA67F84984}"/>
-              </a:ext>
-            </a:extLst>
-          </p:cNvPr>
-          <p:cNvSpPr txBox="1"/>
-          <p:nvPr/>
-        </p:nvSpPr>
-        <p:spPr>
-          <a:xfrm>
-            <a:off x="2286000" y="2441088"/>
-            <a:ext cx="4572000" cy="369332"/>
-          </a:xfrm>
-          <a:prstGeom prst="rect">
-            <a:avLst/>
-          </a:prstGeom>
-          <a:noFill/>
-        </p:spPr>
-        <p:txBody>
-          <a:bodyPr wrap="square">
+          <a:bodyPr spcFirstLastPara="1" wrap="square" lIns="91425" tIns="91425" rIns="91425" bIns="91425" anchor="t" anchorCtr="0">
             <a:spAutoFit/>
           </a:bodyPr>
           <a:lstStyle/>
           <a:p>
-            <a:r>
-              <a:rPr lang="en-US" b="0" dirty="0">
-                <a:effectLst/>
-              </a:rPr>
-              <a:t> </a:t>
-            </a:r>
-            <a:endParaRPr lang="en-US" dirty="0"/>
+            <a:pPr marL="0" lvl="0" indent="0" algn="l" rtl="0">
+              <a:lnSpc>
+                <a:spcPct val="115000"/>
+              </a:lnSpc>
+              <a:spcBef>
+                <a:spcPts val="1800"/>
+              </a:spcBef>
+              <a:spcAft>
+                <a:spcPts val="0"/>
+              </a:spcAft>
+              <a:buClr>
+                <a:schemeClr val="dk1"/>
+              </a:buClr>
+              <a:buSzPts val="1100"/>
+              <a:buFont typeface="Arial"/>
+              <a:buNone/>
+            </a:pPr>
+            <a:r>
+              <a:rPr lang="en-US" sz="900" b="1" dirty="0">
+                <a:solidFill>
+                  <a:schemeClr val="dk1"/>
+                </a:solidFill>
+              </a:rPr>
+              <a:t>Main</a:t>
+            </a:r>
+            <a:endParaRPr sz="900" b="1" dirty="0">
+              <a:solidFill>
+                <a:schemeClr val="dk1"/>
+              </a:solidFill>
+            </a:endParaRPr>
+          </a:p>
+          <a:p>
+            <a:pPr marL="0" lvl="0" indent="0" algn="l" rtl="0">
+              <a:lnSpc>
+                <a:spcPct val="115000"/>
+              </a:lnSpc>
+              <a:spcBef>
+                <a:spcPts val="1200"/>
+              </a:spcBef>
+              <a:spcAft>
+                <a:spcPts val="0"/>
+              </a:spcAft>
+              <a:buClr>
+                <a:schemeClr val="dk1"/>
+              </a:buClr>
+              <a:buSzPts val="1100"/>
+              <a:buFont typeface="Arial"/>
+              <a:buNone/>
+            </a:pPr>
+            <a:r>
+              <a:rPr lang="en-US" sz="1000" dirty="0">
+                <a:solidFill>
+                  <a:schemeClr val="dk1"/>
+                </a:solidFill>
+              </a:rPr>
+              <a:t>| Online Learner Portal | | | Teacher Portal | | | Content Authoring/Validation Portal  | | | Administrator Portal</a:t>
+            </a:r>
+            <a:endParaRPr sz="1000" dirty="0">
+              <a:solidFill>
+                <a:schemeClr val="dk1"/>
+              </a:solidFill>
+            </a:endParaRPr>
+          </a:p>
+          <a:p>
+            <a:pPr marL="0" lvl="0" indent="0" algn="l" rtl="0">
+              <a:lnSpc>
+                <a:spcPct val="115000"/>
+              </a:lnSpc>
+              <a:spcBef>
+                <a:spcPts val="1800"/>
+              </a:spcBef>
+              <a:spcAft>
+                <a:spcPts val="0"/>
+              </a:spcAft>
+              <a:buClr>
+                <a:schemeClr val="dk1"/>
+              </a:buClr>
+              <a:buSzPts val="1100"/>
+              <a:buFont typeface="Arial"/>
+              <a:buNone/>
+            </a:pPr>
+            <a:r>
+              <a:rPr lang="en-US" sz="900" b="1" dirty="0">
+                <a:solidFill>
+                  <a:schemeClr val="dk1"/>
+                </a:solidFill>
+              </a:rPr>
+              <a:t>Online Learner Portal (Mobile Included)</a:t>
+            </a:r>
+            <a:endParaRPr sz="900" b="1" dirty="0">
+              <a:solidFill>
+                <a:schemeClr val="dk1"/>
+              </a:solidFill>
+            </a:endParaRPr>
+          </a:p>
+          <a:p>
+            <a:pPr marL="0" lvl="0" indent="0" algn="l" rtl="0">
+              <a:lnSpc>
+                <a:spcPct val="115000"/>
+              </a:lnSpc>
+              <a:spcBef>
+                <a:spcPts val="1200"/>
+              </a:spcBef>
+              <a:spcAft>
+                <a:spcPts val="0"/>
+              </a:spcAft>
+              <a:buClr>
+                <a:schemeClr val="dk1"/>
+              </a:buClr>
+              <a:buSzPts val="1100"/>
+              <a:buFont typeface="Arial"/>
+              <a:buNone/>
+            </a:pPr>
+            <a:r>
+              <a:rPr lang="en-US" sz="1000" dirty="0">
+                <a:solidFill>
+                  <a:schemeClr val="dk1"/>
+                </a:solidFill>
+              </a:rPr>
+              <a:t>| Learner | Course, Module, Units, | | | sections, exercises, Forums | | Exam | Multiple choice, Subjective, | | | Drag and drop, time-based | | | exams, certificates, badges | | Leaderboard| Team-wise, class-wise, | | | industry-wise |</a:t>
+            </a:r>
+            <a:endParaRPr sz="1000" dirty="0">
+              <a:solidFill>
+                <a:schemeClr val="dk1"/>
+              </a:solidFill>
+            </a:endParaRPr>
+          </a:p>
+          <a:p>
+            <a:pPr marL="0" lvl="0" indent="0" algn="l" rtl="0">
+              <a:lnSpc>
+                <a:spcPct val="115000"/>
+              </a:lnSpc>
+              <a:spcBef>
+                <a:spcPts val="1200"/>
+              </a:spcBef>
+              <a:spcAft>
+                <a:spcPts val="0"/>
+              </a:spcAft>
+              <a:buClr>
+                <a:schemeClr val="dk1"/>
+              </a:buClr>
+              <a:buSzPts val="1100"/>
+              <a:buFont typeface="Arial"/>
+              <a:buNone/>
+            </a:pPr>
+            <a:r>
+              <a:rPr lang="en-US" sz="900" b="1" dirty="0">
+                <a:solidFill>
+                  <a:schemeClr val="dk1"/>
+                </a:solidFill>
+              </a:rPr>
+              <a:t>Learner Dashboard</a:t>
+            </a:r>
+            <a:endParaRPr sz="900" b="1" dirty="0">
+              <a:solidFill>
+                <a:schemeClr val="dk1"/>
+              </a:solidFill>
+            </a:endParaRPr>
+          </a:p>
+          <a:p>
+            <a:pPr marL="0" lvl="0" indent="0" algn="l" rtl="0">
+              <a:lnSpc>
+                <a:spcPct val="115000"/>
+              </a:lnSpc>
+              <a:spcBef>
+                <a:spcPts val="1200"/>
+              </a:spcBef>
+              <a:spcAft>
+                <a:spcPts val="0"/>
+              </a:spcAft>
+              <a:buClr>
+                <a:schemeClr val="dk1"/>
+              </a:buClr>
+              <a:buSzPts val="1100"/>
+              <a:buFont typeface="Arial"/>
+              <a:buNone/>
+            </a:pPr>
+            <a:r>
+              <a:rPr lang="en-US" sz="1000" dirty="0">
+                <a:solidFill>
+                  <a:schemeClr val="dk1"/>
+                </a:solidFill>
+              </a:rPr>
+              <a:t>| Courses in progress| | | Tests completed | </a:t>
+            </a:r>
+            <a:endParaRPr sz="1000" dirty="0">
+              <a:solidFill>
+                <a:schemeClr val="dk1"/>
+              </a:solidFill>
+            </a:endParaRPr>
+          </a:p>
+          <a:p>
+            <a:pPr marL="0" lvl="0" indent="0" algn="l" rtl="0">
+              <a:lnSpc>
+                <a:spcPct val="115000"/>
+              </a:lnSpc>
+              <a:spcBef>
+                <a:spcPts val="1800"/>
+              </a:spcBef>
+              <a:spcAft>
+                <a:spcPts val="0"/>
+              </a:spcAft>
+              <a:buClr>
+                <a:schemeClr val="dk1"/>
+              </a:buClr>
+              <a:buSzPts val="1100"/>
+              <a:buFont typeface="Arial"/>
+              <a:buNone/>
+            </a:pPr>
+            <a:r>
+              <a:rPr lang="en-US" sz="900" b="1" dirty="0">
+                <a:solidFill>
+                  <a:schemeClr val="dk1"/>
+                </a:solidFill>
+              </a:rPr>
+              <a:t>Teacher Portal</a:t>
+            </a:r>
+            <a:endParaRPr sz="900" b="1" dirty="0">
+              <a:solidFill>
+                <a:schemeClr val="dk1"/>
+              </a:solidFill>
+            </a:endParaRPr>
+          </a:p>
+          <a:p>
+            <a:pPr marL="0" lvl="0" indent="0" algn="l" rtl="0">
+              <a:lnSpc>
+                <a:spcPct val="115000"/>
+              </a:lnSpc>
+              <a:spcBef>
+                <a:spcPts val="1200"/>
+              </a:spcBef>
+              <a:spcAft>
+                <a:spcPts val="0"/>
+              </a:spcAft>
+              <a:buClr>
+                <a:schemeClr val="dk1"/>
+              </a:buClr>
+              <a:buSzPts val="1100"/>
+              <a:buFont typeface="Arial"/>
+              <a:buNone/>
+            </a:pPr>
+            <a:r>
+              <a:rPr lang="en-US" sz="1100" dirty="0">
+                <a:solidFill>
+                  <a:schemeClr val="dk1"/>
+                </a:solidFill>
+              </a:rPr>
+              <a:t>Administer Courses and timings | | | Manage Students | | | Administer Tests and marks | | | Subjects and Groups | | | Reports </a:t>
+            </a:r>
+            <a:endParaRPr sz="1100" dirty="0">
+              <a:solidFill>
+                <a:schemeClr val="dk1"/>
+              </a:solidFill>
+            </a:endParaRPr>
+          </a:p>
+          <a:p>
+            <a:pPr marL="0" lvl="0" indent="0" algn="l" rtl="0">
+              <a:lnSpc>
+                <a:spcPct val="115000"/>
+              </a:lnSpc>
+              <a:spcBef>
+                <a:spcPts val="1800"/>
+              </a:spcBef>
+              <a:spcAft>
+                <a:spcPts val="0"/>
+              </a:spcAft>
+              <a:buClr>
+                <a:schemeClr val="dk1"/>
+              </a:buClr>
+              <a:buSzPts val="1100"/>
+              <a:buFont typeface="Arial"/>
+              <a:buNone/>
+            </a:pPr>
+            <a:r>
+              <a:rPr lang="en-US" sz="900" b="1" dirty="0">
+                <a:solidFill>
+                  <a:schemeClr val="dk1"/>
+                </a:solidFill>
+              </a:rPr>
+              <a:t>Content Authoring/Validation Portal</a:t>
+            </a:r>
+            <a:endParaRPr sz="900" b="1" dirty="0">
+              <a:solidFill>
+                <a:schemeClr val="dk1"/>
+              </a:solidFill>
+            </a:endParaRPr>
+          </a:p>
+          <a:p>
+            <a:pPr marL="0" lvl="0" indent="0" algn="l" rtl="0">
+              <a:lnSpc>
+                <a:spcPct val="115000"/>
+              </a:lnSpc>
+              <a:spcBef>
+                <a:spcPts val="1200"/>
+              </a:spcBef>
+              <a:spcAft>
+                <a:spcPts val="0"/>
+              </a:spcAft>
+              <a:buClr>
+                <a:schemeClr val="dk1"/>
+              </a:buClr>
+              <a:buSzPts val="1100"/>
+              <a:buFont typeface="Arial"/>
+              <a:buNone/>
+            </a:pPr>
+            <a:r>
+              <a:rPr lang="en-US" sz="1000" dirty="0">
+                <a:solidFill>
+                  <a:schemeClr val="dk1"/>
+                </a:solidFill>
+              </a:rPr>
+              <a:t>| Content Creation | | | Content Validation | | | Workflow Management | | | Chat GPT API Integration | | | Business Rules | </a:t>
+            </a:r>
+            <a:endParaRPr sz="1000" dirty="0">
+              <a:solidFill>
+                <a:schemeClr val="dk1"/>
+              </a:solidFill>
+            </a:endParaRPr>
+          </a:p>
+          <a:p>
+            <a:pPr marL="0" lvl="0" indent="0" algn="l" rtl="0">
+              <a:lnSpc>
+                <a:spcPct val="115000"/>
+              </a:lnSpc>
+              <a:spcBef>
+                <a:spcPts val="1200"/>
+              </a:spcBef>
+              <a:spcAft>
+                <a:spcPts val="0"/>
+              </a:spcAft>
+              <a:buClr>
+                <a:schemeClr val="dk1"/>
+              </a:buClr>
+              <a:buSzPts val="1100"/>
+              <a:buFont typeface="Arial"/>
+              <a:buNone/>
+            </a:pPr>
+            <a:r>
+              <a:rPr lang="en-US" sz="1000" b="1" dirty="0">
+                <a:solidFill>
+                  <a:schemeClr val="dk1"/>
+                </a:solidFill>
+              </a:rPr>
+              <a:t>Administrator Portal</a:t>
+            </a:r>
+            <a:endParaRPr sz="1000" b="1" dirty="0">
+              <a:solidFill>
+                <a:schemeClr val="dk1"/>
+              </a:solidFill>
+            </a:endParaRPr>
+          </a:p>
+          <a:p>
+            <a:pPr marL="0" lvl="0" indent="0" algn="l" rtl="0">
+              <a:lnSpc>
+                <a:spcPct val="115000"/>
+              </a:lnSpc>
+              <a:spcBef>
+                <a:spcPts val="1200"/>
+              </a:spcBef>
+              <a:spcAft>
+                <a:spcPts val="0"/>
+              </a:spcAft>
+              <a:buClr>
+                <a:schemeClr val="dk1"/>
+              </a:buClr>
+              <a:buSzPts val="1100"/>
+              <a:buFont typeface="Arial"/>
+              <a:buNone/>
+            </a:pPr>
+            <a:r>
+              <a:rPr lang="en-US" sz="1000" dirty="0">
+                <a:solidFill>
+                  <a:schemeClr val="dk1"/>
+                </a:solidFill>
+              </a:rPr>
+              <a:t>| User Management | | | Manage the Application</a:t>
+            </a:r>
+            <a:endParaRPr sz="1000" dirty="0">
+              <a:solidFill>
+                <a:schemeClr val="dk1"/>
+              </a:solidFill>
+            </a:endParaRPr>
+          </a:p>
+          <a:p>
+            <a:pPr marL="0" lvl="0" indent="0" algn="l" rtl="0">
+              <a:spcBef>
+                <a:spcPts val="1200"/>
+              </a:spcBef>
+              <a:spcAft>
+                <a:spcPts val="0"/>
+              </a:spcAft>
+              <a:buClr>
+                <a:schemeClr val="dk1"/>
+              </a:buClr>
+              <a:buFont typeface="Arial"/>
+              <a:buNone/>
+            </a:pPr>
+            <a:endParaRPr sz="1200" b="1" dirty="0">
+              <a:solidFill>
+                <a:srgbClr val="222222"/>
+              </a:solidFill>
+              <a:highlight>
+                <a:srgbClr val="FFFFFF"/>
+              </a:highlight>
+              <a:latin typeface="Lato"/>
+              <a:ea typeface="Lato"/>
+              <a:cs typeface="Lato"/>
+              <a:sym typeface="Lato"/>
+            </a:endParaRPr>
+          </a:p>
+          <a:p>
+            <a:pPr marL="0" marR="0" lvl="0" indent="0" algn="l" rtl="0">
+              <a:lnSpc>
+                <a:spcPct val="100000"/>
+              </a:lnSpc>
+              <a:spcBef>
+                <a:spcPts val="0"/>
+              </a:spcBef>
+              <a:spcAft>
+                <a:spcPts val="0"/>
+              </a:spcAft>
+              <a:buNone/>
+            </a:pPr>
+            <a:r>
+              <a:rPr lang="en-US" sz="1400" dirty="0">
+                <a:solidFill>
+                  <a:srgbClr val="000000"/>
+                </a:solidFill>
+                <a:highlight>
+                  <a:srgbClr val="FFFFFF"/>
+                </a:highlight>
+                <a:latin typeface="Arial"/>
+                <a:ea typeface="Arial"/>
+                <a:cs typeface="Arial"/>
+                <a:sym typeface="Arial"/>
+              </a:rPr>
+              <a:t>		</a:t>
+            </a:r>
+            <a:endParaRPr sz="1400" b="0" strike="noStrike" dirty="0">
+              <a:solidFill>
+                <a:schemeClr val="dk1"/>
+              </a:solidFill>
+              <a:latin typeface="Arial"/>
+              <a:ea typeface="Arial"/>
+              <a:cs typeface="Arial"/>
+              <a:sym typeface="Arial"/>
+            </a:endParaRPr>
+          </a:p>
+          <a:p>
+            <a:pPr marL="0" marR="0" lvl="0" indent="0" algn="l" rtl="0">
+              <a:lnSpc>
+                <a:spcPct val="100000"/>
+              </a:lnSpc>
+              <a:spcBef>
+                <a:spcPts val="0"/>
+              </a:spcBef>
+              <a:spcAft>
+                <a:spcPts val="0"/>
+              </a:spcAft>
+              <a:buNone/>
+            </a:pPr>
+            <a:endParaRPr sz="1400" b="0" strike="noStrike" dirty="0">
+              <a:solidFill>
+                <a:schemeClr val="dk1"/>
+              </a:solidFill>
+              <a:latin typeface="Arial"/>
+              <a:ea typeface="Arial"/>
+              <a:cs typeface="Arial"/>
+              <a:sym typeface="Arial"/>
+            </a:endParaRPr>
           </a:p>
         </p:txBody>
       </p:sp>
+      <p:pic>
+        <p:nvPicPr>
+          <p:cNvPr id="174" name="Google Shape;174;p9" descr="Icon&#10;&#10;Description automatically generated"/>
+          <p:cNvPicPr preferRelativeResize="0"/>
+          <p:nvPr/>
+        </p:nvPicPr>
+        <p:blipFill rotWithShape="1">
+          <a:blip r:embed="rId3">
+            <a:alphaModFix/>
+          </a:blip>
+          <a:srcRect/>
+          <a:stretch/>
+        </p:blipFill>
+        <p:spPr>
+          <a:xfrm>
+            <a:off x="7780443" y="4633306"/>
+            <a:ext cx="1274760" cy="302040"/>
+          </a:xfrm>
+          <a:prstGeom prst="rect">
+            <a:avLst/>
+          </a:prstGeom>
+          <a:noFill/>
+          <a:ln>
+            <a:noFill/>
+          </a:ln>
+        </p:spPr>
+      </p:pic>
+      <p:sp>
+        <p:nvSpPr>
+          <p:cNvPr id="175" name="Google Shape;175;p9"/>
+          <p:cNvSpPr txBox="1"/>
+          <p:nvPr/>
+        </p:nvSpPr>
+        <p:spPr>
+          <a:xfrm>
+            <a:off x="4397434" y="706582"/>
+            <a:ext cx="3857100" cy="769500"/>
+          </a:xfrm>
+          <a:prstGeom prst="rect">
+            <a:avLst/>
+          </a:prstGeom>
+          <a:noFill/>
+          <a:ln>
+            <a:noFill/>
+          </a:ln>
+        </p:spPr>
+        <p:txBody>
+          <a:bodyPr spcFirstLastPara="1" wrap="square" lIns="91425" tIns="45700" rIns="91425" bIns="45700" anchor="t" anchorCtr="0">
+            <a:spAutoFit/>
+          </a:bodyPr>
+          <a:lstStyle/>
+          <a:p>
+            <a:pPr marL="0" marR="0" lvl="0" indent="0" algn="l" rtl="0">
+              <a:lnSpc>
+                <a:spcPct val="100000"/>
+              </a:lnSpc>
+              <a:spcBef>
+                <a:spcPts val="0"/>
+              </a:spcBef>
+              <a:spcAft>
+                <a:spcPts val="0"/>
+              </a:spcAft>
+              <a:buNone/>
+            </a:pPr>
+            <a:r>
+              <a:rPr lang="en-US" sz="1800">
+                <a:solidFill>
+                  <a:srgbClr val="000000"/>
+                </a:solidFill>
+                <a:highlight>
+                  <a:srgbClr val="FFFFFF"/>
+                </a:highlight>
+                <a:latin typeface="Arial"/>
+                <a:ea typeface="Arial"/>
+                <a:cs typeface="Arial"/>
+                <a:sym typeface="Arial"/>
+              </a:rPr>
+              <a:t>	</a:t>
+            </a:r>
+            <a:endParaRPr sz="1800" b="0" strike="noStrike">
+              <a:solidFill>
+                <a:schemeClr val="dk1"/>
+              </a:solidFill>
+              <a:latin typeface="Arial"/>
+              <a:ea typeface="Arial"/>
+              <a:cs typeface="Arial"/>
+              <a:sym typeface="Arial"/>
+            </a:endParaRPr>
+          </a:p>
+          <a:p>
+            <a:pPr marL="0" marR="0" lvl="0" indent="0" algn="l" rtl="0">
+              <a:lnSpc>
+                <a:spcPct val="100000"/>
+              </a:lnSpc>
+              <a:spcBef>
+                <a:spcPts val="0"/>
+              </a:spcBef>
+              <a:spcAft>
+                <a:spcPts val="0"/>
+              </a:spcAft>
+              <a:buNone/>
+            </a:pPr>
+            <a:r>
+              <a:rPr lang="en-US" sz="1400" b="0" strike="noStrike">
+                <a:solidFill>
+                  <a:srgbClr val="000000"/>
+                </a:solidFill>
+                <a:highlight>
+                  <a:srgbClr val="FFFFFF"/>
+                </a:highlight>
+                <a:latin typeface="Arial"/>
+                <a:ea typeface="Arial"/>
+                <a:cs typeface="Arial"/>
+                <a:sym typeface="Arial"/>
+              </a:rPr>
+              <a:t>	</a:t>
+            </a:r>
+            <a:endParaRPr sz="1200" b="0" strike="noStrike">
+              <a:solidFill>
+                <a:schemeClr val="dk1"/>
+              </a:solidFill>
+              <a:latin typeface="Arial"/>
+              <a:ea typeface="Arial"/>
+              <a:cs typeface="Arial"/>
+              <a:sym typeface="Arial"/>
+            </a:endParaRPr>
+          </a:p>
+          <a:p>
+            <a:pPr marL="0" marR="0" lvl="0" indent="0" algn="l" rtl="0">
+              <a:lnSpc>
+                <a:spcPct val="100000"/>
+              </a:lnSpc>
+              <a:spcBef>
+                <a:spcPts val="0"/>
+              </a:spcBef>
+              <a:spcAft>
+                <a:spcPts val="0"/>
+              </a:spcAft>
+              <a:buNone/>
+            </a:pPr>
+            <a:endParaRPr sz="1200" b="0" strike="noStrike">
+              <a:solidFill>
+                <a:schemeClr val="dk1"/>
+              </a:solidFill>
+              <a:latin typeface="Arial"/>
+              <a:ea typeface="Arial"/>
+              <a:cs typeface="Arial"/>
+              <a:sym typeface="Arial"/>
+            </a:endParaRPr>
+          </a:p>
+        </p:txBody>
+      </p:sp>
     </p:spTree>
-    <p:extLst>
-      <p:ext uri="{BB962C8B-B14F-4D97-AF65-F5344CB8AC3E}">
-        <p14:creationId xmlns:p14="http://schemas.microsoft.com/office/powerpoint/2010/main" val="2386416404"/>
-      </p:ext>
-    </p:extLst>
   </p:cSld>
   <p:clrMapOvr>
     <a:masterClrMapping/>
@@ -9585,4 +12005,299 @@
   <a:objectDefaults/>
   <a:extraClrSchemeLst/>
 </a:theme>
+</file>
+
+<file path=ppt/theme/theme3.xml><?xml version="1.0" encoding="utf-8"?>
+<a:theme xmlns:a="http://schemas.openxmlformats.org/drawingml/2006/main" name="Office Theme">
+  <a:themeElements>
+    <a:clrScheme name="Office">
+      <a:dk1>
+        <a:sysClr val="windowText" lastClr="000000"/>
+      </a:dk1>
+      <a:lt1>
+        <a:sysClr val="window" lastClr="FFFFFF"/>
+      </a:lt1>
+      <a:dk2>
+        <a:srgbClr val="44546A"/>
+      </a:dk2>
+      <a:lt2>
+        <a:srgbClr val="E7E6E6"/>
+      </a:lt2>
+      <a:accent1>
+        <a:srgbClr val="4472C4"/>
+      </a:accent1>
+      <a:accent2>
+        <a:srgbClr val="ED7D31"/>
+      </a:accent2>
+      <a:accent3>
+        <a:srgbClr val="A5A5A5"/>
+      </a:accent3>
+      <a:accent4>
+        <a:srgbClr val="FFC000"/>
+      </a:accent4>
+      <a:accent5>
+        <a:srgbClr val="5B9BD5"/>
+      </a:accent5>
+      <a:accent6>
+        <a:srgbClr val="70AD47"/>
+      </a:accent6>
+      <a:hlink>
+        <a:srgbClr val="0563C1"/>
+      </a:hlink>
+      <a:folHlink>
+        <a:srgbClr val="954F72"/>
+      </a:folHlink>
+    </a:clrScheme>
+    <a:fontScheme name="Office">
+      <a:majorFont>
+        <a:latin typeface="Calibri Light" panose="020F0302020204030204"/>
+        <a:ea typeface=""/>
+        <a:cs typeface=""/>
+        <a:font script="Jpan" typeface="游ゴシック Light"/>
+        <a:font script="Hang" typeface="맑은 고딕"/>
+        <a:font script="Hans" typeface="等线 Light"/>
+        <a:font script="Hant" typeface="新細明體"/>
+        <a:font script="Arab" typeface="Times New Roman"/>
+        <a:font script="Hebr" typeface="Times New Roman"/>
+        <a:font script="Thai" typeface="Angsana New"/>
+        <a:font script="Ethi" typeface="Nyala"/>
+        <a:font script="Beng" typeface="Vrinda"/>
+        <a:font script="Gujr" typeface="Shruti"/>
+        <a:font script="Khmr" typeface="MoolBoran"/>
+        <a:font script="Knda" typeface="Tunga"/>
+        <a:font script="Guru" typeface="Raavi"/>
+        <a:font script="Cans" typeface="Euphemia"/>
+        <a:font script="Cher" typeface="Plantagenet Cherokee"/>
+        <a:font script="Yiii" typeface="Microsoft Yi Baiti"/>
+        <a:font script="Tibt" typeface="Microsoft Himalaya"/>
+        <a:font script="Thaa" typeface="MV Boli"/>
+        <a:font script="Deva" typeface="Mangal"/>
+        <a:font script="Telu" typeface="Gautami"/>
+        <a:font script="Taml" typeface="Latha"/>
+        <a:font script="Syrc" typeface="Estrangelo Edessa"/>
+        <a:font script="Orya" typeface="Kalinga"/>
+        <a:font script="Mlym" typeface="Kartika"/>
+        <a:font script="Laoo" typeface="DokChampa"/>
+        <a:font script="Sinh" typeface="Iskoola Pota"/>
+        <a:font script="Mong" typeface="Mongolian Baiti"/>
+        <a:font script="Viet" typeface="Times New Roman"/>
+        <a:font script="Uigh" typeface="Microsoft Uighur"/>
+        <a:font script="Geor" typeface="Sylfaen"/>
+        <a:font script="Armn" typeface="Arial"/>
+        <a:font script="Bugi" typeface="Leelawadee UI"/>
+        <a:font script="Bopo" typeface="Microsoft JhengHei"/>
+        <a:font script="Java" typeface="Javanese Text"/>
+        <a:font script="Lisu" typeface="Segoe UI"/>
+        <a:font script="Mymr" typeface="Myanmar Text"/>
+        <a:font script="Nkoo" typeface="Ebrima"/>
+        <a:font script="Olck" typeface="Nirmala UI"/>
+        <a:font script="Osma" typeface="Ebrima"/>
+        <a:font script="Phag" typeface="Phagspa"/>
+        <a:font script="Syrn" typeface="Estrangelo Edessa"/>
+        <a:font script="Syrj" typeface="Estrangelo Edessa"/>
+        <a:font script="Syre" typeface="Estrangelo Edessa"/>
+        <a:font script="Sora" typeface="Nirmala UI"/>
+        <a:font script="Tale" typeface="Microsoft Tai Le"/>
+        <a:font script="Talu" typeface="Microsoft New Tai Lue"/>
+        <a:font script="Tfng" typeface="Ebrima"/>
+      </a:majorFont>
+      <a:minorFont>
+        <a:latin typeface="Calibri" panose="020F0502020204030204"/>
+        <a:ea typeface=""/>
+        <a:cs typeface=""/>
+        <a:font script="Jpan" typeface="游ゴシック"/>
+        <a:font script="Hang" typeface="맑은 고딕"/>
+        <a:font script="Hans" typeface="等线"/>
+        <a:font script="Hant" typeface="新細明體"/>
+        <a:font script="Arab" typeface="Arial"/>
+        <a:font script="Hebr" typeface="Arial"/>
+        <a:font script="Thai" typeface="Cordia New"/>
+        <a:font script="Ethi" typeface="Nyala"/>
+        <a:font script="Beng" typeface="Vrinda"/>
+        <a:font script="Gujr" typeface="Shruti"/>
+        <a:font script="Khmr" typeface="DaunPenh"/>
+        <a:font script="Knda" typeface="Tunga"/>
+        <a:font script="Guru" typeface="Raavi"/>
+        <a:font script="Cans" typeface="Euphemia"/>
+        <a:font script="Cher" typeface="Plantagenet Cherokee"/>
+        <a:font script="Yiii" typeface="Microsoft Yi Baiti"/>
+        <a:font script="Tibt" typeface="Microsoft Himalaya"/>
+        <a:font script="Thaa" typeface="MV Boli"/>
+        <a:font script="Deva" typeface="Mangal"/>
+        <a:font script="Telu" typeface="Gautami"/>
+        <a:font script="Taml" typeface="Latha"/>
+        <a:font script="Syrc" typeface="Estrangelo Edessa"/>
+        <a:font script="Orya" typeface="Kalinga"/>
+        <a:font script="Mlym" typeface="Kartika"/>
+        <a:font script="Laoo" typeface="DokChampa"/>
+        <a:font script="Sinh" typeface="Iskoola Pota"/>
+        <a:font script="Mong" typeface="Mongolian Baiti"/>
+        <a:font script="Viet" typeface="Arial"/>
+        <a:font script="Uigh" typeface="Microsoft Uighur"/>
+        <a:font script="Geor" typeface="Sylfaen"/>
+        <a:font script="Armn" typeface="Arial"/>
+        <a:font script="Bugi" typeface="Leelawadee UI"/>
+        <a:font script="Bopo" typeface="Microsoft JhengHei"/>
+        <a:font script="Java" typeface="Javanese Text"/>
+        <a:font script="Lisu" typeface="Segoe UI"/>
+        <a:font script="Mymr" typeface="Myanmar Text"/>
+        <a:font script="Nkoo" typeface="Ebrima"/>
+        <a:font script="Olck" typeface="Nirmala UI"/>
+        <a:font script="Osma" typeface="Ebrima"/>
+        <a:font script="Phag" typeface="Phagspa"/>
+        <a:font script="Syrn" typeface="Estrangelo Edessa"/>
+        <a:font script="Syrj" typeface="Estrangelo Edessa"/>
+        <a:font script="Syre" typeface="Estrangelo Edessa"/>
+        <a:font script="Sora" typeface="Nirmala UI"/>
+        <a:font script="Tale" typeface="Microsoft Tai Le"/>
+        <a:font script="Talu" typeface="Microsoft New Tai Lue"/>
+        <a:font script="Tfng" typeface="Ebrima"/>
+      </a:minorFont>
+    </a:fontScheme>
+    <a:fmtScheme name="Office">
+      <a:fillStyleLst>
+        <a:solidFill>
+          <a:schemeClr val="phClr"/>
+        </a:solidFill>
+        <a:gradFill rotWithShape="1">
+          <a:gsLst>
+            <a:gs pos="0">
+              <a:schemeClr val="phClr">
+                <a:lumMod val="110000"/>
+                <a:satMod val="105000"/>
+                <a:tint val="67000"/>
+              </a:schemeClr>
+            </a:gs>
+            <a:gs pos="50000">
+              <a:schemeClr val="phClr">
+                <a:lumMod val="105000"/>
+                <a:satMod val="103000"/>
+                <a:tint val="73000"/>
+              </a:schemeClr>
+            </a:gs>
+            <a:gs pos="100000">
+              <a:schemeClr val="phClr">
+                <a:lumMod val="105000"/>
+                <a:satMod val="109000"/>
+                <a:tint val="81000"/>
+              </a:schemeClr>
+            </a:gs>
+          </a:gsLst>
+          <a:lin ang="5400000" scaled="0"/>
+        </a:gradFill>
+        <a:gradFill rotWithShape="1">
+          <a:gsLst>
+            <a:gs pos="0">
+              <a:schemeClr val="phClr">
+                <a:satMod val="103000"/>
+                <a:lumMod val="102000"/>
+                <a:tint val="94000"/>
+              </a:schemeClr>
+            </a:gs>
+            <a:gs pos="50000">
+              <a:schemeClr val="phClr">
+                <a:satMod val="110000"/>
+                <a:lumMod val="100000"/>
+                <a:shade val="100000"/>
+              </a:schemeClr>
+            </a:gs>
+            <a:gs pos="100000">
+              <a:schemeClr val="phClr">
+                <a:lumMod val="99000"/>
+                <a:satMod val="120000"/>
+                <a:shade val="78000"/>
+              </a:schemeClr>
+            </a:gs>
+          </a:gsLst>
+          <a:lin ang="5400000" scaled="0"/>
+        </a:gradFill>
+      </a:fillStyleLst>
+      <a:lnStyleLst>
+        <a:ln w="6350" cap="flat" cmpd="sng" algn="ctr">
+          <a:solidFill>
+            <a:schemeClr val="phClr"/>
+          </a:solidFill>
+          <a:prstDash val="solid"/>
+          <a:miter lim="800000"/>
+        </a:ln>
+        <a:ln w="12700" cap="flat" cmpd="sng" algn="ctr">
+          <a:solidFill>
+            <a:schemeClr val="phClr"/>
+          </a:solidFill>
+          <a:prstDash val="solid"/>
+          <a:miter lim="800000"/>
+        </a:ln>
+        <a:ln w="19050" cap="flat" cmpd="sng" algn="ctr">
+          <a:solidFill>
+            <a:schemeClr val="phClr"/>
+          </a:solidFill>
+          <a:prstDash val="solid"/>
+          <a:miter lim="800000"/>
+        </a:ln>
+      </a:lnStyleLst>
+      <a:effectStyleLst>
+        <a:effectStyle>
+          <a:effectLst/>
+        </a:effectStyle>
+        <a:effectStyle>
+          <a:effectLst/>
+        </a:effectStyle>
+        <a:effectStyle>
+          <a:effectLst>
+            <a:outerShdw blurRad="57150" dist="19050" dir="5400000" algn="ctr" rotWithShape="0">
+              <a:srgbClr val="000000">
+                <a:alpha val="63000"/>
+              </a:srgbClr>
+            </a:outerShdw>
+          </a:effectLst>
+        </a:effectStyle>
+      </a:effectStyleLst>
+      <a:bgFillStyleLst>
+        <a:solidFill>
+          <a:schemeClr val="phClr"/>
+        </a:solidFill>
+        <a:solidFill>
+          <a:schemeClr val="phClr">
+            <a:tint val="95000"/>
+            <a:satMod val="170000"/>
+          </a:schemeClr>
+        </a:solidFill>
+        <a:gradFill rotWithShape="1">
+          <a:gsLst>
+            <a:gs pos="0">
+              <a:schemeClr val="phClr">
+                <a:tint val="93000"/>
+                <a:satMod val="150000"/>
+                <a:shade val="98000"/>
+                <a:lumMod val="102000"/>
+              </a:schemeClr>
+            </a:gs>
+            <a:gs pos="50000">
+              <a:schemeClr val="phClr">
+                <a:tint val="98000"/>
+                <a:satMod val="130000"/>
+                <a:shade val="90000"/>
+                <a:lumMod val="103000"/>
+              </a:schemeClr>
+            </a:gs>
+            <a:gs pos="100000">
+              <a:schemeClr val="phClr">
+                <a:shade val="63000"/>
+                <a:satMod val="120000"/>
+              </a:schemeClr>
+            </a:gs>
+          </a:gsLst>
+          <a:lin ang="5400000" scaled="0"/>
+        </a:gradFill>
+      </a:bgFillStyleLst>
+    </a:fmtScheme>
+  </a:themeElements>
+  <a:objectDefaults/>
+  <a:extraClrSchemeLst/>
+  <a:extLst>
+    <a:ext uri="{05A4C25C-085E-4340-85A3-A5531E510DB2}">
+      <thm15:themeFamily xmlns:thm15="http://schemas.microsoft.com/office/thememl/2012/main" name="Office Theme" id="{62F939B6-93AF-4DB8-9C6B-D6C7DFDC589F}" vid="{4A3C46E8-61CC-4603-A589-7422A47A8E4A}"/>
+    </a:ext>
+  </a:extLst>
+</a:theme>
 </file>
--- a/idea/PLEDGE_TO_PROGRES_Microsoft_Sustainability.pptx
+++ b/idea/PLEDGE_TO_PROGRES_Microsoft_Sustainability.pptx
@@ -213,7 +213,7 @@
           <a:p>
             <a:fld id="{FBFD51B6-438E-4B49-BDFD-77DBC8044A30}" type="datetimeFigureOut">
               <a:rPr lang="en-US" smtClean="0"/>
-              <a:t>4/21/2023</a:t>
+              <a:t>4/29/2023</a:t>
             </a:fld>
             <a:endParaRPr lang="en-US"/>
           </a:p>

--- a/idea/PLEDGE_TO_PROGRES_Microsoft_Sustainability.pptx
+++ b/idea/PLEDGE_TO_PROGRES_Microsoft_Sustainability.pptx
@@ -6,7 +6,7 @@
     <p:sldMasterId id="2147483661" r:id="rId2"/>
   </p:sldMasterIdLst>
   <p:notesMasterIdLst>
-    <p:notesMasterId r:id="rId19"/>
+    <p:notesMasterId r:id="rId21"/>
   </p:notesMasterIdLst>
   <p:sldIdLst>
     <p:sldId id="256" r:id="rId3"/>
@@ -17,14 +17,16 @@
     <p:sldId id="261" r:id="rId8"/>
     <p:sldId id="262" r:id="rId9"/>
     <p:sldId id="265" r:id="rId10"/>
-    <p:sldId id="269" r:id="rId11"/>
-    <p:sldId id="270" r:id="rId12"/>
-    <p:sldId id="271" r:id="rId13"/>
-    <p:sldId id="272" r:id="rId14"/>
+    <p:sldId id="270" r:id="rId11"/>
+    <p:sldId id="271" r:id="rId12"/>
+    <p:sldId id="272" r:id="rId13"/>
+    <p:sldId id="269" r:id="rId14"/>
     <p:sldId id="263" r:id="rId15"/>
-    <p:sldId id="267" r:id="rId16"/>
-    <p:sldId id="266" r:id="rId17"/>
-    <p:sldId id="264" r:id="rId18"/>
+    <p:sldId id="274" r:id="rId16"/>
+    <p:sldId id="275" r:id="rId17"/>
+    <p:sldId id="267" r:id="rId18"/>
+    <p:sldId id="266" r:id="rId19"/>
+    <p:sldId id="264" r:id="rId20"/>
   </p:sldIdLst>
   <p:sldSz cx="9144000" cy="5143500" type="screen16x9"/>
   <p:notesSz cx="6858000" cy="9144000"/>
@@ -180,7 +182,7 @@
             </a:lvl1pPr>
           </a:lstStyle>
           <a:p>
-            <a:endParaRPr lang="en-US"/>
+            <a:endParaRPr lang="en-US" dirty="0"/>
           </a:p>
         </p:txBody>
       </p:sp>
@@ -215,7 +217,7 @@
               <a:rPr lang="en-US" smtClean="0"/>
               <a:t>4/29/2023</a:t>
             </a:fld>
-            <a:endParaRPr lang="en-US"/>
+            <a:endParaRPr lang="en-US" dirty="0"/>
           </a:p>
         </p:txBody>
       </p:sp>
@@ -248,7 +250,7 @@
           <a:bodyPr vert="horz" lIns="91440" tIns="45720" rIns="91440" bIns="45720" rtlCol="0" anchor="ctr"/>
           <a:lstStyle/>
           <a:p>
-            <a:endParaRPr lang="en-US"/>
+            <a:endParaRPr lang="en-US" dirty="0"/>
           </a:p>
         </p:txBody>
       </p:sp>
@@ -338,7 +340,7 @@
             </a:lvl1pPr>
           </a:lstStyle>
           <a:p>
-            <a:endParaRPr lang="en-US"/>
+            <a:endParaRPr lang="en-US" dirty="0"/>
           </a:p>
         </p:txBody>
       </p:sp>
@@ -373,7 +375,7 @@
               <a:rPr lang="en-US" smtClean="0"/>
               <a:t>‹#›</a:t>
             </a:fld>
-            <a:endParaRPr lang="en-US"/>
+            <a:endParaRPr lang="en-US" dirty="0"/>
           </a:p>
         </p:txBody>
       </p:sp>
@@ -485,110 +487,6 @@
   <p:cSld>
     <p:spTree>
       <p:nvGrpSpPr>
-        <p:cNvPr id="1" name="Shape 169"/>
-        <p:cNvGrpSpPr/>
-        <p:nvPr/>
-      </p:nvGrpSpPr>
-      <p:grpSpPr>
-        <a:xfrm>
-          <a:off x="0" y="0"/>
-          <a:ext cx="0" cy="0"/>
-          <a:chOff x="0" y="0"/>
-          <a:chExt cx="0" cy="0"/>
-        </a:xfrm>
-      </p:grpSpPr>
-      <p:sp>
-        <p:nvSpPr>
-          <p:cNvPr id="170" name="Google Shape;170;p9:notes"/>
-          <p:cNvSpPr txBox="1">
-            <a:spLocks noGrp="1"/>
-          </p:cNvSpPr>
-          <p:nvPr>
-            <p:ph type="body" idx="1"/>
-          </p:nvPr>
-        </p:nvSpPr>
-        <p:spPr>
-          <a:xfrm>
-            <a:off x="685800" y="4343400"/>
-            <a:ext cx="5486400" cy="4114800"/>
-          </a:xfrm>
-          <a:prstGeom prst="rect">
-            <a:avLst/>
-          </a:prstGeom>
-        </p:spPr>
-        <p:txBody>
-          <a:bodyPr spcFirstLastPara="1" wrap="square" lIns="91425" tIns="91425" rIns="91425" bIns="91425" anchor="t" anchorCtr="0">
-            <a:noAutofit/>
-          </a:bodyPr>
-          <a:lstStyle/>
-          <a:p>
-            <a:pPr marL="0" lvl="0" indent="0" algn="l" rtl="0">
-              <a:spcBef>
-                <a:spcPts val="0"/>
-              </a:spcBef>
-              <a:spcAft>
-                <a:spcPts val="0"/>
-              </a:spcAft>
-              <a:buNone/>
-            </a:pPr>
-            <a:endParaRPr/>
-          </a:p>
-        </p:txBody>
-      </p:sp>
-      <p:sp>
-        <p:nvSpPr>
-          <p:cNvPr id="171" name="Google Shape;171;p9:notes"/>
-          <p:cNvSpPr>
-            <a:spLocks noGrp="1" noRot="1" noChangeAspect="1"/>
-          </p:cNvSpPr>
-          <p:nvPr>
-            <p:ph type="sldImg" idx="2"/>
-          </p:nvPr>
-        </p:nvSpPr>
-        <p:spPr>
-          <a:xfrm>
-            <a:off x="381000" y="685800"/>
-            <a:ext cx="6096000" cy="3429000"/>
-          </a:xfrm>
-          <a:custGeom>
-            <a:avLst/>
-            <a:gdLst/>
-            <a:ahLst/>
-            <a:cxnLst/>
-            <a:rect l="l" t="t" r="r" b="b"/>
-            <a:pathLst>
-              <a:path w="120000" h="120000" extrusionOk="0">
-                <a:moveTo>
-                  <a:pt x="0" y="0"/>
-                </a:moveTo>
-                <a:lnTo>
-                  <a:pt x="120000" y="0"/>
-                </a:lnTo>
-                <a:lnTo>
-                  <a:pt x="120000" y="120000"/>
-                </a:lnTo>
-                <a:lnTo>
-                  <a:pt x="0" y="120000"/>
-                </a:lnTo>
-                <a:close/>
-              </a:path>
-            </a:pathLst>
-          </a:custGeom>
-        </p:spPr>
-      </p:sp>
-    </p:spTree>
-  </p:cSld>
-  <p:clrMapOvr>
-    <a:masterClrMapping/>
-  </p:clrMapOvr>
-</p:notes>
-</file>
-
-<file path=ppt/notesSlides/notesSlide2.xml><?xml version="1.0" encoding="utf-8"?>
-<p:notes xmlns:a="http://schemas.openxmlformats.org/drawingml/2006/main" xmlns:r="http://schemas.openxmlformats.org/officeDocument/2006/relationships" xmlns:p="http://schemas.openxmlformats.org/presentationml/2006/main" showMasterSp="0" showMasterPhAnim="0">
-  <p:cSld>
-    <p:spTree>
-      <p:nvGrpSpPr>
         <p:cNvPr id="1" name="Shape 176"/>
         <p:cNvGrpSpPr/>
         <p:nvPr/>
@@ -676,7 +574,7 @@
               </a:spcAft>
               <a:buNone/>
             </a:pPr>
-            <a:endParaRPr/>
+            <a:endParaRPr dirty="0"/>
           </a:p>
         </p:txBody>
       </p:sp>
@@ -688,7 +586,7 @@
 </p:notes>
 </file>
 
-<file path=ppt/notesSlides/notesSlide3.xml><?xml version="1.0" encoding="utf-8"?>
+<file path=ppt/notesSlides/notesSlide2.xml><?xml version="1.0" encoding="utf-8"?>
 <p:notes xmlns:a="http://schemas.openxmlformats.org/drawingml/2006/main" xmlns:r="http://schemas.openxmlformats.org/officeDocument/2006/relationships" xmlns:p="http://schemas.openxmlformats.org/presentationml/2006/main" showMasterSp="0" showMasterPhAnim="0">
   <p:cSld>
     <p:spTree>
@@ -780,7 +678,7 @@
               </a:spcAft>
               <a:buNone/>
             </a:pPr>
-            <a:endParaRPr/>
+            <a:endParaRPr dirty="0"/>
           </a:p>
         </p:txBody>
       </p:sp>
@@ -792,7 +690,7 @@
 </p:notes>
 </file>
 
-<file path=ppt/notesSlides/notesSlide4.xml><?xml version="1.0" encoding="utf-8"?>
+<file path=ppt/notesSlides/notesSlide3.xml><?xml version="1.0" encoding="utf-8"?>
 <p:notes xmlns:a="http://schemas.openxmlformats.org/drawingml/2006/main" xmlns:r="http://schemas.openxmlformats.org/officeDocument/2006/relationships" xmlns:p="http://schemas.openxmlformats.org/presentationml/2006/main" showMasterSp="0" showMasterPhAnim="0">
   <p:cSld>
     <p:spTree>
@@ -884,9 +782,113 @@
               </a:spcAft>
               <a:buNone/>
             </a:pPr>
-            <a:endParaRPr/>
+            <a:endParaRPr dirty="0"/>
           </a:p>
         </p:txBody>
+      </p:sp>
+    </p:spTree>
+  </p:cSld>
+  <p:clrMapOvr>
+    <a:masterClrMapping/>
+  </p:clrMapOvr>
+</p:notes>
+</file>
+
+<file path=ppt/notesSlides/notesSlide4.xml><?xml version="1.0" encoding="utf-8"?>
+<p:notes xmlns:a="http://schemas.openxmlformats.org/drawingml/2006/main" xmlns:r="http://schemas.openxmlformats.org/officeDocument/2006/relationships" xmlns:p="http://schemas.openxmlformats.org/presentationml/2006/main" showMasterSp="0" showMasterPhAnim="0">
+  <p:cSld>
+    <p:spTree>
+      <p:nvGrpSpPr>
+        <p:cNvPr id="1" name="Shape 169"/>
+        <p:cNvGrpSpPr/>
+        <p:nvPr/>
+      </p:nvGrpSpPr>
+      <p:grpSpPr>
+        <a:xfrm>
+          <a:off x="0" y="0"/>
+          <a:ext cx="0" cy="0"/>
+          <a:chOff x="0" y="0"/>
+          <a:chExt cx="0" cy="0"/>
+        </a:xfrm>
+      </p:grpSpPr>
+      <p:sp>
+        <p:nvSpPr>
+          <p:cNvPr id="170" name="Google Shape;170;p9:notes"/>
+          <p:cNvSpPr txBox="1">
+            <a:spLocks noGrp="1"/>
+          </p:cNvSpPr>
+          <p:nvPr>
+            <p:ph type="body" idx="1"/>
+          </p:nvPr>
+        </p:nvSpPr>
+        <p:spPr>
+          <a:xfrm>
+            <a:off x="685800" y="4343400"/>
+            <a:ext cx="5486400" cy="4114800"/>
+          </a:xfrm>
+          <a:prstGeom prst="rect">
+            <a:avLst/>
+          </a:prstGeom>
+        </p:spPr>
+        <p:txBody>
+          <a:bodyPr spcFirstLastPara="1" wrap="square" lIns="91425" tIns="91425" rIns="91425" bIns="91425" anchor="t" anchorCtr="0">
+            <a:noAutofit/>
+          </a:bodyPr>
+          <a:lstStyle/>
+          <a:p>
+            <a:pPr marL="0" lvl="0" indent="0" algn="l" rtl="0">
+              <a:spcBef>
+                <a:spcPts val="0"/>
+              </a:spcBef>
+              <a:spcAft>
+                <a:spcPts val="0"/>
+              </a:spcAft>
+              <a:buNone/>
+            </a:pPr>
+            <a:endParaRPr dirty="0"/>
+          </a:p>
+        </p:txBody>
+      </p:sp>
+      <p:sp>
+        <p:nvSpPr>
+          <p:cNvPr id="171" name="Google Shape;171;p9:notes"/>
+          <p:cNvSpPr>
+            <a:spLocks noGrp="1" noRot="1" noChangeAspect="1"/>
+          </p:cNvSpPr>
+          <p:nvPr>
+            <p:ph type="sldImg" idx="2"/>
+          </p:nvPr>
+        </p:nvSpPr>
+        <p:spPr>
+          <a:xfrm>
+            <a:off x="381000" y="685800"/>
+            <a:ext cx="6096000" cy="3429000"/>
+          </a:xfrm>
+          <a:custGeom>
+            <a:avLst/>
+            <a:gdLst/>
+            <a:ahLst/>
+            <a:cxnLst/>
+            <a:rect l="l" t="t" r="r" b="b"/>
+            <a:pathLst>
+              <a:path w="120000" h="120000" extrusionOk="0">
+                <a:moveTo>
+                  <a:pt x="0" y="0"/>
+                </a:moveTo>
+                <a:lnTo>
+                  <a:pt x="120000" y="0"/>
+                </a:lnTo>
+                <a:lnTo>
+                  <a:pt x="120000" y="120000"/>
+                </a:lnTo>
+                <a:lnTo>
+                  <a:pt x="0" y="120000"/>
+                </a:lnTo>
+                <a:close/>
+              </a:path>
+            </a:pathLst>
+          </a:custGeom>
+        </p:spPr>
       </p:sp>
     </p:spTree>
   </p:cSld>
@@ -4076,7 +4078,7 @@
               </a:rPr>
               <a:t>//01</a:t>
             </a:r>
-            <a:endParaRPr lang="en-IN" sz="900" b="0" strike="noStrike" spc="-1">
+            <a:endParaRPr lang="en-IN" sz="900" b="0" strike="noStrike" spc="-1" dirty="0">
               <a:latin typeface="Arial"/>
             </a:endParaRPr>
           </a:p>
@@ -4147,7 +4149,7 @@
               </a:rPr>
               <a:t>‹#›</a:t>
             </a:fld>
-            <a:endParaRPr lang="en-IN" sz="900" b="0" strike="noStrike" spc="-1">
+            <a:endParaRPr lang="en-IN" sz="900" b="0" strike="noStrike" spc="-1" dirty="0">
               <a:latin typeface="Arial"/>
             </a:endParaRPr>
           </a:p>
@@ -5258,7 +5260,9 @@
               </a:rPr>
               <a:t>PLEDGE TO PROGRESS</a:t>
             </a:r>
-            <a:br/>
+            <a:br>
+              <a:rPr dirty="0"/>
+            </a:br>
             <a:r>
               <a:rPr lang="en" sz="4000" b="1" strike="noStrike" spc="-1">
                 <a:solidFill>
@@ -5269,7 +5273,7 @@
               </a:rPr>
               <a:t>Sustainability Hackathon </a:t>
             </a:r>
-            <a:endParaRPr lang="en-IN" sz="4000" b="0" strike="noStrike" spc="-1">
+            <a:endParaRPr lang="en-IN" sz="4000" b="0" strike="noStrike" spc="-1" dirty="0">
               <a:solidFill>
                 <a:srgbClr val="000000"/>
               </a:solidFill>
@@ -5452,7 +5456,7 @@
                 <a:latin typeface="Arial"/>
                 <a:ea typeface="Arial"/>
               </a:rPr>
-              <a:t>Date : 4/21/2023</a:t>
+              <a:t>Date : 4/29/2023</a:t>
             </a:r>
             <a:endParaRPr lang="en-IN" sz="1400" b="0" strike="noStrike" spc="-1" dirty="0">
               <a:latin typeface="Arial"/>
@@ -5561,7 +5565,7 @@
               </a:rPr>
               <a:t>Sponsored By</a:t>
             </a:r>
-            <a:endParaRPr lang="en-IN" sz="1400" b="0" strike="noStrike" spc="-1">
+            <a:endParaRPr lang="en-IN" sz="1400" b="0" strike="noStrike" spc="-1" dirty="0">
               <a:latin typeface="Arial"/>
             </a:endParaRPr>
           </a:p>
@@ -5576,563 +5580,6 @@
 </file>
 
 <file path=ppt/slides/slide10.xml><?xml version="1.0" encoding="utf-8"?>
-<p:sld xmlns:a="http://schemas.openxmlformats.org/drawingml/2006/main" xmlns:r="http://schemas.openxmlformats.org/officeDocument/2006/relationships" xmlns:p="http://schemas.openxmlformats.org/presentationml/2006/main">
-  <p:cSld>
-    <p:spTree>
-      <p:nvGrpSpPr>
-        <p:cNvPr id="1" name="Shape 179"/>
-        <p:cNvGrpSpPr/>
-        <p:nvPr/>
-      </p:nvGrpSpPr>
-      <p:grpSpPr>
-        <a:xfrm>
-          <a:off x="0" y="0"/>
-          <a:ext cx="0" cy="0"/>
-          <a:chOff x="0" y="0"/>
-          <a:chExt cx="0" cy="0"/>
-        </a:xfrm>
-      </p:grpSpPr>
-      <p:sp>
-        <p:nvSpPr>
-          <p:cNvPr id="180" name="Google Shape;180;g21a0632c2c5_0_0"/>
-          <p:cNvSpPr txBox="1">
-            <a:spLocks noGrp="1"/>
-          </p:cNvSpPr>
-          <p:nvPr>
-            <p:ph type="title"/>
-          </p:nvPr>
-        </p:nvSpPr>
-        <p:spPr>
-          <a:xfrm>
-            <a:off x="199800" y="328750"/>
-            <a:ext cx="8649000" cy="561600"/>
-          </a:xfrm>
-          <a:prstGeom prst="rect">
-            <a:avLst/>
-          </a:prstGeom>
-        </p:spPr>
-        <p:txBody>
-          <a:bodyPr spcFirstLastPara="1" wrap="square" lIns="0" tIns="0" rIns="0" bIns="0" anchor="ctr" anchorCtr="0">
-            <a:noAutofit/>
-          </a:bodyPr>
-          <a:lstStyle/>
-          <a:p>
-            <a:pPr marL="0" lvl="0" indent="0" algn="l" rtl="0">
-              <a:lnSpc>
-                <a:spcPct val="100000"/>
-              </a:lnSpc>
-              <a:spcBef>
-                <a:spcPts val="0"/>
-              </a:spcBef>
-              <a:spcAft>
-                <a:spcPts val="0"/>
-              </a:spcAft>
-              <a:buClr>
-                <a:schemeClr val="dk1"/>
-              </a:buClr>
-              <a:buFont typeface="Arial"/>
-              <a:buNone/>
-            </a:pPr>
-            <a:r>
-              <a:rPr lang="en-US" sz="2000" b="1">
-                <a:solidFill>
-                  <a:srgbClr val="1F1F50"/>
-                </a:solidFill>
-                <a:latin typeface="Lato"/>
-                <a:ea typeface="Lato"/>
-                <a:cs typeface="Lato"/>
-                <a:sym typeface="Lato"/>
-              </a:rPr>
-              <a:t>Our USP - what differentiates us</a:t>
-            </a:r>
-            <a:endParaRPr/>
-          </a:p>
-        </p:txBody>
-      </p:sp>
-      <p:sp>
-        <p:nvSpPr>
-          <p:cNvPr id="181" name="Google Shape;181;g21a0632c2c5_0_0"/>
-          <p:cNvSpPr txBox="1"/>
-          <p:nvPr/>
-        </p:nvSpPr>
-        <p:spPr>
-          <a:xfrm>
-            <a:off x="280800" y="1047875"/>
-            <a:ext cx="8568000" cy="4063500"/>
-          </a:xfrm>
-          <a:prstGeom prst="rect">
-            <a:avLst/>
-          </a:prstGeom>
-          <a:noFill/>
-          <a:ln>
-            <a:noFill/>
-          </a:ln>
-        </p:spPr>
-        <p:txBody>
-          <a:bodyPr spcFirstLastPara="1" wrap="square" lIns="91425" tIns="91425" rIns="91425" bIns="91425" anchor="t" anchorCtr="0">
-            <a:spAutoFit/>
-          </a:bodyPr>
-          <a:lstStyle/>
-          <a:p>
-            <a:pPr marL="0" lvl="0" indent="0" algn="l" rtl="0">
-              <a:spcBef>
-                <a:spcPts val="0"/>
-              </a:spcBef>
-              <a:spcAft>
-                <a:spcPts val="0"/>
-              </a:spcAft>
-              <a:buNone/>
-            </a:pPr>
-            <a:r>
-              <a:rPr lang="en-US" sz="1200">
-                <a:solidFill>
-                  <a:schemeClr val="dk1"/>
-                </a:solidFill>
-                <a:highlight>
-                  <a:schemeClr val="lt1"/>
-                </a:highlight>
-              </a:rPr>
-              <a:t>We will use Microsoft ChatGPT API extensively within the application </a:t>
-            </a:r>
-            <a:endParaRPr sz="1200">
-              <a:solidFill>
-                <a:schemeClr val="dk1"/>
-              </a:solidFill>
-              <a:highlight>
-                <a:schemeClr val="lt1"/>
-              </a:highlight>
-            </a:endParaRPr>
-          </a:p>
-          <a:p>
-            <a:pPr marL="0" lvl="0" indent="0" algn="l" rtl="0">
-              <a:spcBef>
-                <a:spcPts val="0"/>
-              </a:spcBef>
-              <a:spcAft>
-                <a:spcPts val="0"/>
-              </a:spcAft>
-              <a:buNone/>
-            </a:pPr>
-            <a:endParaRPr sz="1200">
-              <a:solidFill>
-                <a:schemeClr val="dk1"/>
-              </a:solidFill>
-              <a:highlight>
-                <a:schemeClr val="lt1"/>
-              </a:highlight>
-            </a:endParaRPr>
-          </a:p>
-          <a:p>
-            <a:pPr marL="457200" lvl="0" indent="-304800" algn="l" rtl="0">
-              <a:spcBef>
-                <a:spcPts val="0"/>
-              </a:spcBef>
-              <a:spcAft>
-                <a:spcPts val="0"/>
-              </a:spcAft>
-              <a:buClr>
-                <a:schemeClr val="dk1"/>
-              </a:buClr>
-              <a:buSzPts val="1200"/>
-              <a:buAutoNum type="arabicPeriod"/>
-            </a:pPr>
-            <a:r>
-              <a:rPr lang="en-US" sz="1200">
-                <a:solidFill>
-                  <a:schemeClr val="dk1"/>
-                </a:solidFill>
-                <a:highlight>
-                  <a:schemeClr val="lt1"/>
-                </a:highlight>
-              </a:rPr>
-              <a:t>For helping course creation and Content summarization :</a:t>
-            </a:r>
-            <a:endParaRPr sz="1200">
-              <a:solidFill>
-                <a:schemeClr val="dk1"/>
-              </a:solidFill>
-              <a:highlight>
-                <a:schemeClr val="lt1"/>
-              </a:highlight>
-            </a:endParaRPr>
-          </a:p>
-          <a:p>
-            <a:pPr marL="457200" lvl="0" indent="0" algn="l" rtl="0">
-              <a:spcBef>
-                <a:spcPts val="0"/>
-              </a:spcBef>
-              <a:spcAft>
-                <a:spcPts val="0"/>
-              </a:spcAft>
-              <a:buNone/>
-            </a:pPr>
-            <a:endParaRPr sz="1200">
-              <a:solidFill>
-                <a:schemeClr val="dk1"/>
-              </a:solidFill>
-              <a:highlight>
-                <a:schemeClr val="lt1"/>
-              </a:highlight>
-            </a:endParaRPr>
-          </a:p>
-          <a:p>
-            <a:pPr marL="457200" lvl="0" indent="0" algn="l" rtl="0">
-              <a:spcBef>
-                <a:spcPts val="0"/>
-              </a:spcBef>
-              <a:spcAft>
-                <a:spcPts val="0"/>
-              </a:spcAft>
-              <a:buNone/>
-            </a:pPr>
-            <a:r>
-              <a:rPr lang="en-US" sz="1200">
-                <a:solidFill>
-                  <a:schemeClr val="dk1"/>
-                </a:solidFill>
-                <a:highlight>
-                  <a:schemeClr val="lt1"/>
-                </a:highlight>
-              </a:rPr>
-              <a:t>For example a provision will be provided for the Content creator to upload his or curated content to Chat GPT get feedback, and then review it and also pass it via the configurable workflow to authorized reviewers. </a:t>
-            </a:r>
-            <a:endParaRPr sz="1200">
-              <a:solidFill>
-                <a:schemeClr val="dk1"/>
-              </a:solidFill>
-              <a:highlight>
-                <a:schemeClr val="lt1"/>
-              </a:highlight>
-            </a:endParaRPr>
-          </a:p>
-          <a:p>
-            <a:pPr marL="0" lvl="0" indent="0" algn="l" rtl="0">
-              <a:spcBef>
-                <a:spcPts val="0"/>
-              </a:spcBef>
-              <a:spcAft>
-                <a:spcPts val="0"/>
-              </a:spcAft>
-              <a:buNone/>
-            </a:pPr>
-            <a:endParaRPr sz="1200">
-              <a:solidFill>
-                <a:schemeClr val="dk1"/>
-              </a:solidFill>
-              <a:highlight>
-                <a:schemeClr val="lt1"/>
-              </a:highlight>
-            </a:endParaRPr>
-          </a:p>
-          <a:p>
-            <a:pPr marL="457200" lvl="0" indent="-304800" algn="l" rtl="0">
-              <a:spcBef>
-                <a:spcPts val="0"/>
-              </a:spcBef>
-              <a:spcAft>
-                <a:spcPts val="0"/>
-              </a:spcAft>
-              <a:buClr>
-                <a:schemeClr val="dk1"/>
-              </a:buClr>
-              <a:buSzPts val="1200"/>
-              <a:buAutoNum type="arabicPeriod"/>
-            </a:pPr>
-            <a:r>
-              <a:rPr lang="en-US" sz="1200">
-                <a:solidFill>
-                  <a:schemeClr val="dk1"/>
-                </a:solidFill>
-                <a:highlight>
-                  <a:schemeClr val="lt1"/>
-                </a:highlight>
-              </a:rPr>
-              <a:t>Content translation to traditional languages etc. :</a:t>
-            </a:r>
-            <a:endParaRPr sz="1200">
-              <a:solidFill>
-                <a:schemeClr val="dk1"/>
-              </a:solidFill>
-              <a:highlight>
-                <a:schemeClr val="lt1"/>
-              </a:highlight>
-            </a:endParaRPr>
-          </a:p>
-          <a:p>
-            <a:pPr marL="457200" lvl="0" indent="0" algn="l" rtl="0">
-              <a:spcBef>
-                <a:spcPts val="0"/>
-              </a:spcBef>
-              <a:spcAft>
-                <a:spcPts val="0"/>
-              </a:spcAft>
-              <a:buNone/>
-            </a:pPr>
-            <a:endParaRPr sz="1200">
-              <a:solidFill>
-                <a:schemeClr val="dk1"/>
-              </a:solidFill>
-              <a:highlight>
-                <a:schemeClr val="lt1"/>
-              </a:highlight>
-            </a:endParaRPr>
-          </a:p>
-          <a:p>
-            <a:pPr marL="457200" lvl="0" indent="0" algn="l" rtl="0">
-              <a:spcBef>
-                <a:spcPts val="0"/>
-              </a:spcBef>
-              <a:spcAft>
-                <a:spcPts val="0"/>
-              </a:spcAft>
-              <a:buNone/>
-            </a:pPr>
-            <a:r>
-              <a:rPr lang="en-US" sz="1200">
-                <a:solidFill>
-                  <a:schemeClr val="dk1"/>
-                </a:solidFill>
-                <a:highlight>
-                  <a:schemeClr val="lt1"/>
-                </a:highlight>
-              </a:rPr>
-              <a:t>Most of the best works of teaching would be in English therefore we would use Chat GPT for automatic translation services.</a:t>
-            </a:r>
-            <a:endParaRPr sz="1200">
-              <a:solidFill>
-                <a:schemeClr val="dk1"/>
-              </a:solidFill>
-              <a:highlight>
-                <a:schemeClr val="lt1"/>
-              </a:highlight>
-            </a:endParaRPr>
-          </a:p>
-          <a:p>
-            <a:pPr marL="457200" lvl="0" indent="0" algn="l" rtl="0">
-              <a:spcBef>
-                <a:spcPts val="0"/>
-              </a:spcBef>
-              <a:spcAft>
-                <a:spcPts val="0"/>
-              </a:spcAft>
-              <a:buNone/>
-            </a:pPr>
-            <a:endParaRPr sz="1200">
-              <a:solidFill>
-                <a:schemeClr val="dk1"/>
-              </a:solidFill>
-              <a:highlight>
-                <a:schemeClr val="lt1"/>
-              </a:highlight>
-            </a:endParaRPr>
-          </a:p>
-          <a:p>
-            <a:pPr marL="457200" lvl="0" indent="-304800" algn="l" rtl="0">
-              <a:spcBef>
-                <a:spcPts val="0"/>
-              </a:spcBef>
-              <a:spcAft>
-                <a:spcPts val="0"/>
-              </a:spcAft>
-              <a:buClr>
-                <a:schemeClr val="dk1"/>
-              </a:buClr>
-              <a:buSzPts val="1200"/>
-              <a:buAutoNum type="arabicPeriod"/>
-            </a:pPr>
-            <a:r>
-              <a:rPr lang="en-US" sz="1200">
-                <a:solidFill>
-                  <a:schemeClr val="dk1"/>
-                </a:solidFill>
-                <a:highlight>
-                  <a:schemeClr val="lt1"/>
-                </a:highlight>
-              </a:rPr>
-              <a:t>Generate questions from Course Content provided:</a:t>
-            </a:r>
-            <a:endParaRPr sz="1200">
-              <a:solidFill>
-                <a:schemeClr val="dk1"/>
-              </a:solidFill>
-              <a:highlight>
-                <a:schemeClr val="lt1"/>
-              </a:highlight>
-            </a:endParaRPr>
-          </a:p>
-          <a:p>
-            <a:pPr marL="457200" lvl="0" indent="0" algn="l" rtl="0">
-              <a:spcBef>
-                <a:spcPts val="0"/>
-              </a:spcBef>
-              <a:spcAft>
-                <a:spcPts val="0"/>
-              </a:spcAft>
-              <a:buNone/>
-            </a:pPr>
-            <a:endParaRPr sz="1200">
-              <a:solidFill>
-                <a:schemeClr val="dk1"/>
-              </a:solidFill>
-              <a:highlight>
-                <a:schemeClr val="lt1"/>
-              </a:highlight>
-            </a:endParaRPr>
-          </a:p>
-          <a:p>
-            <a:pPr marL="457200" lvl="0" indent="0" algn="l" rtl="0">
-              <a:spcBef>
-                <a:spcPts val="0"/>
-              </a:spcBef>
-              <a:spcAft>
-                <a:spcPts val="0"/>
-              </a:spcAft>
-              <a:buNone/>
-            </a:pPr>
-            <a:r>
-              <a:rPr lang="en-US" sz="1200">
-                <a:solidFill>
-                  <a:schemeClr val="dk1"/>
-                </a:solidFill>
-                <a:highlight>
-                  <a:schemeClr val="lt1"/>
-                </a:highlight>
-              </a:rPr>
-              <a:t>We would provide Teachers a User Interface to provide content to ChatGPT and request ChatGPT to generate a set of questions and answers that they can then validate and then submit it for review.</a:t>
-            </a:r>
-            <a:endParaRPr sz="1200">
-              <a:solidFill>
-                <a:schemeClr val="dk1"/>
-              </a:solidFill>
-              <a:highlight>
-                <a:schemeClr val="lt1"/>
-              </a:highlight>
-            </a:endParaRPr>
-          </a:p>
-          <a:p>
-            <a:pPr marL="457200" lvl="0" indent="0" algn="l" rtl="0">
-              <a:spcBef>
-                <a:spcPts val="0"/>
-              </a:spcBef>
-              <a:spcAft>
-                <a:spcPts val="0"/>
-              </a:spcAft>
-              <a:buNone/>
-            </a:pPr>
-            <a:endParaRPr sz="1200">
-              <a:solidFill>
-                <a:schemeClr val="dk1"/>
-              </a:solidFill>
-              <a:highlight>
-                <a:schemeClr val="lt1"/>
-              </a:highlight>
-            </a:endParaRPr>
-          </a:p>
-          <a:p>
-            <a:pPr marL="457200" lvl="0" indent="0" algn="l" rtl="0">
-              <a:spcBef>
-                <a:spcPts val="0"/>
-              </a:spcBef>
-              <a:spcAft>
-                <a:spcPts val="0"/>
-              </a:spcAft>
-              <a:buNone/>
-            </a:pPr>
-            <a:endParaRPr sz="1200">
-              <a:solidFill>
-                <a:schemeClr val="dk1"/>
-              </a:solidFill>
-              <a:highlight>
-                <a:schemeClr val="lt1"/>
-              </a:highlight>
-            </a:endParaRPr>
-          </a:p>
-          <a:p>
-            <a:pPr marL="0" lvl="0" indent="0" algn="l" rtl="0">
-              <a:spcBef>
-                <a:spcPts val="0"/>
-              </a:spcBef>
-              <a:spcAft>
-                <a:spcPts val="0"/>
-              </a:spcAft>
-              <a:buNone/>
-            </a:pPr>
-            <a:r>
-              <a:rPr lang="en-US" sz="1200">
-                <a:solidFill>
-                  <a:schemeClr val="dk1"/>
-                </a:solidFill>
-                <a:highlight>
-                  <a:schemeClr val="lt1"/>
-                </a:highlight>
-              </a:rPr>
-              <a:t>ALL CONTENT generated by Chat GPT WILL go through a Review Workflow by authorized domain experts before it gets approved within the Teaching Application.</a:t>
-            </a:r>
-            <a:endParaRPr sz="1200">
-              <a:solidFill>
-                <a:schemeClr val="dk1"/>
-              </a:solidFill>
-              <a:highlight>
-                <a:schemeClr val="lt1"/>
-              </a:highlight>
-            </a:endParaRPr>
-          </a:p>
-          <a:p>
-            <a:pPr marL="457200" lvl="0" indent="0" algn="l" rtl="0">
-              <a:spcBef>
-                <a:spcPts val="0"/>
-              </a:spcBef>
-              <a:spcAft>
-                <a:spcPts val="0"/>
-              </a:spcAft>
-              <a:buNone/>
-            </a:pPr>
-            <a:endParaRPr sz="1200">
-              <a:solidFill>
-                <a:schemeClr val="dk1"/>
-              </a:solidFill>
-            </a:endParaRPr>
-          </a:p>
-        </p:txBody>
-      </p:sp>
-      <p:pic>
-        <p:nvPicPr>
-          <p:cNvPr id="2" name="Picture 4" descr="Icon&#10;&#10;Description automatically generated">
-            <a:extLst>
-              <a:ext uri="{FF2B5EF4-FFF2-40B4-BE49-F238E27FC236}">
-                <a16:creationId xmlns:a16="http://schemas.microsoft.com/office/drawing/2014/main" id="{EF650C5B-33D8-5611-0E6A-D275ADF84DB9}"/>
-              </a:ext>
-            </a:extLst>
-          </p:cNvPr>
-          <p:cNvPicPr/>
-          <p:nvPr/>
-        </p:nvPicPr>
-        <p:blipFill>
-          <a:blip r:embed="rId3"/>
-          <a:stretch/>
-        </p:blipFill>
-        <p:spPr>
-          <a:xfrm>
-            <a:off x="7789320" y="4744080"/>
-            <a:ext cx="1274760" cy="302040"/>
-          </a:xfrm>
-          <a:prstGeom prst="rect">
-            <a:avLst/>
-          </a:prstGeom>
-          <a:ln>
-            <a:noFill/>
-          </a:ln>
-        </p:spPr>
-      </p:pic>
-    </p:spTree>
-  </p:cSld>
-  <p:clrMapOvr>
-    <a:masterClrMapping/>
-  </p:clrMapOvr>
-</p:sld>
-</file>
-
-<file path=ppt/slides/slide11.xml><?xml version="1.0" encoding="utf-8"?>
 <p:sld xmlns:a="http://schemas.openxmlformats.org/drawingml/2006/main" xmlns:r="http://schemas.openxmlformats.org/officeDocument/2006/relationships" xmlns:p="http://schemas.openxmlformats.org/presentationml/2006/main">
   <p:cSld>
     <p:spTree>
@@ -6192,9 +5639,11 @@
               <a:buNone/>
             </a:pPr>
             <a:r>
-              <a:rPr lang="en-US" sz="1400" b="1">
-                <a:solidFill>
-                  <a:srgbClr val="1F1F50"/>
+              <a:rPr lang="en-US" sz="1400" b="1" dirty="0">
+                <a:solidFill>
+                  <a:schemeClr val="accent3">
+                    <a:lumMod val="75000"/>
+                  </a:schemeClr>
                 </a:solidFill>
                 <a:latin typeface="Lato"/>
                 <a:ea typeface="Lato"/>
@@ -6203,7 +5652,13 @@
               </a:rPr>
               <a:t>Architectural framework for an educational platform using Azure platform and ChatGPT API:</a:t>
             </a:r>
-            <a:endParaRPr sz="3800"/>
+            <a:endParaRPr sz="3800" dirty="0">
+              <a:solidFill>
+                <a:schemeClr val="accent3">
+                  <a:lumMod val="75000"/>
+                </a:schemeClr>
+              </a:solidFill>
+            </a:endParaRPr>
           </a:p>
         </p:txBody>
       </p:sp>
@@ -6249,10 +5704,10 @@
               <a:buAutoNum type="arabicPeriod"/>
             </a:pPr>
             <a:r>
-              <a:rPr lang="en-US" sz="1200"/>
+              <a:rPr lang="en-US" sz="1200" dirty="0"/>
               <a:t>User Interface Layer: The user interface layer will be responsible for rendering the web pages and user interfaces for the educational platform. It will be built using Azure App Service, which is a fully managed platform for building, deploying, and scaling web apps.</a:t>
             </a:r>
-            <a:endParaRPr sz="1200"/>
+            <a:endParaRPr sz="1200" dirty="0"/>
           </a:p>
           <a:p>
             <a:pPr marL="457200" lvl="0" indent="-285750" algn="l" rtl="0">
@@ -6272,10 +5727,10 @@
               <a:buAutoNum type="arabicPeriod"/>
             </a:pPr>
             <a:r>
-              <a:rPr lang="en-US" sz="1200"/>
+              <a:rPr lang="en-US" sz="1200" dirty="0"/>
               <a:t>Authentication and Authorization: Azure Active Directory will be used to authenticate and authorize users of the educational platform. This provides a secure and reliable way to manage user identities and access to resources.</a:t>
             </a:r>
-            <a:endParaRPr sz="1200"/>
+            <a:endParaRPr sz="1200" dirty="0"/>
           </a:p>
           <a:p>
             <a:pPr marL="457200" lvl="0" indent="-285750" algn="l" rtl="0">
@@ -6295,10 +5750,10 @@
               <a:buAutoNum type="arabicPeriod"/>
             </a:pPr>
             <a:r>
-              <a:rPr lang="en-US" sz="1200"/>
+              <a:rPr lang="en-US" sz="1200" dirty="0"/>
               <a:t>Chat GPT Integration: ChatGPT API will be integrated with the platform to provide a conversational interface for students and teachers. This will allow users to ask questions, get help with assignments, and engage in natural language conversations.</a:t>
             </a:r>
-            <a:endParaRPr sz="1200"/>
+            <a:endParaRPr sz="1200" dirty="0"/>
           </a:p>
           <a:p>
             <a:pPr marL="457200" lvl="0" indent="-285750" algn="l" rtl="0">
@@ -6318,10 +5773,10 @@
               <a:buAutoNum type="arabicPeriod"/>
             </a:pPr>
             <a:r>
-              <a:rPr lang="en-US" sz="1200"/>
+              <a:rPr lang="en-US" sz="1200" dirty="0"/>
               <a:t>Content Management and Delivery: Azure Blob Storage will be used to store educational content such as videos, documents, and images. This will provide a reliable and scalable way to manage and deliver content to users.</a:t>
             </a:r>
-            <a:endParaRPr sz="1200"/>
+            <a:endParaRPr sz="1200" dirty="0"/>
           </a:p>
           <a:p>
             <a:pPr marL="457200" lvl="0" indent="-285750" algn="l" rtl="0">
@@ -6341,10 +5796,10 @@
               <a:buAutoNum type="arabicPeriod"/>
             </a:pPr>
             <a:r>
-              <a:rPr lang="en-US" sz="1200"/>
+              <a:rPr lang="en-US" sz="1200" dirty="0"/>
               <a:t>Analytics and Reporting: Azure Stream Analytics will be used to collect and analyze data about user behavior and engagement with the platform. This data will be used to improve the platform and provide insights to teachers and administrators.</a:t>
             </a:r>
-            <a:endParaRPr sz="1200"/>
+            <a:endParaRPr sz="1200" dirty="0"/>
           </a:p>
           <a:p>
             <a:pPr marL="457200" lvl="0" indent="-285750" algn="l" rtl="0">
@@ -6364,10 +5819,10 @@
               <a:buAutoNum type="arabicPeriod"/>
             </a:pPr>
             <a:r>
-              <a:rPr lang="en-US" sz="1200"/>
+              <a:rPr lang="en-US" sz="1200" dirty="0"/>
               <a:t>Integration with Learning Management Systems: The educational platform will be integrated with popular learning management systems such as Moodle or Blackboard. This will allow teachers to easily import and export course materials and assignments.</a:t>
             </a:r>
-            <a:endParaRPr sz="1200"/>
+            <a:endParaRPr sz="1200" dirty="0"/>
           </a:p>
           <a:p>
             <a:pPr marL="0" lvl="0" indent="0" algn="l" rtl="0">
@@ -6383,10 +5838,10 @@
               <a:buNone/>
             </a:pPr>
             <a:r>
-              <a:rPr lang="en-US" sz="1200"/>
+              <a:rPr lang="en-US" sz="1200" dirty="0"/>
               <a:t>Overall, this architecture provides a secure, scalable, and reliable platform for delivering educational content and engaging with students and teachers through natural language conversations using ChatGPT API.</a:t>
             </a:r>
-            <a:endParaRPr sz="1200"/>
+            <a:endParaRPr sz="1200" dirty="0"/>
           </a:p>
         </p:txBody>
       </p:sp>
@@ -6427,7 +5882,7 @@
 </p:sld>
 </file>
 
-<file path=ppt/slides/slide12.xml><?xml version="1.0" encoding="utf-8"?>
+<file path=ppt/slides/slide11.xml><?xml version="1.0" encoding="utf-8"?>
 <p:sld xmlns:a="http://schemas.openxmlformats.org/drawingml/2006/main" xmlns:r="http://schemas.openxmlformats.org/officeDocument/2006/relationships" xmlns:p="http://schemas.openxmlformats.org/presentationml/2006/main">
   <p:cSld>
     <p:spTree>
@@ -6482,9 +5937,11 @@
               <a:buNone/>
             </a:pPr>
             <a:r>
-              <a:rPr lang="en-US" sz="1400" b="1">
-                <a:solidFill>
-                  <a:srgbClr val="1F1F50"/>
+              <a:rPr lang="en-US" sz="1600" b="1" dirty="0">
+                <a:solidFill>
+                  <a:schemeClr val="accent3">
+                    <a:lumMod val="75000"/>
+                  </a:schemeClr>
                 </a:solidFill>
                 <a:latin typeface="Lato"/>
                 <a:ea typeface="Lato"/>
@@ -6493,7 +5950,13 @@
               </a:rPr>
               <a:t>Use Cases of Current Rural Development Programmes that would definitely  benefit from a fully Online and Offline Platform</a:t>
             </a:r>
-            <a:endParaRPr sz="3800"/>
+            <a:endParaRPr sz="1600" dirty="0">
+              <a:solidFill>
+                <a:schemeClr val="accent3">
+                  <a:lumMod val="75000"/>
+                </a:schemeClr>
+              </a:solidFill>
+            </a:endParaRPr>
           </a:p>
         </p:txBody>
       </p:sp>
@@ -6506,7 +5969,7 @@
         <p:spPr>
           <a:xfrm>
             <a:off x="0" y="862950"/>
-            <a:ext cx="9054300" cy="3469500"/>
+            <a:ext cx="9054300" cy="3647891"/>
           </a:xfrm>
           <a:prstGeom prst="rect">
             <a:avLst/>
@@ -6539,10 +6002,10 @@
               <a:buAutoNum type="arabicPeriod"/>
             </a:pPr>
             <a:r>
-              <a:rPr lang="en-US" sz="1100"/>
+              <a:rPr lang="en-US" sz="1100" dirty="0"/>
               <a:t>A non-profit organization that focuses on providing education and training to rural communities, particularly women, in order to promote sustainable development. They can offer programs in areas such as solar engineering, water management, and healthcare, and students learn through a combination of classroom instruction and hands-on experience facilitated by the collaborative platform.</a:t>
             </a:r>
-            <a:endParaRPr sz="1100"/>
+            <a:endParaRPr sz="1100" dirty="0"/>
           </a:p>
           <a:p>
             <a:pPr marL="457200" lvl="0" indent="-292100" algn="l" rtl="0">
@@ -6562,10 +6025,10 @@
               <a:buAutoNum type="arabicPeriod"/>
             </a:pPr>
             <a:r>
-              <a:rPr lang="en-US" sz="1100"/>
+              <a:rPr lang="en-US" sz="1100" dirty="0"/>
               <a:t>Programs developed to help farmers in rural areas improve their agricultural practices and increase their yields. The program is based on a participatory learning approach, in which farmers work together to share knowledge and experience, and learn from each other and from expert trainers. The program has been successful in improving crop yields and income for participating farmers.</a:t>
             </a:r>
-            <a:endParaRPr sz="1100"/>
+            <a:endParaRPr sz="1100" dirty="0"/>
           </a:p>
           <a:p>
             <a:pPr marL="457200" lvl="0" indent="-292100" algn="l" rtl="0">
@@ -6585,10 +6048,10 @@
               <a:buAutoNum type="arabicPeriod"/>
             </a:pPr>
             <a:r>
-              <a:rPr lang="en-US" sz="1100"/>
+              <a:rPr lang="en-US" sz="1100" dirty="0"/>
               <a:t>Programs that bring science education to rural communities by providing a mobile laboratory that travels from village to village. The laboratory is equipped with basic science equipment and materials, and trained facilitators conduct hands-on experiments and activities with students. The online platform would assist teachers.  </a:t>
             </a:r>
-            <a:endParaRPr sz="1100"/>
+            <a:endParaRPr sz="1100" dirty="0"/>
           </a:p>
           <a:p>
             <a:pPr marL="457200" lvl="0" indent="-292100" algn="l" rtl="0">
@@ -6608,10 +6071,10 @@
               <a:buAutoNum type="arabicPeriod"/>
             </a:pPr>
             <a:r>
-              <a:rPr lang="en-US" sz="1100"/>
+              <a:rPr lang="en-US" sz="1100" dirty="0"/>
               <a:t>A Rural Livelihoods and Climate Change Adaptation program: This program focuses on building the resilience of rural communities to the impacts of climate change. The program provides training in sustainable agriculture, natural resource management, and climate-resilient livelihoods, and also helps communities develop adaptation plans and strategies. The program has been successful in improving food security and livelihoods for participating communities. Again the online platform would assist greatly in this endeavour.</a:t>
             </a:r>
-            <a:endParaRPr sz="1100"/>
+            <a:endParaRPr sz="1100" dirty="0"/>
           </a:p>
           <a:p>
             <a:pPr marL="457200" lvl="0" indent="-292100" algn="l" rtl="0">
@@ -6631,10 +6094,10 @@
               <a:buAutoNum type="arabicPeriod"/>
             </a:pPr>
             <a:r>
-              <a:rPr lang="en-US" sz="1100"/>
+              <a:rPr lang="en-US" sz="1100" dirty="0"/>
               <a:t>A  program that aims to improve access to healthcare in rural communities by training community health workers and providing them with basic medical equipment and supplies. The program also focuses on promoting preventive healthcare and behavior change, and has been successful in reducing child mortality and improving health outcomes for participating communities. Mobile and easy accessible teaching program would really help in rural health care awareness.</a:t>
             </a:r>
-            <a:endParaRPr sz="1100"/>
+            <a:endParaRPr sz="1100" dirty="0"/>
           </a:p>
         </p:txBody>
       </p:sp>
@@ -6667,6 +6130,600 @@
           </a:ln>
         </p:spPr>
       </p:pic>
+    </p:spTree>
+  </p:cSld>
+  <p:clrMapOvr>
+    <a:masterClrMapping/>
+  </p:clrMapOvr>
+</p:sld>
+</file>
+
+<file path=ppt/slides/slide12.xml><?xml version="1.0" encoding="utf-8"?>
+<p:sld xmlns:a="http://schemas.openxmlformats.org/drawingml/2006/main" xmlns:r="http://schemas.openxmlformats.org/officeDocument/2006/relationships" xmlns:p="http://schemas.openxmlformats.org/presentationml/2006/main">
+  <p:cSld>
+    <p:spTree>
+      <p:nvGrpSpPr>
+        <p:cNvPr id="1" name="Shape 172"/>
+        <p:cNvGrpSpPr/>
+        <p:nvPr/>
+      </p:nvGrpSpPr>
+      <p:grpSpPr>
+        <a:xfrm>
+          <a:off x="0" y="0"/>
+          <a:ext cx="0" cy="0"/>
+          <a:chOff x="0" y="0"/>
+          <a:chExt cx="0" cy="0"/>
+        </a:xfrm>
+      </p:grpSpPr>
+      <p:sp>
+        <p:nvSpPr>
+          <p:cNvPr id="173" name="Google Shape;173;p9"/>
+          <p:cNvSpPr/>
+          <p:nvPr/>
+        </p:nvSpPr>
+        <p:spPr>
+          <a:xfrm>
+            <a:off x="245889" y="376517"/>
+            <a:ext cx="8657611" cy="4568913"/>
+          </a:xfrm>
+          <a:prstGeom prst="rect">
+            <a:avLst/>
+          </a:prstGeom>
+          <a:noFill/>
+          <a:ln>
+            <a:noFill/>
+          </a:ln>
+        </p:spPr>
+        <p:txBody>
+          <a:bodyPr spcFirstLastPara="1" wrap="square" lIns="91425" tIns="91425" rIns="91425" bIns="91425" anchor="t" anchorCtr="0">
+            <a:spAutoFit/>
+          </a:bodyPr>
+          <a:lstStyle/>
+          <a:p>
+            <a:pPr marL="0" lvl="0" indent="0" algn="l" rtl="0">
+              <a:lnSpc>
+                <a:spcPct val="115000"/>
+              </a:lnSpc>
+              <a:spcBef>
+                <a:spcPts val="1800"/>
+              </a:spcBef>
+              <a:spcAft>
+                <a:spcPts val="0"/>
+              </a:spcAft>
+              <a:buClr>
+                <a:schemeClr val="dk1"/>
+              </a:buClr>
+              <a:buSzPts val="1100"/>
+              <a:buFont typeface="Arial"/>
+              <a:buNone/>
+            </a:pPr>
+            <a:r>
+              <a:rPr lang="en-US" sz="900" b="1" dirty="0">
+                <a:solidFill>
+                  <a:schemeClr val="dk1"/>
+                </a:solidFill>
+              </a:rPr>
+              <a:t>Main</a:t>
+            </a:r>
+          </a:p>
+          <a:p>
+            <a:pPr marL="0" lvl="0" indent="0" algn="l" rtl="0">
+              <a:lnSpc>
+                <a:spcPct val="115000"/>
+              </a:lnSpc>
+              <a:spcBef>
+                <a:spcPts val="1200"/>
+              </a:spcBef>
+              <a:spcAft>
+                <a:spcPts val="0"/>
+              </a:spcAft>
+              <a:buClr>
+                <a:schemeClr val="dk1"/>
+              </a:buClr>
+              <a:buSzPts val="1100"/>
+              <a:buFont typeface="Arial"/>
+              <a:buNone/>
+            </a:pPr>
+            <a:r>
+              <a:rPr lang="en-US" sz="1000" dirty="0">
+                <a:solidFill>
+                  <a:schemeClr val="dk1"/>
+                </a:solidFill>
+              </a:rPr>
+              <a:t>| Online Learner Portal | | | Teacher Portal | | | Content Authoring/Validation Portal  | | | Administrator Portal</a:t>
+            </a:r>
+          </a:p>
+          <a:p>
+            <a:pPr marL="0" lvl="0" indent="0" algn="l" rtl="0">
+              <a:lnSpc>
+                <a:spcPct val="115000"/>
+              </a:lnSpc>
+              <a:spcBef>
+                <a:spcPts val="1800"/>
+              </a:spcBef>
+              <a:spcAft>
+                <a:spcPts val="0"/>
+              </a:spcAft>
+              <a:buClr>
+                <a:schemeClr val="dk1"/>
+              </a:buClr>
+              <a:buSzPts val="1100"/>
+              <a:buFont typeface="Arial"/>
+              <a:buNone/>
+            </a:pPr>
+            <a:r>
+              <a:rPr lang="en-US" sz="900" b="1" dirty="0">
+                <a:solidFill>
+                  <a:schemeClr val="dk1"/>
+                </a:solidFill>
+              </a:rPr>
+              <a:t>Online Learner Portal (Mobile Included)</a:t>
+            </a:r>
+          </a:p>
+          <a:p>
+            <a:pPr marL="0" lvl="0" indent="0" algn="l" rtl="0">
+              <a:lnSpc>
+                <a:spcPct val="115000"/>
+              </a:lnSpc>
+              <a:spcBef>
+                <a:spcPts val="1200"/>
+              </a:spcBef>
+              <a:spcAft>
+                <a:spcPts val="0"/>
+              </a:spcAft>
+              <a:buClr>
+                <a:schemeClr val="dk1"/>
+              </a:buClr>
+              <a:buSzPts val="1100"/>
+              <a:buFont typeface="Arial"/>
+              <a:buNone/>
+            </a:pPr>
+            <a:r>
+              <a:rPr lang="en-US" sz="1000" dirty="0">
+                <a:solidFill>
+                  <a:schemeClr val="dk1"/>
+                </a:solidFill>
+              </a:rPr>
+              <a:t>| Learner | Course, Module, Units, | | | sections, exercises, Forums | | Exam | Multiple choice, Subjective, | | | Drag and drop, time-based | | | exams, certificates, badges | | Leaderboard| Team-wise, class-wise, | | | industry-wise |</a:t>
+            </a:r>
+          </a:p>
+          <a:p>
+            <a:pPr marL="0" lvl="0" indent="0" algn="l" rtl="0">
+              <a:lnSpc>
+                <a:spcPct val="115000"/>
+              </a:lnSpc>
+              <a:spcBef>
+                <a:spcPts val="1200"/>
+              </a:spcBef>
+              <a:spcAft>
+                <a:spcPts val="0"/>
+              </a:spcAft>
+              <a:buClr>
+                <a:schemeClr val="dk1"/>
+              </a:buClr>
+              <a:buSzPts val="1100"/>
+              <a:buFont typeface="Arial"/>
+              <a:buNone/>
+            </a:pPr>
+            <a:r>
+              <a:rPr lang="en-US" sz="900" b="1" dirty="0">
+                <a:solidFill>
+                  <a:schemeClr val="dk1"/>
+                </a:solidFill>
+              </a:rPr>
+              <a:t>Learner Dashboard</a:t>
+            </a:r>
+          </a:p>
+          <a:p>
+            <a:pPr marL="0" lvl="0" indent="0" algn="l" rtl="0">
+              <a:lnSpc>
+                <a:spcPct val="115000"/>
+              </a:lnSpc>
+              <a:spcBef>
+                <a:spcPts val="1200"/>
+              </a:spcBef>
+              <a:spcAft>
+                <a:spcPts val="0"/>
+              </a:spcAft>
+              <a:buClr>
+                <a:schemeClr val="dk1"/>
+              </a:buClr>
+              <a:buSzPts val="1100"/>
+              <a:buFont typeface="Arial"/>
+              <a:buNone/>
+            </a:pPr>
+            <a:r>
+              <a:rPr lang="en-US" sz="1000" dirty="0">
+                <a:solidFill>
+                  <a:schemeClr val="dk1"/>
+                </a:solidFill>
+              </a:rPr>
+              <a:t>| Courses in progress| | | Tests completed | </a:t>
+            </a:r>
+          </a:p>
+          <a:p>
+            <a:pPr marL="0" lvl="0" indent="0" algn="l" rtl="0">
+              <a:lnSpc>
+                <a:spcPct val="115000"/>
+              </a:lnSpc>
+              <a:spcBef>
+                <a:spcPts val="1800"/>
+              </a:spcBef>
+              <a:spcAft>
+                <a:spcPts val="0"/>
+              </a:spcAft>
+              <a:buClr>
+                <a:schemeClr val="dk1"/>
+              </a:buClr>
+              <a:buSzPts val="1100"/>
+              <a:buFont typeface="Arial"/>
+              <a:buNone/>
+            </a:pPr>
+            <a:r>
+              <a:rPr lang="en-US" sz="900" b="1" dirty="0">
+                <a:solidFill>
+                  <a:schemeClr val="dk1"/>
+                </a:solidFill>
+              </a:rPr>
+              <a:t>Teacher Portal</a:t>
+            </a:r>
+          </a:p>
+          <a:p>
+            <a:pPr marL="0" lvl="0" indent="0" algn="l" rtl="0">
+              <a:lnSpc>
+                <a:spcPct val="115000"/>
+              </a:lnSpc>
+              <a:spcBef>
+                <a:spcPts val="1200"/>
+              </a:spcBef>
+              <a:spcAft>
+                <a:spcPts val="0"/>
+              </a:spcAft>
+              <a:buClr>
+                <a:schemeClr val="dk1"/>
+              </a:buClr>
+              <a:buSzPts val="1100"/>
+              <a:buFont typeface="Arial"/>
+              <a:buNone/>
+            </a:pPr>
+            <a:r>
+              <a:rPr lang="en-US" sz="1100" dirty="0">
+                <a:solidFill>
+                  <a:schemeClr val="dk1"/>
+                </a:solidFill>
+              </a:rPr>
+              <a:t>Administer Courses and timings | | | Manage Students | | | Administer Tests and marks | | | Subjects and Groups | | | Reports </a:t>
+            </a:r>
+          </a:p>
+          <a:p>
+            <a:pPr marL="0" lvl="0" indent="0" algn="l" rtl="0">
+              <a:lnSpc>
+                <a:spcPct val="115000"/>
+              </a:lnSpc>
+              <a:spcBef>
+                <a:spcPts val="1800"/>
+              </a:spcBef>
+              <a:spcAft>
+                <a:spcPts val="0"/>
+              </a:spcAft>
+              <a:buClr>
+                <a:schemeClr val="dk1"/>
+              </a:buClr>
+              <a:buSzPts val="1100"/>
+              <a:buFont typeface="Arial"/>
+              <a:buNone/>
+            </a:pPr>
+            <a:r>
+              <a:rPr lang="en-US" sz="900" b="1" dirty="0">
+                <a:solidFill>
+                  <a:schemeClr val="dk1"/>
+                </a:solidFill>
+              </a:rPr>
+              <a:t>Content Authoring/Validation Portal</a:t>
+            </a:r>
+          </a:p>
+          <a:p>
+            <a:pPr marL="0" lvl="0" indent="0" algn="l" rtl="0">
+              <a:lnSpc>
+                <a:spcPct val="115000"/>
+              </a:lnSpc>
+              <a:spcBef>
+                <a:spcPts val="1200"/>
+              </a:spcBef>
+              <a:spcAft>
+                <a:spcPts val="0"/>
+              </a:spcAft>
+              <a:buClr>
+                <a:schemeClr val="dk1"/>
+              </a:buClr>
+              <a:buSzPts val="1100"/>
+              <a:buFont typeface="Arial"/>
+              <a:buNone/>
+            </a:pPr>
+            <a:r>
+              <a:rPr lang="en-US" sz="1000" dirty="0">
+                <a:solidFill>
+                  <a:schemeClr val="dk1"/>
+                </a:solidFill>
+              </a:rPr>
+              <a:t>| Content Creation | | | Content Validation | | | Workflow Management | | | Chat GPT API Integration | | | Business Rules | </a:t>
+            </a:r>
+          </a:p>
+          <a:p>
+            <a:pPr marL="0" lvl="0" indent="0" algn="l" rtl="0">
+              <a:lnSpc>
+                <a:spcPct val="115000"/>
+              </a:lnSpc>
+              <a:spcBef>
+                <a:spcPts val="1200"/>
+              </a:spcBef>
+              <a:spcAft>
+                <a:spcPts val="0"/>
+              </a:spcAft>
+              <a:buClr>
+                <a:schemeClr val="dk1"/>
+              </a:buClr>
+              <a:buSzPts val="1100"/>
+              <a:buFont typeface="Arial"/>
+              <a:buNone/>
+            </a:pPr>
+            <a:r>
+              <a:rPr lang="en-US" sz="1000" b="1" dirty="0">
+                <a:solidFill>
+                  <a:schemeClr val="dk1"/>
+                </a:solidFill>
+              </a:rPr>
+              <a:t>Administrator Portal</a:t>
+            </a:r>
+          </a:p>
+          <a:p>
+            <a:pPr marL="0" lvl="0" indent="0" algn="l" rtl="0">
+              <a:lnSpc>
+                <a:spcPct val="115000"/>
+              </a:lnSpc>
+              <a:spcBef>
+                <a:spcPts val="1200"/>
+              </a:spcBef>
+              <a:spcAft>
+                <a:spcPts val="0"/>
+              </a:spcAft>
+              <a:buClr>
+                <a:schemeClr val="dk1"/>
+              </a:buClr>
+              <a:buSzPts val="1100"/>
+              <a:buFont typeface="Arial"/>
+              <a:buNone/>
+            </a:pPr>
+            <a:r>
+              <a:rPr lang="en-US" sz="1000" dirty="0">
+                <a:solidFill>
+                  <a:schemeClr val="dk1"/>
+                </a:solidFill>
+              </a:rPr>
+              <a:t>| User Management | | | Manage the Application</a:t>
+            </a:r>
+          </a:p>
+        </p:txBody>
+      </p:sp>
+      <p:pic>
+        <p:nvPicPr>
+          <p:cNvPr id="174" name="Google Shape;174;p9" descr="Icon&#10;&#10;Description automatically generated"/>
+          <p:cNvPicPr preferRelativeResize="0"/>
+          <p:nvPr/>
+        </p:nvPicPr>
+        <p:blipFill rotWithShape="1">
+          <a:blip r:embed="rId3">
+            <a:alphaModFix/>
+          </a:blip>
+          <a:srcRect/>
+          <a:stretch/>
+        </p:blipFill>
+        <p:spPr>
+          <a:xfrm>
+            <a:off x="7780443" y="4633306"/>
+            <a:ext cx="1274760" cy="302040"/>
+          </a:xfrm>
+          <a:prstGeom prst="rect">
+            <a:avLst/>
+          </a:prstGeom>
+          <a:noFill/>
+          <a:ln>
+            <a:noFill/>
+          </a:ln>
+        </p:spPr>
+      </p:pic>
+      <p:sp>
+        <p:nvSpPr>
+          <p:cNvPr id="175" name="Google Shape;175;p9"/>
+          <p:cNvSpPr txBox="1"/>
+          <p:nvPr/>
+        </p:nvSpPr>
+        <p:spPr>
+          <a:xfrm>
+            <a:off x="4397434" y="706582"/>
+            <a:ext cx="3857100" cy="769500"/>
+          </a:xfrm>
+          <a:prstGeom prst="rect">
+            <a:avLst/>
+          </a:prstGeom>
+          <a:noFill/>
+          <a:ln>
+            <a:noFill/>
+          </a:ln>
+        </p:spPr>
+        <p:txBody>
+          <a:bodyPr spcFirstLastPara="1" wrap="square" lIns="91425" tIns="45700" rIns="91425" bIns="45700" anchor="t" anchorCtr="0">
+            <a:spAutoFit/>
+          </a:bodyPr>
+          <a:lstStyle/>
+          <a:p>
+            <a:pPr marL="0" marR="0" lvl="0" indent="0" algn="l" rtl="0">
+              <a:lnSpc>
+                <a:spcPct val="100000"/>
+              </a:lnSpc>
+              <a:spcBef>
+                <a:spcPts val="0"/>
+              </a:spcBef>
+              <a:spcAft>
+                <a:spcPts val="0"/>
+              </a:spcAft>
+              <a:buNone/>
+            </a:pPr>
+            <a:r>
+              <a:rPr lang="en-US" sz="1800" dirty="0">
+                <a:solidFill>
+                  <a:srgbClr val="000000"/>
+                </a:solidFill>
+                <a:highlight>
+                  <a:srgbClr val="FFFFFF"/>
+                </a:highlight>
+                <a:latin typeface="Arial"/>
+                <a:ea typeface="Arial"/>
+                <a:cs typeface="Arial"/>
+                <a:sym typeface="Arial"/>
+              </a:rPr>
+              <a:t>	</a:t>
+            </a:r>
+            <a:endParaRPr sz="1800" b="0" strike="noStrike" dirty="0">
+              <a:solidFill>
+                <a:schemeClr val="dk1"/>
+              </a:solidFill>
+              <a:latin typeface="Arial"/>
+              <a:ea typeface="Arial"/>
+              <a:cs typeface="Arial"/>
+              <a:sym typeface="Arial"/>
+            </a:endParaRPr>
+          </a:p>
+          <a:p>
+            <a:pPr marL="0" marR="0" lvl="0" indent="0" algn="l" rtl="0">
+              <a:lnSpc>
+                <a:spcPct val="100000"/>
+              </a:lnSpc>
+              <a:spcBef>
+                <a:spcPts val="0"/>
+              </a:spcBef>
+              <a:spcAft>
+                <a:spcPts val="0"/>
+              </a:spcAft>
+              <a:buNone/>
+            </a:pPr>
+            <a:r>
+              <a:rPr lang="en-US" sz="1400" b="0" strike="noStrike" dirty="0">
+                <a:solidFill>
+                  <a:srgbClr val="000000"/>
+                </a:solidFill>
+                <a:highlight>
+                  <a:srgbClr val="FFFFFF"/>
+                </a:highlight>
+                <a:latin typeface="Arial"/>
+                <a:ea typeface="Arial"/>
+                <a:cs typeface="Arial"/>
+                <a:sym typeface="Arial"/>
+              </a:rPr>
+              <a:t>	</a:t>
+            </a:r>
+            <a:endParaRPr sz="1200" b="0" strike="noStrike" dirty="0">
+              <a:solidFill>
+                <a:schemeClr val="dk1"/>
+              </a:solidFill>
+              <a:latin typeface="Arial"/>
+              <a:ea typeface="Arial"/>
+              <a:cs typeface="Arial"/>
+              <a:sym typeface="Arial"/>
+            </a:endParaRPr>
+          </a:p>
+          <a:p>
+            <a:pPr marL="0" marR="0" lvl="0" indent="0" algn="l" rtl="0">
+              <a:lnSpc>
+                <a:spcPct val="100000"/>
+              </a:lnSpc>
+              <a:spcBef>
+                <a:spcPts val="0"/>
+              </a:spcBef>
+              <a:spcAft>
+                <a:spcPts val="0"/>
+              </a:spcAft>
+              <a:buNone/>
+            </a:pPr>
+            <a:endParaRPr sz="1200" b="0" strike="noStrike" dirty="0">
+              <a:solidFill>
+                <a:schemeClr val="dk1"/>
+              </a:solidFill>
+              <a:latin typeface="Arial"/>
+              <a:ea typeface="Arial"/>
+              <a:cs typeface="Arial"/>
+              <a:sym typeface="Arial"/>
+            </a:endParaRPr>
+          </a:p>
+        </p:txBody>
+      </p:sp>
+      <p:sp>
+        <p:nvSpPr>
+          <p:cNvPr id="2" name="CustomShape 1">
+            <a:extLst>
+              <a:ext uri="{FF2B5EF4-FFF2-40B4-BE49-F238E27FC236}">
+                <a16:creationId xmlns:a16="http://schemas.microsoft.com/office/drawing/2014/main" id="{44DE64A6-FE36-1C3E-380B-B38019F4C2EF}"/>
+              </a:ext>
+            </a:extLst>
+          </p:cNvPr>
+          <p:cNvSpPr/>
+          <p:nvPr/>
+        </p:nvSpPr>
+        <p:spPr>
+          <a:xfrm>
+            <a:off x="0" y="0"/>
+            <a:ext cx="9209160" cy="492443"/>
+          </a:xfrm>
+          <a:prstGeom prst="rect">
+            <a:avLst/>
+          </a:prstGeom>
+          <a:noFill/>
+          <a:ln>
+            <a:noFill/>
+          </a:ln>
+        </p:spPr>
+        <p:style>
+          <a:lnRef idx="0">
+            <a:scrgbClr r="0" g="0" b="0"/>
+          </a:lnRef>
+          <a:fillRef idx="0">
+            <a:scrgbClr r="0" g="0" b="0"/>
+          </a:fillRef>
+          <a:effectRef idx="0">
+            <a:scrgbClr r="0" g="0" b="0"/>
+          </a:effectRef>
+          <a:fontRef idx="minor"/>
+        </p:style>
+        <p:txBody>
+          <a:bodyPr tIns="91440" bIns="91440">
+            <a:spAutoFit/>
+          </a:bodyPr>
+          <a:lstStyle/>
+          <a:p>
+            <a:pPr>
+              <a:lnSpc>
+                <a:spcPct val="100000"/>
+              </a:lnSpc>
+              <a:tabLst>
+                <a:tab pos="0" algn="l"/>
+              </a:tabLst>
+            </a:pPr>
+            <a:r>
+              <a:rPr lang="en" sz="2000" b="1" strike="noStrike" spc="-1" dirty="0">
+                <a:solidFill>
+                  <a:srgbClr val="1F1F50"/>
+                </a:solidFill>
+                <a:latin typeface="Lato"/>
+                <a:ea typeface="Lato"/>
+              </a:rPr>
+              <a:t>Functional view</a:t>
+            </a:r>
+            <a:endParaRPr lang="en-IN" sz="2000" b="0" strike="noStrike" spc="-1" dirty="0">
+              <a:latin typeface="Arial"/>
+            </a:endParaRPr>
+          </a:p>
+        </p:txBody>
+      </p:sp>
     </p:spTree>
   </p:cSld>
   <p:clrMapOvr>
@@ -6740,14 +6797,43 @@
             <a:r>
               <a:rPr lang="en" sz="2000" b="1" strike="noStrike" spc="-1" dirty="0">
                 <a:solidFill>
-                  <a:srgbClr val="1F1F50"/>
+                  <a:schemeClr val="accent3">
+                    <a:lumMod val="75000"/>
+                  </a:schemeClr>
                 </a:solidFill>
                 <a:latin typeface="Lato"/>
                 <a:ea typeface="Lato"/>
               </a:rPr>
-              <a:t>Functional components</a:t>
-            </a:r>
-            <a:endParaRPr lang="en-IN" sz="2000" b="0" strike="noStrike" spc="-1" dirty="0">
+              <a:t>Functional</a:t>
+            </a:r>
+            <a:r>
+              <a:rPr lang="en" sz="2000" b="1" strike="noStrike" spc="-1" dirty="0">
+                <a:solidFill>
+                  <a:srgbClr val="1F1F50"/>
+                </a:solidFill>
+                <a:latin typeface="Lato"/>
+                <a:ea typeface="Lato"/>
+              </a:rPr>
+              <a:t> </a:t>
+            </a:r>
+            <a:r>
+              <a:rPr lang="en" b="1" strike="noStrike" spc="-1" dirty="0">
+                <a:solidFill>
+                  <a:schemeClr val="accent3">
+                    <a:lumMod val="75000"/>
+                  </a:schemeClr>
+                </a:solidFill>
+                <a:latin typeface="Lato"/>
+                <a:ea typeface="Lato"/>
+              </a:rPr>
+              <a:t>components</a:t>
+            </a:r>
+            <a:endParaRPr lang="en-IN" b="0" strike="noStrike" spc="-1" dirty="0">
+              <a:solidFill>
+                <a:schemeClr val="accent3">
+                  <a:lumMod val="75000"/>
+                </a:schemeClr>
+              </a:solidFill>
               <a:latin typeface="Arial"/>
             </a:endParaRPr>
           </a:p>
@@ -7112,31 +7198,7 @@
                 </a:highlight>
                 <a:latin typeface="Arial"/>
               </a:rPr>
-              <a:t>		Drag and drop, </a:t>
-            </a:r>
-            <a:r>
-              <a:rPr lang="en-US" sz="1200" spc="-1" dirty="0" err="1">
-                <a:solidFill>
-                  <a:srgbClr val="000000"/>
-                </a:solidFill>
-                <a:highlight>
-                  <a:srgbClr val="FFFFFF"/>
-                </a:highlight>
-                <a:latin typeface="Arial"/>
-              </a:rPr>
-              <a:t>timebased</a:t>
-            </a:r>
-            <a:r>
-              <a:rPr lang="en-US" sz="1200" spc="-1" dirty="0">
-                <a:solidFill>
-                  <a:srgbClr val="000000"/>
-                </a:solidFill>
-                <a:highlight>
-                  <a:srgbClr val="FFFFFF"/>
-                </a:highlight>
-                <a:latin typeface="Arial"/>
-              </a:rPr>
-              <a:t> exams</a:t>
+              <a:t>		Drag and drop, time-based exams</a:t>
             </a:r>
           </a:p>
           <a:p>
@@ -7608,33 +7670,7 @@
                 <a:latin typeface="Arial"/>
                 <a:ea typeface="Arial"/>
               </a:rPr>
-              <a:t>Will use Microsoft </a:t>
-            </a:r>
-            <a:r>
-              <a:rPr lang="en-US" sz="1200" b="0" strike="noStrike" spc="-1" dirty="0" err="1">
-                <a:solidFill>
-                  <a:srgbClr val="000000"/>
-                </a:solidFill>
-                <a:highlight>
-                  <a:srgbClr val="FFFFFF"/>
-                </a:highlight>
-                <a:latin typeface="Arial"/>
-                <a:ea typeface="Arial"/>
-              </a:rPr>
-              <a:t>ChatGPT</a:t>
-            </a:r>
-            <a:r>
-              <a:rPr lang="en-US" sz="1200" b="0" strike="noStrike" spc="-1" dirty="0">
-                <a:solidFill>
-                  <a:srgbClr val="000000"/>
-                </a:solidFill>
-                <a:highlight>
-                  <a:srgbClr val="FFFFFF"/>
-                </a:highlight>
-                <a:latin typeface="Arial"/>
-                <a:ea typeface="Arial"/>
-              </a:rPr>
-              <a:t> API extensively within the application for helping course creation, content summarization, content translation to traditional languages etc. For example a provision will be provided for the Content creator to upload his or curated content to Chat GPT get feedback, and then review it and also pass it via the configurable workflow to authorized reviewers. </a:t>
+              <a:t>Will use Microsoft ChatGPT API extensively within the application for helping course creation, content summarization, content translation to traditional languages etc. For example, a provision will be provided for the Content creator to upload his or curated content to Chat GPT get feedback, and then review it and also pass it via the configurable workflow to authorized reviewers. </a:t>
             </a:r>
             <a:endParaRPr lang="en-IN" sz="1200" b="0" strike="noStrike" spc="-1" dirty="0">
               <a:latin typeface="Arial"/>
@@ -7651,6 +7687,2978 @@
 </file>
 
 <file path=ppt/slides/slide14.xml><?xml version="1.0" encoding="utf-8"?>
+<p:sld xmlns:a="http://schemas.openxmlformats.org/drawingml/2006/main" xmlns:r="http://schemas.openxmlformats.org/officeDocument/2006/relationships" xmlns:p="http://schemas.openxmlformats.org/presentationml/2006/main">
+  <p:cSld>
+    <p:spTree>
+      <p:nvGrpSpPr>
+        <p:cNvPr id="1" name=""/>
+        <p:cNvGrpSpPr/>
+        <p:nvPr/>
+      </p:nvGrpSpPr>
+      <p:grpSpPr>
+        <a:xfrm>
+          <a:off x="0" y="0"/>
+          <a:ext cx="0" cy="0"/>
+          <a:chOff x="0" y="0"/>
+          <a:chExt cx="0" cy="0"/>
+        </a:xfrm>
+      </p:grpSpPr>
+      <p:sp>
+        <p:nvSpPr>
+          <p:cNvPr id="104" name="CustomShape 1"/>
+          <p:cNvSpPr/>
+          <p:nvPr/>
+        </p:nvSpPr>
+        <p:spPr>
+          <a:xfrm>
+            <a:off x="0" y="0"/>
+            <a:ext cx="9209160" cy="492443"/>
+          </a:xfrm>
+          <a:prstGeom prst="rect">
+            <a:avLst/>
+          </a:prstGeom>
+          <a:noFill/>
+          <a:ln>
+            <a:noFill/>
+          </a:ln>
+        </p:spPr>
+        <p:style>
+          <a:lnRef idx="0">
+            <a:scrgbClr r="0" g="0" b="0"/>
+          </a:lnRef>
+          <a:fillRef idx="0">
+            <a:scrgbClr r="0" g="0" b="0"/>
+          </a:fillRef>
+          <a:effectRef idx="0">
+            <a:scrgbClr r="0" g="0" b="0"/>
+          </a:effectRef>
+          <a:fontRef idx="minor"/>
+        </p:style>
+        <p:txBody>
+          <a:bodyPr tIns="91440" bIns="91440">
+            <a:spAutoFit/>
+          </a:bodyPr>
+          <a:lstStyle/>
+          <a:p>
+            <a:pPr>
+              <a:lnSpc>
+                <a:spcPct val="100000"/>
+              </a:lnSpc>
+              <a:tabLst>
+                <a:tab pos="0" algn="l"/>
+              </a:tabLst>
+            </a:pPr>
+            <a:r>
+              <a:rPr lang="en" sz="2000" b="1" strike="noStrike" spc="-1" dirty="0">
+                <a:solidFill>
+                  <a:schemeClr val="accent3">
+                    <a:lumMod val="75000"/>
+                  </a:schemeClr>
+                </a:solidFill>
+                <a:latin typeface="Lato"/>
+                <a:ea typeface="Lato"/>
+              </a:rPr>
+              <a:t>Functional</a:t>
+            </a:r>
+            <a:r>
+              <a:rPr lang="en" sz="2000" b="1" strike="noStrike" spc="-1" dirty="0">
+                <a:solidFill>
+                  <a:srgbClr val="1F1F50"/>
+                </a:solidFill>
+                <a:latin typeface="Lato"/>
+                <a:ea typeface="Lato"/>
+              </a:rPr>
+              <a:t> </a:t>
+            </a:r>
+            <a:r>
+              <a:rPr lang="en" b="1" strike="noStrike" spc="-1" dirty="0">
+                <a:solidFill>
+                  <a:schemeClr val="accent3">
+                    <a:lumMod val="75000"/>
+                  </a:schemeClr>
+                </a:solidFill>
+                <a:latin typeface="Lato"/>
+                <a:ea typeface="Lato"/>
+              </a:rPr>
+              <a:t>design</a:t>
+            </a:r>
+            <a:endParaRPr lang="en-IN" b="0" strike="noStrike" spc="-1" dirty="0">
+              <a:solidFill>
+                <a:schemeClr val="accent3">
+                  <a:lumMod val="75000"/>
+                </a:schemeClr>
+              </a:solidFill>
+              <a:latin typeface="Arial"/>
+            </a:endParaRPr>
+          </a:p>
+        </p:txBody>
+      </p:sp>
+      <p:sp>
+        <p:nvSpPr>
+          <p:cNvPr id="105" name="CustomShape 2"/>
+          <p:cNvSpPr/>
+          <p:nvPr/>
+        </p:nvSpPr>
+        <p:spPr>
+          <a:xfrm>
+            <a:off x="330605" y="492443"/>
+            <a:ext cx="8166414" cy="615553"/>
+          </a:xfrm>
+          <a:prstGeom prst="rect">
+            <a:avLst/>
+          </a:prstGeom>
+          <a:noFill/>
+          <a:ln>
+            <a:noFill/>
+          </a:ln>
+        </p:spPr>
+        <p:style>
+          <a:lnRef idx="0">
+            <a:scrgbClr r="0" g="0" b="0"/>
+          </a:lnRef>
+          <a:fillRef idx="0">
+            <a:scrgbClr r="0" g="0" b="0"/>
+          </a:fillRef>
+          <a:effectRef idx="0">
+            <a:scrgbClr r="0" g="0" b="0"/>
+          </a:effectRef>
+          <a:fontRef idx="minor"/>
+        </p:style>
+        <p:txBody>
+          <a:bodyPr wrap="square" tIns="91440" bIns="91440">
+            <a:spAutoFit/>
+          </a:bodyPr>
+          <a:lstStyle/>
+          <a:p>
+            <a:pPr>
+              <a:lnSpc>
+                <a:spcPct val="100000"/>
+              </a:lnSpc>
+              <a:tabLst>
+                <a:tab pos="0" algn="l"/>
+              </a:tabLst>
+            </a:pPr>
+            <a:r>
+              <a:rPr lang="en-US" sz="1400" spc="-1" dirty="0">
+                <a:solidFill>
+                  <a:srgbClr val="000000"/>
+                </a:solidFill>
+                <a:highlight>
+                  <a:srgbClr val="FFFFFF"/>
+                </a:highlight>
+                <a:latin typeface="Arial"/>
+              </a:rPr>
+              <a:t>	</a:t>
+            </a:r>
+            <a:endParaRPr lang="en-IN" sz="1400" b="0" strike="noStrike" spc="-1" dirty="0">
+              <a:latin typeface="Arial"/>
+            </a:endParaRPr>
+          </a:p>
+          <a:p>
+            <a:pPr>
+              <a:lnSpc>
+                <a:spcPct val="100000"/>
+              </a:lnSpc>
+              <a:tabLst>
+                <a:tab pos="0" algn="l"/>
+              </a:tabLst>
+            </a:pPr>
+            <a:endParaRPr lang="en-IN" sz="1400" b="0" strike="noStrike" spc="-1" dirty="0">
+              <a:latin typeface="Arial"/>
+            </a:endParaRPr>
+          </a:p>
+        </p:txBody>
+      </p:sp>
+      <p:pic>
+        <p:nvPicPr>
+          <p:cNvPr id="106" name="Picture 4" descr="Icon&#10;&#10;Description automatically generated"/>
+          <p:cNvPicPr/>
+          <p:nvPr/>
+        </p:nvPicPr>
+        <p:blipFill>
+          <a:blip r:embed="rId2"/>
+          <a:stretch/>
+        </p:blipFill>
+        <p:spPr>
+          <a:xfrm>
+            <a:off x="7789320" y="4744080"/>
+            <a:ext cx="1274760" cy="302040"/>
+          </a:xfrm>
+          <a:prstGeom prst="rect">
+            <a:avLst/>
+          </a:prstGeom>
+          <a:ln>
+            <a:noFill/>
+          </a:ln>
+        </p:spPr>
+      </p:pic>
+      <p:graphicFrame>
+        <p:nvGraphicFramePr>
+          <p:cNvPr id="3" name="Table 2">
+            <a:extLst>
+              <a:ext uri="{FF2B5EF4-FFF2-40B4-BE49-F238E27FC236}">
+                <a16:creationId xmlns:a16="http://schemas.microsoft.com/office/drawing/2014/main" id="{91E02956-CD60-D622-E96D-553872A38D15}"/>
+              </a:ext>
+            </a:extLst>
+          </p:cNvPr>
+          <p:cNvGraphicFramePr>
+            <a:graphicFrameLocks noGrp="1"/>
+          </p:cNvGraphicFramePr>
+          <p:nvPr>
+            <p:extLst>
+              <p:ext uri="{D42A27DB-BD31-4B8C-83A1-F6EECF244321}">
+                <p14:modId xmlns:p14="http://schemas.microsoft.com/office/powerpoint/2010/main" val="2378182601"/>
+              </p:ext>
+            </p:extLst>
+          </p:nvPr>
+        </p:nvGraphicFramePr>
+        <p:xfrm>
+          <a:off x="79919" y="422624"/>
+          <a:ext cx="8910401" cy="4287044"/>
+        </p:xfrm>
+        <a:graphic>
+          <a:graphicData uri="http://schemas.openxmlformats.org/drawingml/2006/table">
+            <a:tbl>
+              <a:tblPr firstRow="1" firstCol="1" bandRow="1">
+                <a:tableStyleId>{5C22544A-7EE6-4342-B048-85BDC9FD1C3A}</a:tableStyleId>
+              </a:tblPr>
+              <a:tblGrid>
+                <a:gridCol w="2040570">
+                  <a:extLst>
+                    <a:ext uri="{9D8B030D-6E8A-4147-A177-3AD203B41FA5}">
+                      <a16:colId xmlns:a16="http://schemas.microsoft.com/office/drawing/2014/main" val="2433611670"/>
+                    </a:ext>
+                  </a:extLst>
+                </a:gridCol>
+                <a:gridCol w="3465085">
+                  <a:extLst>
+                    <a:ext uri="{9D8B030D-6E8A-4147-A177-3AD203B41FA5}">
+                      <a16:colId xmlns:a16="http://schemas.microsoft.com/office/drawing/2014/main" val="2177021875"/>
+                    </a:ext>
+                  </a:extLst>
+                </a:gridCol>
+                <a:gridCol w="3404746">
+                  <a:extLst>
+                    <a:ext uri="{9D8B030D-6E8A-4147-A177-3AD203B41FA5}">
+                      <a16:colId xmlns:a16="http://schemas.microsoft.com/office/drawing/2014/main" val="1137162698"/>
+                    </a:ext>
+                  </a:extLst>
+                </a:gridCol>
+              </a:tblGrid>
+              <a:tr h="220957">
+                <a:tc>
+                  <a:txBody>
+                    <a:bodyPr/>
+                    <a:lstStyle/>
+                    <a:p>
+                      <a:pPr marL="0" marR="0">
+                        <a:lnSpc>
+                          <a:spcPct val="107000"/>
+                        </a:lnSpc>
+                        <a:spcBef>
+                          <a:spcPts val="0"/>
+                        </a:spcBef>
+                        <a:spcAft>
+                          <a:spcPts val="0"/>
+                        </a:spcAft>
+                      </a:pPr>
+                      <a:r>
+                        <a:rPr lang="en-US" sz="900" dirty="0">
+                          <a:effectLst/>
+                          <a:latin typeface="Lato" panose="020F0502020204030203" pitchFamily="34" charset="0"/>
+                          <a:ea typeface="Lato" panose="020F0502020204030203" pitchFamily="34" charset="0"/>
+                          <a:cs typeface="Lato" panose="020F0502020204030203" pitchFamily="34" charset="0"/>
+                        </a:rPr>
+                        <a:t>Functional Module / Components</a:t>
+                      </a:r>
+                    </a:p>
+                  </a:txBody>
+                  <a:tcPr marL="30256" marR="30256" marT="0" marB="0"/>
+                </a:tc>
+                <a:tc>
+                  <a:txBody>
+                    <a:bodyPr/>
+                    <a:lstStyle/>
+                    <a:p>
+                      <a:pPr marL="0" marR="0">
+                        <a:lnSpc>
+                          <a:spcPct val="107000"/>
+                        </a:lnSpc>
+                        <a:spcBef>
+                          <a:spcPts val="0"/>
+                        </a:spcBef>
+                        <a:spcAft>
+                          <a:spcPts val="0"/>
+                        </a:spcAft>
+                      </a:pPr>
+                      <a:r>
+                        <a:rPr lang="en-US" sz="900" dirty="0">
+                          <a:effectLst/>
+                          <a:latin typeface="Lato" panose="020F0502020204030203" pitchFamily="34" charset="0"/>
+                          <a:ea typeface="Lato" panose="020F0502020204030203" pitchFamily="34" charset="0"/>
+                          <a:cs typeface="Lato" panose="020F0502020204030203" pitchFamily="34" charset="0"/>
+                        </a:rPr>
+                        <a:t>Technical Evaluation/Design considerations</a:t>
+                      </a:r>
+                    </a:p>
+                  </a:txBody>
+                  <a:tcPr marL="30256" marR="30256" marT="0" marB="0"/>
+                </a:tc>
+                <a:tc>
+                  <a:txBody>
+                    <a:bodyPr/>
+                    <a:lstStyle/>
+                    <a:p>
+                      <a:pPr marL="0" marR="0">
+                        <a:lnSpc>
+                          <a:spcPct val="107000"/>
+                        </a:lnSpc>
+                        <a:spcBef>
+                          <a:spcPts val="0"/>
+                        </a:spcBef>
+                        <a:spcAft>
+                          <a:spcPts val="0"/>
+                        </a:spcAft>
+                      </a:pPr>
+                      <a:r>
+                        <a:rPr lang="en-US" sz="900" dirty="0">
+                          <a:effectLst/>
+                          <a:latin typeface="Lato" panose="020F0502020204030203" pitchFamily="34" charset="0"/>
+                          <a:ea typeface="Lato" panose="020F0502020204030203" pitchFamily="34" charset="0"/>
+                          <a:cs typeface="Lato" panose="020F0502020204030203" pitchFamily="34" charset="0"/>
+                        </a:rPr>
+                        <a:t>Remarks/Actions</a:t>
+                      </a:r>
+                    </a:p>
+                  </a:txBody>
+                  <a:tcPr marL="30256" marR="30256" marT="0" marB="0"/>
+                </a:tc>
+                <a:extLst>
+                  <a:ext uri="{0D108BD9-81ED-4DB2-BD59-A6C34878D82A}">
+                    <a16:rowId xmlns:a16="http://schemas.microsoft.com/office/drawing/2014/main" val="1959937952"/>
+                  </a:ext>
+                </a:extLst>
+              </a:tr>
+              <a:tr h="1425611">
+                <a:tc>
+                  <a:txBody>
+                    <a:bodyPr/>
+                    <a:lstStyle/>
+                    <a:p>
+                      <a:pPr marL="0" marR="0">
+                        <a:lnSpc>
+                          <a:spcPct val="107000"/>
+                        </a:lnSpc>
+                        <a:spcBef>
+                          <a:spcPts val="0"/>
+                        </a:spcBef>
+                        <a:spcAft>
+                          <a:spcPts val="0"/>
+                        </a:spcAft>
+                      </a:pPr>
+                      <a:r>
+                        <a:rPr lang="en-US" sz="900" dirty="0">
+                          <a:effectLst/>
+                          <a:latin typeface="Lato" panose="020F0502020204030203" pitchFamily="34" charset="0"/>
+                          <a:ea typeface="Lato" panose="020F0502020204030203" pitchFamily="34" charset="0"/>
+                          <a:cs typeface="Lato" panose="020F0502020204030203" pitchFamily="34" charset="0"/>
+                        </a:rPr>
+                        <a:t>Study </a:t>
+                      </a:r>
+                    </a:p>
+                    <a:p>
+                      <a:pPr marL="0" marR="0">
+                        <a:lnSpc>
+                          <a:spcPct val="107000"/>
+                        </a:lnSpc>
+                        <a:spcBef>
+                          <a:spcPts val="0"/>
+                        </a:spcBef>
+                        <a:spcAft>
+                          <a:spcPts val="0"/>
+                        </a:spcAft>
+                      </a:pPr>
+                      <a:r>
+                        <a:rPr lang="en-US" sz="900" dirty="0">
+                          <a:effectLst/>
+                          <a:latin typeface="Lato" panose="020F0502020204030203" pitchFamily="34" charset="0"/>
+                          <a:ea typeface="Lato" panose="020F0502020204030203" pitchFamily="34" charset="0"/>
+                          <a:cs typeface="Lato" panose="020F0502020204030203" pitchFamily="34" charset="0"/>
+                        </a:rPr>
+                        <a:t>     Editor mode (admin)</a:t>
+                      </a:r>
+                    </a:p>
+                    <a:p>
+                      <a:pPr marL="0" marR="0">
+                        <a:lnSpc>
+                          <a:spcPct val="107000"/>
+                        </a:lnSpc>
+                        <a:spcBef>
+                          <a:spcPts val="0"/>
+                        </a:spcBef>
+                        <a:spcAft>
+                          <a:spcPts val="0"/>
+                        </a:spcAft>
+                      </a:pPr>
+                      <a:r>
+                        <a:rPr lang="en-US" sz="900" dirty="0">
+                          <a:effectLst/>
+                          <a:latin typeface="Lato" panose="020F0502020204030203" pitchFamily="34" charset="0"/>
+                          <a:ea typeface="Lato" panose="020F0502020204030203" pitchFamily="34" charset="0"/>
+                          <a:cs typeface="Lato" panose="020F0502020204030203" pitchFamily="34" charset="0"/>
+                        </a:rPr>
+                        <a:t>     Display mode (learner)</a:t>
+                      </a:r>
+                    </a:p>
+                    <a:p>
+                      <a:pPr marL="0" marR="0">
+                        <a:lnSpc>
+                          <a:spcPct val="107000"/>
+                        </a:lnSpc>
+                        <a:spcBef>
+                          <a:spcPts val="0"/>
+                        </a:spcBef>
+                        <a:spcAft>
+                          <a:spcPts val="0"/>
+                        </a:spcAft>
+                      </a:pPr>
+                      <a:r>
+                        <a:rPr lang="en-US" sz="900" dirty="0">
+                          <a:effectLst/>
+                          <a:latin typeface="Lato" panose="020F0502020204030203" pitchFamily="34" charset="0"/>
+                          <a:ea typeface="Lato" panose="020F0502020204030203" pitchFamily="34" charset="0"/>
+                          <a:cs typeface="Lato" panose="020F0502020204030203" pitchFamily="34" charset="0"/>
+                        </a:rPr>
+                        <a:t>    API/Microservices</a:t>
+                      </a:r>
+                    </a:p>
+                    <a:p>
+                      <a:pPr marL="0" marR="0">
+                        <a:lnSpc>
+                          <a:spcPct val="107000"/>
+                        </a:lnSpc>
+                        <a:spcBef>
+                          <a:spcPts val="0"/>
+                        </a:spcBef>
+                        <a:spcAft>
+                          <a:spcPts val="0"/>
+                        </a:spcAft>
+                      </a:pPr>
+                      <a:r>
+                        <a:rPr lang="en-US" sz="900" dirty="0">
+                          <a:effectLst/>
+                          <a:latin typeface="Lato" panose="020F0502020204030203" pitchFamily="34" charset="0"/>
+                          <a:ea typeface="Lato" panose="020F0502020204030203" pitchFamily="34" charset="0"/>
+                          <a:cs typeface="Lato" panose="020F0502020204030203" pitchFamily="34" charset="0"/>
+                        </a:rPr>
+                        <a:t>    Forum</a:t>
+                      </a:r>
+                    </a:p>
+                    <a:p>
+                      <a:pPr marL="0" marR="0">
+                        <a:lnSpc>
+                          <a:spcPct val="107000"/>
+                        </a:lnSpc>
+                        <a:spcBef>
+                          <a:spcPts val="0"/>
+                        </a:spcBef>
+                        <a:spcAft>
+                          <a:spcPts val="0"/>
+                        </a:spcAft>
+                      </a:pPr>
+                      <a:r>
+                        <a:rPr lang="en-US" sz="900" dirty="0">
+                          <a:effectLst/>
+                          <a:latin typeface="Lato" panose="020F0502020204030203" pitchFamily="34" charset="0"/>
+                          <a:ea typeface="Lato" panose="020F0502020204030203" pitchFamily="34" charset="0"/>
+                          <a:cs typeface="Lato" panose="020F0502020204030203" pitchFamily="34" charset="0"/>
+                        </a:rPr>
+                        <a:t>           Private</a:t>
+                      </a:r>
+                    </a:p>
+                    <a:p>
+                      <a:pPr marL="0" marR="0">
+                        <a:lnSpc>
+                          <a:spcPct val="107000"/>
+                        </a:lnSpc>
+                        <a:spcBef>
+                          <a:spcPts val="0"/>
+                        </a:spcBef>
+                        <a:spcAft>
+                          <a:spcPts val="0"/>
+                        </a:spcAft>
+                      </a:pPr>
+                      <a:r>
+                        <a:rPr lang="en-US" sz="900" dirty="0">
+                          <a:effectLst/>
+                          <a:latin typeface="Lato" panose="020F0502020204030203" pitchFamily="34" charset="0"/>
+                          <a:ea typeface="Lato" panose="020F0502020204030203" pitchFamily="34" charset="0"/>
+                          <a:cs typeface="Lato" panose="020F0502020204030203" pitchFamily="34" charset="0"/>
+                        </a:rPr>
+                        <a:t>           Public</a:t>
+                      </a:r>
+                    </a:p>
+                    <a:p>
+                      <a:pPr marL="0" marR="0">
+                        <a:lnSpc>
+                          <a:spcPct val="107000"/>
+                        </a:lnSpc>
+                        <a:spcBef>
+                          <a:spcPts val="0"/>
+                        </a:spcBef>
+                        <a:spcAft>
+                          <a:spcPts val="0"/>
+                        </a:spcAft>
+                      </a:pPr>
+                      <a:r>
+                        <a:rPr lang="en-US" sz="900" dirty="0">
+                          <a:effectLst/>
+                          <a:latin typeface="Lato" panose="020F0502020204030203" pitchFamily="34" charset="0"/>
+                          <a:ea typeface="Lato" panose="020F0502020204030203" pitchFamily="34" charset="0"/>
+                          <a:cs typeface="Lato" panose="020F0502020204030203" pitchFamily="34" charset="0"/>
+                        </a:rPr>
+                        <a:t> </a:t>
+                      </a:r>
+                    </a:p>
+                  </a:txBody>
+                  <a:tcPr marL="30256" marR="30256" marT="0" marB="0"/>
+                </a:tc>
+                <a:tc>
+                  <a:txBody>
+                    <a:bodyPr/>
+                    <a:lstStyle/>
+                    <a:p>
+                      <a:pPr marL="0" marR="0">
+                        <a:lnSpc>
+                          <a:spcPct val="107000"/>
+                        </a:lnSpc>
+                        <a:spcBef>
+                          <a:spcPts val="0"/>
+                        </a:spcBef>
+                        <a:spcAft>
+                          <a:spcPts val="0"/>
+                        </a:spcAft>
+                      </a:pPr>
+                      <a:r>
+                        <a:rPr lang="en-US" sz="900" dirty="0">
+                          <a:effectLst/>
+                          <a:latin typeface="Lato" panose="020F0502020204030203" pitchFamily="34" charset="0"/>
+                          <a:ea typeface="Lato" panose="020F0502020204030203" pitchFamily="34" charset="0"/>
+                          <a:cs typeface="Lato" panose="020F0502020204030203" pitchFamily="34" charset="0"/>
+                        </a:rPr>
+                        <a:t>Course-&gt; Subject -&gt; Module -&gt; Unit -&gt; Section -&gt; Learning object</a:t>
+                      </a:r>
+                    </a:p>
+                    <a:p>
+                      <a:pPr marL="0" marR="0">
+                        <a:lnSpc>
+                          <a:spcPct val="107000"/>
+                        </a:lnSpc>
+                        <a:spcBef>
+                          <a:spcPts val="0"/>
+                        </a:spcBef>
+                        <a:spcAft>
+                          <a:spcPts val="0"/>
+                        </a:spcAft>
+                      </a:pPr>
+                      <a:r>
+                        <a:rPr lang="en-US" sz="900" dirty="0">
+                          <a:effectLst/>
+                          <a:latin typeface="Lato" panose="020F0502020204030203" pitchFamily="34" charset="0"/>
+                          <a:ea typeface="Lato" panose="020F0502020204030203" pitchFamily="34" charset="0"/>
+                          <a:cs typeface="Lato" panose="020F0502020204030203" pitchFamily="34" charset="0"/>
+                        </a:rPr>
+                        <a:t>Video, Audio, Image storage</a:t>
+                      </a:r>
+                    </a:p>
+                    <a:p>
+                      <a:pPr marL="0" marR="0">
+                        <a:lnSpc>
+                          <a:spcPct val="107000"/>
+                        </a:lnSpc>
+                        <a:spcBef>
+                          <a:spcPts val="0"/>
+                        </a:spcBef>
+                        <a:spcAft>
+                          <a:spcPts val="0"/>
+                        </a:spcAft>
+                      </a:pPr>
+                      <a:r>
+                        <a:rPr lang="en-US" sz="900" dirty="0">
+                          <a:effectLst/>
+                          <a:latin typeface="Lato" panose="020F0502020204030203" pitchFamily="34" charset="0"/>
+                          <a:ea typeface="Lato" panose="020F0502020204030203" pitchFamily="34" charset="0"/>
+                          <a:cs typeface="Lato" panose="020F0502020204030203" pitchFamily="34" charset="0"/>
+                        </a:rPr>
+                        <a:t>Storage </a:t>
+                      </a:r>
+                    </a:p>
+                    <a:p>
+                      <a:pPr marL="0" marR="0">
+                        <a:lnSpc>
+                          <a:spcPct val="107000"/>
+                        </a:lnSpc>
+                        <a:spcBef>
+                          <a:spcPts val="0"/>
+                        </a:spcBef>
+                        <a:spcAft>
+                          <a:spcPts val="0"/>
+                        </a:spcAft>
+                      </a:pPr>
+                      <a:r>
+                        <a:rPr lang="en-US" sz="900" dirty="0">
+                          <a:effectLst/>
+                          <a:latin typeface="Lato" panose="020F0502020204030203" pitchFamily="34" charset="0"/>
+                          <a:ea typeface="Lato" panose="020F0502020204030203" pitchFamily="34" charset="0"/>
+                          <a:cs typeface="Lato" panose="020F0502020204030203" pitchFamily="34" charset="0"/>
+                        </a:rPr>
+                        <a:t>Database storage</a:t>
+                      </a:r>
+                    </a:p>
+                    <a:p>
+                      <a:pPr marL="0" marR="0">
+                        <a:lnSpc>
+                          <a:spcPct val="107000"/>
+                        </a:lnSpc>
+                        <a:spcBef>
+                          <a:spcPts val="0"/>
+                        </a:spcBef>
+                        <a:spcAft>
+                          <a:spcPts val="0"/>
+                        </a:spcAft>
+                      </a:pPr>
+                      <a:r>
+                        <a:rPr lang="en-US" sz="900" dirty="0">
+                          <a:effectLst/>
+                          <a:latin typeface="Lato" panose="020F0502020204030203" pitchFamily="34" charset="0"/>
+                          <a:ea typeface="Lato" panose="020F0502020204030203" pitchFamily="34" charset="0"/>
+                          <a:cs typeface="Lato" panose="020F0502020204030203" pitchFamily="34" charset="0"/>
+                        </a:rPr>
+                        <a:t> </a:t>
+                      </a:r>
+                    </a:p>
+                  </a:txBody>
+                  <a:tcPr marL="30256" marR="30256" marT="0" marB="0"/>
+                </a:tc>
+                <a:tc>
+                  <a:txBody>
+                    <a:bodyPr/>
+                    <a:lstStyle/>
+                    <a:p>
+                      <a:pPr marL="0" marR="0">
+                        <a:lnSpc>
+                          <a:spcPct val="107000"/>
+                        </a:lnSpc>
+                        <a:spcBef>
+                          <a:spcPts val="0"/>
+                        </a:spcBef>
+                        <a:spcAft>
+                          <a:spcPts val="0"/>
+                        </a:spcAft>
+                      </a:pPr>
+                      <a:r>
+                        <a:rPr lang="en-US" sz="900" dirty="0">
+                          <a:effectLst/>
+                          <a:latin typeface="Lato" panose="020F0502020204030203" pitchFamily="34" charset="0"/>
+                          <a:ea typeface="Lato" panose="020F0502020204030203" pitchFamily="34" charset="0"/>
+                          <a:cs typeface="Lato" panose="020F0502020204030203" pitchFamily="34" charset="0"/>
+                        </a:rPr>
+                        <a:t>Chatgpt api integration for admin</a:t>
+                      </a:r>
+                    </a:p>
+                    <a:p>
+                      <a:pPr marL="0" marR="0">
+                        <a:lnSpc>
+                          <a:spcPct val="107000"/>
+                        </a:lnSpc>
+                        <a:spcBef>
+                          <a:spcPts val="0"/>
+                        </a:spcBef>
+                        <a:spcAft>
+                          <a:spcPts val="0"/>
+                        </a:spcAft>
+                      </a:pPr>
+                      <a:r>
+                        <a:rPr lang="en-US" sz="900" dirty="0">
+                          <a:effectLst/>
+                          <a:latin typeface="Lato" panose="020F0502020204030203" pitchFamily="34" charset="0"/>
+                          <a:ea typeface="Lato" panose="020F0502020204030203" pitchFamily="34" charset="0"/>
+                          <a:cs typeface="Lato" panose="020F0502020204030203" pitchFamily="34" charset="0"/>
+                        </a:rPr>
+                        <a:t>Content in db as json data and references to content and links to images</a:t>
+                      </a:r>
+                    </a:p>
+                    <a:p>
+                      <a:pPr marL="0" marR="0">
+                        <a:lnSpc>
+                          <a:spcPct val="107000"/>
+                        </a:lnSpc>
+                        <a:spcBef>
+                          <a:spcPts val="0"/>
+                        </a:spcBef>
+                        <a:spcAft>
+                          <a:spcPts val="0"/>
+                        </a:spcAft>
+                      </a:pPr>
+                      <a:r>
+                        <a:rPr lang="en-US" sz="900" dirty="0">
+                          <a:effectLst/>
+                          <a:latin typeface="Lato" panose="020F0502020204030203" pitchFamily="34" charset="0"/>
+                          <a:ea typeface="Lato" panose="020F0502020204030203" pitchFamily="34" charset="0"/>
+                          <a:cs typeface="Lato" panose="020F0502020204030203" pitchFamily="34" charset="0"/>
+                        </a:rPr>
+                        <a:t>Azure storage for video, images, audio</a:t>
+                      </a:r>
+                    </a:p>
+                    <a:p>
+                      <a:pPr marL="0" marR="0">
+                        <a:lnSpc>
+                          <a:spcPct val="107000"/>
+                        </a:lnSpc>
+                        <a:spcBef>
+                          <a:spcPts val="0"/>
+                        </a:spcBef>
+                        <a:spcAft>
+                          <a:spcPts val="0"/>
+                        </a:spcAft>
+                      </a:pPr>
+                      <a:r>
+                        <a:rPr lang="en-US" sz="900" dirty="0">
+                          <a:effectLst/>
+                          <a:latin typeface="Lato" panose="020F0502020204030203" pitchFamily="34" charset="0"/>
+                          <a:ea typeface="Lato" panose="020F0502020204030203" pitchFamily="34" charset="0"/>
+                          <a:cs typeface="Lato" panose="020F0502020204030203" pitchFamily="34" charset="0"/>
+                        </a:rPr>
+                        <a:t>Content in cosmos dB</a:t>
+                      </a:r>
+                    </a:p>
+                    <a:p>
+                      <a:pPr marL="0" marR="0">
+                        <a:lnSpc>
+                          <a:spcPct val="107000"/>
+                        </a:lnSpc>
+                        <a:spcBef>
+                          <a:spcPts val="0"/>
+                        </a:spcBef>
+                        <a:spcAft>
+                          <a:spcPts val="0"/>
+                        </a:spcAft>
+                      </a:pPr>
+                      <a:r>
+                        <a:rPr lang="en-US" sz="900" dirty="0">
+                          <a:effectLst/>
+                          <a:latin typeface="Lato" panose="020F0502020204030203" pitchFamily="34" charset="0"/>
+                          <a:ea typeface="Lato" panose="020F0502020204030203" pitchFamily="34" charset="0"/>
+                          <a:cs typeface="Lato" panose="020F0502020204030203" pitchFamily="34" charset="0"/>
+                        </a:rPr>
+                        <a:t>Exams assessment in PostgreSQL db analytics</a:t>
+                      </a:r>
+                    </a:p>
+                    <a:p>
+                      <a:pPr marL="0" marR="0">
+                        <a:lnSpc>
+                          <a:spcPct val="107000"/>
+                        </a:lnSpc>
+                        <a:spcBef>
+                          <a:spcPts val="0"/>
+                        </a:spcBef>
+                        <a:spcAft>
+                          <a:spcPts val="0"/>
+                        </a:spcAft>
+                      </a:pPr>
+                      <a:r>
+                        <a:rPr lang="en-US" sz="900" dirty="0">
+                          <a:effectLst/>
+                          <a:latin typeface="Lato" panose="020F0502020204030203" pitchFamily="34" charset="0"/>
+                          <a:ea typeface="Lato" panose="020F0502020204030203" pitchFamily="34" charset="0"/>
+                          <a:cs typeface="Lato" panose="020F0502020204030203" pitchFamily="34" charset="0"/>
+                        </a:rPr>
+                        <a:t>Api Services: open source JHipster </a:t>
+                      </a:r>
+                    </a:p>
+                    <a:p>
+                      <a:pPr marL="0" marR="0">
+                        <a:lnSpc>
+                          <a:spcPct val="107000"/>
+                        </a:lnSpc>
+                        <a:spcBef>
+                          <a:spcPts val="0"/>
+                        </a:spcBef>
+                        <a:spcAft>
+                          <a:spcPts val="0"/>
+                        </a:spcAft>
+                      </a:pPr>
+                      <a:r>
+                        <a:rPr lang="en-US" sz="900" dirty="0">
+                          <a:effectLst/>
+                          <a:latin typeface="Lato" panose="020F0502020204030203" pitchFamily="34" charset="0"/>
+                          <a:ea typeface="Lato" panose="020F0502020204030203" pitchFamily="34" charset="0"/>
+                          <a:cs typeface="Lato" panose="020F0502020204030203" pitchFamily="34" charset="0"/>
+                        </a:rPr>
+                        <a:t>Database : PostgreSQL ,</a:t>
+                      </a:r>
+                    </a:p>
+                    <a:p>
+                      <a:pPr marL="0" marR="0">
+                        <a:lnSpc>
+                          <a:spcPct val="107000"/>
+                        </a:lnSpc>
+                        <a:spcBef>
+                          <a:spcPts val="0"/>
+                        </a:spcBef>
+                        <a:spcAft>
+                          <a:spcPts val="0"/>
+                        </a:spcAft>
+                      </a:pPr>
+                      <a:r>
+                        <a:rPr lang="en-US" sz="900" dirty="0">
+                          <a:effectLst/>
+                          <a:latin typeface="Lato" panose="020F0502020204030203" pitchFamily="34" charset="0"/>
+                          <a:ea typeface="Lato" panose="020F0502020204030203" pitchFamily="34" charset="0"/>
+                          <a:cs typeface="Lato" panose="020F0502020204030203" pitchFamily="34" charset="0"/>
+                        </a:rPr>
+                        <a:t>Cosmos dB </a:t>
+                      </a:r>
+                    </a:p>
+                    <a:p>
+                      <a:pPr marL="0" marR="0">
+                        <a:lnSpc>
+                          <a:spcPct val="107000"/>
+                        </a:lnSpc>
+                        <a:spcBef>
+                          <a:spcPts val="0"/>
+                        </a:spcBef>
+                        <a:spcAft>
+                          <a:spcPts val="0"/>
+                        </a:spcAft>
+                      </a:pPr>
+                      <a:r>
+                        <a:rPr lang="en-US" sz="900" dirty="0">
+                          <a:effectLst/>
+                          <a:latin typeface="Lato" panose="020F0502020204030203" pitchFamily="34" charset="0"/>
+                          <a:ea typeface="Lato" panose="020F0502020204030203" pitchFamily="34" charset="0"/>
+                          <a:cs typeface="Lato" panose="020F0502020204030203" pitchFamily="34" charset="0"/>
+                        </a:rPr>
+                        <a:t> </a:t>
+                      </a:r>
+                    </a:p>
+                  </a:txBody>
+                  <a:tcPr marL="30256" marR="30256" marT="0" marB="0"/>
+                </a:tc>
+                <a:extLst>
+                  <a:ext uri="{0D108BD9-81ED-4DB2-BD59-A6C34878D82A}">
+                    <a16:rowId xmlns:a16="http://schemas.microsoft.com/office/drawing/2014/main" val="2752338935"/>
+                  </a:ext>
+                </a:extLst>
+              </a:tr>
+              <a:tr h="879984">
+                <a:tc>
+                  <a:txBody>
+                    <a:bodyPr/>
+                    <a:lstStyle/>
+                    <a:p>
+                      <a:pPr marL="0" marR="0">
+                        <a:lnSpc>
+                          <a:spcPct val="107000"/>
+                        </a:lnSpc>
+                        <a:spcBef>
+                          <a:spcPts val="0"/>
+                        </a:spcBef>
+                        <a:spcAft>
+                          <a:spcPts val="0"/>
+                        </a:spcAft>
+                      </a:pPr>
+                      <a:r>
+                        <a:rPr lang="en-US" sz="900" dirty="0">
+                          <a:effectLst/>
+                          <a:latin typeface="Lato" panose="020F0502020204030203" pitchFamily="34" charset="0"/>
+                          <a:ea typeface="Lato" panose="020F0502020204030203" pitchFamily="34" charset="0"/>
+                          <a:cs typeface="Lato" panose="020F0502020204030203" pitchFamily="34" charset="0"/>
+                        </a:rPr>
+                        <a:t>Exam Mode</a:t>
+                      </a:r>
+                    </a:p>
+                    <a:p>
+                      <a:pPr marL="0" marR="0">
+                        <a:lnSpc>
+                          <a:spcPct val="107000"/>
+                        </a:lnSpc>
+                        <a:spcBef>
+                          <a:spcPts val="0"/>
+                        </a:spcBef>
+                        <a:spcAft>
+                          <a:spcPts val="0"/>
+                        </a:spcAft>
+                      </a:pPr>
+                      <a:r>
+                        <a:rPr lang="en-US" sz="900" dirty="0">
+                          <a:effectLst/>
+                          <a:latin typeface="Lato" panose="020F0502020204030203" pitchFamily="34" charset="0"/>
+                          <a:ea typeface="Lato" panose="020F0502020204030203" pitchFamily="34" charset="0"/>
+                          <a:cs typeface="Lato" panose="020F0502020204030203" pitchFamily="34" charset="0"/>
+                        </a:rPr>
+                        <a:t>   Editor (admin)</a:t>
+                      </a:r>
+                    </a:p>
+                    <a:p>
+                      <a:pPr marL="0" marR="0">
+                        <a:lnSpc>
+                          <a:spcPct val="107000"/>
+                        </a:lnSpc>
+                        <a:spcBef>
+                          <a:spcPts val="0"/>
+                        </a:spcBef>
+                        <a:spcAft>
+                          <a:spcPts val="0"/>
+                        </a:spcAft>
+                      </a:pPr>
+                      <a:r>
+                        <a:rPr lang="en-US" sz="900" dirty="0">
+                          <a:effectLst/>
+                          <a:latin typeface="Lato" panose="020F0502020204030203" pitchFamily="34" charset="0"/>
+                          <a:ea typeface="Lato" panose="020F0502020204030203" pitchFamily="34" charset="0"/>
+                          <a:cs typeface="Lato" panose="020F0502020204030203" pitchFamily="34" charset="0"/>
+                        </a:rPr>
+                        <a:t>   Practice mode (learner)</a:t>
+                      </a:r>
+                    </a:p>
+                    <a:p>
+                      <a:pPr marL="0" marR="0">
+                        <a:lnSpc>
+                          <a:spcPct val="107000"/>
+                        </a:lnSpc>
+                        <a:spcBef>
+                          <a:spcPts val="0"/>
+                        </a:spcBef>
+                        <a:spcAft>
+                          <a:spcPts val="0"/>
+                        </a:spcAft>
+                      </a:pPr>
+                      <a:r>
+                        <a:rPr lang="en-US" sz="900" dirty="0">
+                          <a:effectLst/>
+                          <a:latin typeface="Lato" panose="020F0502020204030203" pitchFamily="34" charset="0"/>
+                          <a:ea typeface="Lato" panose="020F0502020204030203" pitchFamily="34" charset="0"/>
+                          <a:cs typeface="Lato" panose="020F0502020204030203" pitchFamily="34" charset="0"/>
+                        </a:rPr>
+                        <a:t>   Exam mode (learner)</a:t>
+                      </a:r>
+                    </a:p>
+                    <a:p>
+                      <a:pPr marL="0" marR="0">
+                        <a:lnSpc>
+                          <a:spcPct val="107000"/>
+                        </a:lnSpc>
+                        <a:spcBef>
+                          <a:spcPts val="0"/>
+                        </a:spcBef>
+                        <a:spcAft>
+                          <a:spcPts val="0"/>
+                        </a:spcAft>
+                      </a:pPr>
+                      <a:r>
+                        <a:rPr lang="en-US" sz="900" dirty="0">
+                          <a:effectLst/>
+                          <a:latin typeface="Lato" panose="020F0502020204030203" pitchFamily="34" charset="0"/>
+                          <a:ea typeface="Lato" panose="020F0502020204030203" pitchFamily="34" charset="0"/>
+                          <a:cs typeface="Lato" panose="020F0502020204030203" pitchFamily="34" charset="0"/>
+                        </a:rPr>
+                        <a:t>   API/Microservices</a:t>
+                      </a:r>
+                    </a:p>
+                    <a:p>
+                      <a:pPr marL="0" marR="0">
+                        <a:lnSpc>
+                          <a:spcPct val="107000"/>
+                        </a:lnSpc>
+                        <a:spcBef>
+                          <a:spcPts val="0"/>
+                        </a:spcBef>
+                        <a:spcAft>
+                          <a:spcPts val="0"/>
+                        </a:spcAft>
+                      </a:pPr>
+                      <a:r>
+                        <a:rPr lang="en-US" sz="900" dirty="0">
+                          <a:effectLst/>
+                          <a:latin typeface="Lato" panose="020F0502020204030203" pitchFamily="34" charset="0"/>
+                          <a:ea typeface="Lato" panose="020F0502020204030203" pitchFamily="34" charset="0"/>
+                          <a:cs typeface="Lato" panose="020F0502020204030203" pitchFamily="34" charset="0"/>
+                        </a:rPr>
+                        <a:t> </a:t>
+                      </a:r>
+                    </a:p>
+                  </a:txBody>
+                  <a:tcPr marL="30256" marR="30256" marT="0" marB="0"/>
+                </a:tc>
+                <a:tc>
+                  <a:txBody>
+                    <a:bodyPr/>
+                    <a:lstStyle/>
+                    <a:p>
+                      <a:pPr marL="0" marR="0">
+                        <a:lnSpc>
+                          <a:spcPct val="107000"/>
+                        </a:lnSpc>
+                        <a:spcBef>
+                          <a:spcPts val="0"/>
+                        </a:spcBef>
+                        <a:spcAft>
+                          <a:spcPts val="0"/>
+                        </a:spcAft>
+                      </a:pPr>
+                      <a:r>
+                        <a:rPr lang="en-US" sz="900" dirty="0">
+                          <a:effectLst/>
+                          <a:latin typeface="Lato" panose="020F0502020204030203" pitchFamily="34" charset="0"/>
+                          <a:ea typeface="Lato" panose="020F0502020204030203" pitchFamily="34" charset="0"/>
+                          <a:cs typeface="Lato" panose="020F0502020204030203" pitchFamily="34" charset="0"/>
+                        </a:rPr>
+                        <a:t>Exam Scenario -&gt;Questions</a:t>
+                      </a:r>
+                    </a:p>
+                    <a:p>
+                      <a:pPr marL="0" marR="0">
+                        <a:lnSpc>
+                          <a:spcPct val="107000"/>
+                        </a:lnSpc>
+                        <a:spcBef>
+                          <a:spcPts val="0"/>
+                        </a:spcBef>
+                        <a:spcAft>
+                          <a:spcPts val="0"/>
+                        </a:spcAft>
+                      </a:pPr>
+                      <a:r>
+                        <a:rPr lang="en-US" sz="900" dirty="0">
+                          <a:effectLst/>
+                          <a:latin typeface="Lato" panose="020F0502020204030203" pitchFamily="34" charset="0"/>
+                          <a:ea typeface="Lato" panose="020F0502020204030203" pitchFamily="34" charset="0"/>
+                          <a:cs typeface="Lato" panose="020F0502020204030203" pitchFamily="34" charset="0"/>
+                        </a:rPr>
+                        <a:t>    Set Questionnaire</a:t>
+                      </a:r>
+                    </a:p>
+                    <a:p>
+                      <a:pPr marL="0" marR="0">
+                        <a:lnSpc>
+                          <a:spcPct val="107000"/>
+                        </a:lnSpc>
+                        <a:spcBef>
+                          <a:spcPts val="0"/>
+                        </a:spcBef>
+                        <a:spcAft>
+                          <a:spcPts val="0"/>
+                        </a:spcAft>
+                      </a:pPr>
+                      <a:r>
+                        <a:rPr lang="en-US" sz="900" dirty="0">
+                          <a:effectLst/>
+                          <a:latin typeface="Lato" panose="020F0502020204030203" pitchFamily="34" charset="0"/>
+                          <a:ea typeface="Lato" panose="020F0502020204030203" pitchFamily="34" charset="0"/>
+                          <a:cs typeface="Lato" panose="020F0502020204030203" pitchFamily="34" charset="0"/>
+                        </a:rPr>
+                        <a:t>    Display exam</a:t>
+                      </a:r>
+                    </a:p>
+                  </a:txBody>
+                  <a:tcPr marL="30256" marR="30256" marT="0" marB="0"/>
+                </a:tc>
+                <a:tc>
+                  <a:txBody>
+                    <a:bodyPr/>
+                    <a:lstStyle/>
+                    <a:p>
+                      <a:pPr marL="0" marR="0">
+                        <a:lnSpc>
+                          <a:spcPct val="107000"/>
+                        </a:lnSpc>
+                        <a:spcBef>
+                          <a:spcPts val="0"/>
+                        </a:spcBef>
+                        <a:spcAft>
+                          <a:spcPts val="0"/>
+                        </a:spcAft>
+                      </a:pPr>
+                      <a:r>
+                        <a:rPr lang="en-US" sz="900" dirty="0">
+                          <a:effectLst/>
+                          <a:latin typeface="Lato" panose="020F0502020204030203" pitchFamily="34" charset="0"/>
+                          <a:ea typeface="Lato" panose="020F0502020204030203" pitchFamily="34" charset="0"/>
+                          <a:cs typeface="Lato" panose="020F0502020204030203" pitchFamily="34" charset="0"/>
+                        </a:rPr>
+                        <a:t>Chatgpt api integration for admin</a:t>
+                      </a:r>
+                    </a:p>
+                    <a:p>
+                      <a:pPr marL="0" marR="0">
+                        <a:lnSpc>
+                          <a:spcPct val="107000"/>
+                        </a:lnSpc>
+                        <a:spcBef>
+                          <a:spcPts val="0"/>
+                        </a:spcBef>
+                        <a:spcAft>
+                          <a:spcPts val="0"/>
+                        </a:spcAft>
+                      </a:pPr>
+                      <a:r>
+                        <a:rPr lang="en-US" sz="900" dirty="0">
+                          <a:effectLst/>
+                          <a:latin typeface="Lato" panose="020F0502020204030203" pitchFamily="34" charset="0"/>
+                          <a:ea typeface="Lato" panose="020F0502020204030203" pitchFamily="34" charset="0"/>
+                          <a:cs typeface="Lato" panose="020F0502020204030203" pitchFamily="34" charset="0"/>
+                        </a:rPr>
+                        <a:t>Content taken from databases </a:t>
+                      </a:r>
+                    </a:p>
+                    <a:p>
+                      <a:pPr marL="0" marR="0">
+                        <a:lnSpc>
+                          <a:spcPct val="107000"/>
+                        </a:lnSpc>
+                        <a:spcBef>
+                          <a:spcPts val="0"/>
+                        </a:spcBef>
+                        <a:spcAft>
+                          <a:spcPts val="0"/>
+                        </a:spcAft>
+                      </a:pPr>
+                      <a:r>
+                        <a:rPr lang="en-US" sz="900" dirty="0">
+                          <a:effectLst/>
+                          <a:latin typeface="Lato" panose="020F0502020204030203" pitchFamily="34" charset="0"/>
+                          <a:ea typeface="Lato" panose="020F0502020204030203" pitchFamily="34" charset="0"/>
+                          <a:cs typeface="Lato" panose="020F0502020204030203" pitchFamily="34" charset="0"/>
+                        </a:rPr>
+                        <a:t>Api Services: open source JHipster </a:t>
+                      </a:r>
+                    </a:p>
+                    <a:p>
+                      <a:pPr marL="0" marR="0">
+                        <a:lnSpc>
+                          <a:spcPct val="107000"/>
+                        </a:lnSpc>
+                        <a:spcBef>
+                          <a:spcPts val="0"/>
+                        </a:spcBef>
+                        <a:spcAft>
+                          <a:spcPts val="0"/>
+                        </a:spcAft>
+                      </a:pPr>
+                      <a:r>
+                        <a:rPr lang="en-US" sz="900" dirty="0">
+                          <a:effectLst/>
+                          <a:latin typeface="Lato" panose="020F0502020204030203" pitchFamily="34" charset="0"/>
+                          <a:ea typeface="Lato" panose="020F0502020204030203" pitchFamily="34" charset="0"/>
+                          <a:cs typeface="Lato" panose="020F0502020204030203" pitchFamily="34" charset="0"/>
+                        </a:rPr>
+                        <a:t> </a:t>
+                      </a:r>
+                    </a:p>
+                    <a:p>
+                      <a:pPr marL="0" marR="0">
+                        <a:lnSpc>
+                          <a:spcPct val="107000"/>
+                        </a:lnSpc>
+                        <a:spcBef>
+                          <a:spcPts val="0"/>
+                        </a:spcBef>
+                        <a:spcAft>
+                          <a:spcPts val="0"/>
+                        </a:spcAft>
+                      </a:pPr>
+                      <a:r>
+                        <a:rPr lang="en-US" sz="900" dirty="0">
+                          <a:effectLst/>
+                          <a:latin typeface="Lato" panose="020F0502020204030203" pitchFamily="34" charset="0"/>
+                          <a:ea typeface="Lato" panose="020F0502020204030203" pitchFamily="34" charset="0"/>
+                          <a:cs typeface="Lato" panose="020F0502020204030203" pitchFamily="34" charset="0"/>
+                        </a:rPr>
+                        <a:t> </a:t>
+                      </a:r>
+                    </a:p>
+                  </a:txBody>
+                  <a:tcPr marL="30256" marR="30256" marT="0" marB="0"/>
+                </a:tc>
+                <a:extLst>
+                  <a:ext uri="{0D108BD9-81ED-4DB2-BD59-A6C34878D82A}">
+                    <a16:rowId xmlns:a16="http://schemas.microsoft.com/office/drawing/2014/main" val="1477253153"/>
+                  </a:ext>
+                </a:extLst>
+              </a:tr>
+              <a:tr h="563003">
+                <a:tc>
+                  <a:txBody>
+                    <a:bodyPr/>
+                    <a:lstStyle/>
+                    <a:p>
+                      <a:pPr marL="0" marR="0">
+                        <a:lnSpc>
+                          <a:spcPct val="107000"/>
+                        </a:lnSpc>
+                        <a:spcBef>
+                          <a:spcPts val="0"/>
+                        </a:spcBef>
+                        <a:spcAft>
+                          <a:spcPts val="0"/>
+                        </a:spcAft>
+                      </a:pPr>
+                      <a:r>
+                        <a:rPr lang="en-US" sz="900" dirty="0">
+                          <a:effectLst/>
+                          <a:latin typeface="Lato" panose="020F0502020204030203" pitchFamily="34" charset="0"/>
+                          <a:ea typeface="Lato" panose="020F0502020204030203" pitchFamily="34" charset="0"/>
+                          <a:cs typeface="Lato" panose="020F0502020204030203" pitchFamily="34" charset="0"/>
+                        </a:rPr>
+                        <a:t>Leaderboard</a:t>
+                      </a:r>
+                    </a:p>
+                    <a:p>
+                      <a:pPr marL="0" marR="0">
+                        <a:lnSpc>
+                          <a:spcPct val="107000"/>
+                        </a:lnSpc>
+                        <a:spcBef>
+                          <a:spcPts val="0"/>
+                        </a:spcBef>
+                        <a:spcAft>
+                          <a:spcPts val="0"/>
+                        </a:spcAft>
+                      </a:pPr>
+                      <a:r>
+                        <a:rPr lang="en-US" sz="900" dirty="0">
+                          <a:effectLst/>
+                          <a:latin typeface="Lato" panose="020F0502020204030203" pitchFamily="34" charset="0"/>
+                          <a:ea typeface="Lato" panose="020F0502020204030203" pitchFamily="34" charset="0"/>
+                          <a:cs typeface="Lato" panose="020F0502020204030203" pitchFamily="34" charset="0"/>
+                        </a:rPr>
+                        <a:t>  Admin</a:t>
+                      </a:r>
+                    </a:p>
+                    <a:p>
+                      <a:pPr marL="0" marR="0">
+                        <a:lnSpc>
+                          <a:spcPct val="107000"/>
+                        </a:lnSpc>
+                        <a:spcBef>
+                          <a:spcPts val="0"/>
+                        </a:spcBef>
+                        <a:spcAft>
+                          <a:spcPts val="0"/>
+                        </a:spcAft>
+                      </a:pPr>
+                      <a:r>
+                        <a:rPr lang="en-US" sz="900" dirty="0">
+                          <a:effectLst/>
+                          <a:latin typeface="Lato" panose="020F0502020204030203" pitchFamily="34" charset="0"/>
+                          <a:ea typeface="Lato" panose="020F0502020204030203" pitchFamily="34" charset="0"/>
+                          <a:cs typeface="Lato" panose="020F0502020204030203" pitchFamily="34" charset="0"/>
+                        </a:rPr>
+                        <a:t>  Learner</a:t>
+                      </a:r>
+                    </a:p>
+                  </a:txBody>
+                  <a:tcPr marL="30256" marR="30256" marT="0" marB="0"/>
+                </a:tc>
+                <a:tc>
+                  <a:txBody>
+                    <a:bodyPr/>
+                    <a:lstStyle/>
+                    <a:p>
+                      <a:pPr marL="0" marR="0">
+                        <a:lnSpc>
+                          <a:spcPct val="107000"/>
+                        </a:lnSpc>
+                        <a:spcBef>
+                          <a:spcPts val="0"/>
+                        </a:spcBef>
+                        <a:spcAft>
+                          <a:spcPts val="0"/>
+                        </a:spcAft>
+                      </a:pPr>
+                      <a:r>
+                        <a:rPr lang="en-US" sz="900" dirty="0">
+                          <a:effectLst/>
+                          <a:latin typeface="Lato" panose="020F0502020204030203" pitchFamily="34" charset="0"/>
+                          <a:ea typeface="Lato" panose="020F0502020204030203" pitchFamily="34" charset="0"/>
+                          <a:cs typeface="Lato" panose="020F0502020204030203" pitchFamily="34" charset="0"/>
+                        </a:rPr>
+                        <a:t>Display learners in proficiency</a:t>
+                      </a:r>
+                    </a:p>
+                    <a:p>
+                      <a:pPr marL="0" marR="0">
+                        <a:lnSpc>
+                          <a:spcPct val="107000"/>
+                        </a:lnSpc>
+                        <a:spcBef>
+                          <a:spcPts val="0"/>
+                        </a:spcBef>
+                        <a:spcAft>
+                          <a:spcPts val="0"/>
+                        </a:spcAft>
+                      </a:pPr>
+                      <a:r>
+                        <a:rPr lang="en-US" sz="900" dirty="0">
+                          <a:effectLst/>
+                          <a:latin typeface="Lato" panose="020F0502020204030203" pitchFamily="34" charset="0"/>
+                          <a:ea typeface="Lato" panose="020F0502020204030203" pitchFamily="34" charset="0"/>
+                          <a:cs typeface="Lato" panose="020F0502020204030203" pitchFamily="34" charset="0"/>
+                        </a:rPr>
+                        <a:t>  Use AI/ML is get leaderboard details using statistics, industry data, chatgpt</a:t>
+                      </a:r>
+                    </a:p>
+                  </a:txBody>
+                  <a:tcPr marL="30256" marR="30256" marT="0" marB="0"/>
+                </a:tc>
+                <a:tc>
+                  <a:txBody>
+                    <a:bodyPr/>
+                    <a:lstStyle/>
+                    <a:p>
+                      <a:pPr marL="0" marR="0">
+                        <a:lnSpc>
+                          <a:spcPct val="107000"/>
+                        </a:lnSpc>
+                        <a:spcBef>
+                          <a:spcPts val="0"/>
+                        </a:spcBef>
+                        <a:spcAft>
+                          <a:spcPts val="0"/>
+                        </a:spcAft>
+                      </a:pPr>
+                      <a:r>
+                        <a:rPr lang="en-US" sz="900" dirty="0">
+                          <a:effectLst/>
+                          <a:latin typeface="Lato" panose="020F0502020204030203" pitchFamily="34" charset="0"/>
+                          <a:ea typeface="Lato" panose="020F0502020204030203" pitchFamily="34" charset="0"/>
+                          <a:cs typeface="Lato" panose="020F0502020204030203" pitchFamily="34" charset="0"/>
+                        </a:rPr>
+                        <a:t>Use: Statistics, AI/ML , Chatgpt</a:t>
+                      </a:r>
+                    </a:p>
+                    <a:p>
+                      <a:pPr marL="0" marR="0">
+                        <a:lnSpc>
+                          <a:spcPct val="107000"/>
+                        </a:lnSpc>
+                        <a:spcBef>
+                          <a:spcPts val="0"/>
+                        </a:spcBef>
+                        <a:spcAft>
+                          <a:spcPts val="0"/>
+                        </a:spcAft>
+                      </a:pPr>
+                      <a:r>
+                        <a:rPr lang="en-US" sz="900" dirty="0">
+                          <a:effectLst/>
+                          <a:latin typeface="Lato" panose="020F0502020204030203" pitchFamily="34" charset="0"/>
+                          <a:ea typeface="Lato" panose="020F0502020204030203" pitchFamily="34" charset="0"/>
+                          <a:cs typeface="Lato" panose="020F0502020204030203" pitchFamily="34" charset="0"/>
+                        </a:rPr>
+                        <a:t>Api Services: open source JHipster </a:t>
+                      </a:r>
+                    </a:p>
+                    <a:p>
+                      <a:pPr marL="0" marR="0">
+                        <a:lnSpc>
+                          <a:spcPct val="107000"/>
+                        </a:lnSpc>
+                        <a:spcBef>
+                          <a:spcPts val="0"/>
+                        </a:spcBef>
+                        <a:spcAft>
+                          <a:spcPts val="0"/>
+                        </a:spcAft>
+                      </a:pPr>
+                      <a:r>
+                        <a:rPr lang="en-US" sz="900" dirty="0">
+                          <a:effectLst/>
+                          <a:latin typeface="Lato" panose="020F0502020204030203" pitchFamily="34" charset="0"/>
+                          <a:ea typeface="Lato" panose="020F0502020204030203" pitchFamily="34" charset="0"/>
+                          <a:cs typeface="Lato" panose="020F0502020204030203" pitchFamily="34" charset="0"/>
+                        </a:rPr>
+                        <a:t>Excel output and integrate with leaderboard.</a:t>
+                      </a:r>
+                    </a:p>
+                    <a:p>
+                      <a:pPr marL="0" marR="0">
+                        <a:lnSpc>
+                          <a:spcPct val="107000"/>
+                        </a:lnSpc>
+                        <a:spcBef>
+                          <a:spcPts val="0"/>
+                        </a:spcBef>
+                        <a:spcAft>
+                          <a:spcPts val="0"/>
+                        </a:spcAft>
+                      </a:pPr>
+                      <a:r>
+                        <a:rPr lang="en-US" sz="900" dirty="0">
+                          <a:effectLst/>
+                          <a:latin typeface="Lato" panose="020F0502020204030203" pitchFamily="34" charset="0"/>
+                          <a:ea typeface="Lato" panose="020F0502020204030203" pitchFamily="34" charset="0"/>
+                          <a:cs typeface="Lato" panose="020F0502020204030203" pitchFamily="34" charset="0"/>
+                        </a:rPr>
+                        <a:t> </a:t>
+                      </a:r>
+                    </a:p>
+                  </a:txBody>
+                  <a:tcPr marL="30256" marR="30256" marT="0" marB="0"/>
+                </a:tc>
+                <a:extLst>
+                  <a:ext uri="{0D108BD9-81ED-4DB2-BD59-A6C34878D82A}">
+                    <a16:rowId xmlns:a16="http://schemas.microsoft.com/office/drawing/2014/main" val="247651741"/>
+                  </a:ext>
+                </a:extLst>
+              </a:tr>
+              <a:tr h="300408">
+                <a:tc>
+                  <a:txBody>
+                    <a:bodyPr/>
+                    <a:lstStyle/>
+                    <a:p>
+                      <a:pPr marL="0" marR="0">
+                        <a:lnSpc>
+                          <a:spcPct val="107000"/>
+                        </a:lnSpc>
+                        <a:spcBef>
+                          <a:spcPts val="0"/>
+                        </a:spcBef>
+                        <a:spcAft>
+                          <a:spcPts val="0"/>
+                        </a:spcAft>
+                      </a:pPr>
+                      <a:r>
+                        <a:rPr lang="en-US" sz="900" dirty="0">
+                          <a:effectLst/>
+                          <a:latin typeface="Lato" panose="020F0502020204030203" pitchFamily="34" charset="0"/>
+                          <a:ea typeface="Lato" panose="020F0502020204030203" pitchFamily="34" charset="0"/>
+                          <a:cs typeface="Lato" panose="020F0502020204030203" pitchFamily="34" charset="0"/>
+                        </a:rPr>
+                        <a:t>Reports</a:t>
+                      </a:r>
+                    </a:p>
+                  </a:txBody>
+                  <a:tcPr marL="30256" marR="30256" marT="0" marB="0"/>
+                </a:tc>
+                <a:tc>
+                  <a:txBody>
+                    <a:bodyPr/>
+                    <a:lstStyle/>
+                    <a:p>
+                      <a:pPr marL="0" marR="0">
+                        <a:lnSpc>
+                          <a:spcPct val="107000"/>
+                        </a:lnSpc>
+                        <a:spcBef>
+                          <a:spcPts val="0"/>
+                        </a:spcBef>
+                        <a:spcAft>
+                          <a:spcPts val="0"/>
+                        </a:spcAft>
+                      </a:pPr>
+                      <a:r>
+                        <a:rPr lang="en-US" sz="900" dirty="0">
+                          <a:effectLst/>
+                          <a:latin typeface="Lato" panose="020F0502020204030203" pitchFamily="34" charset="0"/>
+                          <a:ea typeface="Lato" panose="020F0502020204030203" pitchFamily="34" charset="0"/>
+                          <a:cs typeface="Lato" panose="020F0502020204030203" pitchFamily="34" charset="0"/>
+                        </a:rPr>
+                        <a:t>Exam reports</a:t>
+                      </a:r>
+                    </a:p>
+                    <a:p>
+                      <a:pPr marL="0" marR="0">
+                        <a:lnSpc>
+                          <a:spcPct val="107000"/>
+                        </a:lnSpc>
+                        <a:spcBef>
+                          <a:spcPts val="0"/>
+                        </a:spcBef>
+                        <a:spcAft>
+                          <a:spcPts val="0"/>
+                        </a:spcAft>
+                      </a:pPr>
+                      <a:r>
+                        <a:rPr lang="en-US" sz="900" dirty="0">
+                          <a:effectLst/>
+                          <a:latin typeface="Lato" panose="020F0502020204030203" pitchFamily="34" charset="0"/>
+                          <a:ea typeface="Lato" panose="020F0502020204030203" pitchFamily="34" charset="0"/>
+                          <a:cs typeface="Lato" panose="020F0502020204030203" pitchFamily="34" charset="0"/>
+                        </a:rPr>
+                        <a:t>Course completions</a:t>
+                      </a:r>
+                    </a:p>
+                  </a:txBody>
+                  <a:tcPr marL="30256" marR="30256" marT="0" marB="0"/>
+                </a:tc>
+                <a:tc>
+                  <a:txBody>
+                    <a:bodyPr/>
+                    <a:lstStyle/>
+                    <a:p>
+                      <a:pPr marL="0" marR="0">
+                        <a:lnSpc>
+                          <a:spcPct val="107000"/>
+                        </a:lnSpc>
+                        <a:spcBef>
+                          <a:spcPts val="0"/>
+                        </a:spcBef>
+                        <a:spcAft>
+                          <a:spcPts val="0"/>
+                        </a:spcAft>
+                      </a:pPr>
+                      <a:r>
+                        <a:rPr lang="en-US" sz="900" dirty="0">
+                          <a:effectLst/>
+                          <a:latin typeface="Lato" panose="020F0502020204030203" pitchFamily="34" charset="0"/>
+                          <a:ea typeface="Lato" panose="020F0502020204030203" pitchFamily="34" charset="0"/>
+                          <a:cs typeface="Lato" panose="020F0502020204030203" pitchFamily="34" charset="0"/>
+                        </a:rPr>
+                        <a:t>Use: Angular reports </a:t>
+                      </a:r>
+                    </a:p>
+                  </a:txBody>
+                  <a:tcPr marL="30256" marR="30256" marT="0" marB="0"/>
+                </a:tc>
+                <a:extLst>
+                  <a:ext uri="{0D108BD9-81ED-4DB2-BD59-A6C34878D82A}">
+                    <a16:rowId xmlns:a16="http://schemas.microsoft.com/office/drawing/2014/main" val="4240154395"/>
+                  </a:ext>
+                </a:extLst>
+              </a:tr>
+              <a:tr h="419235">
+                <a:tc>
+                  <a:txBody>
+                    <a:bodyPr/>
+                    <a:lstStyle/>
+                    <a:p>
+                      <a:pPr marL="0" marR="0">
+                        <a:lnSpc>
+                          <a:spcPct val="107000"/>
+                        </a:lnSpc>
+                        <a:spcBef>
+                          <a:spcPts val="0"/>
+                        </a:spcBef>
+                        <a:spcAft>
+                          <a:spcPts val="0"/>
+                        </a:spcAft>
+                      </a:pPr>
+                      <a:r>
+                        <a:rPr lang="en-US" sz="900" dirty="0">
+                          <a:effectLst/>
+                          <a:latin typeface="Lato" panose="020F0502020204030203" pitchFamily="34" charset="0"/>
+                          <a:ea typeface="Lato" panose="020F0502020204030203" pitchFamily="34" charset="0"/>
+                          <a:cs typeface="Lato" panose="020F0502020204030203" pitchFamily="34" charset="0"/>
+                        </a:rPr>
+                        <a:t>Dashboard</a:t>
+                      </a:r>
+                    </a:p>
+                  </a:txBody>
+                  <a:tcPr marL="30256" marR="30256" marT="0" marB="0"/>
+                </a:tc>
+                <a:tc>
+                  <a:txBody>
+                    <a:bodyPr/>
+                    <a:lstStyle/>
+                    <a:p>
+                      <a:pPr marL="0" marR="0">
+                        <a:lnSpc>
+                          <a:spcPct val="107000"/>
+                        </a:lnSpc>
+                        <a:spcBef>
+                          <a:spcPts val="0"/>
+                        </a:spcBef>
+                        <a:spcAft>
+                          <a:spcPts val="0"/>
+                        </a:spcAft>
+                      </a:pPr>
+                      <a:r>
+                        <a:rPr lang="en-US" sz="900" dirty="0">
+                          <a:effectLst/>
+                          <a:latin typeface="Lato" panose="020F0502020204030203" pitchFamily="34" charset="0"/>
+                          <a:ea typeface="Lato" panose="020F0502020204030203" pitchFamily="34" charset="0"/>
+                          <a:cs typeface="Lato" panose="020F0502020204030203" pitchFamily="34" charset="0"/>
+                        </a:rPr>
+                        <a:t>Courses completed</a:t>
+                      </a:r>
+                    </a:p>
+                    <a:p>
+                      <a:pPr marL="0" marR="0">
+                        <a:lnSpc>
+                          <a:spcPct val="107000"/>
+                        </a:lnSpc>
+                        <a:spcBef>
+                          <a:spcPts val="0"/>
+                        </a:spcBef>
+                        <a:spcAft>
+                          <a:spcPts val="0"/>
+                        </a:spcAft>
+                      </a:pPr>
+                      <a:r>
+                        <a:rPr lang="en-US" sz="900" dirty="0">
+                          <a:effectLst/>
+                          <a:latin typeface="Lato" panose="020F0502020204030203" pitchFamily="34" charset="0"/>
+                          <a:ea typeface="Lato" panose="020F0502020204030203" pitchFamily="34" charset="0"/>
+                          <a:cs typeface="Lato" panose="020F0502020204030203" pitchFamily="34" charset="0"/>
+                        </a:rPr>
+                        <a:t>Tests completed</a:t>
+                      </a:r>
+                    </a:p>
+                    <a:p>
+                      <a:pPr marL="0" marR="0">
+                        <a:lnSpc>
+                          <a:spcPct val="107000"/>
+                        </a:lnSpc>
+                        <a:spcBef>
+                          <a:spcPts val="0"/>
+                        </a:spcBef>
+                        <a:spcAft>
+                          <a:spcPts val="0"/>
+                        </a:spcAft>
+                      </a:pPr>
+                      <a:r>
+                        <a:rPr lang="en-US" sz="900" dirty="0">
+                          <a:effectLst/>
+                          <a:latin typeface="Lato" panose="020F0502020204030203" pitchFamily="34" charset="0"/>
+                          <a:ea typeface="Lato" panose="020F0502020204030203" pitchFamily="34" charset="0"/>
+                          <a:cs typeface="Lato" panose="020F0502020204030203" pitchFamily="34" charset="0"/>
+                        </a:rPr>
+                        <a:t>Badges</a:t>
+                      </a:r>
+                    </a:p>
+                  </a:txBody>
+                  <a:tcPr marL="30256" marR="30256" marT="0" marB="0"/>
+                </a:tc>
+                <a:tc>
+                  <a:txBody>
+                    <a:bodyPr/>
+                    <a:lstStyle/>
+                    <a:p>
+                      <a:pPr marL="0" marR="0">
+                        <a:lnSpc>
+                          <a:spcPct val="107000"/>
+                        </a:lnSpc>
+                        <a:spcBef>
+                          <a:spcPts val="0"/>
+                        </a:spcBef>
+                        <a:spcAft>
+                          <a:spcPts val="0"/>
+                        </a:spcAft>
+                      </a:pPr>
+                      <a:r>
+                        <a:rPr lang="en-US" sz="900" dirty="0">
+                          <a:effectLst/>
+                          <a:latin typeface="Lato" panose="020F0502020204030203" pitchFamily="34" charset="0"/>
+                          <a:ea typeface="Lato" panose="020F0502020204030203" pitchFamily="34" charset="0"/>
+                          <a:cs typeface="Lato" panose="020F0502020204030203" pitchFamily="34" charset="0"/>
+                        </a:rPr>
+                        <a:t>Interests topics/courses display. </a:t>
+                      </a:r>
+                    </a:p>
+                  </a:txBody>
+                  <a:tcPr marL="30256" marR="30256" marT="0" marB="0"/>
+                </a:tc>
+                <a:extLst>
+                  <a:ext uri="{0D108BD9-81ED-4DB2-BD59-A6C34878D82A}">
+                    <a16:rowId xmlns:a16="http://schemas.microsoft.com/office/drawing/2014/main" val="1052932787"/>
+                  </a:ext>
+                </a:extLst>
+              </a:tr>
+              <a:tr h="419235">
+                <a:tc>
+                  <a:txBody>
+                    <a:bodyPr/>
+                    <a:lstStyle/>
+                    <a:p>
+                      <a:pPr marL="0" marR="0">
+                        <a:lnSpc>
+                          <a:spcPct val="107000"/>
+                        </a:lnSpc>
+                        <a:spcBef>
+                          <a:spcPts val="0"/>
+                        </a:spcBef>
+                        <a:spcAft>
+                          <a:spcPts val="0"/>
+                        </a:spcAft>
+                      </a:pPr>
+                      <a:r>
+                        <a:rPr lang="en-US" sz="900" dirty="0">
+                          <a:effectLst/>
+                          <a:latin typeface="Lato" panose="020F0502020204030203" pitchFamily="34" charset="0"/>
+                          <a:ea typeface="Lato" panose="020F0502020204030203" pitchFamily="34" charset="0"/>
+                          <a:cs typeface="Lato" panose="020F0502020204030203" pitchFamily="34" charset="0"/>
+                        </a:rPr>
+                        <a:t>Admin</a:t>
+                      </a:r>
+                    </a:p>
+                  </a:txBody>
+                  <a:tcPr marL="30256" marR="30256" marT="0" marB="0"/>
+                </a:tc>
+                <a:tc>
+                  <a:txBody>
+                    <a:bodyPr/>
+                    <a:lstStyle/>
+                    <a:p>
+                      <a:pPr marL="0" marR="0">
+                        <a:lnSpc>
+                          <a:spcPct val="107000"/>
+                        </a:lnSpc>
+                        <a:spcBef>
+                          <a:spcPts val="0"/>
+                        </a:spcBef>
+                        <a:spcAft>
+                          <a:spcPts val="0"/>
+                        </a:spcAft>
+                      </a:pPr>
+                      <a:r>
+                        <a:rPr lang="en-US" sz="900" dirty="0">
+                          <a:effectLst/>
+                          <a:latin typeface="Lato" panose="020F0502020204030203" pitchFamily="34" charset="0"/>
+                          <a:ea typeface="Lato" panose="020F0502020204030203" pitchFamily="34" charset="0"/>
+                          <a:cs typeface="Lato" panose="020F0502020204030203" pitchFamily="34" charset="0"/>
+                        </a:rPr>
+                        <a:t>Exam settings</a:t>
+                      </a:r>
+                    </a:p>
+                    <a:p>
+                      <a:pPr marL="0" marR="0">
+                        <a:lnSpc>
+                          <a:spcPct val="107000"/>
+                        </a:lnSpc>
+                        <a:spcBef>
+                          <a:spcPts val="0"/>
+                        </a:spcBef>
+                        <a:spcAft>
+                          <a:spcPts val="0"/>
+                        </a:spcAft>
+                      </a:pPr>
+                      <a:r>
+                        <a:rPr lang="en-US" sz="900" dirty="0">
+                          <a:effectLst/>
+                          <a:latin typeface="Lato" panose="020F0502020204030203" pitchFamily="34" charset="0"/>
+                          <a:ea typeface="Lato" panose="020F0502020204030203" pitchFamily="34" charset="0"/>
+                          <a:cs typeface="Lato" panose="020F0502020204030203" pitchFamily="34" charset="0"/>
+                        </a:rPr>
+                        <a:t>Courses settings</a:t>
+                      </a:r>
+                    </a:p>
+                    <a:p>
+                      <a:pPr marL="0" marR="0">
+                        <a:lnSpc>
+                          <a:spcPct val="107000"/>
+                        </a:lnSpc>
+                        <a:spcBef>
+                          <a:spcPts val="0"/>
+                        </a:spcBef>
+                        <a:spcAft>
+                          <a:spcPts val="0"/>
+                        </a:spcAft>
+                      </a:pPr>
+                      <a:r>
+                        <a:rPr lang="en-US" sz="900" dirty="0">
+                          <a:effectLst/>
+                          <a:latin typeface="Lato" panose="020F0502020204030203" pitchFamily="34" charset="0"/>
+                          <a:ea typeface="Lato" panose="020F0502020204030203" pitchFamily="34" charset="0"/>
+                          <a:cs typeface="Lato" panose="020F0502020204030203" pitchFamily="34" charset="0"/>
+                        </a:rPr>
+                        <a:t>User settings</a:t>
+                      </a:r>
+                    </a:p>
+                  </a:txBody>
+                  <a:tcPr marL="30256" marR="30256" marT="0" marB="0"/>
+                </a:tc>
+                <a:tc>
+                  <a:txBody>
+                    <a:bodyPr/>
+                    <a:lstStyle/>
+                    <a:p>
+                      <a:pPr marL="0" marR="0">
+                        <a:lnSpc>
+                          <a:spcPct val="107000"/>
+                        </a:lnSpc>
+                        <a:spcBef>
+                          <a:spcPts val="0"/>
+                        </a:spcBef>
+                        <a:spcAft>
+                          <a:spcPts val="0"/>
+                        </a:spcAft>
+                      </a:pPr>
+                      <a:r>
+                        <a:rPr lang="en-US" sz="900" dirty="0">
+                          <a:effectLst/>
+                          <a:latin typeface="Lato" panose="020F0502020204030203" pitchFamily="34" charset="0"/>
+                          <a:ea typeface="Lato" panose="020F0502020204030203" pitchFamily="34" charset="0"/>
+                          <a:cs typeface="Lato" panose="020F0502020204030203" pitchFamily="34" charset="0"/>
+                        </a:rPr>
+                        <a:t> </a:t>
+                      </a:r>
+                    </a:p>
+                  </a:txBody>
+                  <a:tcPr marL="30256" marR="30256" marT="0" marB="0"/>
+                </a:tc>
+                <a:extLst>
+                  <a:ext uri="{0D108BD9-81ED-4DB2-BD59-A6C34878D82A}">
+                    <a16:rowId xmlns:a16="http://schemas.microsoft.com/office/drawing/2014/main" val="3231566582"/>
+                  </a:ext>
+                </a:extLst>
+              </a:tr>
+            </a:tbl>
+          </a:graphicData>
+        </a:graphic>
+      </p:graphicFrame>
+    </p:spTree>
+    <p:extLst>
+      <p:ext uri="{BB962C8B-B14F-4D97-AF65-F5344CB8AC3E}">
+        <p14:creationId xmlns:p14="http://schemas.microsoft.com/office/powerpoint/2010/main" val="1009966955"/>
+      </p:ext>
+    </p:extLst>
+  </p:cSld>
+  <p:clrMapOvr>
+    <a:masterClrMapping/>
+  </p:clrMapOvr>
+</p:sld>
+</file>
+
+<file path=ppt/slides/slide15.xml><?xml version="1.0" encoding="utf-8"?>
+<p:sld xmlns:a="http://schemas.openxmlformats.org/drawingml/2006/main" xmlns:r="http://schemas.openxmlformats.org/officeDocument/2006/relationships" xmlns:p="http://schemas.openxmlformats.org/presentationml/2006/main">
+  <p:cSld>
+    <p:spTree>
+      <p:nvGrpSpPr>
+        <p:cNvPr id="1" name=""/>
+        <p:cNvGrpSpPr/>
+        <p:nvPr/>
+      </p:nvGrpSpPr>
+      <p:grpSpPr>
+        <a:xfrm>
+          <a:off x="0" y="0"/>
+          <a:ext cx="0" cy="0"/>
+          <a:chOff x="0" y="0"/>
+          <a:chExt cx="0" cy="0"/>
+        </a:xfrm>
+      </p:grpSpPr>
+      <p:sp>
+        <p:nvSpPr>
+          <p:cNvPr id="104" name="CustomShape 1"/>
+          <p:cNvSpPr/>
+          <p:nvPr/>
+        </p:nvSpPr>
+        <p:spPr>
+          <a:xfrm>
+            <a:off x="0" y="0"/>
+            <a:ext cx="9209160" cy="467885"/>
+          </a:xfrm>
+          <a:prstGeom prst="rect">
+            <a:avLst/>
+          </a:prstGeom>
+          <a:noFill/>
+          <a:ln>
+            <a:noFill/>
+          </a:ln>
+        </p:spPr>
+        <p:style>
+          <a:lnRef idx="0">
+            <a:scrgbClr r="0" g="0" b="0"/>
+          </a:lnRef>
+          <a:fillRef idx="0">
+            <a:scrgbClr r="0" g="0" b="0"/>
+          </a:fillRef>
+          <a:effectRef idx="0">
+            <a:scrgbClr r="0" g="0" b="0"/>
+          </a:effectRef>
+          <a:fontRef idx="minor"/>
+        </p:style>
+        <p:txBody>
+          <a:bodyPr tIns="91440" bIns="91440">
+            <a:spAutoFit/>
+          </a:bodyPr>
+          <a:lstStyle/>
+          <a:p>
+            <a:pPr marL="0" marR="0">
+              <a:lnSpc>
+                <a:spcPct val="107000"/>
+              </a:lnSpc>
+              <a:spcBef>
+                <a:spcPts val="0"/>
+              </a:spcBef>
+              <a:spcAft>
+                <a:spcPts val="800"/>
+              </a:spcAft>
+            </a:pPr>
+            <a:r>
+              <a:rPr lang="en-US" sz="1800" b="1" dirty="0">
+                <a:ln>
+                  <a:noFill/>
+                </a:ln>
+                <a:solidFill>
+                  <a:srgbClr val="A5A5A5"/>
+                </a:solidFill>
+                <a:effectLst/>
+                <a:latin typeface="Calibri" panose="020F0502020204030204" pitchFamily="34" charset="0"/>
+                <a:ea typeface="DengXian" panose="02010600030101010101" pitchFamily="2" charset="-122"/>
+                <a:cs typeface="Times New Roman" panose="02020603050405020304" pitchFamily="18" charset="0"/>
+              </a:rPr>
+              <a:t>Non-Functional design</a:t>
+            </a:r>
+            <a:endParaRPr lang="en-US" sz="1800" dirty="0">
+              <a:effectLst/>
+              <a:latin typeface="Calibri" panose="020F0502020204030204" pitchFamily="34" charset="0"/>
+              <a:ea typeface="DengXian" panose="02010600030101010101" pitchFamily="2" charset="-122"/>
+              <a:cs typeface="Times New Roman" panose="02020603050405020304" pitchFamily="18" charset="0"/>
+            </a:endParaRPr>
+          </a:p>
+        </p:txBody>
+      </p:sp>
+      <p:sp>
+        <p:nvSpPr>
+          <p:cNvPr id="105" name="CustomShape 2"/>
+          <p:cNvSpPr/>
+          <p:nvPr/>
+        </p:nvSpPr>
+        <p:spPr>
+          <a:xfrm>
+            <a:off x="330605" y="492443"/>
+            <a:ext cx="8166414" cy="615553"/>
+          </a:xfrm>
+          <a:prstGeom prst="rect">
+            <a:avLst/>
+          </a:prstGeom>
+          <a:noFill/>
+          <a:ln>
+            <a:noFill/>
+          </a:ln>
+        </p:spPr>
+        <p:style>
+          <a:lnRef idx="0">
+            <a:scrgbClr r="0" g="0" b="0"/>
+          </a:lnRef>
+          <a:fillRef idx="0">
+            <a:scrgbClr r="0" g="0" b="0"/>
+          </a:fillRef>
+          <a:effectRef idx="0">
+            <a:scrgbClr r="0" g="0" b="0"/>
+          </a:effectRef>
+          <a:fontRef idx="minor"/>
+        </p:style>
+        <p:txBody>
+          <a:bodyPr wrap="square" tIns="91440" bIns="91440">
+            <a:spAutoFit/>
+          </a:bodyPr>
+          <a:lstStyle/>
+          <a:p>
+            <a:pPr>
+              <a:lnSpc>
+                <a:spcPct val="100000"/>
+              </a:lnSpc>
+              <a:tabLst>
+                <a:tab pos="0" algn="l"/>
+              </a:tabLst>
+            </a:pPr>
+            <a:r>
+              <a:rPr lang="en-US" sz="1400" spc="-1" dirty="0">
+                <a:solidFill>
+                  <a:srgbClr val="000000"/>
+                </a:solidFill>
+                <a:highlight>
+                  <a:srgbClr val="FFFFFF"/>
+                </a:highlight>
+                <a:latin typeface="Arial"/>
+              </a:rPr>
+              <a:t>	</a:t>
+            </a:r>
+            <a:endParaRPr lang="en-IN" sz="1400" b="0" strike="noStrike" spc="-1" dirty="0">
+              <a:latin typeface="Arial"/>
+            </a:endParaRPr>
+          </a:p>
+          <a:p>
+            <a:pPr>
+              <a:lnSpc>
+                <a:spcPct val="100000"/>
+              </a:lnSpc>
+              <a:tabLst>
+                <a:tab pos="0" algn="l"/>
+              </a:tabLst>
+            </a:pPr>
+            <a:endParaRPr lang="en-IN" sz="1400" b="0" strike="noStrike" spc="-1" dirty="0">
+              <a:latin typeface="Arial"/>
+            </a:endParaRPr>
+          </a:p>
+        </p:txBody>
+      </p:sp>
+      <p:pic>
+        <p:nvPicPr>
+          <p:cNvPr id="106" name="Picture 4" descr="Icon&#10;&#10;Description automatically generated"/>
+          <p:cNvPicPr/>
+          <p:nvPr/>
+        </p:nvPicPr>
+        <p:blipFill>
+          <a:blip r:embed="rId2"/>
+          <a:stretch/>
+        </p:blipFill>
+        <p:spPr>
+          <a:xfrm>
+            <a:off x="7789320" y="4744080"/>
+            <a:ext cx="1274760" cy="302040"/>
+          </a:xfrm>
+          <a:prstGeom prst="rect">
+            <a:avLst/>
+          </a:prstGeom>
+          <a:ln>
+            <a:noFill/>
+          </a:ln>
+        </p:spPr>
+      </p:pic>
+      <p:graphicFrame>
+        <p:nvGraphicFramePr>
+          <p:cNvPr id="2" name="Table 1">
+            <a:extLst>
+              <a:ext uri="{FF2B5EF4-FFF2-40B4-BE49-F238E27FC236}">
+                <a16:creationId xmlns:a16="http://schemas.microsoft.com/office/drawing/2014/main" id="{AB0418AB-25B3-D331-5ECC-6DD1A5A97479}"/>
+              </a:ext>
+            </a:extLst>
+          </p:cNvPr>
+          <p:cNvGraphicFramePr>
+            <a:graphicFrameLocks noGrp="1"/>
+          </p:cNvGraphicFramePr>
+          <p:nvPr>
+            <p:extLst>
+              <p:ext uri="{D42A27DB-BD31-4B8C-83A1-F6EECF244321}">
+                <p14:modId xmlns:p14="http://schemas.microsoft.com/office/powerpoint/2010/main" val="742451629"/>
+              </p:ext>
+            </p:extLst>
+          </p:nvPr>
+        </p:nvGraphicFramePr>
+        <p:xfrm>
+          <a:off x="79921" y="376518"/>
+          <a:ext cx="8733476" cy="4274541"/>
+        </p:xfrm>
+        <a:graphic>
+          <a:graphicData uri="http://schemas.openxmlformats.org/drawingml/2006/table">
+            <a:tbl>
+              <a:tblPr firstRow="1" firstCol="1" bandRow="1">
+                <a:tableStyleId>{5C22544A-7EE6-4342-B048-85BDC9FD1C3A}</a:tableStyleId>
+              </a:tblPr>
+              <a:tblGrid>
+                <a:gridCol w="2211470">
+                  <a:extLst>
+                    <a:ext uri="{9D8B030D-6E8A-4147-A177-3AD203B41FA5}">
+                      <a16:colId xmlns:a16="http://schemas.microsoft.com/office/drawing/2014/main" val="1454827128"/>
+                    </a:ext>
+                  </a:extLst>
+                </a:gridCol>
+                <a:gridCol w="3317505">
+                  <a:extLst>
+                    <a:ext uri="{9D8B030D-6E8A-4147-A177-3AD203B41FA5}">
+                      <a16:colId xmlns:a16="http://schemas.microsoft.com/office/drawing/2014/main" val="990896558"/>
+                    </a:ext>
+                  </a:extLst>
+                </a:gridCol>
+                <a:gridCol w="3204501">
+                  <a:extLst>
+                    <a:ext uri="{9D8B030D-6E8A-4147-A177-3AD203B41FA5}">
+                      <a16:colId xmlns:a16="http://schemas.microsoft.com/office/drawing/2014/main" val="2094122646"/>
+                    </a:ext>
+                  </a:extLst>
+                </a:gridCol>
+              </a:tblGrid>
+              <a:tr h="226319">
+                <a:tc>
+                  <a:txBody>
+                    <a:bodyPr/>
+                    <a:lstStyle/>
+                    <a:p>
+                      <a:pPr marL="0" marR="0">
+                        <a:lnSpc>
+                          <a:spcPct val="107000"/>
+                        </a:lnSpc>
+                        <a:spcBef>
+                          <a:spcPts val="0"/>
+                        </a:spcBef>
+                        <a:spcAft>
+                          <a:spcPts val="0"/>
+                        </a:spcAft>
+                      </a:pPr>
+                      <a:r>
+                        <a:rPr lang="en-US" sz="1100" dirty="0">
+                          <a:effectLst/>
+                          <a:latin typeface="Lato" panose="020F0502020204030203" pitchFamily="34" charset="0"/>
+                          <a:ea typeface="Lato" panose="020F0502020204030203" pitchFamily="34" charset="0"/>
+                          <a:cs typeface="Lato" panose="020F0502020204030203" pitchFamily="34" charset="0"/>
+                        </a:rPr>
+                        <a:t>Non-Functional Requirements</a:t>
+                      </a:r>
+                    </a:p>
+                  </a:txBody>
+                  <a:tcPr marL="44389" marR="44389" marT="0" marB="0"/>
+                </a:tc>
+                <a:tc>
+                  <a:txBody>
+                    <a:bodyPr/>
+                    <a:lstStyle/>
+                    <a:p>
+                      <a:pPr marL="0" marR="0">
+                        <a:lnSpc>
+                          <a:spcPct val="107000"/>
+                        </a:lnSpc>
+                        <a:spcBef>
+                          <a:spcPts val="0"/>
+                        </a:spcBef>
+                        <a:spcAft>
+                          <a:spcPts val="0"/>
+                        </a:spcAft>
+                      </a:pPr>
+                      <a:r>
+                        <a:rPr lang="en-US" sz="1100" dirty="0">
+                          <a:effectLst/>
+                          <a:latin typeface="Lato" panose="020F0502020204030203" pitchFamily="34" charset="0"/>
+                          <a:ea typeface="Lato" panose="020F0502020204030203" pitchFamily="34" charset="0"/>
+                          <a:cs typeface="Lato" panose="020F0502020204030203" pitchFamily="34" charset="0"/>
+                        </a:rPr>
+                        <a:t>Technical consideration</a:t>
+                      </a:r>
+                    </a:p>
+                  </a:txBody>
+                  <a:tcPr marL="44389" marR="44389" marT="0" marB="0"/>
+                </a:tc>
+                <a:tc>
+                  <a:txBody>
+                    <a:bodyPr/>
+                    <a:lstStyle/>
+                    <a:p>
+                      <a:pPr marL="0" marR="0">
+                        <a:lnSpc>
+                          <a:spcPct val="107000"/>
+                        </a:lnSpc>
+                        <a:spcBef>
+                          <a:spcPts val="0"/>
+                        </a:spcBef>
+                        <a:spcAft>
+                          <a:spcPts val="0"/>
+                        </a:spcAft>
+                      </a:pPr>
+                      <a:r>
+                        <a:rPr lang="en-US" sz="1100" dirty="0">
+                          <a:effectLst/>
+                          <a:latin typeface="Lato" panose="020F0502020204030203" pitchFamily="34" charset="0"/>
+                          <a:ea typeface="Lato" panose="020F0502020204030203" pitchFamily="34" charset="0"/>
+                          <a:cs typeface="Lato" panose="020F0502020204030203" pitchFamily="34" charset="0"/>
+                        </a:rPr>
+                        <a:t>Remarks/Actions</a:t>
+                      </a:r>
+                    </a:p>
+                  </a:txBody>
+                  <a:tcPr marL="44389" marR="44389" marT="0" marB="0"/>
+                </a:tc>
+                <a:extLst>
+                  <a:ext uri="{0D108BD9-81ED-4DB2-BD59-A6C34878D82A}">
+                    <a16:rowId xmlns:a16="http://schemas.microsoft.com/office/drawing/2014/main" val="3831835991"/>
+                  </a:ext>
+                </a:extLst>
+              </a:tr>
+              <a:tr h="347562">
+                <a:tc>
+                  <a:txBody>
+                    <a:bodyPr/>
+                    <a:lstStyle/>
+                    <a:p>
+                      <a:pPr marL="0" marR="0">
+                        <a:lnSpc>
+                          <a:spcPct val="107000"/>
+                        </a:lnSpc>
+                        <a:spcBef>
+                          <a:spcPts val="0"/>
+                        </a:spcBef>
+                        <a:spcAft>
+                          <a:spcPts val="0"/>
+                        </a:spcAft>
+                      </a:pPr>
+                      <a:r>
+                        <a:rPr lang="en-US" sz="1100" dirty="0">
+                          <a:effectLst/>
+                          <a:latin typeface="Lato" panose="020F0502020204030203" pitchFamily="34" charset="0"/>
+                          <a:ea typeface="Lato" panose="020F0502020204030203" pitchFamily="34" charset="0"/>
+                          <a:cs typeface="Lato" panose="020F0502020204030203" pitchFamily="34" charset="0"/>
+                        </a:rPr>
+                        <a:t>Performance</a:t>
+                      </a:r>
+                    </a:p>
+                  </a:txBody>
+                  <a:tcPr marL="44389" marR="44389" marT="0" marB="0"/>
+                </a:tc>
+                <a:tc>
+                  <a:txBody>
+                    <a:bodyPr/>
+                    <a:lstStyle/>
+                    <a:p>
+                      <a:pPr marL="0" marR="0">
+                        <a:lnSpc>
+                          <a:spcPct val="107000"/>
+                        </a:lnSpc>
+                        <a:spcBef>
+                          <a:spcPts val="0"/>
+                        </a:spcBef>
+                        <a:spcAft>
+                          <a:spcPts val="0"/>
+                        </a:spcAft>
+                      </a:pPr>
+                      <a:r>
+                        <a:rPr lang="en-US" sz="1100" dirty="0">
+                          <a:effectLst/>
+                          <a:latin typeface="Lato" panose="020F0502020204030203" pitchFamily="34" charset="0"/>
+                          <a:ea typeface="Lato" panose="020F0502020204030203" pitchFamily="34" charset="0"/>
+                          <a:cs typeface="Lato" panose="020F0502020204030203" pitchFamily="34" charset="0"/>
+                        </a:rPr>
+                        <a:t>Retrieval of data and display with a 3 seconds of time</a:t>
+                      </a:r>
+                    </a:p>
+                  </a:txBody>
+                  <a:tcPr marL="44389" marR="44389" marT="0" marB="0"/>
+                </a:tc>
+                <a:tc>
+                  <a:txBody>
+                    <a:bodyPr/>
+                    <a:lstStyle/>
+                    <a:p>
+                      <a:pPr marL="0" marR="0">
+                        <a:lnSpc>
+                          <a:spcPct val="107000"/>
+                        </a:lnSpc>
+                        <a:spcBef>
+                          <a:spcPts val="0"/>
+                        </a:spcBef>
+                        <a:spcAft>
+                          <a:spcPts val="0"/>
+                        </a:spcAft>
+                      </a:pPr>
+                      <a:r>
+                        <a:rPr lang="en-US" sz="1100" dirty="0">
+                          <a:effectLst/>
+                          <a:latin typeface="Lato" panose="020F0502020204030203" pitchFamily="34" charset="0"/>
+                          <a:ea typeface="Lato" panose="020F0502020204030203" pitchFamily="34" charset="0"/>
+                          <a:cs typeface="Lato" panose="020F0502020204030203" pitchFamily="34" charset="0"/>
+                        </a:rPr>
+                        <a:t>User data segmentation, distribution of  user data</a:t>
+                      </a:r>
+                    </a:p>
+                  </a:txBody>
+                  <a:tcPr marL="44389" marR="44389" marT="0" marB="0"/>
+                </a:tc>
+                <a:extLst>
+                  <a:ext uri="{0D108BD9-81ED-4DB2-BD59-A6C34878D82A}">
+                    <a16:rowId xmlns:a16="http://schemas.microsoft.com/office/drawing/2014/main" val="1401525283"/>
+                  </a:ext>
+                </a:extLst>
+              </a:tr>
+              <a:tr h="1359803">
+                <a:tc>
+                  <a:txBody>
+                    <a:bodyPr/>
+                    <a:lstStyle/>
+                    <a:p>
+                      <a:pPr marL="0" marR="0">
+                        <a:lnSpc>
+                          <a:spcPct val="107000"/>
+                        </a:lnSpc>
+                        <a:spcBef>
+                          <a:spcPts val="0"/>
+                        </a:spcBef>
+                        <a:spcAft>
+                          <a:spcPts val="0"/>
+                        </a:spcAft>
+                      </a:pPr>
+                      <a:r>
+                        <a:rPr lang="en-US" sz="1100" dirty="0">
+                          <a:effectLst/>
+                          <a:latin typeface="Lato" panose="020F0502020204030203" pitchFamily="34" charset="0"/>
+                          <a:ea typeface="Lato" panose="020F0502020204030203" pitchFamily="34" charset="0"/>
+                          <a:cs typeface="Lato" panose="020F0502020204030203" pitchFamily="34" charset="0"/>
+                        </a:rPr>
+                        <a:t>Security</a:t>
+                      </a:r>
+                    </a:p>
+                  </a:txBody>
+                  <a:tcPr marL="44389" marR="44389" marT="0" marB="0"/>
+                </a:tc>
+                <a:tc>
+                  <a:txBody>
+                    <a:bodyPr/>
+                    <a:lstStyle/>
+                    <a:p>
+                      <a:pPr marL="0" marR="0">
+                        <a:lnSpc>
+                          <a:spcPct val="107000"/>
+                        </a:lnSpc>
+                        <a:spcBef>
+                          <a:spcPts val="0"/>
+                        </a:spcBef>
+                        <a:spcAft>
+                          <a:spcPts val="0"/>
+                        </a:spcAft>
+                      </a:pPr>
+                      <a:r>
+                        <a:rPr lang="en-US" sz="1100" dirty="0">
+                          <a:effectLst/>
+                          <a:latin typeface="Lato" panose="020F0502020204030203" pitchFamily="34" charset="0"/>
+                          <a:ea typeface="Lato" panose="020F0502020204030203" pitchFamily="34" charset="0"/>
+                          <a:cs typeface="Lato" panose="020F0502020204030203" pitchFamily="34" charset="0"/>
+                        </a:rPr>
+                        <a:t>Secure login to application.</a:t>
+                      </a:r>
+                    </a:p>
+                    <a:p>
+                      <a:pPr marL="0" marR="0">
+                        <a:lnSpc>
+                          <a:spcPct val="107000"/>
+                        </a:lnSpc>
+                        <a:spcBef>
+                          <a:spcPts val="0"/>
+                        </a:spcBef>
+                        <a:spcAft>
+                          <a:spcPts val="0"/>
+                        </a:spcAft>
+                      </a:pPr>
+                      <a:r>
+                        <a:rPr lang="en-US" sz="1100" dirty="0">
+                          <a:effectLst/>
+                          <a:latin typeface="Lato" panose="020F0502020204030203" pitchFamily="34" charset="0"/>
+                          <a:ea typeface="Lato" panose="020F0502020204030203" pitchFamily="34" charset="0"/>
+                          <a:cs typeface="Lato" panose="020F0502020204030203" pitchFamily="34" charset="0"/>
+                        </a:rPr>
+                        <a:t>API secure for anonymous</a:t>
+                      </a:r>
+                    </a:p>
+                    <a:p>
+                      <a:pPr marL="0" marR="0">
+                        <a:lnSpc>
+                          <a:spcPct val="107000"/>
+                        </a:lnSpc>
+                        <a:spcBef>
+                          <a:spcPts val="0"/>
+                        </a:spcBef>
+                        <a:spcAft>
+                          <a:spcPts val="0"/>
+                        </a:spcAft>
+                      </a:pPr>
+                      <a:r>
+                        <a:rPr lang="en-US" sz="1100" dirty="0">
+                          <a:effectLst/>
+                          <a:latin typeface="Lato" panose="020F0502020204030203" pitchFamily="34" charset="0"/>
+                          <a:ea typeface="Lato" panose="020F0502020204030203" pitchFamily="34" charset="0"/>
+                          <a:cs typeface="Lato" panose="020F0502020204030203" pitchFamily="34" charset="0"/>
+                        </a:rPr>
+                        <a:t>Active Directory for access, auth</a:t>
+                      </a:r>
+                    </a:p>
+                  </a:txBody>
+                  <a:tcPr marL="44389" marR="44389" marT="0" marB="0"/>
+                </a:tc>
+                <a:tc>
+                  <a:txBody>
+                    <a:bodyPr/>
+                    <a:lstStyle/>
+                    <a:p>
+                      <a:pPr marL="0" marR="0">
+                        <a:lnSpc>
+                          <a:spcPct val="107000"/>
+                        </a:lnSpc>
+                        <a:spcBef>
+                          <a:spcPts val="0"/>
+                        </a:spcBef>
+                        <a:spcAft>
+                          <a:spcPts val="0"/>
+                        </a:spcAft>
+                      </a:pPr>
+                      <a:r>
+                        <a:rPr lang="en-US" sz="1100" dirty="0">
+                          <a:effectLst/>
+                          <a:latin typeface="Lato" panose="020F0502020204030203" pitchFamily="34" charset="0"/>
+                          <a:ea typeface="Lato" panose="020F0502020204030203" pitchFamily="34" charset="0"/>
+                          <a:cs typeface="Lato" panose="020F0502020204030203" pitchFamily="34" charset="0"/>
+                        </a:rPr>
+                        <a:t>Social login/OpenID/OAuth provider for authentication</a:t>
+                      </a:r>
+                    </a:p>
+                    <a:p>
+                      <a:pPr marL="0" marR="0">
+                        <a:lnSpc>
+                          <a:spcPct val="107000"/>
+                        </a:lnSpc>
+                        <a:spcBef>
+                          <a:spcPts val="0"/>
+                        </a:spcBef>
+                        <a:spcAft>
+                          <a:spcPts val="0"/>
+                        </a:spcAft>
+                      </a:pPr>
+                      <a:r>
+                        <a:rPr lang="en-US" sz="1100" dirty="0">
+                          <a:effectLst/>
+                          <a:latin typeface="Lato" panose="020F0502020204030203" pitchFamily="34" charset="0"/>
+                          <a:ea typeface="Lato" panose="020F0502020204030203" pitchFamily="34" charset="0"/>
+                          <a:cs typeface="Lato" panose="020F0502020204030203" pitchFamily="34" charset="0"/>
+                        </a:rPr>
+                        <a:t>Azure active directory for authorization</a:t>
+                      </a:r>
+                    </a:p>
+                    <a:p>
+                      <a:pPr marL="0" marR="0">
+                        <a:lnSpc>
+                          <a:spcPct val="107000"/>
+                        </a:lnSpc>
+                        <a:spcBef>
+                          <a:spcPts val="0"/>
+                        </a:spcBef>
+                        <a:spcAft>
+                          <a:spcPts val="0"/>
+                        </a:spcAft>
+                      </a:pPr>
+                      <a:r>
+                        <a:rPr lang="en-US" sz="1100" dirty="0">
+                          <a:effectLst/>
+                          <a:latin typeface="Lato" panose="020F0502020204030203" pitchFamily="34" charset="0"/>
+                          <a:ea typeface="Lato" panose="020F0502020204030203" pitchFamily="34" charset="0"/>
+                          <a:cs typeface="Lato" panose="020F0502020204030203" pitchFamily="34" charset="0"/>
+                        </a:rPr>
+                        <a:t>Client maintains their data in the shared db for common functionality.</a:t>
+                      </a:r>
+                    </a:p>
+                    <a:p>
+                      <a:pPr marL="0" marR="0">
+                        <a:lnSpc>
+                          <a:spcPct val="107000"/>
+                        </a:lnSpc>
+                        <a:spcBef>
+                          <a:spcPts val="0"/>
+                        </a:spcBef>
+                        <a:spcAft>
+                          <a:spcPts val="0"/>
+                        </a:spcAft>
+                      </a:pPr>
+                      <a:r>
+                        <a:rPr lang="en-US" sz="1100" dirty="0">
+                          <a:effectLst/>
+                          <a:latin typeface="Lato" panose="020F0502020204030203" pitchFamily="34" charset="0"/>
+                          <a:ea typeface="Lato" panose="020F0502020204030203" pitchFamily="34" charset="0"/>
+                          <a:cs typeface="Lato" panose="020F0502020204030203" pitchFamily="34" charset="0"/>
+                        </a:rPr>
+                        <a:t>Client maintains either separate or common db with secured db</a:t>
+                      </a:r>
+                    </a:p>
+                  </a:txBody>
+                  <a:tcPr marL="44389" marR="44389" marT="0" marB="0"/>
+                </a:tc>
+                <a:extLst>
+                  <a:ext uri="{0D108BD9-81ED-4DB2-BD59-A6C34878D82A}">
+                    <a16:rowId xmlns:a16="http://schemas.microsoft.com/office/drawing/2014/main" val="518136523"/>
+                  </a:ext>
+                </a:extLst>
+              </a:tr>
+              <a:tr h="256378">
+                <a:tc>
+                  <a:txBody>
+                    <a:bodyPr/>
+                    <a:lstStyle/>
+                    <a:p>
+                      <a:pPr marL="0" marR="0">
+                        <a:lnSpc>
+                          <a:spcPct val="107000"/>
+                        </a:lnSpc>
+                        <a:spcBef>
+                          <a:spcPts val="0"/>
+                        </a:spcBef>
+                        <a:spcAft>
+                          <a:spcPts val="0"/>
+                        </a:spcAft>
+                      </a:pPr>
+                      <a:r>
+                        <a:rPr lang="en-US" sz="1100" dirty="0">
+                          <a:effectLst/>
+                          <a:latin typeface="Lato" panose="020F0502020204030203" pitchFamily="34" charset="0"/>
+                          <a:ea typeface="Lato" panose="020F0502020204030203" pitchFamily="34" charset="0"/>
+                          <a:cs typeface="Lato" panose="020F0502020204030203" pitchFamily="34" charset="0"/>
+                        </a:rPr>
+                        <a:t>Scalability</a:t>
+                      </a:r>
+                    </a:p>
+                  </a:txBody>
+                  <a:tcPr marL="44389" marR="44389" marT="0" marB="0"/>
+                </a:tc>
+                <a:tc>
+                  <a:txBody>
+                    <a:bodyPr/>
+                    <a:lstStyle/>
+                    <a:p>
+                      <a:pPr marL="0" marR="0">
+                        <a:lnSpc>
+                          <a:spcPct val="107000"/>
+                        </a:lnSpc>
+                        <a:spcBef>
+                          <a:spcPts val="0"/>
+                        </a:spcBef>
+                        <a:spcAft>
+                          <a:spcPts val="0"/>
+                        </a:spcAft>
+                      </a:pPr>
+                      <a:r>
+                        <a:rPr lang="en-US" sz="1100" dirty="0">
+                          <a:effectLst/>
+                          <a:latin typeface="Lato" panose="020F0502020204030203" pitchFamily="34" charset="0"/>
+                          <a:ea typeface="Lato" panose="020F0502020204030203" pitchFamily="34" charset="0"/>
+                          <a:cs typeface="Lato" panose="020F0502020204030203" pitchFamily="34" charset="0"/>
+                        </a:rPr>
+                        <a:t>Distribution of data </a:t>
+                      </a:r>
+                    </a:p>
+                  </a:txBody>
+                  <a:tcPr marL="44389" marR="44389" marT="0" marB="0"/>
+                </a:tc>
+                <a:tc>
+                  <a:txBody>
+                    <a:bodyPr/>
+                    <a:lstStyle/>
+                    <a:p>
+                      <a:pPr marL="0" marR="0">
+                        <a:lnSpc>
+                          <a:spcPct val="107000"/>
+                        </a:lnSpc>
+                        <a:spcBef>
+                          <a:spcPts val="0"/>
+                        </a:spcBef>
+                        <a:spcAft>
+                          <a:spcPts val="0"/>
+                        </a:spcAft>
+                      </a:pPr>
+                      <a:r>
+                        <a:rPr lang="en-US" sz="1100" dirty="0">
+                          <a:effectLst/>
+                          <a:latin typeface="Lato" panose="020F0502020204030203" pitchFamily="34" charset="0"/>
+                          <a:ea typeface="Lato" panose="020F0502020204030203" pitchFamily="34" charset="0"/>
+                          <a:cs typeface="Lato" panose="020F0502020204030203" pitchFamily="34" charset="0"/>
+                        </a:rPr>
+                        <a:t>NoSQL</a:t>
+                      </a:r>
+                    </a:p>
+                  </a:txBody>
+                  <a:tcPr marL="44389" marR="44389" marT="0" marB="0"/>
+                </a:tc>
+                <a:extLst>
+                  <a:ext uri="{0D108BD9-81ED-4DB2-BD59-A6C34878D82A}">
+                    <a16:rowId xmlns:a16="http://schemas.microsoft.com/office/drawing/2014/main" val="382079172"/>
+                  </a:ext>
+                </a:extLst>
+              </a:tr>
+              <a:tr h="528950">
+                <a:tc>
+                  <a:txBody>
+                    <a:bodyPr/>
+                    <a:lstStyle/>
+                    <a:p>
+                      <a:pPr marL="0" marR="0">
+                        <a:lnSpc>
+                          <a:spcPct val="107000"/>
+                        </a:lnSpc>
+                        <a:spcBef>
+                          <a:spcPts val="0"/>
+                        </a:spcBef>
+                        <a:spcAft>
+                          <a:spcPts val="0"/>
+                        </a:spcAft>
+                      </a:pPr>
+                      <a:r>
+                        <a:rPr lang="en-US" sz="1100" dirty="0">
+                          <a:effectLst/>
+                          <a:latin typeface="Lato" panose="020F0502020204030203" pitchFamily="34" charset="0"/>
+                          <a:ea typeface="Lato" panose="020F0502020204030203" pitchFamily="34" charset="0"/>
+                          <a:cs typeface="Lato" panose="020F0502020204030203" pitchFamily="34" charset="0"/>
+                        </a:rPr>
+                        <a:t>Accessibility, Navigations</a:t>
+                      </a:r>
+                    </a:p>
+                  </a:txBody>
+                  <a:tcPr marL="44389" marR="44389" marT="0" marB="0"/>
+                </a:tc>
+                <a:tc>
+                  <a:txBody>
+                    <a:bodyPr/>
+                    <a:lstStyle/>
+                    <a:p>
+                      <a:pPr marL="0" marR="0">
+                        <a:lnSpc>
+                          <a:spcPct val="107000"/>
+                        </a:lnSpc>
+                        <a:spcBef>
+                          <a:spcPts val="0"/>
+                        </a:spcBef>
+                        <a:spcAft>
+                          <a:spcPts val="0"/>
+                        </a:spcAft>
+                      </a:pPr>
+                      <a:r>
+                        <a:rPr lang="en-US" sz="1100" dirty="0">
+                          <a:effectLst/>
+                          <a:latin typeface="Lato" panose="020F0502020204030203" pitchFamily="34" charset="0"/>
+                          <a:ea typeface="Lato" panose="020F0502020204030203" pitchFamily="34" charset="0"/>
+                          <a:cs typeface="Lato" panose="020F0502020204030203" pitchFamily="34" charset="0"/>
+                        </a:rPr>
+                        <a:t>User Interfaces for Admin editor, learner navigation</a:t>
+                      </a:r>
+                    </a:p>
+                    <a:p>
+                      <a:pPr marL="0" marR="0">
+                        <a:lnSpc>
+                          <a:spcPct val="107000"/>
+                        </a:lnSpc>
+                        <a:spcBef>
+                          <a:spcPts val="0"/>
+                        </a:spcBef>
+                        <a:spcAft>
+                          <a:spcPts val="0"/>
+                        </a:spcAft>
+                      </a:pPr>
+                      <a:r>
+                        <a:rPr lang="en-US" sz="1100" dirty="0">
+                          <a:effectLst/>
+                          <a:latin typeface="Lato" panose="020F0502020204030203" pitchFamily="34" charset="0"/>
+                          <a:ea typeface="Lato" panose="020F0502020204030203" pitchFamily="34" charset="0"/>
+                          <a:cs typeface="Lato" panose="020F0502020204030203" pitchFamily="34" charset="0"/>
+                        </a:rPr>
+                        <a:t>Mobile view</a:t>
+                      </a:r>
+                    </a:p>
+                  </a:txBody>
+                  <a:tcPr marL="44389" marR="44389" marT="0" marB="0"/>
+                </a:tc>
+                <a:tc>
+                  <a:txBody>
+                    <a:bodyPr/>
+                    <a:lstStyle/>
+                    <a:p>
+                      <a:pPr marL="0" marR="0">
+                        <a:lnSpc>
+                          <a:spcPct val="107000"/>
+                        </a:lnSpc>
+                        <a:spcBef>
+                          <a:spcPts val="0"/>
+                        </a:spcBef>
+                        <a:spcAft>
+                          <a:spcPts val="0"/>
+                        </a:spcAft>
+                      </a:pPr>
+                      <a:r>
+                        <a:rPr lang="en-US" sz="1100" dirty="0">
+                          <a:effectLst/>
+                          <a:latin typeface="Lato" panose="020F0502020204030203" pitchFamily="34" charset="0"/>
+                          <a:ea typeface="Lato" panose="020F0502020204030203" pitchFamily="34" charset="0"/>
+                          <a:cs typeface="Lato" panose="020F0502020204030203" pitchFamily="34" charset="0"/>
+                        </a:rPr>
+                        <a:t>Bootstrap, Html ,Angular</a:t>
+                      </a:r>
+                    </a:p>
+                  </a:txBody>
+                  <a:tcPr marL="44389" marR="44389" marT="0" marB="0"/>
+                </a:tc>
+                <a:extLst>
+                  <a:ext uri="{0D108BD9-81ED-4DB2-BD59-A6C34878D82A}">
+                    <a16:rowId xmlns:a16="http://schemas.microsoft.com/office/drawing/2014/main" val="385604862"/>
+                  </a:ext>
+                </a:extLst>
+              </a:tr>
+              <a:tr h="1207967">
+                <a:tc>
+                  <a:txBody>
+                    <a:bodyPr/>
+                    <a:lstStyle/>
+                    <a:p>
+                      <a:pPr marL="0" marR="0">
+                        <a:lnSpc>
+                          <a:spcPct val="107000"/>
+                        </a:lnSpc>
+                        <a:spcBef>
+                          <a:spcPts val="0"/>
+                        </a:spcBef>
+                        <a:spcAft>
+                          <a:spcPts val="0"/>
+                        </a:spcAft>
+                      </a:pPr>
+                      <a:r>
+                        <a:rPr lang="en-US" sz="1100" dirty="0">
+                          <a:effectLst/>
+                          <a:latin typeface="Lato" panose="020F0502020204030203" pitchFamily="34" charset="0"/>
+                          <a:ea typeface="Lato" panose="020F0502020204030203" pitchFamily="34" charset="0"/>
+                          <a:cs typeface="Lato" panose="020F0502020204030203" pitchFamily="34" charset="0"/>
+                        </a:rPr>
+                        <a:t>Availability</a:t>
+                      </a:r>
+                    </a:p>
+                  </a:txBody>
+                  <a:tcPr marL="44389" marR="44389" marT="0" marB="0"/>
+                </a:tc>
+                <a:tc>
+                  <a:txBody>
+                    <a:bodyPr/>
+                    <a:lstStyle/>
+                    <a:p>
+                      <a:pPr marL="0" marR="0">
+                        <a:lnSpc>
+                          <a:spcPct val="107000"/>
+                        </a:lnSpc>
+                        <a:spcBef>
+                          <a:spcPts val="0"/>
+                        </a:spcBef>
+                        <a:spcAft>
+                          <a:spcPts val="0"/>
+                        </a:spcAft>
+                      </a:pPr>
+                      <a:r>
+                        <a:rPr lang="en-US" sz="1100" dirty="0">
+                          <a:effectLst/>
+                          <a:latin typeface="Lato" panose="020F0502020204030203" pitchFamily="34" charset="0"/>
+                          <a:ea typeface="Lato" panose="020F0502020204030203" pitchFamily="34" charset="0"/>
+                          <a:cs typeface="Lato" panose="020F0502020204030203" pitchFamily="34" charset="0"/>
+                        </a:rPr>
+                        <a:t>Available for data anytime, anywhere</a:t>
+                      </a:r>
+                    </a:p>
+                  </a:txBody>
+                  <a:tcPr marL="44389" marR="44389" marT="0" marB="0"/>
+                </a:tc>
+                <a:tc>
+                  <a:txBody>
+                    <a:bodyPr/>
+                    <a:lstStyle/>
+                    <a:p>
+                      <a:pPr marL="0" marR="0">
+                        <a:lnSpc>
+                          <a:spcPct val="107000"/>
+                        </a:lnSpc>
+                        <a:spcBef>
+                          <a:spcPts val="0"/>
+                        </a:spcBef>
+                        <a:spcAft>
+                          <a:spcPts val="0"/>
+                        </a:spcAft>
+                      </a:pPr>
+                      <a:r>
+                        <a:rPr lang="en-US" sz="1100" dirty="0">
+                          <a:effectLst/>
+                          <a:latin typeface="Lato" panose="020F0502020204030203" pitchFamily="34" charset="0"/>
+                          <a:ea typeface="Lato" panose="020F0502020204030203" pitchFamily="34" charset="0"/>
+                          <a:cs typeface="Lato" panose="020F0502020204030203" pitchFamily="34" charset="0"/>
+                        </a:rPr>
+                        <a:t>Course/Exam content data is available in the NoSQL db</a:t>
+                      </a:r>
+                    </a:p>
+                    <a:p>
+                      <a:pPr marL="0" marR="0">
+                        <a:lnSpc>
+                          <a:spcPct val="107000"/>
+                        </a:lnSpc>
+                        <a:spcBef>
+                          <a:spcPts val="0"/>
+                        </a:spcBef>
+                        <a:spcAft>
+                          <a:spcPts val="0"/>
+                        </a:spcAft>
+                      </a:pPr>
+                      <a:r>
+                        <a:rPr lang="en-US" sz="1100" dirty="0">
+                          <a:effectLst/>
+                          <a:latin typeface="Lato" panose="020F0502020204030203" pitchFamily="34" charset="0"/>
+                          <a:ea typeface="Lato" panose="020F0502020204030203" pitchFamily="34" charset="0"/>
+                          <a:cs typeface="Lato" panose="020F0502020204030203" pitchFamily="34" charset="0"/>
+                        </a:rPr>
+                        <a:t>Tests data is available in the SQL db</a:t>
+                      </a:r>
+                    </a:p>
+                    <a:p>
+                      <a:pPr marL="0" marR="0">
+                        <a:lnSpc>
+                          <a:spcPct val="107000"/>
+                        </a:lnSpc>
+                        <a:spcBef>
+                          <a:spcPts val="0"/>
+                        </a:spcBef>
+                        <a:spcAft>
+                          <a:spcPts val="0"/>
+                        </a:spcAft>
+                      </a:pPr>
+                      <a:r>
+                        <a:rPr lang="en-US" sz="1100" dirty="0">
+                          <a:effectLst/>
+                          <a:latin typeface="Lato" panose="020F0502020204030203" pitchFamily="34" charset="0"/>
+                          <a:ea typeface="Lato" panose="020F0502020204030203" pitchFamily="34" charset="0"/>
+                          <a:cs typeface="Lato" panose="020F0502020204030203" pitchFamily="34" charset="0"/>
+                        </a:rPr>
+                        <a:t>Analytics user data is available in the SQL db</a:t>
+                      </a:r>
+                    </a:p>
+                    <a:p>
+                      <a:pPr marL="0" marR="0">
+                        <a:lnSpc>
+                          <a:spcPct val="107000"/>
+                        </a:lnSpc>
+                        <a:spcBef>
+                          <a:spcPts val="0"/>
+                        </a:spcBef>
+                        <a:spcAft>
+                          <a:spcPts val="0"/>
+                        </a:spcAft>
+                      </a:pPr>
+                      <a:r>
+                        <a:rPr lang="en-US" sz="1100" dirty="0">
+                          <a:effectLst/>
+                          <a:latin typeface="Lato" panose="020F0502020204030203" pitchFamily="34" charset="0"/>
+                          <a:ea typeface="Lato" panose="020F0502020204030203" pitchFamily="34" charset="0"/>
+                          <a:cs typeface="Lato" panose="020F0502020204030203" pitchFamily="34" charset="0"/>
+                        </a:rPr>
+                        <a:t>Use: Cosmos dB, PostgreSQL, cache, Redis</a:t>
+                      </a:r>
+                    </a:p>
+                  </a:txBody>
+                  <a:tcPr marL="44389" marR="44389" marT="0" marB="0"/>
+                </a:tc>
+                <a:extLst>
+                  <a:ext uri="{0D108BD9-81ED-4DB2-BD59-A6C34878D82A}">
+                    <a16:rowId xmlns:a16="http://schemas.microsoft.com/office/drawing/2014/main" val="1223000612"/>
+                  </a:ext>
+                </a:extLst>
+              </a:tr>
+              <a:tr h="347562">
+                <a:tc>
+                  <a:txBody>
+                    <a:bodyPr/>
+                    <a:lstStyle/>
+                    <a:p>
+                      <a:pPr marL="0" marR="0">
+                        <a:lnSpc>
+                          <a:spcPct val="107000"/>
+                        </a:lnSpc>
+                        <a:spcBef>
+                          <a:spcPts val="0"/>
+                        </a:spcBef>
+                        <a:spcAft>
+                          <a:spcPts val="0"/>
+                        </a:spcAft>
+                      </a:pPr>
+                      <a:r>
+                        <a:rPr lang="en-US" sz="1100" dirty="0">
+                          <a:effectLst/>
+                          <a:latin typeface="Lato" panose="020F0502020204030203" pitchFamily="34" charset="0"/>
+                          <a:ea typeface="Lato" panose="020F0502020204030203" pitchFamily="34" charset="0"/>
+                          <a:cs typeface="Lato" panose="020F0502020204030203" pitchFamily="34" charset="0"/>
+                        </a:rPr>
+                        <a:t>Globalization and Localization</a:t>
+                      </a:r>
+                    </a:p>
+                  </a:txBody>
+                  <a:tcPr marL="44389" marR="44389" marT="0" marB="0"/>
+                </a:tc>
+                <a:tc>
+                  <a:txBody>
+                    <a:bodyPr/>
+                    <a:lstStyle/>
+                    <a:p>
+                      <a:pPr marL="0" marR="0">
+                        <a:lnSpc>
+                          <a:spcPct val="107000"/>
+                        </a:lnSpc>
+                        <a:spcBef>
+                          <a:spcPts val="0"/>
+                        </a:spcBef>
+                        <a:spcAft>
+                          <a:spcPts val="0"/>
+                        </a:spcAft>
+                      </a:pPr>
+                      <a:r>
+                        <a:rPr lang="en-US" sz="1100" dirty="0">
+                          <a:effectLst/>
+                          <a:latin typeface="Lato" panose="020F0502020204030203" pitchFamily="34" charset="0"/>
+                          <a:ea typeface="Lato" panose="020F0502020204030203" pitchFamily="34" charset="0"/>
+                          <a:cs typeface="Lato" panose="020F0502020204030203" pitchFamily="34" charset="0"/>
+                        </a:rPr>
+                        <a:t>Multilingual support of content</a:t>
+                      </a:r>
+                    </a:p>
+                    <a:p>
+                      <a:pPr marL="0" marR="0">
+                        <a:lnSpc>
+                          <a:spcPct val="107000"/>
+                        </a:lnSpc>
+                        <a:spcBef>
+                          <a:spcPts val="0"/>
+                        </a:spcBef>
+                        <a:spcAft>
+                          <a:spcPts val="0"/>
+                        </a:spcAft>
+                      </a:pPr>
+                      <a:r>
+                        <a:rPr lang="en-US" sz="1100" dirty="0">
+                          <a:effectLst/>
+                          <a:latin typeface="Lato" panose="020F0502020204030203" pitchFamily="34" charset="0"/>
+                          <a:ea typeface="Lato" panose="020F0502020204030203" pitchFamily="34" charset="0"/>
+                          <a:cs typeface="Lato" panose="020F0502020204030203" pitchFamily="34" charset="0"/>
+                        </a:rPr>
+                        <a:t> Content to be saved in db. </a:t>
+                      </a:r>
+                    </a:p>
+                  </a:txBody>
+                  <a:tcPr marL="44389" marR="44389" marT="0" marB="0"/>
+                </a:tc>
+                <a:tc>
+                  <a:txBody>
+                    <a:bodyPr/>
+                    <a:lstStyle/>
+                    <a:p>
+                      <a:pPr marL="0" marR="0">
+                        <a:lnSpc>
+                          <a:spcPct val="107000"/>
+                        </a:lnSpc>
+                        <a:spcBef>
+                          <a:spcPts val="0"/>
+                        </a:spcBef>
+                        <a:spcAft>
+                          <a:spcPts val="0"/>
+                        </a:spcAft>
+                      </a:pPr>
+                      <a:r>
+                        <a:rPr lang="en-US" sz="1100" dirty="0">
+                          <a:effectLst/>
+                          <a:latin typeface="Lato" panose="020F0502020204030203" pitchFamily="34" charset="0"/>
+                          <a:ea typeface="Lato" panose="020F0502020204030203" pitchFamily="34" charset="0"/>
+                          <a:cs typeface="Lato" panose="020F0502020204030203" pitchFamily="34" charset="0"/>
+                        </a:rPr>
+                        <a:t>Language translation services</a:t>
+                      </a:r>
+                    </a:p>
+                  </a:txBody>
+                  <a:tcPr marL="44389" marR="44389" marT="0" marB="0"/>
+                </a:tc>
+                <a:extLst>
+                  <a:ext uri="{0D108BD9-81ED-4DB2-BD59-A6C34878D82A}">
+                    <a16:rowId xmlns:a16="http://schemas.microsoft.com/office/drawing/2014/main" val="767850746"/>
+                  </a:ext>
+                </a:extLst>
+              </a:tr>
+            </a:tbl>
+          </a:graphicData>
+        </a:graphic>
+      </p:graphicFrame>
+    </p:spTree>
+    <p:extLst>
+      <p:ext uri="{BB962C8B-B14F-4D97-AF65-F5344CB8AC3E}">
+        <p14:creationId xmlns:p14="http://schemas.microsoft.com/office/powerpoint/2010/main" val="3243291364"/>
+      </p:ext>
+    </p:extLst>
+  </p:cSld>
+  <p:clrMapOvr>
+    <a:masterClrMapping/>
+  </p:clrMapOvr>
+</p:sld>
+</file>
+
+<file path=ppt/slides/slide16.xml><?xml version="1.0" encoding="utf-8"?>
 <p:sld xmlns:a="http://schemas.openxmlformats.org/drawingml/2006/main" xmlns:r="http://schemas.openxmlformats.org/officeDocument/2006/relationships" xmlns:p="http://schemas.openxmlformats.org/presentationml/2006/main">
   <p:cSld>
     <p:spTree>
@@ -7703,16 +10711,32 @@
             <a:r>
               <a:rPr lang="en" sz="2000" b="1" strike="noStrike" spc="-1" dirty="0">
                 <a:solidFill>
-                  <a:srgbClr val="1F1F50"/>
+                  <a:schemeClr val="accent3">
+                    <a:lumMod val="75000"/>
+                  </a:schemeClr>
                 </a:solidFill>
                 <a:latin typeface="Lato"/>
                 <a:ea typeface="Lato"/>
               </a:rPr>
-              <a:t>Use cases Scenarios</a:t>
-            </a:r>
-            <a:endParaRPr lang="en-IN" sz="2000" b="0" strike="noStrike" spc="-1" dirty="0">
+              <a:t>Use cases </a:t>
+            </a:r>
+            <a:r>
+              <a:rPr lang="en" b="1" strike="noStrike" spc="-1" dirty="0">
+                <a:solidFill>
+                  <a:schemeClr val="accent3">
+                    <a:lumMod val="75000"/>
+                  </a:schemeClr>
+                </a:solidFill>
+                <a:latin typeface="Lato"/>
+                <a:ea typeface="Lato"/>
+              </a:rPr>
+              <a:t>Scenarios view</a:t>
+            </a:r>
+            <a:endParaRPr lang="en-IN" b="0" strike="noStrike" spc="-1" dirty="0">
               <a:solidFill>
-                <a:srgbClr val="000000"/>
+                <a:schemeClr val="accent3">
+                  <a:lumMod val="75000"/>
+                </a:schemeClr>
               </a:solidFill>
               <a:latin typeface="Arial"/>
             </a:endParaRPr>
@@ -8259,7 +11283,7 @@
 </p:sld>
 </file>
 
-<file path=ppt/slides/slide15.xml><?xml version="1.0" encoding="utf-8"?>
+<file path=ppt/slides/slide17.xml><?xml version="1.0" encoding="utf-8"?>
 <p:sld xmlns:a="http://schemas.openxmlformats.org/drawingml/2006/main" xmlns:r="http://schemas.openxmlformats.org/officeDocument/2006/relationships" xmlns:p="http://schemas.openxmlformats.org/presentationml/2006/main">
   <p:cSld>
     <p:spTree>
@@ -8596,7 +11620,7 @@
 </p:sld>
 </file>
 
-<file path=ppt/slides/slide16.xml><?xml version="1.0" encoding="utf-8"?>
+<file path=ppt/slides/slide18.xml><?xml version="1.0" encoding="utf-8"?>
 <p:sld xmlns:a="http://schemas.openxmlformats.org/drawingml/2006/main" xmlns:r="http://schemas.openxmlformats.org/officeDocument/2006/relationships" xmlns:p="http://schemas.openxmlformats.org/presentationml/2006/main">
   <p:cSld>
     <p:spTree>
@@ -8656,7 +11680,7 @@
               </a:rPr>
               <a:t>Thank You</a:t>
             </a:r>
-            <a:endParaRPr lang="en-IN" sz="3600" b="0" strike="noStrike" spc="-1">
+            <a:endParaRPr lang="en-IN" sz="3600" b="0" strike="noStrike" spc="-1" dirty="0">
               <a:solidFill>
                 <a:srgbClr val="000000"/>
               </a:solidFill>
@@ -8858,27 +11882,78 @@
               </a:rPr>
               <a:t>https://www.linkedin.com/in/Pramod-koshy</a:t>
             </a:r>
-            <a:endParaRPr lang="en-IN" sz="1600" b="0" strike="noStrike" spc="-1" dirty="0">
+            <a:endParaRPr lang="en-US" sz="1600" b="0" u="sng" strike="noStrike" spc="-1" dirty="0">
+              <a:solidFill>
+                <a:srgbClr val="1B2E85"/>
+              </a:solidFill>
               <a:highlight>
                 <a:srgbClr val="008080"/>
               </a:highlight>
-              <a:latin typeface="Arial"/>
-            </a:endParaRPr>
-          </a:p>
-          <a:p>
-            <a:pPr>
+              <a:uFillTx/>
+              <a:latin typeface="Lato"/>
+              <a:ea typeface="Lato"/>
+            </a:endParaRPr>
+          </a:p>
+          <a:p>
+            <a:pPr marL="457200" indent="-342720">
               <a:lnSpc>
                 <a:spcPct val="150000"/>
               </a:lnSpc>
-              <a:spcAft>
-                <a:spcPts val="1599"/>
-              </a:spcAft>
               <a:tabLst>
                 <a:tab pos="0" algn="l"/>
               </a:tabLst>
             </a:pPr>
-            <a:endParaRPr lang="en-IN" sz="1200" b="0" strike="noStrike" spc="-1" dirty="0">
-              <a:latin typeface="Arial"/>
+            <a:r>
+              <a:rPr lang="en-US" sz="1600" b="0" strike="noStrike" spc="-1" dirty="0">
+                <a:solidFill>
+                  <a:srgbClr val="FFFFFF"/>
+                </a:solidFill>
+                <a:latin typeface="Lato"/>
+                <a:ea typeface="Lato"/>
+              </a:rPr>
+              <a:t>Abhishek</a:t>
+            </a:r>
+            <a:r>
+              <a:rPr lang="en-US" sz="1600" spc="-1" dirty="0">
+                <a:solidFill>
+                  <a:srgbClr val="FFFFFF"/>
+                </a:solidFill>
+                <a:latin typeface="Lato"/>
+                <a:ea typeface="Lato"/>
+              </a:rPr>
+              <a:t> Kumar Singh</a:t>
+            </a:r>
+            <a:endParaRPr lang="en-US" sz="1600" b="0" u="sng" strike="noStrike" spc="-1" dirty="0">
+              <a:solidFill>
+                <a:srgbClr val="1B2E85"/>
+              </a:solidFill>
+              <a:highlight>
+                <a:srgbClr val="008080"/>
+              </a:highlight>
+              <a:uFillTx/>
+              <a:latin typeface="Lato"/>
+              <a:ea typeface="Lato"/>
+            </a:endParaRPr>
+          </a:p>
+          <a:p>
+            <a:pPr marL="457200" indent="-342720">
+              <a:lnSpc>
+                <a:spcPct val="150000"/>
+              </a:lnSpc>
+              <a:tabLst>
+                <a:tab pos="0" algn="l"/>
+              </a:tabLst>
+            </a:pPr>
+            <a:endParaRPr lang="en-US" sz="1600" b="0" u="sng" strike="noStrike" spc="-1" dirty="0">
+              <a:solidFill>
+                <a:srgbClr val="1B2E85"/>
+              </a:solidFill>
+              <a:highlight>
+                <a:srgbClr val="008080"/>
+              </a:highlight>
+              <a:uFillTx/>
+              <a:latin typeface="Lato"/>
+              <a:ea typeface="Lato"/>
             </a:endParaRPr>
           </a:p>
         </p:txBody>
@@ -8974,7 +12049,7 @@
               </a:rPr>
               <a:t>Problem Statement?</a:t>
             </a:r>
-            <a:endParaRPr lang="en-IN" sz="2000" b="0" strike="noStrike" spc="-1">
+            <a:endParaRPr lang="en-IN" sz="2000" b="0" strike="noStrike" spc="-1" dirty="0">
               <a:solidFill>
                 <a:srgbClr val="000000"/>
               </a:solidFill>
@@ -9029,7 +12104,7 @@
               </a:tabLst>
             </a:pPr>
             <a:r>
-              <a:rPr lang="en" sz="1400" b="0" strike="noStrike" spc="-1" dirty="0">
+              <a:rPr lang="en" sz="1400" b="1" strike="noStrike" spc="-1" dirty="0">
                 <a:solidFill>
                   <a:srgbClr val="222222"/>
                 </a:solidFill>
@@ -9039,7 +12114,46 @@
                 <a:latin typeface="Lato"/>
                 <a:ea typeface="Lato"/>
               </a:rPr>
-              <a:t>Education is the foundation in eradicating poverty and imparting social equality. </a:t>
+              <a:t>Education</a:t>
+            </a:r>
+            <a:r>
+              <a:rPr lang="en" sz="1400" b="0" strike="noStrike" spc="-1" dirty="0">
+                <a:solidFill>
+                  <a:srgbClr val="222222"/>
+                </a:solidFill>
+                <a:highlight>
+                  <a:srgbClr val="FFFFFF"/>
+                </a:highlight>
+                <a:latin typeface="Lato"/>
+                <a:ea typeface="Lato"/>
+              </a:rPr>
+              <a:t> is the </a:t>
+            </a:r>
+            <a:r>
+              <a:rPr lang="en" sz="1400" b="1" strike="noStrike" spc="-1" dirty="0">
+                <a:solidFill>
+                  <a:srgbClr val="222222"/>
+                </a:solidFill>
+                <a:highlight>
+                  <a:srgbClr val="FFFFFF"/>
+                </a:highlight>
+                <a:latin typeface="Lato"/>
+                <a:ea typeface="Lato"/>
+              </a:rPr>
+              <a:t>foundation</a:t>
+            </a:r>
+            <a:r>
+              <a:rPr lang="en" sz="1400" b="0" strike="noStrike" spc="-1" dirty="0">
+                <a:solidFill>
+                  <a:srgbClr val="222222"/>
+                </a:solidFill>
+                <a:highlight>
+                  <a:srgbClr val="FFFFFF"/>
+                </a:highlight>
+                <a:latin typeface="Lato"/>
+                <a:ea typeface="Lato"/>
+              </a:rPr>
+              <a:t> in eradicating poverty and imparting social equality. </a:t>
             </a:r>
             <a:r>
               <a:rPr lang="en" sz="1400" b="1" strike="noStrike" spc="-1" dirty="0">
@@ -9271,7 +12385,7 @@
               </a:rPr>
               <a:t>User Segment &amp; Pain Points</a:t>
             </a:r>
-            <a:endParaRPr lang="en-IN" sz="2000" b="0" strike="noStrike" spc="-1">
+            <a:endParaRPr lang="en-IN" sz="2000" b="0" strike="noStrike" spc="-1" dirty="0">
               <a:solidFill>
                 <a:srgbClr val="000000"/>
               </a:solidFill>
@@ -9339,7 +12453,43 @@
                 <a:latin typeface="Lato"/>
                 <a:ea typeface="Lato"/>
               </a:rPr>
-              <a:t>Rural students from schools, working </a:t>
+              <a:t>Rural </a:t>
+            </a:r>
+            <a:r>
+              <a:rPr lang="en-US" sz="1400" b="1" strike="noStrike" spc="-1" dirty="0">
+                <a:solidFill>
+                  <a:srgbClr val="222222"/>
+                </a:solidFill>
+                <a:highlight>
+                  <a:srgbClr val="FFFFFF"/>
+                </a:highlight>
+                <a:latin typeface="Lato"/>
+                <a:ea typeface="Lato"/>
+              </a:rPr>
+              <a:t>students</a:t>
+            </a:r>
+            <a:r>
+              <a:rPr lang="en-US" sz="1400" b="0" strike="noStrike" spc="-1" dirty="0">
+                <a:solidFill>
+                  <a:srgbClr val="222222"/>
+                </a:solidFill>
+                <a:highlight>
+                  <a:srgbClr val="FFFFFF"/>
+                </a:highlight>
+                <a:latin typeface="Lato"/>
+                <a:ea typeface="Lato"/>
+              </a:rPr>
+              <a:t> from schools, working </a:t>
+            </a:r>
+            <a:r>
+              <a:rPr lang="en-US" sz="1400" b="1" strike="noStrike" spc="-1" dirty="0">
+                <a:highlight>
+                  <a:srgbClr val="FFFFFF"/>
+                </a:highlight>
+                <a:latin typeface="Lato"/>
+                <a:ea typeface="Lato"/>
+              </a:rPr>
+              <a:t>professionals</a:t>
             </a:r>
             <a:r>
               <a:rPr lang="en-US" sz="1400" b="0" strike="noStrike" spc="-1" dirty="0">
@@ -9349,20 +12499,118 @@
                 <a:latin typeface="Lato"/>
                 <a:ea typeface="Lato"/>
               </a:rPr>
-              <a:t>professionals, continuous learners </a:t>
-            </a:r>
-            <a:r>
-              <a:rPr lang="en-US" sz="1400" b="0" strike="noStrike" spc="-1" dirty="0">
-                <a:solidFill>
-                  <a:srgbClr val="222222"/>
-                </a:solidFill>
+              <a:t>, continuous </a:t>
+            </a:r>
+            <a:r>
+              <a:rPr lang="en-US" sz="1400" b="1" strike="noStrike" spc="-1" dirty="0">
                 <a:highlight>
                   <a:srgbClr val="FFFFFF"/>
                 </a:highlight>
                 <a:latin typeface="Lato"/>
                 <a:ea typeface="Lato"/>
               </a:rPr>
-              <a:t>are the immediate users of the application. E-learning provides a learning environment that is accessible immediately and provides cognitive learning.  Mobile devices provide anytime and anywhere education. Provision for learners with disability will be included. Multi-lingual content development and faculty/teacher support for the contents target students in multiple regions of India and the World and even in remote places where content can be downloaded and used offline when needed in areas with low Internet services. Content will be available online 24/7 and be a repository for teaching and content authoring. Content review workflow will be an important part of this application. The Expert panel can review the content even sitting from the opposite end of the world. For example</a:t>
+              <a:t>learners</a:t>
+            </a:r>
+            <a:r>
+              <a:rPr lang="en-US" sz="1400" b="0" strike="noStrike" spc="-1" dirty="0">
+                <a:highlight>
+                  <a:srgbClr val="FFFFFF"/>
+                </a:highlight>
+                <a:latin typeface="Lato"/>
+                <a:ea typeface="Lato"/>
+              </a:rPr>
+              <a:t> </a:t>
+            </a:r>
+            <a:r>
+              <a:rPr lang="en-US" sz="1400" b="0" strike="noStrike" spc="-1" dirty="0">
+                <a:solidFill>
+                  <a:srgbClr val="222222"/>
+                </a:solidFill>
+                <a:highlight>
+                  <a:srgbClr val="FFFFFF"/>
+                </a:highlight>
+                <a:latin typeface="Lato"/>
+                <a:ea typeface="Lato"/>
+              </a:rPr>
+              <a:t>are the immediate users of the application. E-learning provides a learning environment that is accessible immediately and provides cognitive learning.  </a:t>
+            </a:r>
+            <a:r>
+              <a:rPr lang="en-US" sz="1400" b="1" strike="noStrike" spc="-1" dirty="0">
+                <a:solidFill>
+                  <a:srgbClr val="222222"/>
+                </a:solidFill>
+                <a:highlight>
+                  <a:srgbClr val="FFFFFF"/>
+                </a:highlight>
+                <a:latin typeface="Lato"/>
+                <a:ea typeface="Lato"/>
+              </a:rPr>
+              <a:t>Mobile</a:t>
+            </a:r>
+            <a:r>
+              <a:rPr lang="en-US" sz="1400" b="0" strike="noStrike" spc="-1" dirty="0">
+                <a:solidFill>
+                  <a:srgbClr val="222222"/>
+                </a:solidFill>
+                <a:highlight>
+                  <a:srgbClr val="FFFFFF"/>
+                </a:highlight>
+                <a:latin typeface="Lato"/>
+                <a:ea typeface="Lato"/>
+              </a:rPr>
+              <a:t> devices provide anytime and anywhere education. Provision for learners with disability will be included. </a:t>
+            </a:r>
+            <a:r>
+              <a:rPr lang="en-US" sz="1400" b="1" strike="noStrike" spc="-1" dirty="0">
+                <a:solidFill>
+                  <a:srgbClr val="222222"/>
+                </a:solidFill>
+                <a:highlight>
+                  <a:srgbClr val="FFFFFF"/>
+                </a:highlight>
+                <a:latin typeface="Lato"/>
+                <a:ea typeface="Lato"/>
+              </a:rPr>
+              <a:t>Multi-lingual</a:t>
+            </a:r>
+            <a:r>
+              <a:rPr lang="en-US" sz="1400" b="0" strike="noStrike" spc="-1" dirty="0">
+                <a:solidFill>
+                  <a:srgbClr val="222222"/>
+                </a:solidFill>
+                <a:highlight>
+                  <a:srgbClr val="FFFFFF"/>
+                </a:highlight>
+                <a:latin typeface="Lato"/>
+                <a:ea typeface="Lato"/>
+              </a:rPr>
+              <a:t> content development and faculty/teacher support for the contents target students in multiple regions of India and the World and even in remote places where content can be downloaded and used offline when needed in areas with low Internet services. Content will be available online 24/7 and be a repository for teaching and content authoring. Content review workflow will be an important part of this application. The </a:t>
+            </a:r>
+            <a:r>
+              <a:rPr lang="en-US" sz="1400" b="1" strike="noStrike" spc="-1" dirty="0">
+                <a:solidFill>
+                  <a:srgbClr val="222222"/>
+                </a:solidFill>
+                <a:highlight>
+                  <a:srgbClr val="FFFFFF"/>
+                </a:highlight>
+                <a:latin typeface="Lato"/>
+                <a:ea typeface="Lato"/>
+              </a:rPr>
+              <a:t>Expert</a:t>
+            </a:r>
+            <a:r>
+              <a:rPr lang="en-US" sz="1400" b="0" strike="noStrike" spc="-1" dirty="0">
+                <a:solidFill>
+                  <a:srgbClr val="222222"/>
+                </a:solidFill>
+                <a:highlight>
+                  <a:srgbClr val="FFFFFF"/>
+                </a:highlight>
+                <a:latin typeface="Lato"/>
+                <a:ea typeface="Lato"/>
+              </a:rPr>
+              <a:t> panel can review the content even sitting from the opposite end of the world. For example</a:t>
             </a:r>
             <a:r>
               <a:rPr lang="en-US" sz="1400" spc="-1" dirty="0">
@@ -9417,7 +12665,33 @@
                 <a:latin typeface="Lato"/>
                 <a:ea typeface="Lato"/>
               </a:rPr>
-              <a:t>Rural students, poor students, regional village students will definitely benefit from this platform.</a:t>
+              <a:t>Rural students, poor students, regional </a:t>
+            </a:r>
+            <a:r>
+              <a:rPr lang="en-US" sz="1400" b="1" strike="noStrike" spc="-1" dirty="0">
+                <a:solidFill>
+                  <a:srgbClr val="222222"/>
+                </a:solidFill>
+                <a:highlight>
+                  <a:srgbClr val="FFFFFF"/>
+                </a:highlight>
+                <a:latin typeface="Lato"/>
+                <a:ea typeface="Lato"/>
+              </a:rPr>
+              <a:t>village</a:t>
+            </a:r>
+            <a:r>
+              <a:rPr lang="en-US" sz="1400" b="0" strike="noStrike" spc="-1" dirty="0">
+                <a:solidFill>
+                  <a:srgbClr val="222222"/>
+                </a:solidFill>
+                <a:highlight>
+                  <a:srgbClr val="FFFFFF"/>
+                </a:highlight>
+                <a:latin typeface="Lato"/>
+                <a:ea typeface="Lato"/>
+              </a:rPr>
+              <a:t> students will definitely benefit from this platform.</a:t>
             </a:r>
           </a:p>
           <a:p>
@@ -9658,7 +12932,7 @@
               </a:rPr>
               <a:t>Pre-Requisite</a:t>
             </a:r>
-            <a:endParaRPr lang="en-IN" sz="2000" b="0" strike="noStrike" spc="-1">
+            <a:endParaRPr lang="en-IN" sz="2000" b="0" strike="noStrike" spc="-1" dirty="0">
               <a:solidFill>
                 <a:srgbClr val="000000"/>
               </a:solidFill>
@@ -9749,7 +13023,7 @@
               </a:tabLst>
             </a:pPr>
             <a:r>
-              <a:rPr lang="en" sz="2000" b="1" strike="noStrike" spc="-1">
+              <a:rPr lang="en" sz="2000" b="1" strike="noStrike" spc="-1" dirty="0">
                 <a:solidFill>
                   <a:srgbClr val="4A4548"/>
                 </a:solidFill>
@@ -9761,7 +13035,7 @@
               </a:rPr>
               <a:t>Tools or resources</a:t>
             </a:r>
-            <a:endParaRPr lang="en-IN" sz="2000" b="0" strike="noStrike" spc="-1">
+            <a:endParaRPr lang="en-IN" sz="2000" b="0" strike="noStrike" spc="-1" dirty="0">
               <a:solidFill>
                 <a:srgbClr val="000000"/>
               </a:solidFill>
@@ -9778,8 +13052,8 @@
         </p:nvSpPr>
         <p:spPr>
           <a:xfrm>
-            <a:off x="0" y="2019960"/>
-            <a:ext cx="8279640" cy="575640"/>
+            <a:off x="76840" y="1456624"/>
+            <a:ext cx="8279640" cy="1115126"/>
           </a:xfrm>
           <a:prstGeom prst="rect">
             <a:avLst/>
@@ -9814,7 +13088,7 @@
                 <a:latin typeface="Lato"/>
                 <a:ea typeface="Lato"/>
               </a:rPr>
-              <a:t>Azure native development tools for UI, API, Databases.</a:t>
+              <a:t>Azure native development for UI, API, Databases.</a:t>
             </a:r>
           </a:p>
           <a:p>
@@ -9826,6 +13100,26 @@
                 <a:tab pos="0" algn="l"/>
               </a:tabLst>
             </a:pPr>
+            <a:endParaRPr lang="en" sz="1400" b="0" strike="noStrike" spc="-1" dirty="0">
+              <a:solidFill>
+                <a:srgbClr val="4A4548"/>
+              </a:solidFill>
+              <a:highlight>
+                <a:srgbClr val="FFFFFF"/>
+              </a:highlight>
+              <a:latin typeface="Lato"/>
+              <a:ea typeface="Lato"/>
+            </a:endParaRPr>
+          </a:p>
+          <a:p>
+            <a:pPr>
+              <a:lnSpc>
+                <a:spcPct val="100000"/>
+              </a:lnSpc>
+              <a:tabLst>
+                <a:tab pos="0" algn="l"/>
+              </a:tabLst>
+            </a:pPr>
             <a:r>
               <a:rPr lang="en" sz="1400" spc="-1" dirty="0">
                 <a:solidFill>
@@ -9837,7 +13131,33 @@
                 <a:latin typeface="Lato"/>
                 <a:ea typeface="Lato"/>
               </a:rPr>
-              <a:t>Visual studio Code, Angular, .Net, Java, Azure, Reporting, AI/ML, ChatGPT, C#, Python</a:t>
+              <a:t>Tools/Technologies: Visual studio Code, Angular, .Net, Java, Azure, Reporting, AI/ML, ChatGPT, C#, Python, J</a:t>
+            </a:r>
+            <a:r>
+              <a:rPr lang="en-US" sz="1400" spc="-1" dirty="0">
+                <a:solidFill>
+                  <a:srgbClr val="4A4548"/>
+                </a:solidFill>
+                <a:highlight>
+                  <a:srgbClr val="FFFFFF"/>
+                </a:highlight>
+                <a:latin typeface="Lato"/>
+                <a:ea typeface="Lato"/>
+              </a:rPr>
+              <a:t>h</a:t>
+            </a:r>
+            <a:r>
+              <a:rPr lang="en" sz="1400" spc="-1" dirty="0">
+                <a:solidFill>
+                  <a:srgbClr val="4A4548"/>
+                </a:solidFill>
+                <a:highlight>
+                  <a:srgbClr val="FFFFFF"/>
+                </a:highlight>
+                <a:latin typeface="Lato"/>
+                <a:ea typeface="Lato"/>
+              </a:rPr>
+              <a:t>ipster, github</a:t>
             </a:r>
             <a:endParaRPr lang="en-IN" sz="1400" b="0" strike="noStrike" spc="-1" dirty="0">
               <a:solidFill>
@@ -9930,16 +13250,16 @@
               </a:tabLst>
             </a:pPr>
             <a:r>
-              <a:rPr lang="en" sz="2000" b="1" strike="noStrike" spc="-1">
+              <a:rPr lang="en" sz="2000" b="1" strike="noStrike" spc="-1" dirty="0">
                 <a:solidFill>
                   <a:srgbClr val="1F1F50"/>
                 </a:solidFill>
                 <a:latin typeface="Lato"/>
                 <a:ea typeface="Lato"/>
               </a:rPr>
-              <a:t>Any Supporting Functional Documents</a:t>
-            </a:r>
-            <a:endParaRPr lang="en-IN" sz="2000" b="0" strike="noStrike" spc="-1">
+              <a:t>Functional Features - Overview</a:t>
+            </a:r>
+            <a:endParaRPr lang="en-IN" sz="2000" b="0" strike="noStrike" spc="-1" dirty="0">
               <a:solidFill>
                 <a:srgbClr val="000000"/>
               </a:solidFill>
@@ -10738,7 +14058,7 @@
         <p:spPr>
           <a:xfrm>
             <a:off x="4392990" y="654341"/>
-            <a:ext cx="4488110" cy="4183361"/>
+            <a:ext cx="4488110" cy="4360293"/>
           </a:xfrm>
           <a:prstGeom prst="rect">
             <a:avLst/>
@@ -10881,7 +14201,7 @@
   <p:cSld>
     <p:spTree>
       <p:nvGrpSpPr>
-        <p:cNvPr id="1" name="Shape 172"/>
+        <p:cNvPr id="1" name="Shape 179"/>
         <p:cNvGrpSpPr/>
         <p:nvPr/>
       </p:nvGrpSpPr>
@@ -10895,14 +14215,79 @@
       </p:grpSpPr>
       <p:sp>
         <p:nvSpPr>
-          <p:cNvPr id="173" name="Google Shape;173;p9"/>
-          <p:cNvSpPr/>
+          <p:cNvPr id="180" name="Google Shape;180;g21a0632c2c5_0_0"/>
+          <p:cNvSpPr txBox="1">
+            <a:spLocks noGrp="1"/>
+          </p:cNvSpPr>
+          <p:nvPr>
+            <p:ph type="title"/>
+          </p:nvPr>
+        </p:nvSpPr>
+        <p:spPr>
+          <a:xfrm>
+            <a:off x="199800" y="328750"/>
+            <a:ext cx="8649000" cy="561600"/>
+          </a:xfrm>
+          <a:prstGeom prst="rect">
+            <a:avLst/>
+          </a:prstGeom>
+        </p:spPr>
+        <p:txBody>
+          <a:bodyPr spcFirstLastPara="1" wrap="square" lIns="0" tIns="0" rIns="0" bIns="0" anchor="ctr" anchorCtr="0">
+            <a:noAutofit/>
+          </a:bodyPr>
+          <a:lstStyle/>
+          <a:p>
+            <a:pPr marL="0" lvl="0" indent="0" algn="l" rtl="0">
+              <a:lnSpc>
+                <a:spcPct val="100000"/>
+              </a:lnSpc>
+              <a:spcBef>
+                <a:spcPts val="0"/>
+              </a:spcBef>
+              <a:spcAft>
+                <a:spcPts val="0"/>
+              </a:spcAft>
+              <a:buClr>
+                <a:schemeClr val="dk1"/>
+              </a:buClr>
+              <a:buFont typeface="Arial"/>
+              <a:buNone/>
+            </a:pPr>
+            <a:r>
+              <a:rPr lang="en-US" sz="1600" b="1" dirty="0">
+                <a:solidFill>
+                  <a:schemeClr val="accent3">
+                    <a:lumMod val="75000"/>
+                  </a:schemeClr>
+                </a:solidFill>
+                <a:latin typeface="Lato"/>
+                <a:ea typeface="Lato"/>
+                <a:cs typeface="Lato"/>
+                <a:sym typeface="Lato"/>
+              </a:rPr>
+              <a:t>Our USP - what differentiates us</a:t>
+            </a:r>
+            <a:endParaRPr sz="1600" dirty="0">
+              <a:solidFill>
+                <a:schemeClr val="accent3">
+                  <a:lumMod val="75000"/>
+                </a:schemeClr>
+              </a:solidFill>
+            </a:endParaRPr>
+          </a:p>
+        </p:txBody>
+      </p:sp>
+      <p:sp>
+        <p:nvSpPr>
+          <p:cNvPr id="181" name="Google Shape;181;g21a0632c2c5_0_0"/>
+          <p:cNvSpPr txBox="1"/>
           <p:nvPr/>
         </p:nvSpPr>
         <p:spPr>
           <a:xfrm>
-            <a:off x="275800" y="178075"/>
-            <a:ext cx="8627700" cy="4780500"/>
+            <a:off x="280800" y="1047875"/>
+            <a:ext cx="8568000" cy="3877954"/>
           </a:xfrm>
           <a:prstGeom prst="rect">
             <a:avLst/>
@@ -10919,11 +14304,57 @@
           <a:lstStyle/>
           <a:p>
             <a:pPr marL="0" lvl="0" indent="0" algn="l" rtl="0">
-              <a:lnSpc>
-                <a:spcPct val="115000"/>
-              </a:lnSpc>
               <a:spcBef>
-                <a:spcPts val="1800"/>
+                <a:spcPts val="0"/>
+              </a:spcBef>
+              <a:spcAft>
+                <a:spcPts val="0"/>
+              </a:spcAft>
+              <a:buNone/>
+            </a:pPr>
+            <a:r>
+              <a:rPr lang="en-US" sz="1200" dirty="0">
+                <a:solidFill>
+                  <a:schemeClr val="dk1"/>
+                </a:solidFill>
+                <a:highlight>
+                  <a:schemeClr val="lt1"/>
+                </a:highlight>
+              </a:rPr>
+              <a:t>We will use Microsoft ChatGPT API extensively within the application </a:t>
+            </a:r>
+            <a:endParaRPr sz="1200" dirty="0">
+              <a:solidFill>
+                <a:schemeClr val="dk1"/>
+              </a:solidFill>
+              <a:highlight>
+                <a:schemeClr val="lt1"/>
+              </a:highlight>
+            </a:endParaRPr>
+          </a:p>
+          <a:p>
+            <a:pPr marL="0" lvl="0" indent="0" algn="l" rtl="0">
+              <a:spcBef>
+                <a:spcPts val="0"/>
+              </a:spcBef>
+              <a:spcAft>
+                <a:spcPts val="0"/>
+              </a:spcAft>
+              <a:buNone/>
+            </a:pPr>
+            <a:endParaRPr sz="1200" dirty="0">
+              <a:solidFill>
+                <a:schemeClr val="dk1"/>
+              </a:solidFill>
+              <a:highlight>
+                <a:schemeClr val="lt1"/>
+              </a:highlight>
+            </a:endParaRPr>
+          </a:p>
+          <a:p>
+            <a:pPr marL="457200" lvl="0" indent="-304800" algn="l" rtl="0">
+              <a:spcBef>
+                <a:spcPts val="0"/>
               </a:spcBef>
               <a:spcAft>
                 <a:spcPts val="0"/>
@@ -10931,31 +14362,101 @@
               <a:buClr>
                 <a:schemeClr val="dk1"/>
               </a:buClr>
-              <a:buSzPts val="1100"/>
-              <a:buFont typeface="Arial"/>
-              <a:buNone/>
-            </a:pPr>
-            <a:r>
-              <a:rPr lang="en-US" sz="900" b="1" dirty="0">
+              <a:buSzPts val="1200"/>
+              <a:buAutoNum type="arabicPeriod"/>
+            </a:pPr>
+            <a:r>
+              <a:rPr lang="en-US" sz="1200" dirty="0">
                 <a:solidFill>
                   <a:schemeClr val="dk1"/>
                 </a:solidFill>
-              </a:rPr>
-              <a:t>Main</a:t>
-            </a:r>
-            <a:endParaRPr sz="900" b="1" dirty="0">
+                <a:highlight>
+                  <a:schemeClr val="lt1"/>
+                </a:highlight>
+              </a:rPr>
+              <a:t>For helping course creation and Content summarization :</a:t>
+            </a:r>
+            <a:endParaRPr sz="1200" dirty="0">
               <a:solidFill>
                 <a:schemeClr val="dk1"/>
               </a:solidFill>
+              <a:highlight>
+                <a:schemeClr val="lt1"/>
+              </a:highlight>
+            </a:endParaRPr>
+          </a:p>
+          <a:p>
+            <a:pPr marL="457200" lvl="0" indent="0" algn="l" rtl="0">
+              <a:spcBef>
+                <a:spcPts val="0"/>
+              </a:spcBef>
+              <a:spcAft>
+                <a:spcPts val="0"/>
+              </a:spcAft>
+              <a:buNone/>
+            </a:pPr>
+            <a:endParaRPr sz="1200" dirty="0">
+              <a:solidFill>
+                <a:schemeClr val="dk1"/>
+              </a:solidFill>
+              <a:highlight>
+                <a:schemeClr val="lt1"/>
+              </a:highlight>
+            </a:endParaRPr>
+          </a:p>
+          <a:p>
+            <a:pPr marL="457200" lvl="0" indent="0" algn="l" rtl="0">
+              <a:spcBef>
+                <a:spcPts val="0"/>
+              </a:spcBef>
+              <a:spcAft>
+                <a:spcPts val="0"/>
+              </a:spcAft>
+              <a:buNone/>
+            </a:pPr>
+            <a:r>
+              <a:rPr lang="en-US" sz="1200" dirty="0">
+                <a:solidFill>
+                  <a:schemeClr val="dk1"/>
+                </a:solidFill>
+                <a:highlight>
+                  <a:schemeClr val="lt1"/>
+                </a:highlight>
+              </a:rPr>
+              <a:t>For example a provision will be provided for the Content creator to upload his or curated content to Chat GPT get feedback, and then review it and also pass it via the configurable workflow to authorized reviewers. </a:t>
+            </a:r>
+            <a:endParaRPr sz="1200" dirty="0">
+              <a:solidFill>
+                <a:schemeClr val="dk1"/>
+              </a:solidFill>
+              <a:highlight>
+                <a:schemeClr val="lt1"/>
+              </a:highlight>
             </a:endParaRPr>
           </a:p>
           <a:p>
             <a:pPr marL="0" lvl="0" indent="0" algn="l" rtl="0">
-              <a:lnSpc>
-                <a:spcPct val="115000"/>
-              </a:lnSpc>
               <a:spcBef>
-                <a:spcPts val="1200"/>
+                <a:spcPts val="0"/>
+              </a:spcBef>
+              <a:spcAft>
+                <a:spcPts val="0"/>
+              </a:spcAft>
+              <a:buNone/>
+            </a:pPr>
+            <a:endParaRPr sz="1200" dirty="0">
+              <a:solidFill>
+                <a:schemeClr val="dk1"/>
+              </a:solidFill>
+              <a:highlight>
+                <a:schemeClr val="lt1"/>
+              </a:highlight>
+            </a:endParaRPr>
+          </a:p>
+          <a:p>
+            <a:pPr marL="457200" lvl="0" indent="-304800" algn="l" rtl="0">
+              <a:spcBef>
+                <a:spcPts val="0"/>
               </a:spcBef>
               <a:spcAft>
                 <a:spcPts val="0"/>
@@ -10963,31 +14464,101 @@
               <a:buClr>
                 <a:schemeClr val="dk1"/>
               </a:buClr>
-              <a:buSzPts val="1100"/>
-              <a:buFont typeface="Arial"/>
-              <a:buNone/>
-            </a:pPr>
-            <a:r>
-              <a:rPr lang="en-US" sz="1000" dirty="0">
+              <a:buSzPts val="1200"/>
+              <a:buAutoNum type="arabicPeriod"/>
+            </a:pPr>
+            <a:r>
+              <a:rPr lang="en-US" sz="1200" dirty="0">
                 <a:solidFill>
                   <a:schemeClr val="dk1"/>
                 </a:solidFill>
-              </a:rPr>
-              <a:t>| Online Learner Portal | | | Teacher Portal | | | Content Authoring/Validation Portal  | | | Administrator Portal</a:t>
-            </a:r>
-            <a:endParaRPr sz="1000" dirty="0">
+                <a:highlight>
+                  <a:schemeClr val="lt1"/>
+                </a:highlight>
+              </a:rPr>
+              <a:t>Content translation to traditional languages etc. :</a:t>
+            </a:r>
+            <a:endParaRPr sz="1200" dirty="0">
               <a:solidFill>
                 <a:schemeClr val="dk1"/>
               </a:solidFill>
-            </a:endParaRPr>
-          </a:p>
-          <a:p>
-            <a:pPr marL="0" lvl="0" indent="0" algn="l" rtl="0">
-              <a:lnSpc>
-                <a:spcPct val="115000"/>
-              </a:lnSpc>
+              <a:highlight>
+                <a:schemeClr val="lt1"/>
+              </a:highlight>
+            </a:endParaRPr>
+          </a:p>
+          <a:p>
+            <a:pPr marL="457200" lvl="0" indent="0" algn="l" rtl="0">
               <a:spcBef>
-                <a:spcPts val="1800"/>
+                <a:spcPts val="0"/>
+              </a:spcBef>
+              <a:spcAft>
+                <a:spcPts val="0"/>
+              </a:spcAft>
+              <a:buNone/>
+            </a:pPr>
+            <a:endParaRPr sz="1200" dirty="0">
+              <a:solidFill>
+                <a:schemeClr val="dk1"/>
+              </a:solidFill>
+              <a:highlight>
+                <a:schemeClr val="lt1"/>
+              </a:highlight>
+            </a:endParaRPr>
+          </a:p>
+          <a:p>
+            <a:pPr marL="457200" lvl="0" indent="0" algn="l" rtl="0">
+              <a:spcBef>
+                <a:spcPts val="0"/>
+              </a:spcBef>
+              <a:spcAft>
+                <a:spcPts val="0"/>
+              </a:spcAft>
+              <a:buNone/>
+            </a:pPr>
+            <a:r>
+              <a:rPr lang="en-US" sz="1200" dirty="0">
+                <a:solidFill>
+                  <a:schemeClr val="dk1"/>
+                </a:solidFill>
+                <a:highlight>
+                  <a:schemeClr val="lt1"/>
+                </a:highlight>
+              </a:rPr>
+              <a:t>Most of the best works of teaching would be in English therefore we would use Chat GPT for automatic translation services.</a:t>
+            </a:r>
+            <a:endParaRPr sz="1200" dirty="0">
+              <a:solidFill>
+                <a:schemeClr val="dk1"/>
+              </a:solidFill>
+              <a:highlight>
+                <a:schemeClr val="lt1"/>
+              </a:highlight>
+            </a:endParaRPr>
+          </a:p>
+          <a:p>
+            <a:pPr marL="457200" lvl="0" indent="0" algn="l" rtl="0">
+              <a:spcBef>
+                <a:spcPts val="0"/>
+              </a:spcBef>
+              <a:spcAft>
+                <a:spcPts val="0"/>
+              </a:spcAft>
+              <a:buNone/>
+            </a:pPr>
+            <a:endParaRPr sz="1200" dirty="0">
+              <a:solidFill>
+                <a:schemeClr val="dk1"/>
+              </a:solidFill>
+              <a:highlight>
+                <a:schemeClr val="lt1"/>
+              </a:highlight>
+            </a:endParaRPr>
+          </a:p>
+          <a:p>
+            <a:pPr marL="457200" lvl="0" indent="-304800" algn="l" rtl="0">
+              <a:spcBef>
+                <a:spcPts val="0"/>
               </a:spcBef>
               <a:spcAft>
                 <a:spcPts val="0"/>
@@ -10995,344 +14566,31 @@
               <a:buClr>
                 <a:schemeClr val="dk1"/>
               </a:buClr>
-              <a:buSzPts val="1100"/>
-              <a:buFont typeface="Arial"/>
-              <a:buNone/>
-            </a:pPr>
-            <a:r>
-              <a:rPr lang="en-US" sz="900" b="1" dirty="0">
+              <a:buSzPts val="1200"/>
+              <a:buAutoNum type="arabicPeriod"/>
+            </a:pPr>
+            <a:r>
+              <a:rPr lang="en-US" sz="1200" dirty="0">
                 <a:solidFill>
                   <a:schemeClr val="dk1"/>
                 </a:solidFill>
-              </a:rPr>
-              <a:t>Online Learner Portal (Mobile Included)</a:t>
-            </a:r>
-            <a:endParaRPr sz="900" b="1" dirty="0">
+                <a:highlight>
+                  <a:schemeClr val="lt1"/>
+                </a:highlight>
+              </a:rPr>
+              <a:t>Generate questions from Course Content provided:</a:t>
+            </a:r>
+            <a:endParaRPr sz="1200" dirty="0">
               <a:solidFill>
                 <a:schemeClr val="dk1"/>
               </a:solidFill>
-            </a:endParaRPr>
-          </a:p>
-          <a:p>
-            <a:pPr marL="0" lvl="0" indent="0" algn="l" rtl="0">
-              <a:lnSpc>
-                <a:spcPct val="115000"/>
-              </a:lnSpc>
-              <a:spcBef>
-                <a:spcPts val="1200"/>
-              </a:spcBef>
-              <a:spcAft>
-                <a:spcPts val="0"/>
-              </a:spcAft>
-              <a:buClr>
-                <a:schemeClr val="dk1"/>
-              </a:buClr>
-              <a:buSzPts val="1100"/>
-              <a:buFont typeface="Arial"/>
-              <a:buNone/>
-            </a:pPr>
-            <a:r>
-              <a:rPr lang="en-US" sz="1000" dirty="0">
-                <a:solidFill>
-                  <a:schemeClr val="dk1"/>
-                </a:solidFill>
-              </a:rPr>
-              <a:t>| Learner | Course, Module, Units, | | | sections, exercises, Forums | | Exam | Multiple choice, Subjective, | | | Drag and drop, time-based | | | exams, certificates, badges | | Leaderboard| Team-wise, class-wise, | | | industry-wise |</a:t>
-            </a:r>
-            <a:endParaRPr sz="1000" dirty="0">
-              <a:solidFill>
-                <a:schemeClr val="dk1"/>
-              </a:solidFill>
-            </a:endParaRPr>
-          </a:p>
-          <a:p>
-            <a:pPr marL="0" lvl="0" indent="0" algn="l" rtl="0">
-              <a:lnSpc>
-                <a:spcPct val="115000"/>
-              </a:lnSpc>
-              <a:spcBef>
-                <a:spcPts val="1200"/>
-              </a:spcBef>
-              <a:spcAft>
-                <a:spcPts val="0"/>
-              </a:spcAft>
-              <a:buClr>
-                <a:schemeClr val="dk1"/>
-              </a:buClr>
-              <a:buSzPts val="1100"/>
-              <a:buFont typeface="Arial"/>
-              <a:buNone/>
-            </a:pPr>
-            <a:r>
-              <a:rPr lang="en-US" sz="900" b="1" dirty="0">
-                <a:solidFill>
-                  <a:schemeClr val="dk1"/>
-                </a:solidFill>
-              </a:rPr>
-              <a:t>Learner Dashboard</a:t>
-            </a:r>
-            <a:endParaRPr sz="900" b="1" dirty="0">
-              <a:solidFill>
-                <a:schemeClr val="dk1"/>
-              </a:solidFill>
-            </a:endParaRPr>
-          </a:p>
-          <a:p>
-            <a:pPr marL="0" lvl="0" indent="0" algn="l" rtl="0">
-              <a:lnSpc>
-                <a:spcPct val="115000"/>
-              </a:lnSpc>
-              <a:spcBef>
-                <a:spcPts val="1200"/>
-              </a:spcBef>
-              <a:spcAft>
-                <a:spcPts val="0"/>
-              </a:spcAft>
-              <a:buClr>
-                <a:schemeClr val="dk1"/>
-              </a:buClr>
-              <a:buSzPts val="1100"/>
-              <a:buFont typeface="Arial"/>
-              <a:buNone/>
-            </a:pPr>
-            <a:r>
-              <a:rPr lang="en-US" sz="1000" dirty="0">
-                <a:solidFill>
-                  <a:schemeClr val="dk1"/>
-                </a:solidFill>
-              </a:rPr>
-              <a:t>| Courses in progress| | | Tests completed | </a:t>
-            </a:r>
-            <a:endParaRPr sz="1000" dirty="0">
-              <a:solidFill>
-                <a:schemeClr val="dk1"/>
-              </a:solidFill>
-            </a:endParaRPr>
-          </a:p>
-          <a:p>
-            <a:pPr marL="0" lvl="0" indent="0" algn="l" rtl="0">
-              <a:lnSpc>
-                <a:spcPct val="115000"/>
-              </a:lnSpc>
-              <a:spcBef>
-                <a:spcPts val="1800"/>
-              </a:spcBef>
-              <a:spcAft>
-                <a:spcPts val="0"/>
-              </a:spcAft>
-              <a:buClr>
-                <a:schemeClr val="dk1"/>
-              </a:buClr>
-              <a:buSzPts val="1100"/>
-              <a:buFont typeface="Arial"/>
-              <a:buNone/>
-            </a:pPr>
-            <a:r>
-              <a:rPr lang="en-US" sz="900" b="1" dirty="0">
-                <a:solidFill>
-                  <a:schemeClr val="dk1"/>
-                </a:solidFill>
-              </a:rPr>
-              <a:t>Teacher Portal</a:t>
-            </a:r>
-            <a:endParaRPr sz="900" b="1" dirty="0">
-              <a:solidFill>
-                <a:schemeClr val="dk1"/>
-              </a:solidFill>
-            </a:endParaRPr>
-          </a:p>
-          <a:p>
-            <a:pPr marL="0" lvl="0" indent="0" algn="l" rtl="0">
-              <a:lnSpc>
-                <a:spcPct val="115000"/>
-              </a:lnSpc>
-              <a:spcBef>
-                <a:spcPts val="1200"/>
-              </a:spcBef>
-              <a:spcAft>
-                <a:spcPts val="0"/>
-              </a:spcAft>
-              <a:buClr>
-                <a:schemeClr val="dk1"/>
-              </a:buClr>
-              <a:buSzPts val="1100"/>
-              <a:buFont typeface="Arial"/>
-              <a:buNone/>
-            </a:pPr>
-            <a:r>
-              <a:rPr lang="en-US" sz="1100" dirty="0">
-                <a:solidFill>
-                  <a:schemeClr val="dk1"/>
-                </a:solidFill>
-              </a:rPr>
-              <a:t>Administer Courses and timings | | | Manage Students | | | Administer Tests and marks | | | Subjects and Groups | | | Reports </a:t>
-            </a:r>
-            <a:endParaRPr sz="1100" dirty="0">
-              <a:solidFill>
-                <a:schemeClr val="dk1"/>
-              </a:solidFill>
-            </a:endParaRPr>
-          </a:p>
-          <a:p>
-            <a:pPr marL="0" lvl="0" indent="0" algn="l" rtl="0">
-              <a:lnSpc>
-                <a:spcPct val="115000"/>
-              </a:lnSpc>
-              <a:spcBef>
-                <a:spcPts val="1800"/>
-              </a:spcBef>
-              <a:spcAft>
-                <a:spcPts val="0"/>
-              </a:spcAft>
-              <a:buClr>
-                <a:schemeClr val="dk1"/>
-              </a:buClr>
-              <a:buSzPts val="1100"/>
-              <a:buFont typeface="Arial"/>
-              <a:buNone/>
-            </a:pPr>
-            <a:r>
-              <a:rPr lang="en-US" sz="900" b="1" dirty="0">
-                <a:solidFill>
-                  <a:schemeClr val="dk1"/>
-                </a:solidFill>
-              </a:rPr>
-              <a:t>Content Authoring/Validation Portal</a:t>
-            </a:r>
-            <a:endParaRPr sz="900" b="1" dirty="0">
-              <a:solidFill>
-                <a:schemeClr val="dk1"/>
-              </a:solidFill>
-            </a:endParaRPr>
-          </a:p>
-          <a:p>
-            <a:pPr marL="0" lvl="0" indent="0" algn="l" rtl="0">
-              <a:lnSpc>
-                <a:spcPct val="115000"/>
-              </a:lnSpc>
-              <a:spcBef>
-                <a:spcPts val="1200"/>
-              </a:spcBef>
-              <a:spcAft>
-                <a:spcPts val="0"/>
-              </a:spcAft>
-              <a:buClr>
-                <a:schemeClr val="dk1"/>
-              </a:buClr>
-              <a:buSzPts val="1100"/>
-              <a:buFont typeface="Arial"/>
-              <a:buNone/>
-            </a:pPr>
-            <a:r>
-              <a:rPr lang="en-US" sz="1000" dirty="0">
-                <a:solidFill>
-                  <a:schemeClr val="dk1"/>
-                </a:solidFill>
-              </a:rPr>
-              <a:t>| Content Creation | | | Content Validation | | | Workflow Management | | | Chat GPT API Integration | | | Business Rules | </a:t>
-            </a:r>
-            <a:endParaRPr sz="1000" dirty="0">
-              <a:solidFill>
-                <a:schemeClr val="dk1"/>
-              </a:solidFill>
-            </a:endParaRPr>
-          </a:p>
-          <a:p>
-            <a:pPr marL="0" lvl="0" indent="0" algn="l" rtl="0">
-              <a:lnSpc>
-                <a:spcPct val="115000"/>
-              </a:lnSpc>
-              <a:spcBef>
-                <a:spcPts val="1200"/>
-              </a:spcBef>
-              <a:spcAft>
-                <a:spcPts val="0"/>
-              </a:spcAft>
-              <a:buClr>
-                <a:schemeClr val="dk1"/>
-              </a:buClr>
-              <a:buSzPts val="1100"/>
-              <a:buFont typeface="Arial"/>
-              <a:buNone/>
-            </a:pPr>
-            <a:r>
-              <a:rPr lang="en-US" sz="1000" b="1" dirty="0">
-                <a:solidFill>
-                  <a:schemeClr val="dk1"/>
-                </a:solidFill>
-              </a:rPr>
-              <a:t>Administrator Portal</a:t>
-            </a:r>
-            <a:endParaRPr sz="1000" b="1" dirty="0">
-              <a:solidFill>
-                <a:schemeClr val="dk1"/>
-              </a:solidFill>
-            </a:endParaRPr>
-          </a:p>
-          <a:p>
-            <a:pPr marL="0" lvl="0" indent="0" algn="l" rtl="0">
-              <a:lnSpc>
-                <a:spcPct val="115000"/>
-              </a:lnSpc>
-              <a:spcBef>
-                <a:spcPts val="1200"/>
-              </a:spcBef>
-              <a:spcAft>
-                <a:spcPts val="0"/>
-              </a:spcAft>
-              <a:buClr>
-                <a:schemeClr val="dk1"/>
-              </a:buClr>
-              <a:buSzPts val="1100"/>
-              <a:buFont typeface="Arial"/>
-              <a:buNone/>
-            </a:pPr>
-            <a:r>
-              <a:rPr lang="en-US" sz="1000" dirty="0">
-                <a:solidFill>
-                  <a:schemeClr val="dk1"/>
-                </a:solidFill>
-              </a:rPr>
-              <a:t>| User Management | | | Manage the Application</a:t>
-            </a:r>
-            <a:endParaRPr sz="1000" dirty="0">
-              <a:solidFill>
-                <a:schemeClr val="dk1"/>
-              </a:solidFill>
-            </a:endParaRPr>
-          </a:p>
-          <a:p>
-            <a:pPr marL="0" lvl="0" indent="0" algn="l" rtl="0">
-              <a:spcBef>
-                <a:spcPts val="1200"/>
-              </a:spcBef>
-              <a:spcAft>
-                <a:spcPts val="0"/>
-              </a:spcAft>
-              <a:buClr>
-                <a:schemeClr val="dk1"/>
-              </a:buClr>
-              <a:buFont typeface="Arial"/>
-              <a:buNone/>
-            </a:pPr>
-            <a:endParaRPr sz="1200" b="1" dirty="0">
-              <a:solidFill>
-                <a:srgbClr val="222222"/>
-              </a:solidFill>
               <a:highlight>
-                <a:srgbClr val="FFFFFF"/>
+                <a:schemeClr val="lt1"/>
               </a:highlight>
-              <a:latin typeface="Lato"/>
-              <a:ea typeface="Lato"/>
-              <a:cs typeface="Lato"/>
-              <a:sym typeface="Lato"/>
-            </a:endParaRPr>
-          </a:p>
-          <a:p>
-            <a:pPr marL="0" marR="0" lvl="0" indent="0" algn="l" rtl="0">
-              <a:lnSpc>
-                <a:spcPct val="100000"/>
-              </a:lnSpc>
+            </a:endParaRPr>
+          </a:p>
+          <a:p>
+            <a:pPr marL="457200" lvl="0" indent="0" algn="l" rtl="0">
               <a:spcBef>
                 <a:spcPts val="0"/>
               </a:spcBef>
@@ -11341,36 +14599,17 @@
               </a:spcAft>
               <a:buNone/>
             </a:pPr>
-            <a:r>
-              <a:rPr lang="en-US" sz="1400" dirty="0">
-                <a:solidFill>
-                  <a:srgbClr val="000000"/>
-                </a:solidFill>
-                <a:highlight>
-                  <a:srgbClr val="FFFFFF"/>
-                </a:highlight>
-                <a:latin typeface="Arial"/>
-                <a:ea typeface="Arial"/>
-                <a:cs typeface="Arial"/>
-                <a:sym typeface="Arial"/>
-              </a:rPr>
-              <a:t>		</a:t>
-            </a:r>
-            <a:endParaRPr sz="1400" b="0" strike="noStrike" dirty="0">
+            <a:endParaRPr sz="1200" dirty="0">
               <a:solidFill>
                 <a:schemeClr val="dk1"/>
               </a:solidFill>
-              <a:latin typeface="Arial"/>
-              <a:ea typeface="Arial"/>
-              <a:cs typeface="Arial"/>
-              <a:sym typeface="Arial"/>
-            </a:endParaRPr>
-          </a:p>
-          <a:p>
-            <a:pPr marL="0" marR="0" lvl="0" indent="0" algn="l" rtl="0">
-              <a:lnSpc>
-                <a:spcPct val="100000"/>
-              </a:lnSpc>
+              <a:highlight>
+                <a:schemeClr val="lt1"/>
+              </a:highlight>
+            </a:endParaRPr>
+          </a:p>
+          <a:p>
+            <a:pPr marL="457200" lvl="0" indent="0" algn="l" rtl="0">
               <a:spcBef>
                 <a:spcPts val="0"/>
               </a:spcBef>
@@ -11379,74 +14618,28 @@
               </a:spcAft>
               <a:buNone/>
             </a:pPr>
-            <a:endParaRPr sz="1400" b="0" strike="noStrike" dirty="0">
+            <a:r>
+              <a:rPr lang="en-US" sz="1200" dirty="0">
+                <a:solidFill>
+                  <a:schemeClr val="dk1"/>
+                </a:solidFill>
+                <a:highlight>
+                  <a:schemeClr val="lt1"/>
+                </a:highlight>
+              </a:rPr>
+              <a:t>We would provide Teachers a User Interface to provide content to ChatGPT and request ChatGPT to generate a set of questions and answers that they can then validate and then submit it for review.</a:t>
+            </a:r>
+            <a:endParaRPr sz="1200" dirty="0">
               <a:solidFill>
                 <a:schemeClr val="dk1"/>
               </a:solidFill>
-              <a:latin typeface="Arial"/>
-              <a:ea typeface="Arial"/>
-              <a:cs typeface="Arial"/>
-              <a:sym typeface="Arial"/>
-            </a:endParaRPr>
-          </a:p>
-        </p:txBody>
-      </p:sp>
-      <p:pic>
-        <p:nvPicPr>
-          <p:cNvPr id="174" name="Google Shape;174;p9" descr="Icon&#10;&#10;Description automatically generated"/>
-          <p:cNvPicPr preferRelativeResize="0"/>
-          <p:nvPr/>
-        </p:nvPicPr>
-        <p:blipFill rotWithShape="1">
-          <a:blip r:embed="rId3">
-            <a:alphaModFix/>
-          </a:blip>
-          <a:srcRect/>
-          <a:stretch/>
-        </p:blipFill>
-        <p:spPr>
-          <a:xfrm>
-            <a:off x="7780443" y="4633306"/>
-            <a:ext cx="1274760" cy="302040"/>
-          </a:xfrm>
-          <a:prstGeom prst="rect">
-            <a:avLst/>
-          </a:prstGeom>
-          <a:noFill/>
-          <a:ln>
-            <a:noFill/>
-          </a:ln>
-        </p:spPr>
-      </p:pic>
-      <p:sp>
-        <p:nvSpPr>
-          <p:cNvPr id="175" name="Google Shape;175;p9"/>
-          <p:cNvSpPr txBox="1"/>
-          <p:nvPr/>
-        </p:nvSpPr>
-        <p:spPr>
-          <a:xfrm>
-            <a:off x="4397434" y="706582"/>
-            <a:ext cx="3857100" cy="769500"/>
-          </a:xfrm>
-          <a:prstGeom prst="rect">
-            <a:avLst/>
-          </a:prstGeom>
-          <a:noFill/>
-          <a:ln>
-            <a:noFill/>
-          </a:ln>
-        </p:spPr>
-        <p:txBody>
-          <a:bodyPr spcFirstLastPara="1" wrap="square" lIns="91425" tIns="45700" rIns="91425" bIns="45700" anchor="t" anchorCtr="0">
-            <a:spAutoFit/>
-          </a:bodyPr>
-          <a:lstStyle/>
-          <a:p>
-            <a:pPr marL="0" marR="0" lvl="0" indent="0" algn="l" rtl="0">
-              <a:lnSpc>
-                <a:spcPct val="100000"/>
-              </a:lnSpc>
+              <a:highlight>
+                <a:schemeClr val="lt1"/>
+              </a:highlight>
+            </a:endParaRPr>
+          </a:p>
+          <a:p>
+            <a:pPr marL="457200" lvl="0" indent="0" algn="l" rtl="0">
               <a:spcBef>
                 <a:spcPts val="0"/>
               </a:spcBef>
@@ -11455,36 +14648,17 @@
               </a:spcAft>
               <a:buNone/>
             </a:pPr>
-            <a:r>
-              <a:rPr lang="en-US" sz="1800">
-                <a:solidFill>
-                  <a:srgbClr val="000000"/>
-                </a:solidFill>
-                <a:highlight>
-                  <a:srgbClr val="FFFFFF"/>
-                </a:highlight>
-                <a:latin typeface="Arial"/>
-                <a:ea typeface="Arial"/>
-                <a:cs typeface="Arial"/>
-                <a:sym typeface="Arial"/>
-              </a:rPr>
-              <a:t>	</a:t>
-            </a:r>
-            <a:endParaRPr sz="1800" b="0" strike="noStrike">
+            <a:endParaRPr sz="1200" dirty="0">
               <a:solidFill>
                 <a:schemeClr val="dk1"/>
               </a:solidFill>
-              <a:latin typeface="Arial"/>
-              <a:ea typeface="Arial"/>
-              <a:cs typeface="Arial"/>
-              <a:sym typeface="Arial"/>
-            </a:endParaRPr>
-          </a:p>
-          <a:p>
-            <a:pPr marL="0" marR="0" lvl="0" indent="0" algn="l" rtl="0">
-              <a:lnSpc>
-                <a:spcPct val="100000"/>
-              </a:lnSpc>
+              <a:highlight>
+                <a:schemeClr val="lt1"/>
+              </a:highlight>
+            </a:endParaRPr>
+          </a:p>
+          <a:p>
+            <a:pPr marL="0" lvl="0" indent="0" algn="l" rtl="0">
               <a:spcBef>
                 <a:spcPts val="0"/>
               </a:spcBef>
@@ -11494,35 +14668,27 @@
               <a:buNone/>
             </a:pPr>
             <a:r>
-              <a:rPr lang="en-US" sz="1400" b="0" strike="noStrike">
-                <a:solidFill>
-                  <a:srgbClr val="000000"/>
+              <a:rPr lang="en-US" sz="1200" dirty="0">
+                <a:solidFill>
+                  <a:schemeClr val="dk1"/>
                 </a:solidFill>
                 <a:highlight>
-                  <a:srgbClr val="FFFFFF"/>
+                  <a:schemeClr val="lt1"/>
                 </a:highlight>
-                <a:latin typeface="Arial"/>
-                <a:ea typeface="Arial"/>
-                <a:cs typeface="Arial"/>
-                <a:sym typeface="Arial"/>
-              </a:rPr>
-              <a:t>	</a:t>
-            </a:r>
-            <a:endParaRPr sz="1200" b="0" strike="noStrike">
+              </a:rPr>
+              <a:t>ALL CONTENT generated by Chat GPT WILL go through a Review Workflow by authorized domain experts before it gets approved within the Teaching Application.</a:t>
+            </a:r>
+            <a:endParaRPr sz="1200" dirty="0">
               <a:solidFill>
                 <a:schemeClr val="dk1"/>
               </a:solidFill>
-              <a:latin typeface="Arial"/>
-              <a:ea typeface="Arial"/>
-              <a:cs typeface="Arial"/>
-              <a:sym typeface="Arial"/>
-            </a:endParaRPr>
-          </a:p>
-          <a:p>
-            <a:pPr marL="0" marR="0" lvl="0" indent="0" algn="l" rtl="0">
-              <a:lnSpc>
-                <a:spcPct val="100000"/>
-              </a:lnSpc>
+              <a:highlight>
+                <a:schemeClr val="lt1"/>
+              </a:highlight>
+            </a:endParaRPr>
+          </a:p>
+          <a:p>
+            <a:pPr marL="457200" lvl="0" indent="0" algn="l" rtl="0">
               <a:spcBef>
                 <a:spcPts val="0"/>
               </a:spcBef>
@@ -11531,18 +14697,43 @@
               </a:spcAft>
               <a:buNone/>
             </a:pPr>
-            <a:endParaRPr sz="1200" b="0" strike="noStrike">
+            <a:endParaRPr sz="1200" dirty="0">
               <a:solidFill>
                 <a:schemeClr val="dk1"/>
               </a:solidFill>
-              <a:latin typeface="Arial"/>
-              <a:ea typeface="Arial"/>
-              <a:cs typeface="Arial"/>
-              <a:sym typeface="Arial"/>
             </a:endParaRPr>
           </a:p>
         </p:txBody>
       </p:sp>
+      <p:pic>
+        <p:nvPicPr>
+          <p:cNvPr id="2" name="Picture 4" descr="Icon&#10;&#10;Description automatically generated">
+            <a:extLst>
+              <a:ext uri="{FF2B5EF4-FFF2-40B4-BE49-F238E27FC236}">
+                <a16:creationId xmlns:a16="http://schemas.microsoft.com/office/drawing/2014/main" id="{EF650C5B-33D8-5611-0E6A-D275ADF84DB9}"/>
+              </a:ext>
+            </a:extLst>
+          </p:cNvPr>
+          <p:cNvPicPr/>
+          <p:nvPr/>
+        </p:nvPicPr>
+        <p:blipFill>
+          <a:blip r:embed="rId3"/>
+          <a:stretch/>
+        </p:blipFill>
+        <p:spPr>
+          <a:xfrm>
+            <a:off x="7789320" y="4744080"/>
+            <a:ext cx="1274760" cy="302040"/>
+          </a:xfrm>
+          <a:prstGeom prst="rect">
+            <a:avLst/>
+          </a:prstGeom>
+          <a:ln>
+            <a:noFill/>
+          </a:ln>
+        </p:spPr>
+      </p:pic>
     </p:spTree>
   </p:cSld>
   <p:clrMapOvr>

--- a/idea/PLEDGE_TO_PROGRES_Microsoft_Sustainability.pptx
+++ b/idea/PLEDGE_TO_PROGRES_Microsoft_Sustainability.pptx
@@ -215,7 +215,7 @@
           <a:p>
             <a:fld id="{FBFD51B6-438E-4B49-BDFD-77DBC8044A30}" type="datetimeFigureOut">
               <a:rPr lang="en-US" smtClean="0"/>
-              <a:t>4/29/2023</a:t>
+              <a:t>5/1/2023</a:t>
             </a:fld>
             <a:endParaRPr lang="en-US" dirty="0"/>
           </a:p>
@@ -7907,14 +7907,14 @@
           <p:nvPr>
             <p:extLst>
               <p:ext uri="{D42A27DB-BD31-4B8C-83A1-F6EECF244321}">
-                <p14:modId xmlns:p14="http://schemas.microsoft.com/office/powerpoint/2010/main" val="2378182601"/>
+                <p14:modId xmlns:p14="http://schemas.microsoft.com/office/powerpoint/2010/main" val="4080611323"/>
               </p:ext>
             </p:extLst>
           </p:nvPr>
         </p:nvGraphicFramePr>
         <p:xfrm>
           <a:off x="79919" y="422624"/>
-          <a:ext cx="8910401" cy="4287044"/>
+          <a:ext cx="8910401" cy="4421981"/>
         </p:xfrm>
         <a:graphic>
           <a:graphicData uri="http://schemas.openxmlformats.org/drawingml/2006/table">
@@ -8539,6 +8539,28 @@
                           <a:ea typeface="Lato" panose="020F0502020204030203" pitchFamily="34" charset="0"/>
                           <a:cs typeface="Lato" panose="020F0502020204030203" pitchFamily="34" charset="0"/>
                         </a:rPr>
+                        <a:t>Chatbot , AI,  ML</a:t>
+                      </a:r>
+                    </a:p>
+                    <a:p>
+                      <a:pPr marL="0" marR="0">
+                        <a:lnSpc>
+                          <a:spcPct val="107000"/>
+                        </a:lnSpc>
+                        <a:spcBef>
+                          <a:spcPts val="0"/>
+                        </a:spcBef>
+                        <a:spcAft>
+                          <a:spcPts val="0"/>
+                        </a:spcAft>
+                      </a:pPr>
+                      <a:r>
+                        <a:rPr lang="en-US" sz="900" dirty="0">
+                          <a:effectLst/>
+                          <a:latin typeface="Lato" panose="020F0502020204030203" pitchFamily="34" charset="0"/>
+                          <a:ea typeface="Lato" panose="020F0502020204030203" pitchFamily="34" charset="0"/>
+                          <a:cs typeface="Lato" panose="020F0502020204030203" pitchFamily="34" charset="0"/>
+                        </a:rPr>
                         <a:t> </a:t>
                       </a:r>
                     </a:p>
@@ -8551,7 +8573,7 @@
                   </a:ext>
                 </a:extLst>
               </a:tr>
-              <a:tr h="879984">
+              <a:tr h="766645">
                 <a:tc>
                   <a:txBody>
                     <a:bodyPr/>
@@ -8831,11 +8853,29 @@
                           <a:ea typeface="Lato" panose="020F0502020204030203" pitchFamily="34" charset="0"/>
                           <a:cs typeface="Lato" panose="020F0502020204030203" pitchFamily="34" charset="0"/>
                         </a:rPr>
-                        <a:t>Api Services: open source JHipster </a:t>
+                        <a:t>Api Services: open source </a:t>
+                      </a:r>
+                      <a:r>
+                        <a:rPr lang="en-US" sz="900" dirty="0" err="1">
+                          <a:effectLst/>
+                          <a:latin typeface="Lato" panose="020F0502020204030203" pitchFamily="34" charset="0"/>
+                          <a:ea typeface="Lato" panose="020F0502020204030203" pitchFamily="34" charset="0"/>
+                          <a:cs typeface="Lato" panose="020F0502020204030203" pitchFamily="34" charset="0"/>
+                        </a:rPr>
+                        <a:t>JHipster</a:t>
+                      </a:r>
+                      <a:r>
+                        <a:rPr lang="en-US" sz="900" dirty="0">
+                          <a:effectLst/>
+                          <a:latin typeface="Lato" panose="020F0502020204030203" pitchFamily="34" charset="0"/>
+                          <a:ea typeface="Lato" panose="020F0502020204030203" pitchFamily="34" charset="0"/>
+                          <a:cs typeface="Lato" panose="020F0502020204030203" pitchFamily="34" charset="0"/>
+                        </a:rPr>
+                        <a:t> </a:t>
                       </a:r>
                     </a:p>
                     <a:p>
-                      <a:pPr marL="0" marR="0">
+                      <a:pPr marL="0" marR="0" lvl="0" indent="0" algn="l" defTabSz="914400" rtl="0" eaLnBrk="1" fontAlgn="auto" latinLnBrk="0" hangingPunct="1">
                         <a:lnSpc>
                           <a:spcPct val="107000"/>
                         </a:lnSpc>
@@ -8845,6 +8885,12 @@
                         <a:spcAft>
                           <a:spcPts val="0"/>
                         </a:spcAft>
+                        <a:buClrTx/>
+                        <a:buSzTx/>
+                        <a:buFontTx/>
+                        <a:buNone/>
+                        <a:tabLst/>
+                        <a:defRPr/>
                       </a:pPr>
                       <a:r>
                         <a:rPr lang="en-US" sz="900" dirty="0">
@@ -8853,8 +8899,33 @@
                           <a:ea typeface="Lato" panose="020F0502020204030203" pitchFamily="34" charset="0"/>
                           <a:cs typeface="Lato" panose="020F0502020204030203" pitchFamily="34" charset="0"/>
                         </a:rPr>
-                        <a:t> </a:t>
+                        <a:t>Chatbot , AI,  ML</a:t>
                       </a:r>
+                    </a:p>
+                    <a:p>
+                      <a:pPr marL="0" marR="0" lvl="0" indent="0" algn="l" defTabSz="914400" rtl="0" eaLnBrk="1" fontAlgn="auto" latinLnBrk="0" hangingPunct="1">
+                        <a:lnSpc>
+                          <a:spcPct val="107000"/>
+                        </a:lnSpc>
+                        <a:spcBef>
+                          <a:spcPts val="0"/>
+                        </a:spcBef>
+                        <a:spcAft>
+                          <a:spcPts val="0"/>
+                        </a:spcAft>
+                        <a:buClrTx/>
+                        <a:buSzTx/>
+                        <a:buFontTx/>
+                        <a:buNone/>
+                        <a:tabLst/>
+                        <a:defRPr/>
+                      </a:pPr>
+                      <a:endParaRPr lang="en-US" sz="900" dirty="0">
+                        <a:effectLst/>
+                        <a:latin typeface="Lato" panose="020F0502020204030203" pitchFamily="34" charset="0"/>
+                        <a:ea typeface="Lato" panose="020F0502020204030203" pitchFamily="34" charset="0"/>
+                        <a:cs typeface="Lato" panose="020F0502020204030203" pitchFamily="34" charset="0"/>
+                      </a:endParaRPr>
                     </a:p>
                     <a:p>
                       <a:pPr marL="0" marR="0">
@@ -8868,15 +8939,12 @@
                           <a:spcPts val="0"/>
                         </a:spcAft>
                       </a:pPr>
-                      <a:r>
-                        <a:rPr lang="en-US" sz="900" dirty="0">
-                          <a:effectLst/>
-                          <a:latin typeface="Lato" panose="020F0502020204030203" pitchFamily="34" charset="0"/>
-                          <a:ea typeface="Lato" panose="020F0502020204030203" pitchFamily="34" charset="0"/>
-                          <a:cs typeface="Lato" panose="020F0502020204030203" pitchFamily="34" charset="0"/>
-                        </a:rPr>
-                        <a:t> </a:t>
-                      </a:r>
+                      <a:endParaRPr lang="en-US" sz="900" dirty="0">
+                        <a:effectLst/>
+                        <a:latin typeface="Lato" panose="020F0502020204030203" pitchFamily="34" charset="0"/>
+                        <a:ea typeface="Lato" panose="020F0502020204030203" pitchFamily="34" charset="0"/>
+                        <a:cs typeface="Lato" panose="020F0502020204030203" pitchFamily="34" charset="0"/>
+                      </a:endParaRPr>
                     </a:p>
                   </a:txBody>
                   <a:tcPr marL="30256" marR="30256" marT="0" marB="0"/>
@@ -13157,7 +13225,7 @@
                 <a:latin typeface="Lato"/>
                 <a:ea typeface="Lato"/>
               </a:rPr>
-              <a:t>ipster, github</a:t>
+              <a:t>ipster, github, Chatbot, AI, ML</a:t>
             </a:r>
             <a:endParaRPr lang="en-IN" sz="1400" b="0" strike="noStrike" spc="-1" dirty="0">
               <a:solidFill>
